--- a/draft-gandhi-ippm-simple-direct-loss-00.pptx
+++ b/draft-gandhi-ippm-simple-direct-loss-00.pptx
@@ -12766,39 +12766,7 @@
             </a:r>
           </a:p>
           <a:p>
-            <a:pPr marL="0" marR="0" lvl="0" indent="0" algn="l" defTabSz="914400" rtl="0" eaLnBrk="0" fontAlgn="base" latinLnBrk="0" hangingPunct="0">
-              <a:lnSpc>
-                <a:spcPct val="100000"/>
-              </a:lnSpc>
-              <a:spcBef>
-                <a:spcPct val="0"/>
-              </a:spcBef>
-              <a:spcAft>
-                <a:spcPct val="0"/>
-              </a:spcAft>
-              <a:buClrTx/>
-              <a:buSzTx/>
-              <a:buFontTx/>
-              <a:buNone/>
-              <a:tabLst>
-                <a:tab pos="581025" algn="l"/>
-                <a:tab pos="1163638" algn="l"/>
-                <a:tab pos="1744663" algn="l"/>
-                <a:tab pos="2327275" algn="l"/>
-                <a:tab pos="2908300" algn="l"/>
-                <a:tab pos="3489325" algn="l"/>
-                <a:tab pos="4071938" algn="l"/>
-                <a:tab pos="4652963" algn="l"/>
-                <a:tab pos="5235575" algn="l"/>
-                <a:tab pos="5816600" algn="l"/>
-                <a:tab pos="6397625" algn="l"/>
-                <a:tab pos="6980238" algn="l"/>
-                <a:tab pos="7561263" algn="l"/>
-                <a:tab pos="8143875" algn="l"/>
-                <a:tab pos="8724900" algn="l"/>
-                <a:tab pos="9305925" algn="l"/>
-              </a:tabLst>
-            </a:pPr>
+            <a:pPr lvl="0"/>
             <a:r>
               <a:rPr lang="en-US" altLang="en-US" sz="800" dirty="0">
                 <a:solidFill>
@@ -12809,21 +12777,56 @@
                 <a:latin typeface="Courier" pitchFamily="2" charset="0"/>
                 <a:ea typeface="Times New Roman" panose="02020603050405020304" pitchFamily="18" charset="0"/>
               </a:rPr>
-              <a:t>|                        MBZ (4 octets)                         |</a:t>
-            </a:r>
-            <a:endParaRPr kumimoji="0" lang="en-US" altLang="en-US" sz="800" u="none" strike="noStrike" cap="none" normalizeH="0" baseline="0" dirty="0">
-              <a:ln>
-                <a:noFill/>
-              </a:ln>
-              <a:solidFill>
-                <a:schemeClr val="bg2">
-                  <a:lumMod val="50000"/>
-                </a:schemeClr>
-              </a:solidFill>
-              <a:effectLst/>
-              <a:latin typeface="Courier" pitchFamily="2" charset="0"/>
-              <a:ea typeface="Times New Roman" panose="02020603050405020304" pitchFamily="18" charset="0"/>
-            </a:endParaRPr>
+              <a:t>| MBZ | </a:t>
+            </a:r>
+            <a:r>
+              <a:rPr lang="en-US" altLang="en-US" sz="800" dirty="0" err="1">
+                <a:solidFill>
+                  <a:schemeClr val="bg2">
+                    <a:lumMod val="50000"/>
+                  </a:schemeClr>
+                </a:solidFill>
+                <a:latin typeface="Courier" pitchFamily="2" charset="0"/>
+                <a:ea typeface="Times New Roman" panose="02020603050405020304" pitchFamily="18" charset="0"/>
+              </a:rPr>
+              <a:t>Ses</a:t>
+            </a:r>
+            <a:r>
+              <a:rPr lang="en-US" altLang="en-US" sz="800" dirty="0">
+                <a:solidFill>
+                  <a:schemeClr val="bg2">
+                    <a:lumMod val="50000"/>
+                  </a:schemeClr>
+                </a:solidFill>
+                <a:latin typeface="Courier" pitchFamily="2" charset="0"/>
+                <a:ea typeface="Times New Roman" panose="02020603050405020304" pitchFamily="18" charset="0"/>
+              </a:rPr>
+              <a:t>-DSCP  |</a:t>
+            </a:r>
+            <a:r>
+              <a:rPr lang="en-US" altLang="en-US" sz="800" dirty="0" err="1">
+                <a:solidFill>
+                  <a:schemeClr val="bg2">
+                    <a:lumMod val="50000"/>
+                  </a:schemeClr>
+                </a:solidFill>
+                <a:latin typeface="Courier" pitchFamily="2" charset="0"/>
+                <a:ea typeface="Times New Roman" panose="02020603050405020304" pitchFamily="18" charset="0"/>
+              </a:rPr>
+              <a:t>Ses</a:t>
+            </a:r>
+            <a:r>
+              <a:rPr lang="en-US" altLang="en-US" sz="800" dirty="0">
+                <a:solidFill>
+                  <a:schemeClr val="bg2">
+                    <a:lumMod val="50000"/>
+                  </a:schemeClr>
+                </a:solidFill>
+                <a:latin typeface="Courier" pitchFamily="2" charset="0"/>
+                <a:ea typeface="Times New Roman" panose="02020603050405020304" pitchFamily="18" charset="0"/>
+              </a:rPr>
+              <a:t>-Block Num| MBZ (2 octets)                |</a:t>
+            </a:r>
           </a:p>
           <a:p>
             <a:pPr marL="0" marR="0" lvl="0" indent="0" algn="l" defTabSz="914400" rtl="0" eaLnBrk="0" fontAlgn="base" latinLnBrk="0" hangingPunct="0">

--- a/draft-gandhi-ippm-simple-direct-loss-00.pptx
+++ b/draft-gandhi-ippm-simple-direct-loss-00.pptx
@@ -5,10 +5,10 @@
     <p:sldMasterId id="2147483648" r:id="rId1"/>
   </p:sldMasterIdLst>
   <p:notesMasterIdLst>
-    <p:notesMasterId r:id="rId14"/>
+    <p:notesMasterId r:id="rId15"/>
   </p:notesMasterIdLst>
   <p:handoutMasterIdLst>
-    <p:handoutMasterId r:id="rId15"/>
+    <p:handoutMasterId r:id="rId16"/>
   </p:handoutMasterIdLst>
   <p:sldIdLst>
     <p:sldId id="1661" r:id="rId2"/>
@@ -23,6 +23,7 @@
     <p:sldId id="3054" r:id="rId11"/>
     <p:sldId id="1649" r:id="rId12"/>
     <p:sldId id="3059" r:id="rId13"/>
+    <p:sldId id="3060" r:id="rId14"/>
   </p:sldIdLst>
   <p:sldSz cx="9144000" cy="5143500" type="screen16x9"/>
   <p:notesSz cx="6858000" cy="9144000"/>
@@ -1412,6 +1413,96 @@
 </p:notes>
 </file>
 
+<file path=ppt/notesSlides/notesSlide8.xml><?xml version="1.0" encoding="utf-8"?>
+<p:notes xmlns:a="http://schemas.openxmlformats.org/drawingml/2006/main" xmlns:r="http://schemas.openxmlformats.org/officeDocument/2006/relationships" xmlns:p="http://schemas.openxmlformats.org/presentationml/2006/main">
+  <p:cSld>
+    <p:spTree>
+      <p:nvGrpSpPr>
+        <p:cNvPr id="1" name=""/>
+        <p:cNvGrpSpPr/>
+        <p:nvPr/>
+      </p:nvGrpSpPr>
+      <p:grpSpPr>
+        <a:xfrm>
+          <a:off x="0" y="0"/>
+          <a:ext cx="0" cy="0"/>
+          <a:chOff x="0" y="0"/>
+          <a:chExt cx="0" cy="0"/>
+        </a:xfrm>
+      </p:grpSpPr>
+      <p:sp>
+        <p:nvSpPr>
+          <p:cNvPr id="2" name="Slide Image Placeholder 1"/>
+          <p:cNvSpPr>
+            <a:spLocks noGrp="1" noRot="1" noChangeAspect="1"/>
+          </p:cNvSpPr>
+          <p:nvPr>
+            <p:ph type="sldImg"/>
+          </p:nvPr>
+        </p:nvSpPr>
+        <p:spPr/>
+      </p:sp>
+      <p:sp>
+        <p:nvSpPr>
+          <p:cNvPr id="3" name="Notes Placeholder 2"/>
+          <p:cNvSpPr>
+            <a:spLocks noGrp="1"/>
+          </p:cNvSpPr>
+          <p:nvPr>
+            <p:ph type="body" idx="1"/>
+          </p:nvPr>
+        </p:nvSpPr>
+        <p:spPr/>
+        <p:txBody>
+          <a:bodyPr/>
+          <a:lstStyle/>
+          <a:p>
+            <a:endParaRPr lang="en-US" dirty="0"/>
+          </a:p>
+        </p:txBody>
+      </p:sp>
+      <p:sp>
+        <p:nvSpPr>
+          <p:cNvPr id="4" name="Slide Number Placeholder 3"/>
+          <p:cNvSpPr>
+            <a:spLocks noGrp="1"/>
+          </p:cNvSpPr>
+          <p:nvPr>
+            <p:ph type="sldNum" sz="quarter" idx="10"/>
+          </p:nvPr>
+        </p:nvSpPr>
+        <p:spPr/>
+        <p:txBody>
+          <a:bodyPr/>
+          <a:lstStyle/>
+          <a:p>
+            <a:pPr>
+              <a:defRPr/>
+            </a:pPr>
+            <a:fld id="{100938BD-FD70-4535-B0C2-13FC38CDF1BE}" type="slidenum">
+              <a:rPr lang="en-US" altLang="zh-CN" smtClean="0"/>
+              <a:pPr>
+                <a:defRPr/>
+              </a:pPr>
+              <a:t>13</a:t>
+            </a:fld>
+            <a:endParaRPr lang="en-US" altLang="zh-CN"/>
+          </a:p>
+        </p:txBody>
+      </p:sp>
+    </p:spTree>
+    <p:extLst>
+      <p:ext uri="{BB962C8B-B14F-4D97-AF65-F5344CB8AC3E}">
+        <p14:creationId xmlns:p14="http://schemas.microsoft.com/office/powerpoint/2010/main" val="4029659722"/>
+      </p:ext>
+    </p:extLst>
+  </p:cSld>
+  <p:clrMapOvr>
+    <a:masterClrMapping/>
+  </p:clrMapOvr>
+</p:notes>
+</file>
+
 <file path=ppt/slideLayouts/slideLayout1.xml><?xml version="1.0" encoding="utf-8"?>
 <p:sldLayout xmlns:a="http://schemas.openxmlformats.org/drawingml/2006/main" xmlns:r="http://schemas.openxmlformats.org/officeDocument/2006/relationships" xmlns:p="http://schemas.openxmlformats.org/presentationml/2006/main" type="title" preserve="1">
   <p:cSld name="Title Slide">
@@ -2288,7 +2379,7 @@
               </a14:hiddenLine>
             </a:ext>
             <a:ext uri="{FAA26D3D-D897-4be2-8F04-BA451C77F1D7}">
-              <ma14:placeholderFlag xmlns:ma14="http://schemas.microsoft.com/office/mac/drawingml/2011/main" xmlns="" val="1"/>
+              <ma14:placeholderFlag xmlns="" xmlns:ma14="http://schemas.microsoft.com/office/mac/drawingml/2011/main" val="1"/>
             </a:ext>
           </a:extLst>
         </p:spPr>
@@ -2719,14 +2810,14 @@
           </a:ln>
           <a:extLst>
             <a:ext uri="{909E8E84-426E-40dd-AFC4-6F175D3DCCD1}">
-              <a14:hiddenFill xmlns:a14="http://schemas.microsoft.com/office/drawing/2010/main" xmlns="">
+              <a14:hiddenFill xmlns="" xmlns:a14="http://schemas.microsoft.com/office/drawing/2010/main">
                 <a:solidFill>
                   <a:srgbClr val="FFFFFF"/>
                 </a:solidFill>
               </a14:hiddenFill>
             </a:ext>
             <a:ext uri="{91240B29-F687-4f45-9708-019B960494DF}">
-              <a14:hiddenLine xmlns:a14="http://schemas.microsoft.com/office/drawing/2010/main" xmlns="" w="9525">
+              <a14:hiddenLine xmlns="" xmlns:a14="http://schemas.microsoft.com/office/drawing/2010/main" w="9525">
                 <a:solidFill>
                   <a:srgbClr val="000000"/>
                 </a:solidFill>
@@ -5736,14 +5827,14 @@
               </a14:hiddenLine>
             </a:ext>
             <a:ext uri="{909E8E84-426E-40dd-AFC4-6F175D3DCCD1}">
-              <a14:hiddenFill xmlns:a14="http://schemas.microsoft.com/office/drawing/2010/main" xmlns="">
+              <a14:hiddenFill xmlns="" xmlns:a14="http://schemas.microsoft.com/office/drawing/2010/main">
                 <a:solidFill>
                   <a:srgbClr val="FFFFFF"/>
                 </a:solidFill>
               </a14:hiddenFill>
             </a:ext>
             <a:ext uri="{91240B29-F687-4f45-9708-019B960494DF}">
-              <a14:hiddenLine xmlns:a14="http://schemas.microsoft.com/office/drawing/2010/main" xmlns="" w="9525">
+              <a14:hiddenLine xmlns="" xmlns:a14="http://schemas.microsoft.com/office/drawing/2010/main" w="9525">
                 <a:solidFill>
                   <a:srgbClr val="000000"/>
                 </a:solidFill>
@@ -9905,6 +9996,289 @@
 </p:sld>
 </file>
 
+<file path=ppt/slides/slide13.xml><?xml version="1.0" encoding="utf-8"?>
+<p:sld xmlns:a="http://schemas.openxmlformats.org/drawingml/2006/main" xmlns:r="http://schemas.openxmlformats.org/officeDocument/2006/relationships" xmlns:p="http://schemas.openxmlformats.org/presentationml/2006/main">
+  <p:cSld>
+    <p:spTree>
+      <p:nvGrpSpPr>
+        <p:cNvPr id="1" name=""/>
+        <p:cNvGrpSpPr/>
+        <p:nvPr/>
+      </p:nvGrpSpPr>
+      <p:grpSpPr>
+        <a:xfrm>
+          <a:off x="0" y="0"/>
+          <a:ext cx="0" cy="0"/>
+          <a:chOff x="0" y="0"/>
+          <a:chExt cx="0" cy="0"/>
+        </a:xfrm>
+      </p:grpSpPr>
+      <p:sp>
+        <p:nvSpPr>
+          <p:cNvPr id="4" name="Footer Placeholder 3"/>
+          <p:cNvSpPr>
+            <a:spLocks noGrp="1"/>
+          </p:cNvSpPr>
+          <p:nvPr>
+            <p:ph type="ftr" sz="quarter" idx="11"/>
+          </p:nvPr>
+        </p:nvSpPr>
+        <p:spPr>
+          <a:xfrm>
+            <a:off x="3048000" y="4786312"/>
+            <a:ext cx="2895600" cy="357188"/>
+          </a:xfrm>
+        </p:spPr>
+        <p:txBody>
+          <a:bodyPr/>
+          <a:lstStyle/>
+          <a:p>
+            <a:r>
+              <a:rPr lang="en-CA" dirty="0"/>
+              <a:t>110</a:t>
+            </a:r>
+            <a:r>
+              <a:rPr lang="en-CA" baseline="30000" dirty="0"/>
+              <a:t>th</a:t>
+            </a:r>
+            <a:r>
+              <a:rPr lang="en-CA" dirty="0"/>
+              <a:t> IETF Online</a:t>
+            </a:r>
+          </a:p>
+        </p:txBody>
+      </p:sp>
+      <p:sp>
+        <p:nvSpPr>
+          <p:cNvPr id="5" name="Rectangle 2"/>
+          <p:cNvSpPr txBox="1">
+            <a:spLocks noChangeArrowheads="1"/>
+          </p:cNvSpPr>
+          <p:nvPr/>
+        </p:nvSpPr>
+        <p:spPr bwMode="auto">
+          <a:xfrm>
+            <a:off x="685800" y="1657350"/>
+            <a:ext cx="7772400" cy="1102519"/>
+          </a:xfrm>
+          <a:prstGeom prst="rect">
+            <a:avLst/>
+          </a:prstGeom>
+          <a:noFill/>
+          <a:ln w="9525">
+            <a:noFill/>
+            <a:miter lim="800000"/>
+            <a:headEnd/>
+            <a:tailEnd/>
+          </a:ln>
+          <a:effectLst/>
+        </p:spPr>
+        <p:txBody>
+          <a:bodyPr vert="horz" wrap="square" lIns="91440" tIns="45720" rIns="91440" bIns="45720" numCol="1" anchor="ctr" anchorCtr="0" compatLnSpc="1">
+            <a:prstTxWarp prst="textNoShape">
+              <a:avLst/>
+            </a:prstTxWarp>
+          </a:bodyPr>
+          <a:lstStyle>
+            <a:lvl1pPr algn="ctr" rtl="0" eaLnBrk="0" fontAlgn="base" hangingPunct="0">
+              <a:spcBef>
+                <a:spcPct val="0"/>
+              </a:spcBef>
+              <a:spcAft>
+                <a:spcPct val="0"/>
+              </a:spcAft>
+              <a:defRPr sz="4400">
+                <a:solidFill>
+                  <a:schemeClr val="tx2"/>
+                </a:solidFill>
+                <a:latin typeface="+mj-lt"/>
+                <a:ea typeface="+mj-ea"/>
+                <a:cs typeface="+mj-cs"/>
+              </a:defRPr>
+            </a:lvl1pPr>
+            <a:lvl2pPr algn="ctr" rtl="0" eaLnBrk="0" fontAlgn="base" hangingPunct="0">
+              <a:spcBef>
+                <a:spcPct val="0"/>
+              </a:spcBef>
+              <a:spcAft>
+                <a:spcPct val="0"/>
+              </a:spcAft>
+              <a:defRPr sz="4400">
+                <a:solidFill>
+                  <a:schemeClr val="tx2"/>
+                </a:solidFill>
+                <a:latin typeface="Arial" charset="0"/>
+                <a:ea typeface="宋体" pitchFamily="2" charset="-122"/>
+              </a:defRPr>
+            </a:lvl2pPr>
+            <a:lvl3pPr algn="ctr" rtl="0" eaLnBrk="0" fontAlgn="base" hangingPunct="0">
+              <a:spcBef>
+                <a:spcPct val="0"/>
+              </a:spcBef>
+              <a:spcAft>
+                <a:spcPct val="0"/>
+              </a:spcAft>
+              <a:defRPr sz="4400">
+                <a:solidFill>
+                  <a:schemeClr val="tx2"/>
+                </a:solidFill>
+                <a:latin typeface="Arial" charset="0"/>
+                <a:ea typeface="宋体" pitchFamily="2" charset="-122"/>
+              </a:defRPr>
+            </a:lvl3pPr>
+            <a:lvl4pPr algn="ctr" rtl="0" eaLnBrk="0" fontAlgn="base" hangingPunct="0">
+              <a:spcBef>
+                <a:spcPct val="0"/>
+              </a:spcBef>
+              <a:spcAft>
+                <a:spcPct val="0"/>
+              </a:spcAft>
+              <a:defRPr sz="4400">
+                <a:solidFill>
+                  <a:schemeClr val="tx2"/>
+                </a:solidFill>
+                <a:latin typeface="Arial" charset="0"/>
+                <a:ea typeface="宋体" pitchFamily="2" charset="-122"/>
+              </a:defRPr>
+            </a:lvl4pPr>
+            <a:lvl5pPr algn="ctr" rtl="0" eaLnBrk="0" fontAlgn="base" hangingPunct="0">
+              <a:spcBef>
+                <a:spcPct val="0"/>
+              </a:spcBef>
+              <a:spcAft>
+                <a:spcPct val="0"/>
+              </a:spcAft>
+              <a:defRPr sz="4400">
+                <a:solidFill>
+                  <a:schemeClr val="tx2"/>
+                </a:solidFill>
+                <a:latin typeface="Arial" charset="0"/>
+                <a:ea typeface="宋体" pitchFamily="2" charset="-122"/>
+              </a:defRPr>
+            </a:lvl5pPr>
+            <a:lvl6pPr marL="457200" algn="ctr" rtl="0" fontAlgn="base">
+              <a:spcBef>
+                <a:spcPct val="0"/>
+              </a:spcBef>
+              <a:spcAft>
+                <a:spcPct val="0"/>
+              </a:spcAft>
+              <a:defRPr sz="4400">
+                <a:solidFill>
+                  <a:schemeClr val="tx2"/>
+                </a:solidFill>
+                <a:latin typeface="Arial" charset="0"/>
+                <a:ea typeface="宋体" pitchFamily="2" charset="-122"/>
+              </a:defRPr>
+            </a:lvl6pPr>
+            <a:lvl7pPr marL="914400" algn="ctr" rtl="0" fontAlgn="base">
+              <a:spcBef>
+                <a:spcPct val="0"/>
+              </a:spcBef>
+              <a:spcAft>
+                <a:spcPct val="0"/>
+              </a:spcAft>
+              <a:defRPr sz="4400">
+                <a:solidFill>
+                  <a:schemeClr val="tx2"/>
+                </a:solidFill>
+                <a:latin typeface="Arial" charset="0"/>
+                <a:ea typeface="宋体" pitchFamily="2" charset="-122"/>
+              </a:defRPr>
+            </a:lvl7pPr>
+            <a:lvl8pPr marL="1371600" algn="ctr" rtl="0" fontAlgn="base">
+              <a:spcBef>
+                <a:spcPct val="0"/>
+              </a:spcBef>
+              <a:spcAft>
+                <a:spcPct val="0"/>
+              </a:spcAft>
+              <a:defRPr sz="4400">
+                <a:solidFill>
+                  <a:schemeClr val="tx2"/>
+                </a:solidFill>
+                <a:latin typeface="Arial" charset="0"/>
+                <a:ea typeface="宋体" pitchFamily="2" charset="-122"/>
+              </a:defRPr>
+            </a:lvl8pPr>
+            <a:lvl9pPr marL="1828800" algn="ctr" rtl="0" fontAlgn="base">
+              <a:spcBef>
+                <a:spcPct val="0"/>
+              </a:spcBef>
+              <a:spcAft>
+                <a:spcPct val="0"/>
+              </a:spcAft>
+              <a:defRPr sz="4400">
+                <a:solidFill>
+                  <a:schemeClr val="tx2"/>
+                </a:solidFill>
+                <a:latin typeface="Arial" charset="0"/>
+                <a:ea typeface="宋体" pitchFamily="2" charset="-122"/>
+              </a:defRPr>
+            </a:lvl9pPr>
+          </a:lstStyle>
+          <a:p>
+            <a:pPr eaLnBrk="1" hangingPunct="1">
+              <a:defRPr/>
+            </a:pPr>
+            <a:r>
+              <a:rPr lang="en-US" altLang="zh-CN" sz="4000" kern="0" dirty="0">
+                <a:effectLst>
+                  <a:outerShdw blurRad="38100" dist="38100" dir="2700000" algn="tl">
+                    <a:srgbClr val="C0C0C0"/>
+                  </a:outerShdw>
+                </a:effectLst>
+                <a:latin typeface="Calibri" charset="0"/>
+                <a:ea typeface="Calibri" charset="0"/>
+                <a:cs typeface="Calibri" charset="0"/>
+              </a:rPr>
+              <a:t>Thank you</a:t>
+            </a:r>
+          </a:p>
+        </p:txBody>
+      </p:sp>
+      <p:sp>
+        <p:nvSpPr>
+          <p:cNvPr id="2" name="Slide Number Placeholder 1"/>
+          <p:cNvSpPr>
+            <a:spLocks noGrp="1"/>
+          </p:cNvSpPr>
+          <p:nvPr>
+            <p:ph type="sldNum" sz="quarter" idx="12"/>
+          </p:nvPr>
+        </p:nvSpPr>
+        <p:spPr/>
+        <p:txBody>
+          <a:bodyPr/>
+          <a:lstStyle/>
+          <a:p>
+            <a:pPr>
+              <a:defRPr/>
+            </a:pPr>
+            <a:fld id="{BD6E0F59-1DD8-40FC-9C92-B6295CBA6CCA}" type="slidenum">
+              <a:rPr lang="en-US" altLang="zh-CN" smtClean="0"/>
+              <a:pPr>
+                <a:defRPr/>
+              </a:pPr>
+              <a:t>13</a:t>
+            </a:fld>
+            <a:endParaRPr lang="en-US" altLang="zh-CN" dirty="0"/>
+          </a:p>
+        </p:txBody>
+      </p:sp>
+    </p:spTree>
+    <p:extLst>
+      <p:ext uri="{BB962C8B-B14F-4D97-AF65-F5344CB8AC3E}">
+        <p14:creationId xmlns:p14="http://schemas.microsoft.com/office/powerpoint/2010/main" val="2727850156"/>
+      </p:ext>
+    </p:extLst>
+  </p:cSld>
+  <p:clrMapOvr>
+    <a:masterClrMapping/>
+  </p:clrMapOvr>
+</p:sld>
+</file>
+
 <file path=ppt/slides/slide2.xml><?xml version="1.0" encoding="utf-8"?>
 <p:sld xmlns:a="http://schemas.openxmlformats.org/drawingml/2006/main" xmlns:r="http://schemas.openxmlformats.org/officeDocument/2006/relationships" xmlns:p="http://schemas.openxmlformats.org/presentationml/2006/main">
   <p:cSld>
@@ -10156,7 +10530,7 @@
             </a:pPr>
             <a:r>
               <a:rPr lang="en-US" sz="1600" dirty="0"/>
-              <a:t>Direct Loss Measurement for accurate data packet loss</a:t>
+              <a:t>Direct Loss Measurement (DLM) for accurate data packet loss</a:t>
             </a:r>
           </a:p>
           <a:p>
@@ -10166,7 +10540,7 @@
             </a:pPr>
             <a:r>
               <a:rPr lang="en-US" sz="1600" dirty="0"/>
-              <a:t>Support Alternate-Marking Method [RFC 8321]</a:t>
+              <a:t>Support Alternate-Marking Method (AMM) [RFC 8321]</a:t>
             </a:r>
           </a:p>
           <a:p>
@@ -10420,8 +10794,8 @@
         </p:nvSpPr>
         <p:spPr bwMode="auto">
           <a:xfrm>
-            <a:off x="139148" y="949917"/>
-            <a:ext cx="4560404" cy="3774971"/>
+            <a:off x="202924" y="1011341"/>
+            <a:ext cx="4496628" cy="3667403"/>
           </a:xfrm>
           <a:prstGeom prst="rect">
             <a:avLst/>
@@ -10654,7 +11028,7 @@
             </a:pPr>
             <a:r>
               <a:rPr lang="en-US" sz="1200" kern="0" dirty="0"/>
-              <a:t>Direct Loss Measurement probe packet is also defined for authenticated mode</a:t>
+              <a:t>DLM probe packet is also defined for authenticated mode</a:t>
             </a:r>
           </a:p>
           <a:p>
@@ -10665,7 +11039,7 @@
             </a:pPr>
             <a:r>
               <a:rPr lang="en-US" sz="1200" kern="0" dirty="0"/>
-              <a:t>User-configured destination UDP Port is used for identifying Direct Loss Measurement probe packets (different than port 862 and the one used by STAMP)</a:t>
+              <a:t>User-configured destination UDP Port is used for identifying DLM probe packets (different than port 862 and the one used by STAMP)</a:t>
             </a:r>
           </a:p>
           <a:p>
@@ -10676,7 +11050,7 @@
             </a:pPr>
             <a:r>
               <a:rPr lang="en-US" sz="1200" kern="0" dirty="0"/>
-              <a:t>Sequence Number allows to monitor Direct Loss Measurement session status</a:t>
+              <a:t>Sequence Number allows to monitor DLM session status</a:t>
             </a:r>
           </a:p>
           <a:p>
@@ -13815,7 +14189,7 @@
                 <a:latin typeface="Calibri Light" panose="020F0302020204030204" pitchFamily="34" charset="0"/>
                 <a:cs typeface="Calibri Light" panose="020F0302020204030204" pitchFamily="34" charset="0"/>
               </a:rPr>
-              <a:t>Data Packet Loss Calculation </a:t>
+              <a:t>Data Packet Loss Calculation</a:t>
             </a:r>
           </a:p>
         </p:txBody>
@@ -14043,8 +14417,8 @@
         </p:nvSpPr>
         <p:spPr>
           <a:xfrm>
-            <a:off x="2286000" y="748055"/>
-            <a:ext cx="4572000" cy="2492990"/>
+            <a:off x="2286000" y="827661"/>
+            <a:ext cx="4572000" cy="2292935"/>
           </a:xfrm>
           <a:prstGeom prst="rect">
             <a:avLst/>
@@ -14068,7 +14442,7 @@
           <a:lstStyle/>
           <a:p>
             <a:r>
-              <a:rPr lang="en-CA" sz="1200" dirty="0">
+              <a:rPr lang="en-CA" sz="1100" dirty="0">
                 <a:latin typeface="Courier" pitchFamily="2" charset="0"/>
                 <a:ea typeface="Calibri" panose="020F0502020204030204" pitchFamily="34" charset="0"/>
                 <a:cs typeface="Times New Roman" panose="02020603050405020304" pitchFamily="18" charset="0"/>
@@ -14078,7 +14452,7 @@
           </a:p>
           <a:p>
             <a:r>
-              <a:rPr lang="en-CA" sz="1200" dirty="0">
+              <a:rPr lang="en-CA" sz="1100" dirty="0">
                 <a:latin typeface="Courier" pitchFamily="2" charset="0"/>
                 <a:ea typeface="Calibri" panose="020F0502020204030204" pitchFamily="34" charset="0"/>
                 <a:cs typeface="Times New Roman" panose="02020603050405020304" pitchFamily="18" charset="0"/>
@@ -14088,7 +14462,7 @@
           </a:p>
           <a:p>
             <a:r>
-              <a:rPr lang="en-CA" sz="1200" dirty="0">
+              <a:rPr lang="en-CA" sz="1100" dirty="0">
                 <a:latin typeface="Courier" pitchFamily="2" charset="0"/>
                 <a:ea typeface="Calibri" panose="020F0502020204030204" pitchFamily="34" charset="0"/>
                 <a:cs typeface="Times New Roman" panose="02020603050405020304" pitchFamily="18" charset="0"/>
@@ -14098,7 +14472,7 @@
           </a:p>
           <a:p>
             <a:r>
-              <a:rPr lang="en-CA" sz="1200" dirty="0">
+              <a:rPr lang="en-CA" sz="1100" dirty="0">
                 <a:latin typeface="Courier" pitchFamily="2" charset="0"/>
                 <a:ea typeface="Calibri" panose="020F0502020204030204" pitchFamily="34" charset="0"/>
                 <a:cs typeface="Times New Roman" panose="02020603050405020304" pitchFamily="18" charset="0"/>
@@ -14108,7 +14482,7 @@
           </a:p>
           <a:p>
             <a:r>
-              <a:rPr lang="en-CA" sz="1200" dirty="0">
+              <a:rPr lang="en-CA" sz="1100" dirty="0">
                 <a:latin typeface="Courier" pitchFamily="2" charset="0"/>
                 <a:ea typeface="Calibri" panose="020F0502020204030204" pitchFamily="34" charset="0"/>
                 <a:cs typeface="Times New Roman" panose="02020603050405020304" pitchFamily="18" charset="0"/>
@@ -14118,7 +14492,7 @@
           </a:p>
           <a:p>
             <a:r>
-              <a:rPr lang="en-CA" sz="1200" dirty="0">
+              <a:rPr lang="en-CA" sz="1100" dirty="0">
                 <a:latin typeface="Courier" pitchFamily="2" charset="0"/>
                 <a:ea typeface="Calibri" panose="020F0502020204030204" pitchFamily="34" charset="0"/>
                 <a:cs typeface="Times New Roman" panose="02020603050405020304" pitchFamily="18" charset="0"/>
@@ -14128,7 +14502,7 @@
           </a:p>
           <a:p>
             <a:r>
-              <a:rPr lang="en-CA" sz="1200" dirty="0">
+              <a:rPr lang="en-CA" sz="1100" dirty="0">
                 <a:latin typeface="Courier" pitchFamily="2" charset="0"/>
                 <a:ea typeface="Calibri" panose="020F0502020204030204" pitchFamily="34" charset="0"/>
                 <a:cs typeface="Times New Roman" panose="02020603050405020304" pitchFamily="18" charset="0"/>
@@ -14138,7 +14512,7 @@
           </a:p>
           <a:p>
             <a:r>
-              <a:rPr lang="en-CA" sz="1200" dirty="0">
+              <a:rPr lang="en-CA" sz="1100" dirty="0">
                 <a:latin typeface="Courier" pitchFamily="2" charset="0"/>
                 <a:ea typeface="Calibri" panose="020F0502020204030204" pitchFamily="34" charset="0"/>
                 <a:cs typeface="Times New Roman" panose="02020603050405020304" pitchFamily="18" charset="0"/>
@@ -14148,7 +14522,7 @@
           </a:p>
           <a:p>
             <a:r>
-              <a:rPr lang="en-CA" sz="1200" dirty="0">
+              <a:rPr lang="en-CA" sz="1100" dirty="0">
                 <a:latin typeface="Courier" pitchFamily="2" charset="0"/>
                 <a:ea typeface="Calibri" panose="020F0502020204030204" pitchFamily="34" charset="0"/>
                 <a:cs typeface="Times New Roman" panose="02020603050405020304" pitchFamily="18" charset="0"/>
@@ -14158,7 +14532,7 @@
           </a:p>
           <a:p>
             <a:r>
-              <a:rPr lang="en-CA" sz="1200" dirty="0">
+              <a:rPr lang="en-CA" sz="1100" dirty="0">
                 <a:latin typeface="Courier" pitchFamily="2" charset="0"/>
                 <a:ea typeface="Calibri" panose="020F0502020204030204" pitchFamily="34" charset="0"/>
                 <a:cs typeface="Times New Roman" panose="02020603050405020304" pitchFamily="18" charset="0"/>
@@ -14168,7 +14542,7 @@
           </a:p>
           <a:p>
             <a:r>
-              <a:rPr lang="en-CA" sz="1200" dirty="0">
+              <a:rPr lang="en-CA" sz="1100" dirty="0">
                 <a:latin typeface="Courier" pitchFamily="2" charset="0"/>
                 <a:ea typeface="Calibri" panose="020F0502020204030204" pitchFamily="34" charset="0"/>
                 <a:cs typeface="Times New Roman" panose="02020603050405020304" pitchFamily="18" charset="0"/>
@@ -14178,7 +14552,7 @@
           </a:p>
           <a:p>
             <a:r>
-              <a:rPr lang="en-CA" sz="1200" dirty="0">
+              <a:rPr lang="en-CA" sz="1100" dirty="0">
                 <a:latin typeface="Courier" pitchFamily="2" charset="0"/>
                 <a:ea typeface="Calibri" panose="020F0502020204030204" pitchFamily="34" charset="0"/>
                 <a:cs typeface="Times New Roman" panose="02020603050405020304" pitchFamily="18" charset="0"/>
@@ -14188,14 +14562,14 @@
           </a:p>
           <a:p>
             <a:r>
-              <a:rPr lang="en-CA" sz="1200" dirty="0">
+              <a:rPr lang="en-CA" sz="1100" dirty="0">
                 <a:latin typeface="Courier" pitchFamily="2" charset="0"/>
                 <a:ea typeface="Calibri" panose="020F0502020204030204" pitchFamily="34" charset="0"/>
                 <a:cs typeface="Times New Roman" panose="02020603050405020304" pitchFamily="18" charset="0"/>
               </a:rPr>
               <a:t>             Reference Topology</a:t>
             </a:r>
-            <a:endParaRPr lang="en-US" sz="1200" dirty="0">
+            <a:endParaRPr lang="en-US" sz="1100" dirty="0">
               <a:latin typeface="Courier" pitchFamily="2" charset="0"/>
             </a:endParaRPr>
           </a:p>

--- a/draft-gandhi-ippm-simple-direct-loss-00.pptx
+++ b/draft-gandhi-ippm-simple-direct-loss-00.pptx
@@ -2379,7 +2379,7 @@
               </a14:hiddenLine>
             </a:ext>
             <a:ext uri="{FAA26D3D-D897-4be2-8F04-BA451C77F1D7}">
-              <ma14:placeholderFlag xmlns="" xmlns:ma14="http://schemas.microsoft.com/office/mac/drawingml/2011/main" val="1"/>
+              <ma14:placeholderFlag xmlns:ma14="http://schemas.microsoft.com/office/mac/drawingml/2011/main" xmlns="" val="1"/>
             </a:ext>
           </a:extLst>
         </p:spPr>
@@ -2810,14 +2810,14 @@
           </a:ln>
           <a:extLst>
             <a:ext uri="{909E8E84-426E-40dd-AFC4-6F175D3DCCD1}">
-              <a14:hiddenFill xmlns="" xmlns:a14="http://schemas.microsoft.com/office/drawing/2010/main">
+              <a14:hiddenFill xmlns:a14="http://schemas.microsoft.com/office/drawing/2010/main" xmlns="">
                 <a:solidFill>
                   <a:srgbClr val="FFFFFF"/>
                 </a:solidFill>
               </a14:hiddenFill>
             </a:ext>
             <a:ext uri="{91240B29-F687-4f45-9708-019B960494DF}">
-              <a14:hiddenLine xmlns="" xmlns:a14="http://schemas.microsoft.com/office/drawing/2010/main" w="9525">
+              <a14:hiddenLine xmlns:a14="http://schemas.microsoft.com/office/drawing/2010/main" xmlns="" w="9525">
                 <a:solidFill>
                   <a:srgbClr val="000000"/>
                 </a:solidFill>
@@ -5827,14 +5827,14 @@
               </a14:hiddenLine>
             </a:ext>
             <a:ext uri="{909E8E84-426E-40dd-AFC4-6F175D3DCCD1}">
-              <a14:hiddenFill xmlns="" xmlns:a14="http://schemas.microsoft.com/office/drawing/2010/main">
+              <a14:hiddenFill xmlns:a14="http://schemas.microsoft.com/office/drawing/2010/main" xmlns="">
                 <a:solidFill>
                   <a:srgbClr val="FFFFFF"/>
                 </a:solidFill>
               </a14:hiddenFill>
             </a:ext>
             <a:ext uri="{91240B29-F687-4f45-9708-019B960494DF}">
-              <a14:hiddenLine xmlns="" xmlns:a14="http://schemas.microsoft.com/office/drawing/2010/main" w="9525">
+              <a14:hiddenLine xmlns:a14="http://schemas.microsoft.com/office/drawing/2010/main" xmlns="" w="9525">
                 <a:solidFill>
                   <a:srgbClr val="000000"/>
                 </a:solidFill>
@@ -13582,14 +13582,14 @@
             <p:ph idx="1"/>
             <p:extLst>
               <p:ext uri="{D42A27DB-BD31-4B8C-83A1-F6EECF244321}">
-                <p14:modId xmlns:p14="http://schemas.microsoft.com/office/powerpoint/2010/main" val="3593268785"/>
+                <p14:modId xmlns:p14="http://schemas.microsoft.com/office/powerpoint/2010/main" val="3491694327"/>
               </p:ext>
             </p:extLst>
           </p:nvPr>
         </p:nvGraphicFramePr>
         <p:xfrm>
           <a:off x="304800" y="696278"/>
-          <a:ext cx="8534400" cy="3704269"/>
+          <a:ext cx="8534401" cy="3780470"/>
         </p:xfrm>
         <a:graphic>
           <a:graphicData uri="http://schemas.openxmlformats.org/drawingml/2006/table">
@@ -13598,21 +13598,28 @@
                 <a:tableStyleId>{912C8C85-51F0-491E-9774-3900AFEF0FD7}</a:tableStyleId>
               </a:tblPr>
               <a:tblGrid>
-                <a:gridCol w="4495800">
+                <a:gridCol w="3521186">
                   <a:extLst>
                     <a:ext uri="{9D8B030D-6E8A-4147-A177-3AD203B41FA5}">
                       <a16:colId xmlns:a16="http://schemas.microsoft.com/office/drawing/2014/main" val="704179991"/>
                     </a:ext>
                   </a:extLst>
                 </a:gridCol>
-                <a:gridCol w="1676400">
+                <a:gridCol w="1508014">
                   <a:extLst>
                     <a:ext uri="{9D8B030D-6E8A-4147-A177-3AD203B41FA5}">
                       <a16:colId xmlns:a16="http://schemas.microsoft.com/office/drawing/2014/main" val="2450600246"/>
                     </a:ext>
                   </a:extLst>
                 </a:gridCol>
-                <a:gridCol w="2362200">
+                <a:gridCol w="1655086">
+                  <a:extLst>
+                    <a:ext uri="{9D8B030D-6E8A-4147-A177-3AD203B41FA5}">
+                      <a16:colId xmlns:a16="http://schemas.microsoft.com/office/drawing/2014/main" val="3245075201"/>
+                    </a:ext>
+                  </a:extLst>
+                </a:gridCol>
+                <a:gridCol w="1850115">
                   <a:extLst>
                     <a:ext uri="{9D8B030D-6E8A-4147-A177-3AD203B41FA5}">
                       <a16:colId xmlns:a16="http://schemas.microsoft.com/office/drawing/2014/main" val="3735205648"/>
@@ -13620,7 +13627,7 @@
                   </a:extLst>
                 </a:gridCol>
               </a:tblGrid>
-              <a:tr h="446239">
+              <a:tr h="460231">
                 <a:tc>
                   <a:txBody>
                     <a:bodyPr/>
@@ -13654,6 +13661,19 @@
                     <a:p>
                       <a:r>
                         <a:rPr lang="en-US" sz="1100" dirty="0"/>
+                        <a:t>Define New Direct Measurement TLV</a:t>
+                      </a:r>
+                    </a:p>
+                  </a:txBody>
+                  <a:tcPr anchor="ctr"/>
+                </a:tc>
+                <a:tc>
+                  <a:txBody>
+                    <a:bodyPr/>
+                    <a:lstStyle/>
+                    <a:p>
+                      <a:r>
+                        <a:rPr lang="en-US" sz="1100" dirty="0"/>
                         <a:t>Direct Loss Measurement Probe Packet</a:t>
                       </a:r>
                     </a:p>
@@ -13666,7 +13686,7 @@
                   </a:ext>
                 </a:extLst>
               </a:tr>
-              <a:tr h="446239">
+              <a:tr h="641037">
                 <a:tc>
                   <a:txBody>
                     <a:bodyPr/>
@@ -13686,7 +13706,11 @@
                     <a:lstStyle/>
                     <a:p>
                       <a:r>
-                        <a:rPr lang="en-US" sz="1100" dirty="0"/>
+                        <a:rPr lang="en-US" sz="1100" dirty="0">
+                          <a:solidFill>
+                            <a:srgbClr val="C00000"/>
+                          </a:solidFill>
+                        </a:rPr>
                         <a:t>Yes</a:t>
                       </a:r>
                     </a:p>
@@ -13699,7 +13723,28 @@
                     <a:lstStyle/>
                     <a:p>
                       <a:r>
-                        <a:rPr lang="en-US" sz="1100" dirty="0"/>
+                        <a:rPr lang="en-US" sz="1100" dirty="0">
+                          <a:solidFill>
+                            <a:srgbClr val="C00000"/>
+                          </a:solidFill>
+                        </a:rPr>
+                        <a:t>Yes</a:t>
+                      </a:r>
+                    </a:p>
+                  </a:txBody>
+                  <a:tcPr anchor="ctr"/>
+                </a:tc>
+                <a:tc>
+                  <a:txBody>
+                    <a:bodyPr/>
+                    <a:lstStyle/>
+                    <a:p>
+                      <a:r>
+                        <a:rPr lang="en-US" sz="1100" dirty="0">
+                          <a:solidFill>
+                            <a:srgbClr val="00B050"/>
+                          </a:solidFill>
+                        </a:rPr>
                         <a:t>No</a:t>
                       </a:r>
                     </a:p>
@@ -13712,7 +13757,7 @@
                   </a:ext>
                 </a:extLst>
               </a:tr>
-              <a:tr h="451275">
+              <a:tr h="460231">
                 <a:tc>
                   <a:txBody>
                     <a:bodyPr/>
@@ -13738,7 +13783,11 @@
                     <a:lstStyle/>
                     <a:p>
                       <a:r>
-                        <a:rPr lang="en-US" sz="1100" dirty="0"/>
+                        <a:rPr lang="en-US" sz="1100" dirty="0">
+                          <a:solidFill>
+                            <a:srgbClr val="C00000"/>
+                          </a:solidFill>
+                        </a:rPr>
                         <a:t>Yes</a:t>
                       </a:r>
                     </a:p>
@@ -13751,8 +13800,29 @@
                     <a:lstStyle/>
                     <a:p>
                       <a:r>
-                        <a:rPr lang="en-US" sz="1100" dirty="0"/>
-                        <a:t>N/A</a:t>
+                        <a:rPr lang="en-US" sz="1100" dirty="0">
+                          <a:solidFill>
+                            <a:srgbClr val="C00000"/>
+                          </a:solidFill>
+                        </a:rPr>
+                        <a:t>Yes</a:t>
+                      </a:r>
+                    </a:p>
+                  </a:txBody>
+                  <a:tcPr anchor="ctr"/>
+                </a:tc>
+                <a:tc>
+                  <a:txBody>
+                    <a:bodyPr/>
+                    <a:lstStyle/>
+                    <a:p>
+                      <a:r>
+                        <a:rPr lang="en-US" sz="1100" dirty="0">
+                          <a:solidFill>
+                            <a:srgbClr val="00B050"/>
+                          </a:solidFill>
+                        </a:rPr>
+                        <a:t>No</a:t>
                       </a:r>
                     </a:p>
                   </a:txBody>
@@ -13764,7 +13834,7 @@
                   </a:ext>
                 </a:extLst>
               </a:tr>
-              <a:tr h="451275">
+              <a:tr h="460231">
                 <a:tc>
                   <a:txBody>
                     <a:bodyPr/>
@@ -13772,7 +13842,7 @@
                     <a:p>
                       <a:r>
                         <a:rPr lang="en-US" sz="1100" dirty="0"/>
-                        <a:t>Counters at fixed location in the probe packet for in-band hardware counter-stamping</a:t>
+                        <a:t>Counters at fixed location in the probe packet for hardware counter-stamping</a:t>
                       </a:r>
                     </a:p>
                   </a:txBody>
@@ -13784,7 +13854,11 @@
                     <a:lstStyle/>
                     <a:p>
                       <a:r>
-                        <a:rPr lang="en-US" sz="1100" dirty="0"/>
+                        <a:rPr lang="en-US" sz="1100" dirty="0">
+                          <a:solidFill>
+                            <a:srgbClr val="C00000"/>
+                          </a:solidFill>
+                        </a:rPr>
                         <a:t>No (TLV-based)</a:t>
                       </a:r>
                     </a:p>
@@ -13797,7 +13871,28 @@
                     <a:lstStyle/>
                     <a:p>
                       <a:r>
-                        <a:rPr lang="en-US" sz="1100" dirty="0"/>
+                        <a:rPr lang="en-US" sz="1100" dirty="0">
+                          <a:solidFill>
+                            <a:srgbClr val="C00000"/>
+                          </a:solidFill>
+                        </a:rPr>
+                        <a:t>No (TLV-based)</a:t>
+                      </a:r>
+                    </a:p>
+                  </a:txBody>
+                  <a:tcPr anchor="ctr"/>
+                </a:tc>
+                <a:tc>
+                  <a:txBody>
+                    <a:bodyPr/>
+                    <a:lstStyle/>
+                    <a:p>
+                      <a:r>
+                        <a:rPr lang="en-US" sz="1100" dirty="0">
+                          <a:solidFill>
+                            <a:srgbClr val="00B050"/>
+                          </a:solidFill>
+                        </a:rPr>
                         <a:t>Yes</a:t>
                       </a:r>
                     </a:p>
@@ -13810,7 +13905,7 @@
                   </a:ext>
                 </a:extLst>
               </a:tr>
-              <a:tr h="451275">
+              <a:tr h="460231">
                 <a:tc>
                   <a:txBody>
                     <a:bodyPr/>
@@ -13830,7 +13925,11 @@
                     <a:lstStyle/>
                     <a:p>
                       <a:r>
-                        <a:rPr lang="en-US" sz="1100" dirty="0"/>
+                        <a:rPr lang="en-US" sz="1100" dirty="0">
+                          <a:solidFill>
+                            <a:srgbClr val="C00000"/>
+                          </a:solidFill>
+                        </a:rPr>
                         <a:t>No</a:t>
                       </a:r>
                     </a:p>
@@ -13843,7 +13942,28 @@
                     <a:lstStyle/>
                     <a:p>
                       <a:r>
-                        <a:rPr lang="en-US" sz="1100" dirty="0"/>
+                        <a:rPr lang="en-US" sz="1100" dirty="0">
+                          <a:solidFill>
+                            <a:srgbClr val="C00000"/>
+                          </a:solidFill>
+                        </a:rPr>
+                        <a:t>No</a:t>
+                      </a:r>
+                    </a:p>
+                  </a:txBody>
+                  <a:tcPr anchor="ctr"/>
+                </a:tc>
+                <a:tc>
+                  <a:txBody>
+                    <a:bodyPr/>
+                    <a:lstStyle/>
+                    <a:p>
+                      <a:r>
+                        <a:rPr lang="en-US" sz="1100" dirty="0">
+                          <a:solidFill>
+                            <a:srgbClr val="00B050"/>
+                          </a:solidFill>
+                        </a:rPr>
                         <a:t>Yes</a:t>
                       </a:r>
                     </a:p>
@@ -13856,7 +13976,7 @@
                   </a:ext>
                 </a:extLst>
               </a:tr>
-              <a:tr h="277708">
+              <a:tr h="279426">
                 <a:tc>
                   <a:txBody>
                     <a:bodyPr/>
@@ -13876,7 +13996,11 @@
                     <a:lstStyle/>
                     <a:p>
                       <a:r>
-                        <a:rPr lang="en-US" sz="1100" dirty="0"/>
+                        <a:rPr lang="en-US" sz="1100" dirty="0">
+                          <a:solidFill>
+                            <a:srgbClr val="C00000"/>
+                          </a:solidFill>
+                        </a:rPr>
                         <a:t>No</a:t>
                       </a:r>
                     </a:p>
@@ -13889,7 +14013,28 @@
                     <a:lstStyle/>
                     <a:p>
                       <a:r>
-                        <a:rPr lang="en-US" sz="1100" dirty="0"/>
+                        <a:rPr lang="en-US" sz="1100" dirty="0">
+                          <a:solidFill>
+                            <a:srgbClr val="00B050"/>
+                          </a:solidFill>
+                        </a:rPr>
+                        <a:t>Yes</a:t>
+                      </a:r>
+                    </a:p>
+                  </a:txBody>
+                  <a:tcPr anchor="ctr"/>
+                </a:tc>
+                <a:tc>
+                  <a:txBody>
+                    <a:bodyPr/>
+                    <a:lstStyle/>
+                    <a:p>
+                      <a:r>
+                        <a:rPr lang="en-US" sz="1100" dirty="0">
+                          <a:solidFill>
+                            <a:srgbClr val="00B050"/>
+                          </a:solidFill>
+                        </a:rPr>
                         <a:t>Yes</a:t>
                       </a:r>
                     </a:p>
@@ -13902,7 +14047,7 @@
                   </a:ext>
                 </a:extLst>
               </a:tr>
-              <a:tr h="277708">
+              <a:tr h="279426">
                 <a:tc>
                   <a:txBody>
                     <a:bodyPr/>
@@ -13922,7 +14067,11 @@
                     <a:lstStyle/>
                     <a:p>
                       <a:r>
-                        <a:rPr lang="en-US" sz="1100" dirty="0"/>
+                        <a:rPr lang="en-US" sz="1100" dirty="0">
+                          <a:solidFill>
+                            <a:srgbClr val="C00000"/>
+                          </a:solidFill>
+                        </a:rPr>
                         <a:t>No</a:t>
                       </a:r>
                     </a:p>
@@ -13935,7 +14084,28 @@
                     <a:lstStyle/>
                     <a:p>
                       <a:r>
-                        <a:rPr lang="en-US" sz="1100" dirty="0"/>
+                        <a:rPr lang="en-US" sz="1100" dirty="0">
+                          <a:solidFill>
+                            <a:srgbClr val="00B050"/>
+                          </a:solidFill>
+                        </a:rPr>
+                        <a:t>Yes</a:t>
+                      </a:r>
+                    </a:p>
+                  </a:txBody>
+                  <a:tcPr anchor="ctr"/>
+                </a:tc>
+                <a:tc>
+                  <a:txBody>
+                    <a:bodyPr/>
+                    <a:lstStyle/>
+                    <a:p>
+                      <a:r>
+                        <a:rPr lang="en-US" sz="1100" dirty="0">
+                          <a:solidFill>
+                            <a:srgbClr val="00B050"/>
+                          </a:solidFill>
+                        </a:rPr>
                         <a:t>Yes</a:t>
                       </a:r>
                     </a:p>
@@ -13948,7 +14118,7 @@
                   </a:ext>
                 </a:extLst>
               </a:tr>
-              <a:tr h="624842">
+              <a:tr h="460231">
                 <a:tc>
                   <a:txBody>
                     <a:bodyPr/>
@@ -13956,13 +14126,7 @@
                     <a:p>
                       <a:r>
                         <a:rPr lang="en-US" sz="1100" dirty="0"/>
-                        <a:t>Alternate-marking method packet loss - using block number for counters</a:t>
-                      </a:r>
-                    </a:p>
-                    <a:p>
-                      <a:r>
-                        <a:rPr lang="en-US" sz="1100" dirty="0"/>
-                        <a:t>(out-of-order data packet support)</a:t>
+                        <a:t>Alternate-marking method packet loss - using block number for counters (out-of-order data packet support)</a:t>
                       </a:r>
                     </a:p>
                   </a:txBody>
@@ -13974,7 +14138,11 @@
                     <a:lstStyle/>
                     <a:p>
                       <a:r>
-                        <a:rPr lang="en-US" sz="1100" dirty="0"/>
+                        <a:rPr lang="en-US" sz="1100" dirty="0">
+                          <a:solidFill>
+                            <a:srgbClr val="C00000"/>
+                          </a:solidFill>
+                        </a:rPr>
                         <a:t>No</a:t>
                       </a:r>
                     </a:p>
@@ -13987,7 +14155,28 @@
                     <a:lstStyle/>
                     <a:p>
                       <a:r>
-                        <a:rPr lang="en-US" sz="1100" dirty="0"/>
+                        <a:rPr lang="en-US" sz="1100" dirty="0">
+                          <a:solidFill>
+                            <a:srgbClr val="00B050"/>
+                          </a:solidFill>
+                        </a:rPr>
+                        <a:t>Yes</a:t>
+                      </a:r>
+                    </a:p>
+                  </a:txBody>
+                  <a:tcPr anchor="ctr"/>
+                </a:tc>
+                <a:tc>
+                  <a:txBody>
+                    <a:bodyPr/>
+                    <a:lstStyle/>
+                    <a:p>
+                      <a:r>
+                        <a:rPr lang="en-US" sz="1100" dirty="0">
+                          <a:solidFill>
+                            <a:srgbClr val="00B050"/>
+                          </a:solidFill>
+                        </a:rPr>
                         <a:t>Yes</a:t>
                       </a:r>
                     </a:p>
@@ -14000,7 +14189,7 @@
                   </a:ext>
                 </a:extLst>
               </a:tr>
-              <a:tr h="277708">
+              <a:tr h="279426">
                 <a:tc>
                   <a:txBody>
                     <a:bodyPr/>
@@ -14020,7 +14209,11 @@
                     <a:lstStyle/>
                     <a:p>
                       <a:r>
-                        <a:rPr lang="en-US" sz="1100" dirty="0"/>
+                        <a:rPr lang="en-US" sz="1100" dirty="0">
+                          <a:solidFill>
+                            <a:srgbClr val="C00000"/>
+                          </a:solidFill>
+                        </a:rPr>
                         <a:t>No</a:t>
                       </a:r>
                     </a:p>
@@ -14033,7 +14226,28 @@
                     <a:lstStyle/>
                     <a:p>
                       <a:r>
-                        <a:rPr lang="en-US" sz="1100" dirty="0"/>
+                        <a:rPr lang="en-US" sz="1100" dirty="0">
+                          <a:solidFill>
+                            <a:srgbClr val="00B050"/>
+                          </a:solidFill>
+                        </a:rPr>
+                        <a:t>Yes</a:t>
+                      </a:r>
+                    </a:p>
+                  </a:txBody>
+                  <a:tcPr anchor="ctr"/>
+                </a:tc>
+                <a:tc>
+                  <a:txBody>
+                    <a:bodyPr/>
+                    <a:lstStyle/>
+                    <a:p>
+                      <a:r>
+                        <a:rPr lang="en-US" sz="1100" dirty="0">
+                          <a:solidFill>
+                            <a:srgbClr val="00B050"/>
+                          </a:solidFill>
+                        </a:rPr>
                         <a:t>Yes</a:t>
                       </a:r>
                     </a:p>
@@ -14417,8 +14631,8 @@
         </p:nvSpPr>
         <p:spPr>
           <a:xfrm>
-            <a:off x="2286000" y="827661"/>
-            <a:ext cx="4572000" cy="2292935"/>
+            <a:off x="2514600" y="802962"/>
+            <a:ext cx="4114800" cy="2292935"/>
           </a:xfrm>
           <a:prstGeom prst="rect">
             <a:avLst/>

--- a/draft-gandhi-ippm-simple-direct-loss-00.pptx
+++ b/draft-gandhi-ippm-simple-direct-loss-00.pptx
@@ -2379,7 +2379,7 @@
               </a14:hiddenLine>
             </a:ext>
             <a:ext uri="{FAA26D3D-D897-4be2-8F04-BA451C77F1D7}">
-              <ma14:placeholderFlag xmlns:ma14="http://schemas.microsoft.com/office/mac/drawingml/2011/main" xmlns="" val="1"/>
+              <ma14:placeholderFlag xmlns="" xmlns:ma14="http://schemas.microsoft.com/office/mac/drawingml/2011/main" val="1"/>
             </a:ext>
           </a:extLst>
         </p:spPr>
@@ -2810,14 +2810,14 @@
           </a:ln>
           <a:extLst>
             <a:ext uri="{909E8E84-426E-40dd-AFC4-6F175D3DCCD1}">
-              <a14:hiddenFill xmlns:a14="http://schemas.microsoft.com/office/drawing/2010/main" xmlns="">
+              <a14:hiddenFill xmlns="" xmlns:a14="http://schemas.microsoft.com/office/drawing/2010/main">
                 <a:solidFill>
                   <a:srgbClr val="FFFFFF"/>
                 </a:solidFill>
               </a14:hiddenFill>
             </a:ext>
             <a:ext uri="{91240B29-F687-4f45-9708-019B960494DF}">
-              <a14:hiddenLine xmlns:a14="http://schemas.microsoft.com/office/drawing/2010/main" xmlns="" w="9525">
+              <a14:hiddenLine xmlns="" xmlns:a14="http://schemas.microsoft.com/office/drawing/2010/main" w="9525">
                 <a:solidFill>
                   <a:srgbClr val="000000"/>
                 </a:solidFill>
@@ -5452,8 +5452,8 @@
           <a:lstStyle/>
           <a:p>
             <a:r>
-              <a:rPr lang="en-US" sz="4000" dirty="0"/>
-              <a:t>Simple Direct Loss Measurement Procedure</a:t>
+              <a:rPr lang="en-US" sz="3600" dirty="0"/>
+              <a:t>Simple Two-Way Direct Loss Measurement Procedure</a:t>
             </a:r>
           </a:p>
         </p:txBody>
@@ -5798,8 +5798,8 @@
         </p:nvSpPr>
         <p:spPr bwMode="auto">
           <a:xfrm>
-            <a:off x="0" y="196884"/>
-            <a:ext cx="9067800" cy="731836"/>
+            <a:off x="0" y="111502"/>
+            <a:ext cx="9144000" cy="731836"/>
           </a:xfrm>
           <a:prstGeom prst="rect">
             <a:avLst/>
@@ -5827,14 +5827,14 @@
               </a14:hiddenLine>
             </a:ext>
             <a:ext uri="{909E8E84-426E-40dd-AFC4-6F175D3DCCD1}">
-              <a14:hiddenFill xmlns:a14="http://schemas.microsoft.com/office/drawing/2010/main" xmlns="">
+              <a14:hiddenFill xmlns="" xmlns:a14="http://schemas.microsoft.com/office/drawing/2010/main">
                 <a:solidFill>
                   <a:srgbClr val="FFFFFF"/>
                 </a:solidFill>
               </a14:hiddenFill>
             </a:ext>
             <a:ext uri="{91240B29-F687-4f45-9708-019B960494DF}">
-              <a14:hiddenLine xmlns:a14="http://schemas.microsoft.com/office/drawing/2010/main" xmlns="" w="9525">
+              <a14:hiddenLine xmlns="" xmlns:a14="http://schemas.microsoft.com/office/drawing/2010/main" w="9525">
                 <a:solidFill>
                   <a:srgbClr val="000000"/>
                 </a:solidFill>
@@ -6019,27 +6019,14 @@
           <a:p>
             <a:pPr algn="ctr"/>
             <a:r>
-              <a:rPr lang="en-US" sz="3200" dirty="0">
+              <a:rPr lang="en-US" dirty="0">
                 <a:solidFill>
                   <a:srgbClr val="0070C0"/>
                 </a:solidFill>
                 <a:latin typeface="Calibri Light" panose="020F0302020204030204" pitchFamily="34" charset="0"/>
                 <a:cs typeface="Calibri Light" panose="020F0302020204030204" pitchFamily="34" charset="0"/>
               </a:rPr>
-              <a:t>Direct Link Loss Measurement (P2P Circuits)</a:t>
-            </a:r>
-          </a:p>
-          <a:p>
-            <a:pPr algn="ctr"/>
-            <a:r>
-              <a:rPr lang="en-US" sz="3200" dirty="0">
-                <a:solidFill>
-                  <a:srgbClr val="0070C0"/>
-                </a:solidFill>
-                <a:latin typeface="Calibri Light" panose="020F0302020204030204" pitchFamily="34" charset="0"/>
-                <a:cs typeface="Calibri Light" panose="020F0302020204030204" pitchFamily="34" charset="0"/>
-              </a:rPr>
-              <a:t>- In-band Counter-stamping in Hardware</a:t>
+              <a:t>Link/P2P L2 Circuits - Counter-stamping in Hardware</a:t>
             </a:r>
           </a:p>
         </p:txBody>
@@ -14280,7 +14267,12 @@
             <p:ph type="ftr" sz="quarter" idx="11"/>
           </p:nvPr>
         </p:nvSpPr>
-        <p:spPr/>
+        <p:spPr>
+          <a:xfrm>
+            <a:off x="3124200" y="4786312"/>
+            <a:ext cx="2895600" cy="357188"/>
+          </a:xfrm>
+        </p:spPr>
         <p:txBody>
           <a:bodyPr/>
           <a:lstStyle/>
@@ -14289,18 +14281,17 @@
               <a:defRPr/>
             </a:pPr>
             <a:r>
-              <a:rPr lang="en-US" altLang="zh-CN"/>
+              <a:rPr lang="en-US" altLang="zh-CN" dirty="0"/>
               <a:t>110</a:t>
             </a:r>
             <a:r>
-              <a:rPr lang="en-US" altLang="zh-CN" baseline="30000"/>
+              <a:rPr lang="en-US" altLang="zh-CN" baseline="30000" dirty="0"/>
               <a:t>th</a:t>
             </a:r>
             <a:r>
-              <a:rPr lang="en-US" altLang="zh-CN"/>
+              <a:rPr lang="en-US" altLang="zh-CN" dirty="0"/>
               <a:t> IETF Online</a:t>
             </a:r>
-            <a:endParaRPr lang="en-US" altLang="zh-CN" dirty="0"/>
           </a:p>
         </p:txBody>
       </p:sp>

--- a/draft-gandhi-ippm-simple-direct-loss-00.pptx
+++ b/draft-gandhi-ippm-simple-direct-loss-00.pptx
@@ -12464,7 +12464,37 @@
                 <a:ea typeface="Times New Roman" panose="02020603050405020304" pitchFamily="18" charset="0"/>
                 <a:cs typeface="Courier New" panose="02070309020205020404" pitchFamily="49" charset="0"/>
               </a:rPr>
-              <a:t>|                        Transmit Counter                       |</a:t>
+              <a:t>|                        Transmit Counter (C3</a:t>
+            </a:r>
+            <a:r>
+              <a:rPr kumimoji="0" lang="en-US" altLang="en-US" sz="800" u="none" strike="noStrike" cap="none" normalizeH="0" baseline="0">
+                <a:ln>
+                  <a:noFill/>
+                </a:ln>
+                <a:solidFill>
+                  <a:schemeClr val="tx1"/>
+                </a:solidFill>
+                <a:effectLst/>
+                <a:latin typeface="Courier" pitchFamily="2" charset="0"/>
+                <a:ea typeface="Times New Roman" panose="02020603050405020304" pitchFamily="18" charset="0"/>
+                <a:cs typeface="Courier New" panose="02070309020205020404" pitchFamily="49" charset="0"/>
+              </a:rPr>
+              <a:t>)                  </a:t>
+            </a:r>
+            <a:r>
+              <a:rPr kumimoji="0" lang="en-US" altLang="en-US" sz="800" u="none" strike="noStrike" cap="none" normalizeH="0" baseline="0" dirty="0">
+                <a:ln>
+                  <a:noFill/>
+                </a:ln>
+                <a:solidFill>
+                  <a:schemeClr val="tx1"/>
+                </a:solidFill>
+                <a:effectLst/>
+                <a:latin typeface="Courier" pitchFamily="2" charset="0"/>
+                <a:ea typeface="Times New Roman" panose="02020603050405020304" pitchFamily="18" charset="0"/>
+                <a:cs typeface="Courier New" panose="02070309020205020404" pitchFamily="49" charset="0"/>
+              </a:rPr>
+              <a:t>|</a:t>
             </a:r>
             <a:endParaRPr kumimoji="0" lang="en-US" altLang="en-US" sz="600" u="none" strike="noStrike" cap="none" normalizeH="0" baseline="0" dirty="0">
               <a:ln>
@@ -12766,7 +12796,7 @@
                 <a:latin typeface="Courier" pitchFamily="2" charset="0"/>
                 <a:ea typeface="Times New Roman" panose="02020603050405020304" pitchFamily="18" charset="0"/>
               </a:rPr>
-              <a:t>|                        Receive Counter                        |</a:t>
+              <a:t>|                        Receive Counter (C2)                   |</a:t>
             </a:r>
           </a:p>
           <a:p>
@@ -13021,7 +13051,7 @@
                 <a:latin typeface="Courier" pitchFamily="2" charset="0"/>
                 <a:ea typeface="Times New Roman" panose="02020603050405020304" pitchFamily="18" charset="0"/>
               </a:rPr>
-              <a:t>|                        Session-Sender Counter                 |</a:t>
+              <a:t>|                        Session-Sender Counter (C1)            |</a:t>
             </a:r>
           </a:p>
           <a:p>
@@ -13138,7 +13168,7 @@
                 <a:latin typeface="Courier" pitchFamily="2" charset="0"/>
                 <a:ea typeface="Times New Roman" panose="02020603050405020304" pitchFamily="18" charset="0"/>
               </a:rPr>
-              <a:t>| MBZ | </a:t>
+              <a:t>|FLAGS| </a:t>
             </a:r>
             <a:r>
               <a:rPr lang="en-US" altLang="en-US" sz="800" dirty="0" err="1">
@@ -13569,14 +13599,14 @@
             <p:ph idx="1"/>
             <p:extLst>
               <p:ext uri="{D42A27DB-BD31-4B8C-83A1-F6EECF244321}">
-                <p14:modId xmlns:p14="http://schemas.microsoft.com/office/powerpoint/2010/main" val="3491694327"/>
+                <p14:modId xmlns:p14="http://schemas.microsoft.com/office/powerpoint/2010/main" val="509702918"/>
               </p:ext>
             </p:extLst>
           </p:nvPr>
         </p:nvGraphicFramePr>
         <p:xfrm>
           <a:off x="304800" y="696278"/>
-          <a:ext cx="8534401" cy="3780470"/>
+          <a:ext cx="8534401" cy="3733793"/>
         </p:xfrm>
         <a:graphic>
           <a:graphicData uri="http://schemas.openxmlformats.org/drawingml/2006/table">
@@ -13673,77 +13703,6 @@
                   </a:ext>
                 </a:extLst>
               </a:tr>
-              <a:tr h="641037">
-                <a:tc>
-                  <a:txBody>
-                    <a:bodyPr/>
-                    <a:lstStyle/>
-                    <a:p>
-                      <a:r>
-                        <a:rPr lang="en-US" sz="1100" dirty="0"/>
-                        <a:t>Need to scan for DM TLV in each received probe packet on Session-Reflector in hardware  (there can be multiple TLVs)</a:t>
-                      </a:r>
-                    </a:p>
-                  </a:txBody>
-                  <a:tcPr anchor="ctr"/>
-                </a:tc>
-                <a:tc>
-                  <a:txBody>
-                    <a:bodyPr/>
-                    <a:lstStyle/>
-                    <a:p>
-                      <a:r>
-                        <a:rPr lang="en-US" sz="1100" dirty="0">
-                          <a:solidFill>
-                            <a:srgbClr val="C00000"/>
-                          </a:solidFill>
-                        </a:rPr>
-                        <a:t>Yes</a:t>
-                      </a:r>
-                    </a:p>
-                  </a:txBody>
-                  <a:tcPr anchor="ctr"/>
-                </a:tc>
-                <a:tc>
-                  <a:txBody>
-                    <a:bodyPr/>
-                    <a:lstStyle/>
-                    <a:p>
-                      <a:r>
-                        <a:rPr lang="en-US" sz="1100" dirty="0">
-                          <a:solidFill>
-                            <a:srgbClr val="C00000"/>
-                          </a:solidFill>
-                        </a:rPr>
-                        <a:t>Yes</a:t>
-                      </a:r>
-                    </a:p>
-                  </a:txBody>
-                  <a:tcPr anchor="ctr"/>
-                </a:tc>
-                <a:tc>
-                  <a:txBody>
-                    <a:bodyPr/>
-                    <a:lstStyle/>
-                    <a:p>
-                      <a:r>
-                        <a:rPr lang="en-US" sz="1100" dirty="0">
-                          <a:solidFill>
-                            <a:srgbClr val="00B050"/>
-                          </a:solidFill>
-                        </a:rPr>
-                        <a:t>No</a:t>
-                      </a:r>
-                    </a:p>
-                  </a:txBody>
-                  <a:tcPr anchor="ctr"/>
-                </a:tc>
-                <a:extLst>
-                  <a:ext uri="{0D108BD9-81ED-4DB2-BD59-A6C34878D82A}">
-                    <a16:rowId xmlns:a16="http://schemas.microsoft.com/office/drawing/2014/main" val="343301354"/>
-                  </a:ext>
-                </a:extLst>
-              </a:tr>
               <a:tr h="460231">
                 <a:tc>
                   <a:txBody>
@@ -13829,7 +13788,7 @@
                     <a:p>
                       <a:r>
                         <a:rPr lang="en-US" sz="1100" dirty="0"/>
-                        <a:t>Counters at fixed location in the probe packet for hardware counter-stamping</a:t>
+                        <a:t>Counter at fixed location in the probe packet for hardware counter-stamping</a:t>
                       </a:r>
                     </a:p>
                   </a:txBody>
@@ -13900,7 +13859,7 @@
                     <a:p>
                       <a:r>
                         <a:rPr lang="en-US" sz="1100" dirty="0"/>
-                        <a:t>Reply probe packets with counters at the fixed location for in-band hardware counter-stamping</a:t>
+                        <a:t>Reply probe packets with counter at fixed location for hardware counter-stamping</a:t>
                       </a:r>
                     </a:p>
                   </a:txBody>
@@ -13960,6 +13919,77 @@
                 <a:extLst>
                   <a:ext uri="{0D108BD9-81ED-4DB2-BD59-A6C34878D82A}">
                     <a16:rowId xmlns:a16="http://schemas.microsoft.com/office/drawing/2014/main" val="3051081368"/>
+                  </a:ext>
+                </a:extLst>
+              </a:tr>
+              <a:tr h="460231">
+                <a:tc>
+                  <a:txBody>
+                    <a:bodyPr/>
+                    <a:lstStyle/>
+                    <a:p>
+                      <a:r>
+                        <a:rPr lang="en-US" sz="1100" dirty="0"/>
+                        <a:t>Need to scan for DM TLV in each received probe packet on Session-Reflector in hardware  (there can be multiple TLVs)</a:t>
+                      </a:r>
+                    </a:p>
+                  </a:txBody>
+                  <a:tcPr anchor="ctr"/>
+                </a:tc>
+                <a:tc>
+                  <a:txBody>
+                    <a:bodyPr/>
+                    <a:lstStyle/>
+                    <a:p>
+                      <a:r>
+                        <a:rPr lang="en-US" sz="1100" dirty="0">
+                          <a:solidFill>
+                            <a:srgbClr val="C00000"/>
+                          </a:solidFill>
+                        </a:rPr>
+                        <a:t>Yes</a:t>
+                      </a:r>
+                    </a:p>
+                  </a:txBody>
+                  <a:tcPr anchor="ctr"/>
+                </a:tc>
+                <a:tc>
+                  <a:txBody>
+                    <a:bodyPr/>
+                    <a:lstStyle/>
+                    <a:p>
+                      <a:r>
+                        <a:rPr lang="en-US" sz="1100" dirty="0">
+                          <a:solidFill>
+                            <a:srgbClr val="C00000"/>
+                          </a:solidFill>
+                        </a:rPr>
+                        <a:t>Yes</a:t>
+                      </a:r>
+                    </a:p>
+                  </a:txBody>
+                  <a:tcPr anchor="ctr"/>
+                </a:tc>
+                <a:tc>
+                  <a:txBody>
+                    <a:bodyPr/>
+                    <a:lstStyle/>
+                    <a:p>
+                      <a:r>
+                        <a:rPr lang="en-US" sz="1100" dirty="0">
+                          <a:solidFill>
+                            <a:srgbClr val="00B050"/>
+                          </a:solidFill>
+                        </a:rPr>
+                        <a:t>No</a:t>
+                      </a:r>
+                    </a:p>
+                  </a:txBody>
+                  <a:tcPr anchor="ctr"/>
+                </a:tc>
+                <a:extLst>
+                  <a:ext uri="{0D108BD9-81ED-4DB2-BD59-A6C34878D82A}">
+                    <a16:rowId xmlns:a16="http://schemas.microsoft.com/office/drawing/2014/main" val="3659365591"/>
                   </a:ext>
                 </a:extLst>
               </a:tr>

--- a/draft-gandhi-ippm-simple-direct-loss-00.pptx
+++ b/draft-gandhi-ippm-simple-direct-loss-00.pptx
@@ -256,7 +256,7 @@
           <a:p>
             <a:fld id="{E8FA3DB5-7722-3F4F-947D-12B203669AD7}" type="datetimeFigureOut">
               <a:rPr lang="en-US" smtClean="0"/>
-              <a:t>2/11/21</a:t>
+              <a:t>2/12/21</a:t>
             </a:fld>
             <a:endParaRPr lang="en-US"/>
           </a:p>
@@ -2379,7 +2379,7 @@
               </a14:hiddenLine>
             </a:ext>
             <a:ext uri="{FAA26D3D-D897-4be2-8F04-BA451C77F1D7}">
-              <ma14:placeholderFlag xmlns="" xmlns:ma14="http://schemas.microsoft.com/office/mac/drawingml/2011/main" val="1"/>
+              <ma14:placeholderFlag xmlns:ma14="http://schemas.microsoft.com/office/mac/drawingml/2011/main" xmlns="" val="1"/>
             </a:ext>
           </a:extLst>
         </p:spPr>
@@ -2810,14 +2810,14 @@
           </a:ln>
           <a:extLst>
             <a:ext uri="{909E8E84-426E-40dd-AFC4-6F175D3DCCD1}">
-              <a14:hiddenFill xmlns="" xmlns:a14="http://schemas.microsoft.com/office/drawing/2010/main">
+              <a14:hiddenFill xmlns:a14="http://schemas.microsoft.com/office/drawing/2010/main" xmlns="">
                 <a:solidFill>
                   <a:srgbClr val="FFFFFF"/>
                 </a:solidFill>
               </a14:hiddenFill>
             </a:ext>
             <a:ext uri="{91240B29-F687-4f45-9708-019B960494DF}">
-              <a14:hiddenLine xmlns="" xmlns:a14="http://schemas.microsoft.com/office/drawing/2010/main" w="9525">
+              <a14:hiddenLine xmlns:a14="http://schemas.microsoft.com/office/drawing/2010/main" xmlns="" w="9525">
                 <a:solidFill>
                   <a:srgbClr val="000000"/>
                 </a:solidFill>
@@ -5827,14 +5827,14 @@
               </a14:hiddenLine>
             </a:ext>
             <a:ext uri="{909E8E84-426E-40dd-AFC4-6F175D3DCCD1}">
-              <a14:hiddenFill xmlns="" xmlns:a14="http://schemas.microsoft.com/office/drawing/2010/main">
+              <a14:hiddenFill xmlns:a14="http://schemas.microsoft.com/office/drawing/2010/main" xmlns="">
                 <a:solidFill>
                   <a:srgbClr val="FFFFFF"/>
                 </a:solidFill>
               </a14:hiddenFill>
             </a:ext>
             <a:ext uri="{91240B29-F687-4f45-9708-019B960494DF}">
-              <a14:hiddenLine xmlns="" xmlns:a14="http://schemas.microsoft.com/office/drawing/2010/main" w="9525">
+              <a14:hiddenLine xmlns:a14="http://schemas.microsoft.com/office/drawing/2010/main" xmlns="" w="9525">
                 <a:solidFill>
                   <a:srgbClr val="000000"/>
                 </a:solidFill>

--- a/draft-gandhi-ippm-simple-direct-loss-00.pptx
+++ b/draft-gandhi-ippm-simple-direct-loss-00.pptx
@@ -2379,7 +2379,7 @@
               </a14:hiddenLine>
             </a:ext>
             <a:ext uri="{FAA26D3D-D897-4be2-8F04-BA451C77F1D7}">
-              <ma14:placeholderFlag xmlns:ma14="http://schemas.microsoft.com/office/mac/drawingml/2011/main" xmlns="" val="1"/>
+              <ma14:placeholderFlag xmlns="" xmlns:ma14="http://schemas.microsoft.com/office/mac/drawingml/2011/main" val="1"/>
             </a:ext>
           </a:extLst>
         </p:spPr>
@@ -2810,14 +2810,14 @@
           </a:ln>
           <a:extLst>
             <a:ext uri="{909E8E84-426E-40dd-AFC4-6F175D3DCCD1}">
-              <a14:hiddenFill xmlns:a14="http://schemas.microsoft.com/office/drawing/2010/main" xmlns="">
+              <a14:hiddenFill xmlns="" xmlns:a14="http://schemas.microsoft.com/office/drawing/2010/main">
                 <a:solidFill>
                   <a:srgbClr val="FFFFFF"/>
                 </a:solidFill>
               </a14:hiddenFill>
             </a:ext>
             <a:ext uri="{91240B29-F687-4f45-9708-019B960494DF}">
-              <a14:hiddenLine xmlns:a14="http://schemas.microsoft.com/office/drawing/2010/main" xmlns="" w="9525">
+              <a14:hiddenLine xmlns="" xmlns:a14="http://schemas.microsoft.com/office/drawing/2010/main" w="9525">
                 <a:solidFill>
                   <a:srgbClr val="000000"/>
                 </a:solidFill>
@@ -5470,7 +5470,7 @@
         </p:nvSpPr>
         <p:spPr>
           <a:xfrm>
-            <a:off x="609600" y="2005807"/>
+            <a:off x="723900" y="1774232"/>
             <a:ext cx="7696200" cy="413543"/>
           </a:xfrm>
         </p:spPr>
@@ -5495,8 +5495,8 @@
         </p:nvSpPr>
         <p:spPr bwMode="auto">
           <a:xfrm>
-            <a:off x="1676400" y="2742011"/>
-            <a:ext cx="6248400" cy="1478757"/>
+            <a:off x="1524000" y="2641943"/>
+            <a:ext cx="7010400" cy="1628433"/>
           </a:xfrm>
           <a:prstGeom prst="rect">
             <a:avLst/>
@@ -5519,7 +5519,7 @@
               </a:spcBef>
             </a:pPr>
             <a:r>
-              <a:rPr lang="en-US" altLang="zh-CN" i="1" dirty="0">
+              <a:rPr lang="en-US" altLang="zh-CN" sz="1600" i="1" dirty="0">
                 <a:latin typeface="Calibri" panose="020F0502020204030204" pitchFamily="34" charset="0"/>
                 <a:ea typeface="Calibri" charset="0"/>
                 <a:cs typeface="Calibri" panose="020F0502020204030204" pitchFamily="34" charset="0"/>
@@ -5527,7 +5527,7 @@
               <a:t>Rakesh Gandhi - Cisco Systems (</a:t>
             </a:r>
             <a:r>
-              <a:rPr lang="en-US" altLang="zh-CN" i="1" dirty="0">
+              <a:rPr lang="en-US" altLang="zh-CN" sz="1600" i="1" dirty="0">
                 <a:latin typeface="Calibri" panose="020F0502020204030204" pitchFamily="34" charset="0"/>
                 <a:ea typeface="Calibri" charset="0"/>
                 <a:cs typeface="Calibri" panose="020F0502020204030204" pitchFamily="34" charset="0"/>
@@ -5536,7 +5536,7 @@
               <a:t>rgandhi@cisco.com</a:t>
             </a:r>
             <a:r>
-              <a:rPr lang="en-US" altLang="zh-CN" i="1" dirty="0">
+              <a:rPr lang="en-US" altLang="zh-CN" sz="1600" i="1" dirty="0">
                 <a:latin typeface="Calibri" panose="020F0502020204030204" pitchFamily="34" charset="0"/>
                 <a:ea typeface="Calibri" charset="0"/>
                 <a:cs typeface="Calibri" panose="020F0502020204030204" pitchFamily="34" charset="0"/>
@@ -5546,7 +5546,7 @@
           </a:p>
           <a:p>
             <a:r>
-              <a:rPr lang="en-US" i="1" dirty="0">
+              <a:rPr lang="en-US" sz="1600" i="1" dirty="0">
                 <a:latin typeface="Calibri" panose="020F0502020204030204" pitchFamily="34" charset="0"/>
                 <a:ea typeface="Calibri" charset="0"/>
                 <a:cs typeface="Calibri" panose="020F0502020204030204" pitchFamily="34" charset="0"/>
@@ -5554,7 +5554,7 @@
               <a:t>Clarence </a:t>
             </a:r>
             <a:r>
-              <a:rPr lang="en-US" i="1" dirty="0" err="1">
+              <a:rPr lang="en-US" sz="1600" i="1" dirty="0" err="1">
                 <a:latin typeface="Calibri" panose="020F0502020204030204" pitchFamily="34" charset="0"/>
                 <a:ea typeface="Calibri" charset="0"/>
                 <a:cs typeface="Calibri" panose="020F0502020204030204" pitchFamily="34" charset="0"/>
@@ -5562,7 +5562,7 @@
               <a:t>Filsfils</a:t>
             </a:r>
             <a:r>
-              <a:rPr lang="en-US" i="1" dirty="0">
+              <a:rPr lang="en-US" sz="1600" i="1" dirty="0">
                 <a:latin typeface="Calibri" panose="020F0502020204030204" pitchFamily="34" charset="0"/>
                 <a:ea typeface="Calibri" charset="0"/>
                 <a:cs typeface="Calibri" panose="020F0502020204030204" pitchFamily="34" charset="0"/>
@@ -5570,7 +5570,7 @@
               <a:t> - Cisco Systems (</a:t>
             </a:r>
             <a:r>
-              <a:rPr lang="en-US" i="1" dirty="0">
+              <a:rPr lang="en-US" sz="1600" i="1" dirty="0">
                 <a:latin typeface="Calibri" panose="020F0502020204030204" pitchFamily="34" charset="0"/>
                 <a:ea typeface="Calibri" charset="0"/>
                 <a:cs typeface="Calibri" panose="020F0502020204030204" pitchFamily="34" charset="0"/>
@@ -5579,7 +5579,7 @@
               <a:t>cfilsfil@cisco.com</a:t>
             </a:r>
             <a:r>
-              <a:rPr lang="en-US" i="1" dirty="0">
+              <a:rPr lang="en-US" sz="1600" i="1" dirty="0">
                 <a:latin typeface="Calibri" panose="020F0502020204030204" pitchFamily="34" charset="0"/>
                 <a:ea typeface="Calibri" charset="0"/>
                 <a:cs typeface="Calibri" panose="020F0502020204030204" pitchFamily="34" charset="0"/>
@@ -5589,7 +5589,7 @@
           </a:p>
           <a:p>
             <a:r>
-              <a:rPr lang="en-US" i="1" dirty="0">
+              <a:rPr lang="en-US" sz="1600" i="1" dirty="0">
                 <a:latin typeface="Calibri" panose="020F0502020204030204" pitchFamily="34" charset="0"/>
                 <a:ea typeface="Calibri" charset="0"/>
                 <a:cs typeface="Calibri" panose="020F0502020204030204" pitchFamily="34" charset="0"/>
@@ -5597,7 +5597,7 @@
               <a:t>Daniel </a:t>
             </a:r>
             <a:r>
-              <a:rPr lang="en-US" i="1" dirty="0" err="1">
+              <a:rPr lang="en-US" sz="1600" i="1" dirty="0" err="1">
                 <a:latin typeface="Calibri" panose="020F0502020204030204" pitchFamily="34" charset="0"/>
                 <a:ea typeface="Calibri" charset="0"/>
                 <a:cs typeface="Calibri" panose="020F0502020204030204" pitchFamily="34" charset="0"/>
@@ -5605,7 +5605,7 @@
               <a:t>Voyer</a:t>
             </a:r>
             <a:r>
-              <a:rPr lang="en-US" i="1" dirty="0">
+              <a:rPr lang="en-US" sz="1600" i="1" dirty="0">
                 <a:latin typeface="Calibri" panose="020F0502020204030204" pitchFamily="34" charset="0"/>
                 <a:ea typeface="Calibri" charset="0"/>
                 <a:cs typeface="Calibri" panose="020F0502020204030204" pitchFamily="34" charset="0"/>
@@ -5613,7 +5613,7 @@
               <a:t> - Bell Canada (</a:t>
             </a:r>
             <a:r>
-              <a:rPr lang="en-US" i="1" dirty="0">
+              <a:rPr lang="en-US" sz="1600" i="1" dirty="0">
                 <a:latin typeface="Calibri" panose="020F0502020204030204" pitchFamily="34" charset="0"/>
                 <a:ea typeface="Calibri" charset="0"/>
                 <a:cs typeface="Calibri" panose="020F0502020204030204" pitchFamily="34" charset="0"/>
@@ -5622,7 +5622,7 @@
               <a:t>daniel.voyer@bell.ca</a:t>
             </a:r>
             <a:r>
-              <a:rPr lang="en-US" i="1" dirty="0">
+              <a:rPr lang="en-US" sz="1600" i="1" dirty="0">
                 <a:latin typeface="Calibri" panose="020F0502020204030204" pitchFamily="34" charset="0"/>
                 <a:ea typeface="Calibri" charset="0"/>
                 <a:cs typeface="Calibri" panose="020F0502020204030204" pitchFamily="34" charset="0"/>
@@ -5632,28 +5632,28 @@
           </a:p>
           <a:p>
             <a:r>
-              <a:rPr lang="en-CA" i="1" dirty="0">
+              <a:rPr lang="en-CA" sz="1600" i="1" dirty="0">
                 <a:latin typeface="Calibri" panose="020F0502020204030204" pitchFamily="34" charset="0"/>
                 <a:cs typeface="Calibri" panose="020F0502020204030204" pitchFamily="34" charset="0"/>
               </a:rPr>
               <a:t>Mach(</a:t>
             </a:r>
             <a:r>
-              <a:rPr lang="en-CA" i="1" dirty="0" err="1">
+              <a:rPr lang="en-CA" sz="1600" i="1" dirty="0" err="1">
                 <a:latin typeface="Calibri" panose="020F0502020204030204" pitchFamily="34" charset="0"/>
                 <a:cs typeface="Calibri" panose="020F0502020204030204" pitchFamily="34" charset="0"/>
               </a:rPr>
               <a:t>Guoyi</a:t>
             </a:r>
             <a:r>
-              <a:rPr lang="en-CA" i="1" dirty="0">
+              <a:rPr lang="en-CA" sz="1600" i="1" dirty="0">
                 <a:latin typeface="Calibri" panose="020F0502020204030204" pitchFamily="34" charset="0"/>
                 <a:cs typeface="Calibri" panose="020F0502020204030204" pitchFamily="34" charset="0"/>
               </a:rPr>
               <a:t>) Chen - Huawei (</a:t>
             </a:r>
             <a:r>
-              <a:rPr lang="en-CA" i="1" dirty="0">
+              <a:rPr lang="en-CA" sz="1600" i="1" dirty="0">
                 <a:latin typeface="Calibri" panose="020F0502020204030204" pitchFamily="34" charset="0"/>
                 <a:cs typeface="Calibri" panose="020F0502020204030204" pitchFamily="34" charset="0"/>
                 <a:hlinkClick r:id="rId6"/>
@@ -5661,7 +5661,7 @@
               <a:t>mach.chen@huawei.com</a:t>
             </a:r>
             <a:r>
-              <a:rPr lang="en-CA" i="1" dirty="0">
+              <a:rPr lang="en-CA" sz="1600" i="1" dirty="0">
                 <a:latin typeface="Calibri" panose="020F0502020204030204" pitchFamily="34" charset="0"/>
                 <a:cs typeface="Calibri" panose="020F0502020204030204" pitchFamily="34" charset="0"/>
               </a:rPr>
@@ -5670,14 +5670,14 @@
           </a:p>
           <a:p>
             <a:r>
-              <a:rPr lang="en-CA" i="1" dirty="0">
+              <a:rPr lang="en-CA" sz="1600" i="1" dirty="0">
                 <a:latin typeface="Calibri" panose="020F0502020204030204" pitchFamily="34" charset="0"/>
                 <a:cs typeface="Calibri" panose="020F0502020204030204" pitchFamily="34" charset="0"/>
               </a:rPr>
               <a:t>Bart Janssens - Colt (</a:t>
             </a:r>
             <a:r>
-              <a:rPr lang="en-CA" i="1" dirty="0">
+              <a:rPr lang="en-CA" sz="1600" i="1" dirty="0">
                 <a:latin typeface="Calibri" panose="020F0502020204030204" pitchFamily="34" charset="0"/>
                 <a:cs typeface="Calibri" panose="020F0502020204030204" pitchFamily="34" charset="0"/>
                 <a:hlinkClick r:id="rId7"/>
@@ -5685,12 +5685,76 @@
               <a:t>Bart.Janssens@colt.net</a:t>
             </a:r>
             <a:r>
-              <a:rPr lang="en-CA" i="1" dirty="0">
+              <a:rPr lang="en-CA" sz="1600" i="1" dirty="0">
                 <a:latin typeface="Calibri" panose="020F0502020204030204" pitchFamily="34" charset="0"/>
                 <a:cs typeface="Calibri" panose="020F0502020204030204" pitchFamily="34" charset="0"/>
               </a:rPr>
               <a:t>)</a:t>
             </a:r>
+          </a:p>
+          <a:p>
+            <a:r>
+              <a:rPr lang="en-CA" sz="1600" i="1" dirty="0">
+                <a:latin typeface="Calibri" panose="020F0502020204030204" pitchFamily="34" charset="0"/>
+                <a:cs typeface="Calibri" panose="020F0502020204030204" pitchFamily="34" charset="0"/>
+              </a:rPr>
+              <a:t>Stefano Salsano - </a:t>
+            </a:r>
+            <a:r>
+              <a:rPr lang="en-CA" sz="1600" i="1" dirty="0" err="1">
+                <a:latin typeface="Calibri" panose="020F0502020204030204" pitchFamily="34" charset="0"/>
+                <a:cs typeface="Calibri" panose="020F0502020204030204" pitchFamily="34" charset="0"/>
+              </a:rPr>
+              <a:t>Universita</a:t>
+            </a:r>
+            <a:r>
+              <a:rPr lang="en-CA" sz="1600" i="1" dirty="0">
+                <a:latin typeface="Calibri" panose="020F0502020204030204" pitchFamily="34" charset="0"/>
+                <a:cs typeface="Calibri" panose="020F0502020204030204" pitchFamily="34" charset="0"/>
+              </a:rPr>
+              <a:t> di Roma "Tor </a:t>
+            </a:r>
+            <a:r>
+              <a:rPr lang="en-CA" sz="1600" i="1" dirty="0" err="1">
+                <a:latin typeface="Calibri" panose="020F0502020204030204" pitchFamily="34" charset="0"/>
+                <a:cs typeface="Calibri" panose="020F0502020204030204" pitchFamily="34" charset="0"/>
+              </a:rPr>
+              <a:t>Vergata</a:t>
+            </a:r>
+            <a:r>
+              <a:rPr lang="en-CA" sz="1600" i="1" dirty="0">
+                <a:latin typeface="Calibri" panose="020F0502020204030204" pitchFamily="34" charset="0"/>
+                <a:cs typeface="Calibri" panose="020F0502020204030204" pitchFamily="34" charset="0"/>
+              </a:rPr>
+              <a:t>" (</a:t>
+            </a:r>
+            <a:r>
+              <a:rPr lang="en-CA" sz="1600" i="1" dirty="0">
+                <a:latin typeface="Calibri" panose="020F0502020204030204" pitchFamily="34" charset="0"/>
+                <a:cs typeface="Calibri" panose="020F0502020204030204" pitchFamily="34" charset="0"/>
+                <a:hlinkClick r:id="rId8"/>
+              </a:rPr>
+              <a:t>stefano.salsano@uniroma2.it</a:t>
+            </a:r>
+            <a:r>
+              <a:rPr lang="en-CA" sz="1600" i="1" dirty="0">
+                <a:latin typeface="Calibri" panose="020F0502020204030204" pitchFamily="34" charset="0"/>
+                <a:cs typeface="Calibri" panose="020F0502020204030204" pitchFamily="34" charset="0"/>
+              </a:rPr>
+              <a:t>)</a:t>
+            </a:r>
+          </a:p>
+          <a:p>
+            <a:endParaRPr lang="en-CA" sz="1600" i="1" dirty="0">
+              <a:latin typeface="Calibri" panose="020F0502020204030204" pitchFamily="34" charset="0"/>
+              <a:cs typeface="Calibri" panose="020F0502020204030204" pitchFamily="34" charset="0"/>
+            </a:endParaRPr>
+          </a:p>
+          <a:p>
+            <a:endParaRPr lang="en-CA" sz="1600" i="1" dirty="0">
+              <a:latin typeface="Calibri" panose="020F0502020204030204" pitchFamily="34" charset="0"/>
+              <a:cs typeface="Calibri" panose="020F0502020204030204" pitchFamily="34" charset="0"/>
+            </a:endParaRPr>
           </a:p>
         </p:txBody>
       </p:sp>
@@ -5827,14 +5891,14 @@
               </a14:hiddenLine>
             </a:ext>
             <a:ext uri="{909E8E84-426E-40dd-AFC4-6F175D3DCCD1}">
-              <a14:hiddenFill xmlns:a14="http://schemas.microsoft.com/office/drawing/2010/main" xmlns="">
+              <a14:hiddenFill xmlns="" xmlns:a14="http://schemas.microsoft.com/office/drawing/2010/main">
                 <a:solidFill>
                   <a:srgbClr val="FFFFFF"/>
                 </a:solidFill>
               </a14:hiddenFill>
             </a:ext>
             <a:ext uri="{91240B29-F687-4f45-9708-019B960494DF}">
-              <a14:hiddenLine xmlns:a14="http://schemas.microsoft.com/office/drawing/2010/main" xmlns="" w="9525">
+              <a14:hiddenLine xmlns="" xmlns:a14="http://schemas.microsoft.com/office/drawing/2010/main" w="9525">
                 <a:solidFill>
                   <a:srgbClr val="000000"/>
                 </a:solidFill>
@@ -8727,7 +8791,7 @@
                 <a:ea typeface="Courier" charset="0"/>
                 <a:cs typeface="Courier" charset="0"/>
               </a:rPr>
-              <a:t>    |         Error Estimate        |           SSID                 |</a:t>
+              <a:t>    |         Error Estimate        |           SSID                |</a:t>
             </a:r>
           </a:p>
           <a:p>

--- a/draft-gandhi-ippm-simple-direct-loss-00.pptx
+++ b/draft-gandhi-ippm-simple-direct-loss-00.pptx
@@ -256,7 +256,7 @@
           <a:p>
             <a:fld id="{E8FA3DB5-7722-3F4F-947D-12B203669AD7}" type="datetimeFigureOut">
               <a:rPr lang="en-US" smtClean="0"/>
-              <a:t>2/12/21</a:t>
+              <a:t>2/22/21</a:t>
             </a:fld>
             <a:endParaRPr lang="en-US"/>
           </a:p>
@@ -2379,7 +2379,7 @@
               </a14:hiddenLine>
             </a:ext>
             <a:ext uri="{FAA26D3D-D897-4be2-8F04-BA451C77F1D7}">
-              <ma14:placeholderFlag xmlns="" xmlns:ma14="http://schemas.microsoft.com/office/mac/drawingml/2011/main" val="1"/>
+              <ma14:placeholderFlag xmlns:ma14="http://schemas.microsoft.com/office/mac/drawingml/2011/main" xmlns="" val="1"/>
             </a:ext>
           </a:extLst>
         </p:spPr>
@@ -2810,14 +2810,14 @@
           </a:ln>
           <a:extLst>
             <a:ext uri="{909E8E84-426E-40dd-AFC4-6F175D3DCCD1}">
-              <a14:hiddenFill xmlns="" xmlns:a14="http://schemas.microsoft.com/office/drawing/2010/main">
+              <a14:hiddenFill xmlns:a14="http://schemas.microsoft.com/office/drawing/2010/main" xmlns="">
                 <a:solidFill>
                   <a:srgbClr val="FFFFFF"/>
                 </a:solidFill>
               </a14:hiddenFill>
             </a:ext>
             <a:ext uri="{91240B29-F687-4f45-9708-019B960494DF}">
-              <a14:hiddenLine xmlns="" xmlns:a14="http://schemas.microsoft.com/office/drawing/2010/main" w="9525">
+              <a14:hiddenLine xmlns:a14="http://schemas.microsoft.com/office/drawing/2010/main" xmlns="" w="9525">
                 <a:solidFill>
                   <a:srgbClr val="000000"/>
                 </a:solidFill>
@@ -5891,14 +5891,14 @@
               </a14:hiddenLine>
             </a:ext>
             <a:ext uri="{909E8E84-426E-40dd-AFC4-6F175D3DCCD1}">
-              <a14:hiddenFill xmlns="" xmlns:a14="http://schemas.microsoft.com/office/drawing/2010/main">
+              <a14:hiddenFill xmlns:a14="http://schemas.microsoft.com/office/drawing/2010/main" xmlns="">
                 <a:solidFill>
                   <a:srgbClr val="FFFFFF"/>
                 </a:solidFill>
               </a14:hiddenFill>
             </a:ext>
             <a:ext uri="{91240B29-F687-4f45-9708-019B960494DF}">
-              <a14:hiddenLine xmlns="" xmlns:a14="http://schemas.microsoft.com/office/drawing/2010/main" w="9525">
+              <a14:hiddenLine xmlns:a14="http://schemas.microsoft.com/office/drawing/2010/main" xmlns="" w="9525">
                 <a:solidFill>
                   <a:srgbClr val="000000"/>
                 </a:solidFill>
@@ -11035,7 +11035,7 @@
             </a:pPr>
             <a:r>
               <a:rPr lang="en-US" sz="1200" kern="0" dirty="0"/>
-              <a:t>Hardware efficient counter-stamping</a:t>
+              <a:t>Hardware efficient counter updating</a:t>
             </a:r>
           </a:p>
           <a:p>
@@ -13663,7 +13663,7 @@
             <p:ph idx="1"/>
             <p:extLst>
               <p:ext uri="{D42A27DB-BD31-4B8C-83A1-F6EECF244321}">
-                <p14:modId xmlns:p14="http://schemas.microsoft.com/office/powerpoint/2010/main" val="509702918"/>
+                <p14:modId xmlns:p14="http://schemas.microsoft.com/office/powerpoint/2010/main" val="696865254"/>
               </p:ext>
             </p:extLst>
           </p:nvPr>
@@ -13741,8 +13741,8 @@
                     <a:lstStyle/>
                     <a:p>
                       <a:r>
-                        <a:rPr lang="en-US" sz="1100" dirty="0"/>
-                        <a:t>Define New Direct Measurement TLV</a:t>
+                        <a:rPr lang="en-US" sz="1100" i="1" dirty="0"/>
+                        <a:t>Define New Direct Measurement TLV?</a:t>
                       </a:r>
                     </a:p>
                   </a:txBody>
@@ -13810,7 +13810,7 @@
                     <a:lstStyle/>
                     <a:p>
                       <a:r>
-                        <a:rPr lang="en-US" sz="1100" dirty="0">
+                        <a:rPr lang="en-US" sz="1100" i="1" dirty="0">
                           <a:solidFill>
                             <a:srgbClr val="C00000"/>
                           </a:solidFill>
@@ -13881,7 +13881,7 @@
                     <a:lstStyle/>
                     <a:p>
                       <a:r>
-                        <a:rPr lang="en-US" sz="1100" dirty="0">
+                        <a:rPr lang="en-US" sz="1100" i="1" dirty="0">
                           <a:solidFill>
                             <a:srgbClr val="C00000"/>
                           </a:solidFill>
@@ -13952,7 +13952,7 @@
                     <a:lstStyle/>
                     <a:p>
                       <a:r>
-                        <a:rPr lang="en-US" sz="1100" dirty="0">
+                        <a:rPr lang="en-US" sz="1100" i="1" dirty="0">
                           <a:solidFill>
                             <a:srgbClr val="C00000"/>
                           </a:solidFill>
@@ -14023,7 +14023,7 @@
                     <a:lstStyle/>
                     <a:p>
                       <a:r>
-                        <a:rPr lang="en-US" sz="1100" dirty="0">
+                        <a:rPr lang="en-US" sz="1100" i="1" dirty="0">
                           <a:solidFill>
                             <a:srgbClr val="C00000"/>
                           </a:solidFill>
@@ -14094,7 +14094,7 @@
                     <a:lstStyle/>
                     <a:p>
                       <a:r>
-                        <a:rPr lang="en-US" sz="1100" dirty="0">
+                        <a:rPr lang="en-US" sz="1100" i="1" dirty="0">
                           <a:solidFill>
                             <a:srgbClr val="00B050"/>
                           </a:solidFill>
@@ -14165,7 +14165,7 @@
                     <a:lstStyle/>
                     <a:p>
                       <a:r>
-                        <a:rPr lang="en-US" sz="1100" dirty="0">
+                        <a:rPr lang="en-US" sz="1100" i="1" dirty="0">
                           <a:solidFill>
                             <a:srgbClr val="00B050"/>
                           </a:solidFill>
@@ -14236,7 +14236,7 @@
                     <a:lstStyle/>
                     <a:p>
                       <a:r>
-                        <a:rPr lang="en-US" sz="1100" dirty="0">
+                        <a:rPr lang="en-US" sz="1100" i="1" dirty="0">
                           <a:solidFill>
                             <a:srgbClr val="00B050"/>
                           </a:solidFill>
@@ -14307,7 +14307,7 @@
                     <a:lstStyle/>
                     <a:p>
                       <a:r>
-                        <a:rPr lang="en-US" sz="1100" dirty="0">
+                        <a:rPr lang="en-US" sz="1100" i="1" dirty="0">
                           <a:solidFill>
                             <a:srgbClr val="00B050"/>
                           </a:solidFill>

--- a/draft-gandhi-ippm-simple-direct-loss-00.pptx
+++ b/draft-gandhi-ippm-simple-direct-loss-00.pptx
@@ -5,25 +5,26 @@
     <p:sldMasterId id="2147483648" r:id="rId1"/>
   </p:sldMasterIdLst>
   <p:notesMasterIdLst>
-    <p:notesMasterId r:id="rId15"/>
+    <p:notesMasterId r:id="rId16"/>
   </p:notesMasterIdLst>
   <p:handoutMasterIdLst>
-    <p:handoutMasterId r:id="rId16"/>
+    <p:handoutMasterId r:id="rId17"/>
   </p:handoutMasterIdLst>
   <p:sldIdLst>
     <p:sldId id="1661" r:id="rId2"/>
     <p:sldId id="1662" r:id="rId3"/>
     <p:sldId id="1663" r:id="rId4"/>
-    <p:sldId id="321" r:id="rId5"/>
-    <p:sldId id="3058" r:id="rId6"/>
-    <p:sldId id="3057" r:id="rId7"/>
-    <p:sldId id="1670" r:id="rId8"/>
-    <p:sldId id="1671" r:id="rId9"/>
-    <p:sldId id="3056" r:id="rId10"/>
-    <p:sldId id="3054" r:id="rId11"/>
-    <p:sldId id="1649" r:id="rId12"/>
-    <p:sldId id="3059" r:id="rId13"/>
-    <p:sldId id="3060" r:id="rId14"/>
+    <p:sldId id="3056" r:id="rId5"/>
+    <p:sldId id="321" r:id="rId6"/>
+    <p:sldId id="3058" r:id="rId7"/>
+    <p:sldId id="3057" r:id="rId8"/>
+    <p:sldId id="1670" r:id="rId9"/>
+    <p:sldId id="1671" r:id="rId10"/>
+    <p:sldId id="1649" r:id="rId11"/>
+    <p:sldId id="3061" r:id="rId12"/>
+    <p:sldId id="3054" r:id="rId13"/>
+    <p:sldId id="3059" r:id="rId14"/>
+    <p:sldId id="3060" r:id="rId15"/>
   </p:sldIdLst>
   <p:sldSz cx="9144000" cy="5143500" type="screen16x9"/>
   <p:notesSz cx="6858000" cy="9144000"/>
@@ -1124,7 +1125,7 @@
               <a:pPr>
                 <a:defRPr/>
               </a:pPr>
-              <a:t>7</a:t>
+              <a:t>4</a:t>
             </a:fld>
             <a:endParaRPr lang="en-US" altLang="zh-CN"/>
           </a:p>
@@ -1133,7 +1134,7 @@
     </p:spTree>
     <p:extLst>
       <p:ext uri="{BB962C8B-B14F-4D97-AF65-F5344CB8AC3E}">
-        <p14:creationId xmlns:p14="http://schemas.microsoft.com/office/powerpoint/2010/main" val="1250483859"/>
+        <p14:creationId xmlns:p14="http://schemas.microsoft.com/office/powerpoint/2010/main" val="3476269474"/>
       </p:ext>
     </p:extLst>
   </p:cSld>
@@ -1187,7 +1188,7 @@
           <a:bodyPr/>
           <a:lstStyle/>
           <a:p>
-            <a:endParaRPr lang="en-US" dirty="0"/>
+            <a:endParaRPr lang="en-CA" dirty="0"/>
           </a:p>
         </p:txBody>
       </p:sp>
@@ -1223,7 +1224,7 @@
     </p:spTree>
     <p:extLst>
       <p:ext uri="{BB962C8B-B14F-4D97-AF65-F5344CB8AC3E}">
-        <p14:creationId xmlns:p14="http://schemas.microsoft.com/office/powerpoint/2010/main" val="3553270564"/>
+        <p14:creationId xmlns:p14="http://schemas.microsoft.com/office/powerpoint/2010/main" val="1250483859"/>
       </p:ext>
     </p:extLst>
   </p:cSld>
@@ -1277,7 +1278,7 @@
           <a:bodyPr/>
           <a:lstStyle/>
           <a:p>
-            <a:endParaRPr lang="en-CA" dirty="0"/>
+            <a:endParaRPr lang="en-US" dirty="0"/>
           </a:p>
         </p:txBody>
       </p:sp>
@@ -1313,7 +1314,7 @@
     </p:spTree>
     <p:extLst>
       <p:ext uri="{BB962C8B-B14F-4D97-AF65-F5344CB8AC3E}">
-        <p14:creationId xmlns:p14="http://schemas.microsoft.com/office/powerpoint/2010/main" val="2259332539"/>
+        <p14:creationId xmlns:p14="http://schemas.microsoft.com/office/powerpoint/2010/main" val="3553270564"/>
       </p:ext>
     </p:extLst>
   </p:cSld>
@@ -1389,21 +1390,21 @@
             <a:pPr>
               <a:defRPr/>
             </a:pPr>
-            <a:fld id="{F97A1FA6-25DE-9E4E-A34D-CF67DE7DBDC7}" type="slidenum">
-              <a:rPr lang="en-US" smtClean="0"/>
+            <a:fld id="{100938BD-FD70-4535-B0C2-13FC38CDF1BE}" type="slidenum">
+              <a:rPr lang="en-US" altLang="zh-CN" smtClean="0"/>
               <a:pPr>
                 <a:defRPr/>
               </a:pPr>
-              <a:t>10</a:t>
+              <a:t>11</a:t>
             </a:fld>
-            <a:endParaRPr lang="en-US"/>
+            <a:endParaRPr lang="en-US" altLang="zh-CN"/>
           </a:p>
         </p:txBody>
       </p:sp>
     </p:spTree>
     <p:extLst>
       <p:ext uri="{BB962C8B-B14F-4D97-AF65-F5344CB8AC3E}">
-        <p14:creationId xmlns:p14="http://schemas.microsoft.com/office/powerpoint/2010/main" val="3282551135"/>
+        <p14:creationId xmlns:p14="http://schemas.microsoft.com/office/powerpoint/2010/main" val="3878909616"/>
       </p:ext>
     </p:extLst>
   </p:cSld>
@@ -1479,12 +1480,102 @@
             <a:pPr>
               <a:defRPr/>
             </a:pPr>
+            <a:fld id="{F97A1FA6-25DE-9E4E-A34D-CF67DE7DBDC7}" type="slidenum">
+              <a:rPr lang="en-US" smtClean="0"/>
+              <a:pPr>
+                <a:defRPr/>
+              </a:pPr>
+              <a:t>12</a:t>
+            </a:fld>
+            <a:endParaRPr lang="en-US"/>
+          </a:p>
+        </p:txBody>
+      </p:sp>
+    </p:spTree>
+    <p:extLst>
+      <p:ext uri="{BB962C8B-B14F-4D97-AF65-F5344CB8AC3E}">
+        <p14:creationId xmlns:p14="http://schemas.microsoft.com/office/powerpoint/2010/main" val="3282551135"/>
+      </p:ext>
+    </p:extLst>
+  </p:cSld>
+  <p:clrMapOvr>
+    <a:masterClrMapping/>
+  </p:clrMapOvr>
+</p:notes>
+</file>
+
+<file path=ppt/notesSlides/notesSlide9.xml><?xml version="1.0" encoding="utf-8"?>
+<p:notes xmlns:a="http://schemas.openxmlformats.org/drawingml/2006/main" xmlns:r="http://schemas.openxmlformats.org/officeDocument/2006/relationships" xmlns:p="http://schemas.openxmlformats.org/presentationml/2006/main">
+  <p:cSld>
+    <p:spTree>
+      <p:nvGrpSpPr>
+        <p:cNvPr id="1" name=""/>
+        <p:cNvGrpSpPr/>
+        <p:nvPr/>
+      </p:nvGrpSpPr>
+      <p:grpSpPr>
+        <a:xfrm>
+          <a:off x="0" y="0"/>
+          <a:ext cx="0" cy="0"/>
+          <a:chOff x="0" y="0"/>
+          <a:chExt cx="0" cy="0"/>
+        </a:xfrm>
+      </p:grpSpPr>
+      <p:sp>
+        <p:nvSpPr>
+          <p:cNvPr id="2" name="Slide Image Placeholder 1"/>
+          <p:cNvSpPr>
+            <a:spLocks noGrp="1" noRot="1" noChangeAspect="1"/>
+          </p:cNvSpPr>
+          <p:nvPr>
+            <p:ph type="sldImg"/>
+          </p:nvPr>
+        </p:nvSpPr>
+        <p:spPr/>
+      </p:sp>
+      <p:sp>
+        <p:nvSpPr>
+          <p:cNvPr id="3" name="Notes Placeholder 2"/>
+          <p:cNvSpPr>
+            <a:spLocks noGrp="1"/>
+          </p:cNvSpPr>
+          <p:nvPr>
+            <p:ph type="body" idx="1"/>
+          </p:nvPr>
+        </p:nvSpPr>
+        <p:spPr/>
+        <p:txBody>
+          <a:bodyPr/>
+          <a:lstStyle/>
+          <a:p>
+            <a:endParaRPr lang="en-US" dirty="0"/>
+          </a:p>
+        </p:txBody>
+      </p:sp>
+      <p:sp>
+        <p:nvSpPr>
+          <p:cNvPr id="4" name="Slide Number Placeholder 3"/>
+          <p:cNvSpPr>
+            <a:spLocks noGrp="1"/>
+          </p:cNvSpPr>
+          <p:nvPr>
+            <p:ph type="sldNum" sz="quarter" idx="10"/>
+          </p:nvPr>
+        </p:nvSpPr>
+        <p:spPr/>
+        <p:txBody>
+          <a:bodyPr/>
+          <a:lstStyle/>
+          <a:p>
+            <a:pPr>
+              <a:defRPr/>
+            </a:pPr>
             <a:fld id="{100938BD-FD70-4535-B0C2-13FC38CDF1BE}" type="slidenum">
               <a:rPr lang="en-US" altLang="zh-CN" smtClean="0"/>
               <a:pPr>
                 <a:defRPr/>
               </a:pPr>
-              <a:t>13</a:t>
+              <a:t>14</a:t>
             </a:fld>
             <a:endParaRPr lang="en-US" altLang="zh-CN"/>
           </a:p>
@@ -2379,7 +2470,7 @@
               </a14:hiddenLine>
             </a:ext>
             <a:ext uri="{FAA26D3D-D897-4be2-8F04-BA451C77F1D7}">
-              <ma14:placeholderFlag xmlns:ma14="http://schemas.microsoft.com/office/mac/drawingml/2011/main" xmlns="" val="1"/>
+              <ma14:placeholderFlag xmlns="" xmlns:ma14="http://schemas.microsoft.com/office/mac/drawingml/2011/main" val="1"/>
             </a:ext>
           </a:extLst>
         </p:spPr>
@@ -2810,14 +2901,14 @@
           </a:ln>
           <a:extLst>
             <a:ext uri="{909E8E84-426E-40dd-AFC4-6F175D3DCCD1}">
-              <a14:hiddenFill xmlns:a14="http://schemas.microsoft.com/office/drawing/2010/main" xmlns="">
+              <a14:hiddenFill xmlns="" xmlns:a14="http://schemas.microsoft.com/office/drawing/2010/main">
                 <a:solidFill>
                   <a:srgbClr val="FFFFFF"/>
                 </a:solidFill>
               </a14:hiddenFill>
             </a:ext>
             <a:ext uri="{91240B29-F687-4f45-9708-019B960494DF}">
-              <a14:hiddenLine xmlns:a14="http://schemas.microsoft.com/office/drawing/2010/main" xmlns="" w="9525">
+              <a14:hiddenLine xmlns="" xmlns:a14="http://schemas.microsoft.com/office/drawing/2010/main" w="9525">
                 <a:solidFill>
                   <a:srgbClr val="000000"/>
                 </a:solidFill>
@@ -5854,6 +5945,2074 @@
       </p:grpSpPr>
       <p:sp>
         <p:nvSpPr>
+          <p:cNvPr id="3" name="Title 2"/>
+          <p:cNvSpPr>
+            <a:spLocks noGrp="1"/>
+          </p:cNvSpPr>
+          <p:nvPr>
+            <p:ph type="title"/>
+          </p:nvPr>
+        </p:nvSpPr>
+        <p:spPr>
+          <a:xfrm>
+            <a:off x="298712" y="0"/>
+            <a:ext cx="8505372" cy="706080"/>
+          </a:xfrm>
+        </p:spPr>
+        <p:txBody>
+          <a:bodyPr/>
+          <a:lstStyle/>
+          <a:p>
+            <a:pPr algn="l"/>
+            <a:r>
+              <a:rPr lang="en-US" sz="2800" dirty="0">
+                <a:solidFill>
+                  <a:srgbClr val="0070C0"/>
+                </a:solidFill>
+                <a:latin typeface="Calibri Light" panose="020F0302020204030204" pitchFamily="34" charset="0"/>
+                <a:cs typeface="Calibri Light" panose="020F0302020204030204" pitchFamily="34" charset="0"/>
+              </a:rPr>
+              <a:t>STAMP Test Packets with Direct Measurement TLV</a:t>
+            </a:r>
+          </a:p>
+        </p:txBody>
+      </p:sp>
+      <p:sp>
+        <p:nvSpPr>
+          <p:cNvPr id="5" name="Rectangle 4"/>
+          <p:cNvSpPr/>
+          <p:nvPr/>
+        </p:nvSpPr>
+        <p:spPr>
+          <a:xfrm>
+            <a:off x="222352" y="659773"/>
+            <a:ext cx="4310743" cy="4131900"/>
+          </a:xfrm>
+          <a:prstGeom prst="rect">
+            <a:avLst/>
+          </a:prstGeom>
+          <a:solidFill>
+            <a:schemeClr val="accent6">
+              <a:lumMod val="20000"/>
+              <a:lumOff val="80000"/>
+            </a:schemeClr>
+          </a:solidFill>
+        </p:spPr>
+        <p:txBody>
+          <a:bodyPr wrap="square">
+            <a:spAutoFit/>
+          </a:bodyPr>
+          <a:lstStyle/>
+          <a:p>
+            <a:pPr>
+              <a:spcAft>
+                <a:spcPts val="0"/>
+              </a:spcAft>
+            </a:pPr>
+            <a:r>
+              <a:rPr lang="en-US" sz="750" dirty="0">
+                <a:latin typeface="Courier" pitchFamily="2" charset="0"/>
+                <a:ea typeface="Courier" charset="0"/>
+                <a:cs typeface="Courier" charset="0"/>
+              </a:rPr>
+              <a:t>       0                   1                   2                   3</a:t>
+            </a:r>
+          </a:p>
+          <a:p>
+            <a:pPr>
+              <a:spcAft>
+                <a:spcPts val="0"/>
+              </a:spcAft>
+            </a:pPr>
+            <a:r>
+              <a:rPr lang="en-US" sz="750" dirty="0">
+                <a:latin typeface="Courier" pitchFamily="2" charset="0"/>
+                <a:ea typeface="Courier" charset="0"/>
+                <a:cs typeface="Courier" charset="0"/>
+              </a:rPr>
+              <a:t>       0 1 2 3 4 5 6 7 8 9 0 1 2 3 4 5 6 7 8 9 0 1 2 3 4 5 6 7 8 9 0 1</a:t>
+            </a:r>
+          </a:p>
+          <a:p>
+            <a:pPr>
+              <a:spcAft>
+                <a:spcPts val="0"/>
+              </a:spcAft>
+            </a:pPr>
+            <a:r>
+              <a:rPr lang="en-US" sz="750" dirty="0">
+                <a:latin typeface="Courier" pitchFamily="2" charset="0"/>
+                <a:ea typeface="Courier" charset="0"/>
+                <a:cs typeface="Courier" charset="0"/>
+              </a:rPr>
+              <a:t>      +-+-+-+-+-+-+-+-+-+-+-+-+-+-+-+-+-+-+-+-+-+-+-+-+-+-+-+-+-+-+-+-+</a:t>
+            </a:r>
+          </a:p>
+          <a:p>
+            <a:pPr>
+              <a:spcAft>
+                <a:spcPts val="0"/>
+              </a:spcAft>
+            </a:pPr>
+            <a:r>
+              <a:rPr lang="en-US" sz="750" dirty="0">
+                <a:latin typeface="Courier" pitchFamily="2" charset="0"/>
+                <a:ea typeface="Courier" charset="0"/>
+                <a:cs typeface="Courier" charset="0"/>
+              </a:rPr>
+              <a:t>      |                        Sequence Number                        |</a:t>
+            </a:r>
+          </a:p>
+          <a:p>
+            <a:pPr>
+              <a:spcAft>
+                <a:spcPts val="0"/>
+              </a:spcAft>
+            </a:pPr>
+            <a:r>
+              <a:rPr lang="en-US" sz="750" dirty="0">
+                <a:latin typeface="Courier" pitchFamily="2" charset="0"/>
+                <a:ea typeface="Courier" charset="0"/>
+                <a:cs typeface="Courier" charset="0"/>
+              </a:rPr>
+              <a:t>      +-+-+-+-+-+-+-+-+-+-+-+-+-+-+-+-+-+-+-+-+-+-+-+-+-+-+-+-+-+-+-+-+</a:t>
+            </a:r>
+          </a:p>
+          <a:p>
+            <a:pPr>
+              <a:spcAft>
+                <a:spcPts val="0"/>
+              </a:spcAft>
+            </a:pPr>
+            <a:r>
+              <a:rPr lang="en-US" sz="750" dirty="0">
+                <a:latin typeface="Courier" pitchFamily="2" charset="0"/>
+                <a:ea typeface="Courier" charset="0"/>
+                <a:cs typeface="Courier" charset="0"/>
+              </a:rPr>
+              <a:t>      |                          Timestamp                            |</a:t>
+            </a:r>
+          </a:p>
+          <a:p>
+            <a:pPr>
+              <a:spcAft>
+                <a:spcPts val="0"/>
+              </a:spcAft>
+            </a:pPr>
+            <a:r>
+              <a:rPr lang="en-US" sz="750" dirty="0">
+                <a:latin typeface="Courier" pitchFamily="2" charset="0"/>
+                <a:ea typeface="Courier" charset="0"/>
+                <a:cs typeface="Courier" charset="0"/>
+              </a:rPr>
+              <a:t>      |                                                               |</a:t>
+            </a:r>
+          </a:p>
+          <a:p>
+            <a:pPr>
+              <a:spcAft>
+                <a:spcPts val="0"/>
+              </a:spcAft>
+            </a:pPr>
+            <a:r>
+              <a:rPr lang="en-US" sz="750" dirty="0">
+                <a:latin typeface="Courier" pitchFamily="2" charset="0"/>
+                <a:ea typeface="Courier" charset="0"/>
+                <a:cs typeface="Courier" charset="0"/>
+              </a:rPr>
+              <a:t>      +-+-+-+-+-+-+-+-+-+-+-+-+-+-+-+-+-+-+-+-+-+-+-+-+-+-+-+-+-+-+-+-+</a:t>
+            </a:r>
+          </a:p>
+          <a:p>
+            <a:pPr>
+              <a:spcAft>
+                <a:spcPts val="0"/>
+              </a:spcAft>
+            </a:pPr>
+            <a:r>
+              <a:rPr lang="en-US" sz="750" dirty="0">
+                <a:latin typeface="Courier" pitchFamily="2" charset="0"/>
+                <a:ea typeface="Courier" charset="0"/>
+                <a:cs typeface="Courier" charset="0"/>
+              </a:rPr>
+              <a:t>      |         Error Estimate        |           SSID                |</a:t>
+            </a:r>
+          </a:p>
+          <a:p>
+            <a:pPr>
+              <a:spcAft>
+                <a:spcPts val="0"/>
+              </a:spcAft>
+            </a:pPr>
+            <a:r>
+              <a:rPr lang="en-US" sz="750" dirty="0">
+                <a:latin typeface="Courier" pitchFamily="2" charset="0"/>
+                <a:ea typeface="Courier" charset="0"/>
+                <a:cs typeface="Courier" charset="0"/>
+              </a:rPr>
+              <a:t>      +-+-+-+-+-+-+-+-+-+-+-+-+-+-+-+-+-+-+-+-+-+-+-+-+-+-+-+-+-+-+-+-+</a:t>
+            </a:r>
+          </a:p>
+          <a:p>
+            <a:pPr>
+              <a:spcAft>
+                <a:spcPts val="0"/>
+              </a:spcAft>
+            </a:pPr>
+            <a:r>
+              <a:rPr lang="en-US" sz="750" dirty="0">
+                <a:latin typeface="Courier" pitchFamily="2" charset="0"/>
+                <a:ea typeface="Courier" charset="0"/>
+                <a:cs typeface="Courier" charset="0"/>
+              </a:rPr>
+              <a:t>      |                                                               |</a:t>
+            </a:r>
+          </a:p>
+          <a:p>
+            <a:pPr>
+              <a:spcAft>
+                <a:spcPts val="0"/>
+              </a:spcAft>
+            </a:pPr>
+            <a:r>
+              <a:rPr lang="en-US" sz="750" dirty="0">
+                <a:latin typeface="Courier" pitchFamily="2" charset="0"/>
+                <a:ea typeface="Courier" charset="0"/>
+                <a:cs typeface="Courier" charset="0"/>
+              </a:rPr>
+              <a:t>      |                                                               |</a:t>
+            </a:r>
+          </a:p>
+          <a:p>
+            <a:pPr>
+              <a:spcAft>
+                <a:spcPts val="0"/>
+              </a:spcAft>
+            </a:pPr>
+            <a:r>
+              <a:rPr lang="en-US" sz="750" dirty="0">
+                <a:latin typeface="Courier" pitchFamily="2" charset="0"/>
+                <a:ea typeface="Courier" charset="0"/>
+                <a:cs typeface="Courier" charset="0"/>
+              </a:rPr>
+              <a:t>      +                                                               +</a:t>
+            </a:r>
+          </a:p>
+          <a:p>
+            <a:pPr>
+              <a:spcAft>
+                <a:spcPts val="0"/>
+              </a:spcAft>
+            </a:pPr>
+            <a:r>
+              <a:rPr lang="en-US" sz="750" dirty="0">
+                <a:latin typeface="Courier" pitchFamily="2" charset="0"/>
+                <a:ea typeface="Courier" charset="0"/>
+                <a:cs typeface="Courier" charset="0"/>
+              </a:rPr>
+              <a:t>      |                         MBZ (28 octets)                       |</a:t>
+            </a:r>
+          </a:p>
+          <a:p>
+            <a:pPr>
+              <a:spcAft>
+                <a:spcPts val="0"/>
+              </a:spcAft>
+            </a:pPr>
+            <a:r>
+              <a:rPr lang="en-US" sz="750" dirty="0">
+                <a:latin typeface="Courier" pitchFamily="2" charset="0"/>
+                <a:ea typeface="Courier" charset="0"/>
+                <a:cs typeface="Courier" charset="0"/>
+              </a:rPr>
+              <a:t>      +                                                               +</a:t>
+            </a:r>
+          </a:p>
+          <a:p>
+            <a:pPr>
+              <a:spcAft>
+                <a:spcPts val="0"/>
+              </a:spcAft>
+            </a:pPr>
+            <a:r>
+              <a:rPr lang="en-US" sz="750" dirty="0">
+                <a:latin typeface="Courier" pitchFamily="2" charset="0"/>
+                <a:ea typeface="Courier" charset="0"/>
+                <a:cs typeface="Courier" charset="0"/>
+              </a:rPr>
+              <a:t>      |                                                               |</a:t>
+            </a:r>
+          </a:p>
+          <a:p>
+            <a:pPr>
+              <a:spcAft>
+                <a:spcPts val="0"/>
+              </a:spcAft>
+            </a:pPr>
+            <a:r>
+              <a:rPr lang="en-US" sz="750" dirty="0">
+                <a:latin typeface="Courier" pitchFamily="2" charset="0"/>
+                <a:ea typeface="Courier" charset="0"/>
+                <a:cs typeface="Courier" charset="0"/>
+              </a:rPr>
+              <a:t>      |                                                               |</a:t>
+            </a:r>
+          </a:p>
+          <a:p>
+            <a:pPr>
+              <a:spcAft>
+                <a:spcPts val="0"/>
+              </a:spcAft>
+            </a:pPr>
+            <a:r>
+              <a:rPr lang="en-US" sz="750" dirty="0">
+                <a:latin typeface="Courier" pitchFamily="2" charset="0"/>
+                <a:ea typeface="Courier" charset="0"/>
+                <a:cs typeface="Courier" charset="0"/>
+              </a:rPr>
+              <a:t>      +                                                               +</a:t>
+            </a:r>
+          </a:p>
+          <a:p>
+            <a:pPr>
+              <a:spcAft>
+                <a:spcPts val="0"/>
+              </a:spcAft>
+            </a:pPr>
+            <a:r>
+              <a:rPr lang="en-US" sz="750" dirty="0">
+                <a:latin typeface="Courier" pitchFamily="2" charset="0"/>
+                <a:ea typeface="Courier" charset="0"/>
+                <a:cs typeface="Courier" charset="0"/>
+              </a:rPr>
+              <a:t>      |                                                               |</a:t>
+            </a:r>
+          </a:p>
+          <a:p>
+            <a:pPr>
+              <a:spcAft>
+                <a:spcPts val="0"/>
+              </a:spcAft>
+            </a:pPr>
+            <a:r>
+              <a:rPr lang="en-US" sz="750" dirty="0">
+                <a:latin typeface="Courier" pitchFamily="2" charset="0"/>
+                <a:ea typeface="Courier" charset="0"/>
+                <a:cs typeface="Courier" charset="0"/>
+              </a:rPr>
+              <a:t>      +                                                               +</a:t>
+            </a:r>
+          </a:p>
+          <a:p>
+            <a:pPr>
+              <a:spcAft>
+                <a:spcPts val="0"/>
+              </a:spcAft>
+            </a:pPr>
+            <a:r>
+              <a:rPr lang="en-US" sz="750" dirty="0">
+                <a:latin typeface="Courier" pitchFamily="2" charset="0"/>
+                <a:ea typeface="Courier" charset="0"/>
+                <a:cs typeface="Courier" charset="0"/>
+              </a:rPr>
+              <a:t>      |                                                               |</a:t>
+            </a:r>
+          </a:p>
+          <a:p>
+            <a:pPr>
+              <a:spcAft>
+                <a:spcPts val="0"/>
+              </a:spcAft>
+            </a:pPr>
+            <a:r>
+              <a:rPr lang="en-US" sz="750" dirty="0">
+                <a:latin typeface="Courier" pitchFamily="2" charset="0"/>
+                <a:ea typeface="Courier" charset="0"/>
+                <a:cs typeface="Courier" charset="0"/>
+              </a:rPr>
+              <a:t>      +-+-+-+-+-+-+-+-+-+-+-+-+-+-+-+-+-+-+-+-+-+-+-+-+-+-+-+-+-+-+-+-+</a:t>
+            </a:r>
+          </a:p>
+          <a:p>
+            <a:pPr>
+              <a:spcAft>
+                <a:spcPts val="0"/>
+              </a:spcAft>
+            </a:pPr>
+            <a:r>
+              <a:rPr lang="en-US" sz="750" dirty="0">
+                <a:latin typeface="Courier" pitchFamily="2" charset="0"/>
+                <a:ea typeface="Courier" charset="0"/>
+                <a:cs typeface="Courier" charset="0"/>
+              </a:rPr>
+              <a:t>      </a:t>
+            </a:r>
+            <a:r>
+              <a:rPr lang="en-US" sz="750" b="1" dirty="0">
+                <a:solidFill>
+                  <a:srgbClr val="7030A0"/>
+                </a:solidFill>
+                <a:latin typeface="Courier" pitchFamily="2" charset="0"/>
+                <a:ea typeface="Courier" charset="0"/>
+                <a:cs typeface="Courier" charset="0"/>
+              </a:rPr>
+              <a:t>~                                                               ~</a:t>
+            </a:r>
+          </a:p>
+          <a:p>
+            <a:pPr>
+              <a:spcAft>
+                <a:spcPts val="0"/>
+              </a:spcAft>
+            </a:pPr>
+            <a:r>
+              <a:rPr lang="en-US" sz="750" b="1" dirty="0">
+                <a:solidFill>
+                  <a:srgbClr val="7030A0"/>
+                </a:solidFill>
+                <a:latin typeface="Courier" pitchFamily="2" charset="0"/>
+                <a:ea typeface="Courier" charset="0"/>
+                <a:cs typeface="Courier" charset="0"/>
+              </a:rPr>
+              <a:t>      ~                                                               ~</a:t>
+            </a:r>
+          </a:p>
+          <a:p>
+            <a:pPr>
+              <a:spcAft>
+                <a:spcPts val="0"/>
+              </a:spcAft>
+            </a:pPr>
+            <a:r>
+              <a:rPr lang="en-US" sz="750" b="1" dirty="0">
+                <a:solidFill>
+                  <a:srgbClr val="7030A0"/>
+                </a:solidFill>
+                <a:latin typeface="Courier" pitchFamily="2" charset="0"/>
+                <a:ea typeface="Courier" charset="0"/>
+                <a:cs typeface="Courier" charset="0"/>
+              </a:rPr>
+              <a:t>      +-+-+-+-+-+-+-+-+-+-+-+-+-+-+-+-+-+-+-+-+-+-+-+-+-+-+-+-+-+-+-+-+</a:t>
+            </a:r>
+          </a:p>
+          <a:p>
+            <a:pPr>
+              <a:spcAft>
+                <a:spcPts val="0"/>
+              </a:spcAft>
+            </a:pPr>
+            <a:r>
+              <a:rPr lang="en-CA" sz="750" b="1" dirty="0">
+                <a:solidFill>
+                  <a:srgbClr val="7030A0"/>
+                </a:solidFill>
+                <a:latin typeface="Courier" pitchFamily="2" charset="0"/>
+              </a:rPr>
+              <a:t>      |STAMP TLV Flags|  Type         |     Length                    |</a:t>
+            </a:r>
+          </a:p>
+          <a:p>
+            <a:pPr>
+              <a:spcAft>
+                <a:spcPts val="0"/>
+              </a:spcAft>
+            </a:pPr>
+            <a:r>
+              <a:rPr lang="en-US" sz="750" b="1" dirty="0">
+                <a:solidFill>
+                  <a:srgbClr val="7030A0"/>
+                </a:solidFill>
+                <a:latin typeface="Courier" pitchFamily="2" charset="0"/>
+                <a:ea typeface="Courier" charset="0"/>
+                <a:cs typeface="Courier" charset="0"/>
+              </a:rPr>
+              <a:t>      +-+-+-+-+-+-+-+-+-+-+-+-+-+-+-+-+-+-+-+-+-+-+-+-+-+-+-+-+-+-+-+-+</a:t>
+            </a:r>
+          </a:p>
+          <a:p>
+            <a:pPr>
+              <a:spcAft>
+                <a:spcPts val="0"/>
+              </a:spcAft>
+            </a:pPr>
+            <a:r>
+              <a:rPr lang="en-US" sz="750" b="1" dirty="0">
+                <a:solidFill>
+                  <a:srgbClr val="7030A0"/>
+                </a:solidFill>
+                <a:latin typeface="Courier" pitchFamily="2" charset="0"/>
+                <a:ea typeface="Courier" charset="0"/>
+                <a:cs typeface="Courier" charset="0"/>
+              </a:rPr>
+              <a:t>      |             Session-Sender Tx counter  (</a:t>
+            </a:r>
+            <a:r>
+              <a:rPr lang="en-US" sz="750" b="1" dirty="0" err="1">
+                <a:solidFill>
+                  <a:srgbClr val="7030A0"/>
+                </a:solidFill>
+                <a:latin typeface="Courier" pitchFamily="2" charset="0"/>
+                <a:ea typeface="Courier" charset="0"/>
+                <a:cs typeface="Courier" charset="0"/>
+              </a:rPr>
+              <a:t>S_TxC</a:t>
+            </a:r>
+            <a:r>
+              <a:rPr lang="en-US" sz="750" b="1" dirty="0">
+                <a:solidFill>
+                  <a:srgbClr val="7030A0"/>
+                </a:solidFill>
+                <a:latin typeface="Courier" pitchFamily="2" charset="0"/>
+                <a:ea typeface="Courier" charset="0"/>
+                <a:cs typeface="Courier" charset="0"/>
+              </a:rPr>
+              <a:t>)                |</a:t>
+            </a:r>
+          </a:p>
+          <a:p>
+            <a:pPr>
+              <a:spcAft>
+                <a:spcPts val="0"/>
+              </a:spcAft>
+            </a:pPr>
+            <a:r>
+              <a:rPr lang="en-US" sz="750" b="1" dirty="0">
+                <a:solidFill>
+                  <a:srgbClr val="7030A0"/>
+                </a:solidFill>
+                <a:latin typeface="Courier" pitchFamily="2" charset="0"/>
+                <a:ea typeface="Courier" charset="0"/>
+                <a:cs typeface="Courier" charset="0"/>
+              </a:rPr>
+              <a:t>      +-+-+-+-+-+-+-+-+-+-+-+-+-+-+-+-+-+-+-+-+-+-+-+-+-+-+-+-+-+-+-+-+</a:t>
+            </a:r>
+          </a:p>
+          <a:p>
+            <a:pPr>
+              <a:spcAft>
+                <a:spcPts val="0"/>
+              </a:spcAft>
+            </a:pPr>
+            <a:r>
+              <a:rPr lang="en-US" sz="750" b="1" dirty="0">
+                <a:solidFill>
+                  <a:srgbClr val="7030A0"/>
+                </a:solidFill>
+                <a:latin typeface="Courier" pitchFamily="2" charset="0"/>
+                <a:ea typeface="Courier" charset="0"/>
+                <a:cs typeface="Courier" charset="0"/>
+              </a:rPr>
+              <a:t>      |             Session-Reflector Rx counter  (</a:t>
+            </a:r>
+            <a:r>
+              <a:rPr lang="en-US" sz="750" b="1" dirty="0" err="1">
+                <a:solidFill>
+                  <a:srgbClr val="7030A0"/>
+                </a:solidFill>
+                <a:latin typeface="Courier" pitchFamily="2" charset="0"/>
+                <a:ea typeface="Courier" charset="0"/>
+                <a:cs typeface="Courier" charset="0"/>
+              </a:rPr>
+              <a:t>R_RxC</a:t>
+            </a:r>
+            <a:r>
+              <a:rPr lang="en-US" sz="750" b="1" dirty="0">
+                <a:solidFill>
+                  <a:srgbClr val="7030A0"/>
+                </a:solidFill>
+                <a:latin typeface="Courier" pitchFamily="2" charset="0"/>
+                <a:ea typeface="Courier" charset="0"/>
+                <a:cs typeface="Courier" charset="0"/>
+              </a:rPr>
+              <a:t>)             |</a:t>
+            </a:r>
+          </a:p>
+          <a:p>
+            <a:pPr>
+              <a:spcAft>
+                <a:spcPts val="0"/>
+              </a:spcAft>
+            </a:pPr>
+            <a:r>
+              <a:rPr lang="en-US" sz="750" b="1" dirty="0">
+                <a:solidFill>
+                  <a:srgbClr val="7030A0"/>
+                </a:solidFill>
+                <a:latin typeface="Courier" pitchFamily="2" charset="0"/>
+                <a:ea typeface="Courier" charset="0"/>
+                <a:cs typeface="Courier" charset="0"/>
+              </a:rPr>
+              <a:t>      +-+-+-+-+-+-+-+-+-+-+-+-+-+-+-+-+-+-+-+-+-+-+-+-+-+-+-+-+-+-+-+-+</a:t>
+            </a:r>
+          </a:p>
+          <a:p>
+            <a:pPr>
+              <a:spcAft>
+                <a:spcPts val="0"/>
+              </a:spcAft>
+            </a:pPr>
+            <a:r>
+              <a:rPr lang="en-US" sz="750" b="1" dirty="0">
+                <a:solidFill>
+                  <a:srgbClr val="7030A0"/>
+                </a:solidFill>
+                <a:latin typeface="Courier" pitchFamily="2" charset="0"/>
+                <a:ea typeface="Courier" charset="0"/>
+                <a:cs typeface="Courier" charset="0"/>
+              </a:rPr>
+              <a:t>      |             Session-Reflector Tx counter  (</a:t>
+            </a:r>
+            <a:r>
+              <a:rPr lang="en-US" sz="750" b="1" dirty="0" err="1">
+                <a:solidFill>
+                  <a:srgbClr val="7030A0"/>
+                </a:solidFill>
+                <a:latin typeface="Courier" pitchFamily="2" charset="0"/>
+                <a:ea typeface="Courier" charset="0"/>
+                <a:cs typeface="Courier" charset="0"/>
+              </a:rPr>
+              <a:t>R_TxC</a:t>
+            </a:r>
+            <a:r>
+              <a:rPr lang="en-US" sz="750" b="1" dirty="0">
+                <a:solidFill>
+                  <a:srgbClr val="7030A0"/>
+                </a:solidFill>
+                <a:latin typeface="Courier" pitchFamily="2" charset="0"/>
+                <a:ea typeface="Courier" charset="0"/>
+                <a:cs typeface="Courier" charset="0"/>
+              </a:rPr>
+              <a:t>)             |</a:t>
+            </a:r>
+          </a:p>
+          <a:p>
+            <a:pPr>
+              <a:spcAft>
+                <a:spcPts val="0"/>
+              </a:spcAft>
+            </a:pPr>
+            <a:r>
+              <a:rPr lang="en-US" sz="750" b="1" dirty="0">
+                <a:solidFill>
+                  <a:srgbClr val="7030A0"/>
+                </a:solidFill>
+                <a:latin typeface="Courier" pitchFamily="2" charset="0"/>
+                <a:ea typeface="Courier" charset="0"/>
+                <a:cs typeface="Courier" charset="0"/>
+              </a:rPr>
+              <a:t>      +-+-+-+-+-+-+-+-+-+-+-+-+-+-+-+-+-+-+-+-+-+-+-+-+-+-+-+-+-+-+-+-+</a:t>
+            </a:r>
+          </a:p>
+          <a:p>
+            <a:pPr>
+              <a:spcAft>
+                <a:spcPts val="0"/>
+              </a:spcAft>
+            </a:pPr>
+            <a:endParaRPr lang="en-US" sz="750" dirty="0">
+              <a:solidFill>
+                <a:srgbClr val="0070C0"/>
+              </a:solidFill>
+              <a:latin typeface="Courier" pitchFamily="2" charset="0"/>
+              <a:ea typeface="Courier" charset="0"/>
+              <a:cs typeface="Courier" charset="0"/>
+            </a:endParaRPr>
+          </a:p>
+          <a:p>
+            <a:pPr>
+              <a:spcAft>
+                <a:spcPts val="0"/>
+              </a:spcAft>
+            </a:pPr>
+            <a:r>
+              <a:rPr lang="en-US" sz="750" dirty="0">
+                <a:latin typeface="Courier" pitchFamily="2" charset="0"/>
+                <a:ea typeface="Courier" charset="0"/>
+                <a:cs typeface="Courier" charset="0"/>
+              </a:rPr>
+              <a:t>	 Figure: Session-Sender Test Packet Format</a:t>
+            </a:r>
+          </a:p>
+        </p:txBody>
+      </p:sp>
+      <p:sp>
+        <p:nvSpPr>
+          <p:cNvPr id="14" name="Rectangle 13">
+            <a:extLst>
+              <a:ext uri="{FF2B5EF4-FFF2-40B4-BE49-F238E27FC236}">
+                <a16:creationId xmlns:a16="http://schemas.microsoft.com/office/drawing/2014/main" id="{5F9D9D1B-92A3-C64D-87B1-9B0B9C9E3A13}"/>
+              </a:ext>
+            </a:extLst>
+          </p:cNvPr>
+          <p:cNvSpPr/>
+          <p:nvPr/>
+        </p:nvSpPr>
+        <p:spPr>
+          <a:xfrm>
+            <a:off x="4489552" y="659773"/>
+            <a:ext cx="4368799" cy="4131900"/>
+          </a:xfrm>
+          <a:prstGeom prst="rect">
+            <a:avLst/>
+          </a:prstGeom>
+          <a:solidFill>
+            <a:schemeClr val="accent6">
+              <a:lumMod val="20000"/>
+              <a:lumOff val="80000"/>
+            </a:schemeClr>
+          </a:solidFill>
+        </p:spPr>
+        <p:txBody>
+          <a:bodyPr wrap="square">
+            <a:spAutoFit/>
+          </a:bodyPr>
+          <a:lstStyle/>
+          <a:p>
+            <a:pPr>
+              <a:spcAft>
+                <a:spcPts val="0"/>
+              </a:spcAft>
+            </a:pPr>
+            <a:r>
+              <a:rPr lang="en-US" sz="750" dirty="0">
+                <a:latin typeface="Courier" pitchFamily="2" charset="0"/>
+                <a:ea typeface="Courier" charset="0"/>
+                <a:cs typeface="Courier" charset="0"/>
+              </a:rPr>
+              <a:t>     0                   1                   2                   3</a:t>
+            </a:r>
+          </a:p>
+          <a:p>
+            <a:pPr>
+              <a:spcAft>
+                <a:spcPts val="0"/>
+              </a:spcAft>
+            </a:pPr>
+            <a:r>
+              <a:rPr lang="en-US" sz="750" dirty="0">
+                <a:latin typeface="Courier" pitchFamily="2" charset="0"/>
+                <a:ea typeface="Courier" charset="0"/>
+                <a:cs typeface="Courier" charset="0"/>
+              </a:rPr>
+              <a:t>     0 1 2 3 4 5 6 7 8 9 0 1 2 3 4 5 6 7 8 9 0 1 2 3 4 5 6 7 8 9 0 1</a:t>
+            </a:r>
+          </a:p>
+          <a:p>
+            <a:pPr>
+              <a:spcAft>
+                <a:spcPts val="0"/>
+              </a:spcAft>
+            </a:pPr>
+            <a:r>
+              <a:rPr lang="en-US" sz="750" dirty="0">
+                <a:latin typeface="Courier" pitchFamily="2" charset="0"/>
+                <a:ea typeface="Courier" charset="0"/>
+                <a:cs typeface="Courier" charset="0"/>
+              </a:rPr>
+              <a:t>    +-+-+-+-+-+-+-+-+-+-+-+-+-+-+-+-+-+-+-+-+-+-+-+-+-+-+-+-+-+-+-+-+</a:t>
+            </a:r>
+          </a:p>
+          <a:p>
+            <a:pPr>
+              <a:spcAft>
+                <a:spcPts val="0"/>
+              </a:spcAft>
+            </a:pPr>
+            <a:r>
+              <a:rPr lang="en-US" sz="750" dirty="0">
+                <a:latin typeface="Courier" pitchFamily="2" charset="0"/>
+                <a:ea typeface="Courier" charset="0"/>
+                <a:cs typeface="Courier" charset="0"/>
+              </a:rPr>
+              <a:t>    |                        Sequence Number                        |</a:t>
+            </a:r>
+          </a:p>
+          <a:p>
+            <a:pPr>
+              <a:spcAft>
+                <a:spcPts val="0"/>
+              </a:spcAft>
+            </a:pPr>
+            <a:r>
+              <a:rPr lang="en-US" sz="750" dirty="0">
+                <a:latin typeface="Courier" pitchFamily="2" charset="0"/>
+                <a:ea typeface="Courier" charset="0"/>
+                <a:cs typeface="Courier" charset="0"/>
+              </a:rPr>
+              <a:t>    +-+-+-+-+-+-+-+-+-+-+-+-+-+-+-+-+-+-+-+-+-+-+-+-+-+-+-+-+-+-+-+-+</a:t>
+            </a:r>
+          </a:p>
+          <a:p>
+            <a:pPr>
+              <a:spcAft>
+                <a:spcPts val="0"/>
+              </a:spcAft>
+            </a:pPr>
+            <a:r>
+              <a:rPr lang="en-US" sz="750" dirty="0">
+                <a:latin typeface="Courier" pitchFamily="2" charset="0"/>
+                <a:ea typeface="Courier" charset="0"/>
+                <a:cs typeface="Courier" charset="0"/>
+              </a:rPr>
+              <a:t>    |                          Timestamp                            |</a:t>
+            </a:r>
+          </a:p>
+          <a:p>
+            <a:pPr>
+              <a:spcAft>
+                <a:spcPts val="0"/>
+              </a:spcAft>
+            </a:pPr>
+            <a:r>
+              <a:rPr lang="en-US" sz="750" dirty="0">
+                <a:latin typeface="Courier" pitchFamily="2" charset="0"/>
+                <a:ea typeface="Courier" charset="0"/>
+                <a:cs typeface="Courier" charset="0"/>
+              </a:rPr>
+              <a:t>    |                                                               |</a:t>
+            </a:r>
+          </a:p>
+          <a:p>
+            <a:pPr>
+              <a:spcAft>
+                <a:spcPts val="0"/>
+              </a:spcAft>
+            </a:pPr>
+            <a:r>
+              <a:rPr lang="en-US" sz="750" dirty="0">
+                <a:latin typeface="Courier" pitchFamily="2" charset="0"/>
+                <a:ea typeface="Courier" charset="0"/>
+                <a:cs typeface="Courier" charset="0"/>
+              </a:rPr>
+              <a:t>    +-+-+-+-+-+-+-+-+-+-+-+-+-+-+-+-+-+-+-+-+-+-+-+-+-+-+-+-+-+-+-+-+</a:t>
+            </a:r>
+          </a:p>
+          <a:p>
+            <a:pPr>
+              <a:spcAft>
+                <a:spcPts val="0"/>
+              </a:spcAft>
+            </a:pPr>
+            <a:r>
+              <a:rPr lang="en-US" sz="750" dirty="0">
+                <a:latin typeface="Courier" pitchFamily="2" charset="0"/>
+                <a:ea typeface="Courier" charset="0"/>
+                <a:cs typeface="Courier" charset="0"/>
+              </a:rPr>
+              <a:t>    |         Error Estimate        |           SSID                |</a:t>
+            </a:r>
+          </a:p>
+          <a:p>
+            <a:pPr>
+              <a:spcAft>
+                <a:spcPts val="0"/>
+              </a:spcAft>
+            </a:pPr>
+            <a:r>
+              <a:rPr lang="en-US" sz="750" dirty="0">
+                <a:latin typeface="Courier" pitchFamily="2" charset="0"/>
+                <a:ea typeface="Courier" charset="0"/>
+                <a:cs typeface="Courier" charset="0"/>
+              </a:rPr>
+              <a:t>    +-+-+-+-+-+-+-+-+-+-+-+-+-+-+-+-+-+-+-+-+-+-+-+-+-+-+-+-+-+-+-+-+</a:t>
+            </a:r>
+          </a:p>
+          <a:p>
+            <a:pPr>
+              <a:spcAft>
+                <a:spcPts val="0"/>
+              </a:spcAft>
+            </a:pPr>
+            <a:r>
+              <a:rPr lang="en-US" sz="750" dirty="0">
+                <a:latin typeface="Courier" pitchFamily="2" charset="0"/>
+                <a:ea typeface="Courier" charset="0"/>
+                <a:cs typeface="Courier" charset="0"/>
+              </a:rPr>
+              <a:t>    |                          Receive Timestamp                    |</a:t>
+            </a:r>
+          </a:p>
+          <a:p>
+            <a:pPr>
+              <a:spcAft>
+                <a:spcPts val="0"/>
+              </a:spcAft>
+            </a:pPr>
+            <a:r>
+              <a:rPr lang="en-US" sz="750" dirty="0">
+                <a:latin typeface="Courier" pitchFamily="2" charset="0"/>
+                <a:ea typeface="Courier" charset="0"/>
+                <a:cs typeface="Courier" charset="0"/>
+              </a:rPr>
+              <a:t>    |                                                               |</a:t>
+            </a:r>
+          </a:p>
+          <a:p>
+            <a:pPr>
+              <a:spcAft>
+                <a:spcPts val="0"/>
+              </a:spcAft>
+            </a:pPr>
+            <a:r>
+              <a:rPr lang="en-US" sz="750" dirty="0">
+                <a:latin typeface="Courier" pitchFamily="2" charset="0"/>
+                <a:ea typeface="Courier" charset="0"/>
+                <a:cs typeface="Courier" charset="0"/>
+              </a:rPr>
+              <a:t>    +-+-+-+-+-+-+-+-+-+-+-+-+-+-+-+-+-+-+-+-+-+-+-+-+-+-+-+-+-+-+-+-+</a:t>
+            </a:r>
+          </a:p>
+          <a:p>
+            <a:pPr>
+              <a:spcAft>
+                <a:spcPts val="0"/>
+              </a:spcAft>
+            </a:pPr>
+            <a:r>
+              <a:rPr lang="en-US" sz="750" dirty="0">
+                <a:latin typeface="Courier" pitchFamily="2" charset="0"/>
+                <a:ea typeface="Courier" charset="0"/>
+                <a:cs typeface="Courier" charset="0"/>
+              </a:rPr>
+              <a:t>    |                 Session-Sender Sequence Number                |</a:t>
+            </a:r>
+          </a:p>
+          <a:p>
+            <a:pPr>
+              <a:spcAft>
+                <a:spcPts val="0"/>
+              </a:spcAft>
+            </a:pPr>
+            <a:r>
+              <a:rPr lang="en-US" sz="750" dirty="0">
+                <a:latin typeface="Courier" pitchFamily="2" charset="0"/>
+                <a:ea typeface="Courier" charset="0"/>
+                <a:cs typeface="Courier" charset="0"/>
+              </a:rPr>
+              <a:t>    +-+-+-+-+-+-+-+-+-+-+-+-+-+-+-+-+-+-+-+-+-+-+-+-+-+-+-+-+-+-+-+-+</a:t>
+            </a:r>
+          </a:p>
+          <a:p>
+            <a:pPr>
+              <a:spcAft>
+                <a:spcPts val="0"/>
+              </a:spcAft>
+            </a:pPr>
+            <a:r>
+              <a:rPr lang="en-US" sz="750" dirty="0">
+                <a:latin typeface="Courier" pitchFamily="2" charset="0"/>
+                <a:ea typeface="Courier" charset="0"/>
+                <a:cs typeface="Courier" charset="0"/>
+              </a:rPr>
+              <a:t>    |                  Session-Sender Timestamp                     |</a:t>
+            </a:r>
+          </a:p>
+          <a:p>
+            <a:pPr>
+              <a:spcAft>
+                <a:spcPts val="0"/>
+              </a:spcAft>
+            </a:pPr>
+            <a:r>
+              <a:rPr lang="en-US" sz="750" dirty="0">
+                <a:latin typeface="Courier" pitchFamily="2" charset="0"/>
+                <a:ea typeface="Courier" charset="0"/>
+                <a:cs typeface="Courier" charset="0"/>
+              </a:rPr>
+              <a:t>    |                                                               |</a:t>
+            </a:r>
+          </a:p>
+          <a:p>
+            <a:pPr>
+              <a:spcAft>
+                <a:spcPts val="0"/>
+              </a:spcAft>
+            </a:pPr>
+            <a:r>
+              <a:rPr lang="en-US" sz="750" dirty="0">
+                <a:latin typeface="Courier" pitchFamily="2" charset="0"/>
+                <a:ea typeface="Courier" charset="0"/>
+                <a:cs typeface="Courier" charset="0"/>
+              </a:rPr>
+              <a:t>    +-+-+-+-+-+-+-+-+-+-+-+-+-+-+-+-+-+-+-+-+-+-+-+-+-+-+-+-+-+-+-+-+</a:t>
+            </a:r>
+          </a:p>
+          <a:p>
+            <a:pPr>
+              <a:spcAft>
+                <a:spcPts val="0"/>
+              </a:spcAft>
+            </a:pPr>
+            <a:r>
+              <a:rPr lang="en-US" sz="750" dirty="0">
+                <a:latin typeface="Courier" pitchFamily="2" charset="0"/>
+                <a:ea typeface="Courier" charset="0"/>
+                <a:cs typeface="Courier" charset="0"/>
+              </a:rPr>
+              <a:t>    | Session-Sender Error Estimate |           MBZ                 |</a:t>
+            </a:r>
+          </a:p>
+          <a:p>
+            <a:pPr>
+              <a:spcAft>
+                <a:spcPts val="0"/>
+              </a:spcAft>
+            </a:pPr>
+            <a:r>
+              <a:rPr lang="en-US" sz="750" dirty="0">
+                <a:latin typeface="Courier" pitchFamily="2" charset="0"/>
+                <a:ea typeface="Courier" charset="0"/>
+                <a:cs typeface="Courier" charset="0"/>
+              </a:rPr>
+              <a:t>    +-+-+-+-+-+-+-+-+-+-+-+-+-+-+-+-+-+-+-+-+-+-+-+-+-+-+-+-+-+-+-+-+</a:t>
+            </a:r>
+          </a:p>
+          <a:p>
+            <a:pPr>
+              <a:spcAft>
+                <a:spcPts val="0"/>
+              </a:spcAft>
+            </a:pPr>
+            <a:r>
+              <a:rPr lang="en-US" sz="750" dirty="0">
+                <a:latin typeface="Courier" pitchFamily="2" charset="0"/>
+                <a:ea typeface="Courier" charset="0"/>
+                <a:cs typeface="Courier" charset="0"/>
+              </a:rPr>
+              <a:t>    |</a:t>
+            </a:r>
+            <a:r>
+              <a:rPr lang="en-US" sz="750" dirty="0" err="1">
+                <a:latin typeface="Courier" pitchFamily="2" charset="0"/>
+                <a:ea typeface="Courier" charset="0"/>
+                <a:cs typeface="Courier" charset="0"/>
+              </a:rPr>
+              <a:t>Ses</a:t>
+            </a:r>
+            <a:r>
+              <a:rPr lang="en-US" sz="750" dirty="0">
+                <a:latin typeface="Courier" pitchFamily="2" charset="0"/>
+                <a:ea typeface="Courier" charset="0"/>
+                <a:cs typeface="Courier" charset="0"/>
+              </a:rPr>
+              <a:t>-Sender TTL |                  MBZ2                         |</a:t>
+            </a:r>
+          </a:p>
+          <a:p>
+            <a:pPr>
+              <a:spcAft>
+                <a:spcPts val="0"/>
+              </a:spcAft>
+            </a:pPr>
+            <a:r>
+              <a:rPr lang="en-US" sz="750" dirty="0">
+                <a:latin typeface="Courier" pitchFamily="2" charset="0"/>
+                <a:ea typeface="Courier" charset="0"/>
+                <a:cs typeface="Courier" charset="0"/>
+              </a:rPr>
+              <a:t>    +-+-+-+-+-+-+-+-+-+-+-+-+-+-+-+-+-+-+-+-+-+-+-+-+-+-+-+-+-+-+-+-+</a:t>
+            </a:r>
+          </a:p>
+          <a:p>
+            <a:pPr>
+              <a:spcAft>
+                <a:spcPts val="0"/>
+              </a:spcAft>
+            </a:pPr>
+            <a:r>
+              <a:rPr lang="en-US" sz="750" dirty="0">
+                <a:solidFill>
+                  <a:srgbClr val="7030A0"/>
+                </a:solidFill>
+                <a:latin typeface="Courier" pitchFamily="2" charset="0"/>
+                <a:ea typeface="Courier" charset="0"/>
+                <a:cs typeface="Courier" charset="0"/>
+              </a:rPr>
+              <a:t>    </a:t>
+            </a:r>
+            <a:r>
+              <a:rPr lang="en-US" sz="750" b="1" dirty="0">
+                <a:solidFill>
+                  <a:srgbClr val="7030A0"/>
+                </a:solidFill>
+                <a:latin typeface="Courier" pitchFamily="2" charset="0"/>
+                <a:ea typeface="Courier" charset="0"/>
+                <a:cs typeface="Courier" charset="0"/>
+              </a:rPr>
+              <a:t>~                                                               ~</a:t>
+            </a:r>
+          </a:p>
+          <a:p>
+            <a:pPr>
+              <a:spcAft>
+                <a:spcPts val="0"/>
+              </a:spcAft>
+            </a:pPr>
+            <a:r>
+              <a:rPr lang="en-US" sz="750" b="1" dirty="0">
+                <a:solidFill>
+                  <a:srgbClr val="7030A0"/>
+                </a:solidFill>
+                <a:latin typeface="Courier" pitchFamily="2" charset="0"/>
+                <a:ea typeface="Courier" charset="0"/>
+                <a:cs typeface="Courier" charset="0"/>
+              </a:rPr>
+              <a:t>    ~                                                               ~</a:t>
+            </a:r>
+          </a:p>
+          <a:p>
+            <a:pPr>
+              <a:spcAft>
+                <a:spcPts val="0"/>
+              </a:spcAft>
+            </a:pPr>
+            <a:r>
+              <a:rPr lang="en-US" sz="750" b="1" dirty="0">
+                <a:solidFill>
+                  <a:srgbClr val="7030A0"/>
+                </a:solidFill>
+                <a:latin typeface="Courier" pitchFamily="2" charset="0"/>
+                <a:ea typeface="Courier" charset="0"/>
+                <a:cs typeface="Courier" charset="0"/>
+              </a:rPr>
+              <a:t>    +-+-+-+-+-+-+-+-+-+-+-+-+-+-+-+-+-+-+-+-+-+-+-+-+-+-+-+-+-+-+-+-+</a:t>
+            </a:r>
+          </a:p>
+          <a:p>
+            <a:pPr>
+              <a:spcAft>
+                <a:spcPts val="0"/>
+              </a:spcAft>
+            </a:pPr>
+            <a:r>
+              <a:rPr lang="en-CA" sz="750" b="1" dirty="0">
+                <a:solidFill>
+                  <a:srgbClr val="7030A0"/>
+                </a:solidFill>
+                <a:latin typeface="Courier" pitchFamily="2" charset="0"/>
+              </a:rPr>
+              <a:t>    |STAMP TLV Flags|  Type         |     Length                    |</a:t>
+            </a:r>
+          </a:p>
+          <a:p>
+            <a:pPr>
+              <a:spcAft>
+                <a:spcPts val="0"/>
+              </a:spcAft>
+            </a:pPr>
+            <a:r>
+              <a:rPr lang="en-US" sz="750" b="1" dirty="0">
+                <a:solidFill>
+                  <a:srgbClr val="7030A0"/>
+                </a:solidFill>
+                <a:latin typeface="Courier" pitchFamily="2" charset="0"/>
+                <a:ea typeface="Courier" charset="0"/>
+                <a:cs typeface="Courier" charset="0"/>
+              </a:rPr>
+              <a:t>    +-+-+-+-+-+-+-+-+-+-+-+-+-+-+-+-+-+-+-+-+-+-+-+-+-+-+-+-+-+-+-+-+</a:t>
+            </a:r>
+          </a:p>
+          <a:p>
+            <a:pPr>
+              <a:spcAft>
+                <a:spcPts val="0"/>
+              </a:spcAft>
+            </a:pPr>
+            <a:r>
+              <a:rPr lang="en-US" sz="750" b="1" dirty="0">
+                <a:solidFill>
+                  <a:srgbClr val="7030A0"/>
+                </a:solidFill>
+                <a:latin typeface="Courier" pitchFamily="2" charset="0"/>
+                <a:ea typeface="Courier" charset="0"/>
+                <a:cs typeface="Courier" charset="0"/>
+              </a:rPr>
+              <a:t>    |             Session-Sender Tx counter  (</a:t>
+            </a:r>
+            <a:r>
+              <a:rPr lang="en-US" sz="750" b="1" dirty="0" err="1">
+                <a:solidFill>
+                  <a:srgbClr val="7030A0"/>
+                </a:solidFill>
+                <a:latin typeface="Courier" pitchFamily="2" charset="0"/>
+                <a:ea typeface="Courier" charset="0"/>
+                <a:cs typeface="Courier" charset="0"/>
+              </a:rPr>
+              <a:t>S_TxC</a:t>
+            </a:r>
+            <a:r>
+              <a:rPr lang="en-US" sz="750" b="1" dirty="0">
+                <a:solidFill>
+                  <a:srgbClr val="7030A0"/>
+                </a:solidFill>
+                <a:latin typeface="Courier" pitchFamily="2" charset="0"/>
+                <a:ea typeface="Courier" charset="0"/>
+                <a:cs typeface="Courier" charset="0"/>
+              </a:rPr>
+              <a:t>)                |</a:t>
+            </a:r>
+          </a:p>
+          <a:p>
+            <a:pPr>
+              <a:spcAft>
+                <a:spcPts val="0"/>
+              </a:spcAft>
+            </a:pPr>
+            <a:r>
+              <a:rPr lang="en-US" sz="750" b="1" dirty="0">
+                <a:solidFill>
+                  <a:srgbClr val="7030A0"/>
+                </a:solidFill>
+                <a:latin typeface="Courier" pitchFamily="2" charset="0"/>
+                <a:ea typeface="Courier" charset="0"/>
+                <a:cs typeface="Courier" charset="0"/>
+              </a:rPr>
+              <a:t>    +-+-+-+-+-+-+-+-+-+-+-+-+-+-+-+-+-+-+-+-+-+-+-+-+-+-+-+-+-+-+-+-+</a:t>
+            </a:r>
+          </a:p>
+          <a:p>
+            <a:pPr>
+              <a:spcAft>
+                <a:spcPts val="0"/>
+              </a:spcAft>
+            </a:pPr>
+            <a:r>
+              <a:rPr lang="en-US" sz="750" b="1" dirty="0">
+                <a:solidFill>
+                  <a:srgbClr val="7030A0"/>
+                </a:solidFill>
+                <a:latin typeface="Courier" pitchFamily="2" charset="0"/>
+                <a:ea typeface="Courier" charset="0"/>
+                <a:cs typeface="Courier" charset="0"/>
+              </a:rPr>
+              <a:t>    |             Session-Reflector Rx counter  (</a:t>
+            </a:r>
+            <a:r>
+              <a:rPr lang="en-US" sz="750" b="1" dirty="0" err="1">
+                <a:solidFill>
+                  <a:srgbClr val="7030A0"/>
+                </a:solidFill>
+                <a:latin typeface="Courier" pitchFamily="2" charset="0"/>
+                <a:ea typeface="Courier" charset="0"/>
+                <a:cs typeface="Courier" charset="0"/>
+              </a:rPr>
+              <a:t>R_RxC</a:t>
+            </a:r>
+            <a:r>
+              <a:rPr lang="en-US" sz="750" b="1" dirty="0">
+                <a:solidFill>
+                  <a:srgbClr val="7030A0"/>
+                </a:solidFill>
+                <a:latin typeface="Courier" pitchFamily="2" charset="0"/>
+                <a:ea typeface="Courier" charset="0"/>
+                <a:cs typeface="Courier" charset="0"/>
+              </a:rPr>
+              <a:t>)             |</a:t>
+            </a:r>
+          </a:p>
+          <a:p>
+            <a:pPr>
+              <a:spcAft>
+                <a:spcPts val="0"/>
+              </a:spcAft>
+            </a:pPr>
+            <a:r>
+              <a:rPr lang="en-US" sz="750" b="1" dirty="0">
+                <a:solidFill>
+                  <a:srgbClr val="7030A0"/>
+                </a:solidFill>
+                <a:latin typeface="Courier" pitchFamily="2" charset="0"/>
+                <a:ea typeface="Courier" charset="0"/>
+                <a:cs typeface="Courier" charset="0"/>
+              </a:rPr>
+              <a:t>    +-+-+-+-+-+-+-+-+-+-+-+-+-+-+-+-+-+-+-+-+-+-+-+-+-+-+-+-+-+-+-+-+</a:t>
+            </a:r>
+          </a:p>
+          <a:p>
+            <a:pPr>
+              <a:spcAft>
+                <a:spcPts val="0"/>
+              </a:spcAft>
+            </a:pPr>
+            <a:r>
+              <a:rPr lang="en-US" sz="750" b="1" dirty="0">
+                <a:solidFill>
+                  <a:srgbClr val="7030A0"/>
+                </a:solidFill>
+                <a:latin typeface="Courier" pitchFamily="2" charset="0"/>
+                <a:ea typeface="Courier" charset="0"/>
+                <a:cs typeface="Courier" charset="0"/>
+              </a:rPr>
+              <a:t>    |             Session-Reflector Tx counter  (</a:t>
+            </a:r>
+            <a:r>
+              <a:rPr lang="en-US" sz="750" b="1" dirty="0" err="1">
+                <a:solidFill>
+                  <a:srgbClr val="7030A0"/>
+                </a:solidFill>
+                <a:latin typeface="Courier" pitchFamily="2" charset="0"/>
+                <a:ea typeface="Courier" charset="0"/>
+                <a:cs typeface="Courier" charset="0"/>
+              </a:rPr>
+              <a:t>R_TxC</a:t>
+            </a:r>
+            <a:r>
+              <a:rPr lang="en-US" sz="750" b="1" dirty="0">
+                <a:solidFill>
+                  <a:srgbClr val="7030A0"/>
+                </a:solidFill>
+                <a:latin typeface="Courier" pitchFamily="2" charset="0"/>
+                <a:ea typeface="Courier" charset="0"/>
+                <a:cs typeface="Courier" charset="0"/>
+              </a:rPr>
+              <a:t>)             |</a:t>
+            </a:r>
+          </a:p>
+          <a:p>
+            <a:pPr>
+              <a:spcAft>
+                <a:spcPts val="0"/>
+              </a:spcAft>
+            </a:pPr>
+            <a:r>
+              <a:rPr lang="en-US" sz="750" b="1" dirty="0">
+                <a:solidFill>
+                  <a:srgbClr val="7030A0"/>
+                </a:solidFill>
+                <a:latin typeface="Courier" pitchFamily="2" charset="0"/>
+                <a:ea typeface="Courier" charset="0"/>
+                <a:cs typeface="Courier" charset="0"/>
+              </a:rPr>
+              <a:t>    +-+-+-+-+-+-+-+-+-+-+-+-+-+-+-+-+-+-+-+-+-+-+-+-+-+-+-+-+-+-+-+-+</a:t>
+            </a:r>
+          </a:p>
+          <a:p>
+            <a:pPr>
+              <a:spcAft>
+                <a:spcPts val="0"/>
+              </a:spcAft>
+            </a:pPr>
+            <a:endParaRPr lang="en-US" sz="750" dirty="0">
+              <a:latin typeface="Courier" pitchFamily="2" charset="0"/>
+              <a:ea typeface="Courier" charset="0"/>
+              <a:cs typeface="Courier" charset="0"/>
+            </a:endParaRPr>
+          </a:p>
+          <a:p>
+            <a:pPr>
+              <a:spcAft>
+                <a:spcPts val="0"/>
+              </a:spcAft>
+            </a:pPr>
+            <a:r>
+              <a:rPr lang="en-US" sz="750" dirty="0">
+                <a:latin typeface="Courier" pitchFamily="2" charset="0"/>
+                <a:ea typeface="Courier" charset="0"/>
+                <a:cs typeface="Courier" charset="0"/>
+              </a:rPr>
+              <a:t>	Figure: Session-Reflector Test Packet Format</a:t>
+            </a:r>
+          </a:p>
+        </p:txBody>
+      </p:sp>
+      <p:sp>
+        <p:nvSpPr>
+          <p:cNvPr id="6" name="Footer Placeholder 3">
+            <a:extLst>
+              <a:ext uri="{FF2B5EF4-FFF2-40B4-BE49-F238E27FC236}">
+                <a16:creationId xmlns:a16="http://schemas.microsoft.com/office/drawing/2014/main" id="{DAAC01B7-F9FF-A94D-AC6F-E2071AD95C28}"/>
+              </a:ext>
+            </a:extLst>
+          </p:cNvPr>
+          <p:cNvSpPr txBox="1">
+            <a:spLocks/>
+          </p:cNvSpPr>
+          <p:nvPr/>
+        </p:nvSpPr>
+        <p:spPr>
+          <a:xfrm>
+            <a:off x="3841105" y="4844952"/>
+            <a:ext cx="1638300" cy="298548"/>
+          </a:xfrm>
+          <a:prstGeom prst="rect">
+            <a:avLst/>
+          </a:prstGeom>
+        </p:spPr>
+        <p:txBody>
+          <a:bodyPr/>
+          <a:lstStyle>
+            <a:defPPr>
+              <a:defRPr lang="zh-CN"/>
+            </a:defPPr>
+            <a:lvl1pPr algn="l" rtl="0" fontAlgn="base">
+              <a:spcBef>
+                <a:spcPct val="0"/>
+              </a:spcBef>
+              <a:spcAft>
+                <a:spcPct val="0"/>
+              </a:spcAft>
+              <a:defRPr kern="1200">
+                <a:solidFill>
+                  <a:schemeClr val="tx1"/>
+                </a:solidFill>
+                <a:latin typeface="Arial" charset="0"/>
+                <a:ea typeface="宋体" pitchFamily="2" charset="-122"/>
+                <a:cs typeface="+mn-cs"/>
+              </a:defRPr>
+            </a:lvl1pPr>
+            <a:lvl2pPr marL="457200" algn="l" rtl="0" fontAlgn="base">
+              <a:spcBef>
+                <a:spcPct val="0"/>
+              </a:spcBef>
+              <a:spcAft>
+                <a:spcPct val="0"/>
+              </a:spcAft>
+              <a:defRPr kern="1200">
+                <a:solidFill>
+                  <a:schemeClr val="tx1"/>
+                </a:solidFill>
+                <a:latin typeface="Arial" charset="0"/>
+                <a:ea typeface="宋体" pitchFamily="2" charset="-122"/>
+                <a:cs typeface="+mn-cs"/>
+              </a:defRPr>
+            </a:lvl2pPr>
+            <a:lvl3pPr marL="914400" algn="l" rtl="0" fontAlgn="base">
+              <a:spcBef>
+                <a:spcPct val="0"/>
+              </a:spcBef>
+              <a:spcAft>
+                <a:spcPct val="0"/>
+              </a:spcAft>
+              <a:defRPr kern="1200">
+                <a:solidFill>
+                  <a:schemeClr val="tx1"/>
+                </a:solidFill>
+                <a:latin typeface="Arial" charset="0"/>
+                <a:ea typeface="宋体" pitchFamily="2" charset="-122"/>
+                <a:cs typeface="+mn-cs"/>
+              </a:defRPr>
+            </a:lvl3pPr>
+            <a:lvl4pPr marL="1371600" algn="l" rtl="0" fontAlgn="base">
+              <a:spcBef>
+                <a:spcPct val="0"/>
+              </a:spcBef>
+              <a:spcAft>
+                <a:spcPct val="0"/>
+              </a:spcAft>
+              <a:defRPr kern="1200">
+                <a:solidFill>
+                  <a:schemeClr val="tx1"/>
+                </a:solidFill>
+                <a:latin typeface="Arial" charset="0"/>
+                <a:ea typeface="宋体" pitchFamily="2" charset="-122"/>
+                <a:cs typeface="+mn-cs"/>
+              </a:defRPr>
+            </a:lvl4pPr>
+            <a:lvl5pPr marL="1828800" algn="l" rtl="0" fontAlgn="base">
+              <a:spcBef>
+                <a:spcPct val="0"/>
+              </a:spcBef>
+              <a:spcAft>
+                <a:spcPct val="0"/>
+              </a:spcAft>
+              <a:defRPr kern="1200">
+                <a:solidFill>
+                  <a:schemeClr val="tx1"/>
+                </a:solidFill>
+                <a:latin typeface="Arial" charset="0"/>
+                <a:ea typeface="宋体" pitchFamily="2" charset="-122"/>
+                <a:cs typeface="+mn-cs"/>
+              </a:defRPr>
+            </a:lvl5pPr>
+            <a:lvl6pPr marL="2286000" algn="l" defTabSz="914400" rtl="0" eaLnBrk="1" latinLnBrk="0" hangingPunct="1">
+              <a:defRPr kern="1200">
+                <a:solidFill>
+                  <a:schemeClr val="tx1"/>
+                </a:solidFill>
+                <a:latin typeface="Arial" charset="0"/>
+                <a:ea typeface="宋体" pitchFamily="2" charset="-122"/>
+                <a:cs typeface="+mn-cs"/>
+              </a:defRPr>
+            </a:lvl6pPr>
+            <a:lvl7pPr marL="2743200" algn="l" defTabSz="914400" rtl="0" eaLnBrk="1" latinLnBrk="0" hangingPunct="1">
+              <a:defRPr kern="1200">
+                <a:solidFill>
+                  <a:schemeClr val="tx1"/>
+                </a:solidFill>
+                <a:latin typeface="Arial" charset="0"/>
+                <a:ea typeface="宋体" pitchFamily="2" charset="-122"/>
+                <a:cs typeface="+mn-cs"/>
+              </a:defRPr>
+            </a:lvl7pPr>
+            <a:lvl8pPr marL="3200400" algn="l" defTabSz="914400" rtl="0" eaLnBrk="1" latinLnBrk="0" hangingPunct="1">
+              <a:defRPr kern="1200">
+                <a:solidFill>
+                  <a:schemeClr val="tx1"/>
+                </a:solidFill>
+                <a:latin typeface="Arial" charset="0"/>
+                <a:ea typeface="宋体" pitchFamily="2" charset="-122"/>
+                <a:cs typeface="+mn-cs"/>
+              </a:defRPr>
+            </a:lvl8pPr>
+            <a:lvl9pPr marL="3657600" algn="l" defTabSz="914400" rtl="0" eaLnBrk="1" latinLnBrk="0" hangingPunct="1">
+              <a:defRPr kern="1200">
+                <a:solidFill>
+                  <a:schemeClr val="tx1"/>
+                </a:solidFill>
+                <a:latin typeface="Arial" charset="0"/>
+                <a:ea typeface="宋体" pitchFamily="2" charset="-122"/>
+                <a:cs typeface="+mn-cs"/>
+              </a:defRPr>
+            </a:lvl9pPr>
+          </a:lstStyle>
+          <a:p>
+            <a:r>
+              <a:rPr lang="en-CA" sz="1200" dirty="0"/>
+              <a:t>110</a:t>
+            </a:r>
+            <a:r>
+              <a:rPr lang="en-CA" sz="1200" baseline="30000" dirty="0"/>
+              <a:t>th</a:t>
+            </a:r>
+            <a:r>
+              <a:rPr lang="en-CA" sz="1200" dirty="0"/>
+              <a:t> IETF Online</a:t>
+            </a:r>
+          </a:p>
+        </p:txBody>
+      </p:sp>
+      <p:sp>
+        <p:nvSpPr>
+          <p:cNvPr id="7" name="Slide Number Placeholder 2">
+            <a:extLst>
+              <a:ext uri="{FF2B5EF4-FFF2-40B4-BE49-F238E27FC236}">
+                <a16:creationId xmlns:a16="http://schemas.microsoft.com/office/drawing/2014/main" id="{8D46899F-25E7-8042-9E81-459B5F041477}"/>
+              </a:ext>
+            </a:extLst>
+          </p:cNvPr>
+          <p:cNvSpPr txBox="1">
+            <a:spLocks/>
+          </p:cNvSpPr>
+          <p:nvPr/>
+        </p:nvSpPr>
+        <p:spPr>
+          <a:xfrm>
+            <a:off x="7543800" y="4745366"/>
+            <a:ext cx="1143000" cy="357188"/>
+          </a:xfrm>
+          <a:prstGeom prst="rect">
+            <a:avLst/>
+          </a:prstGeom>
+        </p:spPr>
+        <p:txBody>
+          <a:bodyPr/>
+          <a:lstStyle>
+            <a:defPPr>
+              <a:defRPr lang="zh-CN"/>
+            </a:defPPr>
+            <a:lvl1pPr algn="l" rtl="0" fontAlgn="base">
+              <a:spcBef>
+                <a:spcPct val="0"/>
+              </a:spcBef>
+              <a:spcAft>
+                <a:spcPct val="0"/>
+              </a:spcAft>
+              <a:defRPr kern="1200">
+                <a:solidFill>
+                  <a:schemeClr val="tx1"/>
+                </a:solidFill>
+                <a:latin typeface="Arial" charset="0"/>
+                <a:ea typeface="宋体" pitchFamily="2" charset="-122"/>
+                <a:cs typeface="+mn-cs"/>
+              </a:defRPr>
+            </a:lvl1pPr>
+            <a:lvl2pPr marL="457200" algn="l" rtl="0" fontAlgn="base">
+              <a:spcBef>
+                <a:spcPct val="0"/>
+              </a:spcBef>
+              <a:spcAft>
+                <a:spcPct val="0"/>
+              </a:spcAft>
+              <a:defRPr kern="1200">
+                <a:solidFill>
+                  <a:schemeClr val="tx1"/>
+                </a:solidFill>
+                <a:latin typeface="Arial" charset="0"/>
+                <a:ea typeface="宋体" pitchFamily="2" charset="-122"/>
+                <a:cs typeface="+mn-cs"/>
+              </a:defRPr>
+            </a:lvl2pPr>
+            <a:lvl3pPr marL="914400" algn="l" rtl="0" fontAlgn="base">
+              <a:spcBef>
+                <a:spcPct val="0"/>
+              </a:spcBef>
+              <a:spcAft>
+                <a:spcPct val="0"/>
+              </a:spcAft>
+              <a:defRPr kern="1200">
+                <a:solidFill>
+                  <a:schemeClr val="tx1"/>
+                </a:solidFill>
+                <a:latin typeface="Arial" charset="0"/>
+                <a:ea typeface="宋体" pitchFamily="2" charset="-122"/>
+                <a:cs typeface="+mn-cs"/>
+              </a:defRPr>
+            </a:lvl3pPr>
+            <a:lvl4pPr marL="1371600" algn="l" rtl="0" fontAlgn="base">
+              <a:spcBef>
+                <a:spcPct val="0"/>
+              </a:spcBef>
+              <a:spcAft>
+                <a:spcPct val="0"/>
+              </a:spcAft>
+              <a:defRPr kern="1200">
+                <a:solidFill>
+                  <a:schemeClr val="tx1"/>
+                </a:solidFill>
+                <a:latin typeface="Arial" charset="0"/>
+                <a:ea typeface="宋体" pitchFamily="2" charset="-122"/>
+                <a:cs typeface="+mn-cs"/>
+              </a:defRPr>
+            </a:lvl4pPr>
+            <a:lvl5pPr marL="1828800" algn="l" rtl="0" fontAlgn="base">
+              <a:spcBef>
+                <a:spcPct val="0"/>
+              </a:spcBef>
+              <a:spcAft>
+                <a:spcPct val="0"/>
+              </a:spcAft>
+              <a:defRPr kern="1200">
+                <a:solidFill>
+                  <a:schemeClr val="tx1"/>
+                </a:solidFill>
+                <a:latin typeface="Arial" charset="0"/>
+                <a:ea typeface="宋体" pitchFamily="2" charset="-122"/>
+                <a:cs typeface="+mn-cs"/>
+              </a:defRPr>
+            </a:lvl5pPr>
+            <a:lvl6pPr marL="2286000" algn="l" defTabSz="914400" rtl="0" eaLnBrk="1" latinLnBrk="0" hangingPunct="1">
+              <a:defRPr kern="1200">
+                <a:solidFill>
+                  <a:schemeClr val="tx1"/>
+                </a:solidFill>
+                <a:latin typeface="Arial" charset="0"/>
+                <a:ea typeface="宋体" pitchFamily="2" charset="-122"/>
+                <a:cs typeface="+mn-cs"/>
+              </a:defRPr>
+            </a:lvl6pPr>
+            <a:lvl7pPr marL="2743200" algn="l" defTabSz="914400" rtl="0" eaLnBrk="1" latinLnBrk="0" hangingPunct="1">
+              <a:defRPr kern="1200">
+                <a:solidFill>
+                  <a:schemeClr val="tx1"/>
+                </a:solidFill>
+                <a:latin typeface="Arial" charset="0"/>
+                <a:ea typeface="宋体" pitchFamily="2" charset="-122"/>
+                <a:cs typeface="+mn-cs"/>
+              </a:defRPr>
+            </a:lvl7pPr>
+            <a:lvl8pPr marL="3200400" algn="l" defTabSz="914400" rtl="0" eaLnBrk="1" latinLnBrk="0" hangingPunct="1">
+              <a:defRPr kern="1200">
+                <a:solidFill>
+                  <a:schemeClr val="tx1"/>
+                </a:solidFill>
+                <a:latin typeface="Arial" charset="0"/>
+                <a:ea typeface="宋体" pitchFamily="2" charset="-122"/>
+                <a:cs typeface="+mn-cs"/>
+              </a:defRPr>
+            </a:lvl8pPr>
+            <a:lvl9pPr marL="3657600" algn="l" defTabSz="914400" rtl="0" eaLnBrk="1" latinLnBrk="0" hangingPunct="1">
+              <a:defRPr kern="1200">
+                <a:solidFill>
+                  <a:schemeClr val="tx1"/>
+                </a:solidFill>
+                <a:latin typeface="Arial" charset="0"/>
+                <a:ea typeface="宋体" pitchFamily="2" charset="-122"/>
+                <a:cs typeface="+mn-cs"/>
+              </a:defRPr>
+            </a:lvl9pPr>
+          </a:lstStyle>
+          <a:p>
+            <a:pPr algn="r">
+              <a:defRPr/>
+            </a:pPr>
+            <a:fld id="{D5EE1D1A-EEC2-4D53-94A7-85D62C853479}" type="slidenum">
+              <a:rPr lang="en-US" altLang="zh-CN" sz="1400" smtClean="0">
+                <a:latin typeface="Calibri" panose="020F0502020204030204" pitchFamily="34" charset="0"/>
+                <a:cs typeface="Calibri" panose="020F0502020204030204" pitchFamily="34" charset="0"/>
+              </a:rPr>
+              <a:pPr algn="r">
+                <a:defRPr/>
+              </a:pPr>
+              <a:t>10</a:t>
+            </a:fld>
+            <a:endParaRPr lang="en-US" altLang="zh-CN" sz="1400" dirty="0">
+              <a:latin typeface="Calibri" panose="020F0502020204030204" pitchFamily="34" charset="0"/>
+              <a:cs typeface="Calibri" panose="020F0502020204030204" pitchFamily="34" charset="0"/>
+            </a:endParaRPr>
+          </a:p>
+        </p:txBody>
+      </p:sp>
+      <p:cxnSp>
+        <p:nvCxnSpPr>
+          <p:cNvPr id="4" name="Straight Connector 3">
+            <a:extLst>
+              <a:ext uri="{FF2B5EF4-FFF2-40B4-BE49-F238E27FC236}">
+                <a16:creationId xmlns:a16="http://schemas.microsoft.com/office/drawing/2014/main" id="{0B9B10AD-8D48-D148-91E8-65E3279D89CE}"/>
+              </a:ext>
+            </a:extLst>
+          </p:cNvPr>
+          <p:cNvCxnSpPr>
+            <a:cxnSpLocks/>
+          </p:cNvCxnSpPr>
+          <p:nvPr/>
+        </p:nvCxnSpPr>
+        <p:spPr>
+          <a:xfrm>
+            <a:off x="4572000" y="659773"/>
+            <a:ext cx="0" cy="4111227"/>
+          </a:xfrm>
+          <a:prstGeom prst="line">
+            <a:avLst/>
+          </a:prstGeom>
+          <a:ln>
+            <a:solidFill>
+              <a:schemeClr val="tx2"/>
+            </a:solidFill>
+          </a:ln>
+        </p:spPr>
+        <p:style>
+          <a:lnRef idx="1">
+            <a:schemeClr val="accent1"/>
+          </a:lnRef>
+          <a:fillRef idx="0">
+            <a:schemeClr val="accent1"/>
+          </a:fillRef>
+          <a:effectRef idx="0">
+            <a:schemeClr val="accent1"/>
+          </a:effectRef>
+          <a:fontRef idx="minor">
+            <a:schemeClr val="tx1"/>
+          </a:fontRef>
+        </p:style>
+      </p:cxnSp>
+    </p:spTree>
+    <p:extLst>
+      <p:ext uri="{BB962C8B-B14F-4D97-AF65-F5344CB8AC3E}">
+        <p14:creationId xmlns:p14="http://schemas.microsoft.com/office/powerpoint/2010/main" val="2699639324"/>
+      </p:ext>
+    </p:extLst>
+  </p:cSld>
+  <p:clrMapOvr>
+    <a:masterClrMapping/>
+  </p:clrMapOvr>
+  <p:transition spd="med">
+    <p:fade/>
+  </p:transition>
+</p:sld>
+</file>
+
+<file path=ppt/slides/slide11.xml><?xml version="1.0" encoding="utf-8"?>
+<p:sld xmlns:a="http://schemas.openxmlformats.org/drawingml/2006/main" xmlns:r="http://schemas.openxmlformats.org/officeDocument/2006/relationships" xmlns:p="http://schemas.openxmlformats.org/presentationml/2006/main">
+  <p:cSld>
+    <p:spTree>
+      <p:nvGrpSpPr>
+        <p:cNvPr id="1" name=""/>
+        <p:cNvGrpSpPr/>
+        <p:nvPr/>
+      </p:nvGrpSpPr>
+      <p:grpSpPr>
+        <a:xfrm>
+          <a:off x="0" y="0"/>
+          <a:ext cx="0" cy="0"/>
+          <a:chOff x="0" y="0"/>
+          <a:chExt cx="0" cy="0"/>
+        </a:xfrm>
+      </p:grpSpPr>
+      <p:sp>
+        <p:nvSpPr>
+          <p:cNvPr id="4" name="Footer Placeholder 3"/>
+          <p:cNvSpPr>
+            <a:spLocks noGrp="1"/>
+          </p:cNvSpPr>
+          <p:nvPr>
+            <p:ph type="ftr" sz="quarter" idx="11"/>
+          </p:nvPr>
+        </p:nvSpPr>
+        <p:spPr>
+          <a:xfrm>
+            <a:off x="3048000" y="4786312"/>
+            <a:ext cx="2895600" cy="357188"/>
+          </a:xfrm>
+        </p:spPr>
+        <p:txBody>
+          <a:bodyPr/>
+          <a:lstStyle/>
+          <a:p>
+            <a:r>
+              <a:rPr lang="en-CA" dirty="0"/>
+              <a:t>110</a:t>
+            </a:r>
+            <a:r>
+              <a:rPr lang="en-CA" baseline="30000" dirty="0"/>
+              <a:t>th</a:t>
+            </a:r>
+            <a:r>
+              <a:rPr lang="en-CA" dirty="0"/>
+              <a:t> IETF Online</a:t>
+            </a:r>
+          </a:p>
+        </p:txBody>
+      </p:sp>
+      <p:sp>
+        <p:nvSpPr>
+          <p:cNvPr id="5" name="Rectangle 2"/>
+          <p:cNvSpPr txBox="1">
+            <a:spLocks noChangeArrowheads="1"/>
+          </p:cNvSpPr>
+          <p:nvPr/>
+        </p:nvSpPr>
+        <p:spPr bwMode="auto">
+          <a:xfrm>
+            <a:off x="685800" y="1657350"/>
+            <a:ext cx="7772400" cy="1102519"/>
+          </a:xfrm>
+          <a:prstGeom prst="rect">
+            <a:avLst/>
+          </a:prstGeom>
+          <a:noFill/>
+          <a:ln w="9525">
+            <a:noFill/>
+            <a:miter lim="800000"/>
+            <a:headEnd/>
+            <a:tailEnd/>
+          </a:ln>
+          <a:effectLst/>
+        </p:spPr>
+        <p:txBody>
+          <a:bodyPr vert="horz" wrap="square" lIns="91440" tIns="45720" rIns="91440" bIns="45720" numCol="1" anchor="ctr" anchorCtr="0" compatLnSpc="1">
+            <a:prstTxWarp prst="textNoShape">
+              <a:avLst/>
+            </a:prstTxWarp>
+          </a:bodyPr>
+          <a:lstStyle>
+            <a:lvl1pPr algn="ctr" rtl="0" eaLnBrk="0" fontAlgn="base" hangingPunct="0">
+              <a:spcBef>
+                <a:spcPct val="0"/>
+              </a:spcBef>
+              <a:spcAft>
+                <a:spcPct val="0"/>
+              </a:spcAft>
+              <a:defRPr sz="4400">
+                <a:solidFill>
+                  <a:schemeClr val="tx2"/>
+                </a:solidFill>
+                <a:latin typeface="+mj-lt"/>
+                <a:ea typeface="+mj-ea"/>
+                <a:cs typeface="+mj-cs"/>
+              </a:defRPr>
+            </a:lvl1pPr>
+            <a:lvl2pPr algn="ctr" rtl="0" eaLnBrk="0" fontAlgn="base" hangingPunct="0">
+              <a:spcBef>
+                <a:spcPct val="0"/>
+              </a:spcBef>
+              <a:spcAft>
+                <a:spcPct val="0"/>
+              </a:spcAft>
+              <a:defRPr sz="4400">
+                <a:solidFill>
+                  <a:schemeClr val="tx2"/>
+                </a:solidFill>
+                <a:latin typeface="Arial" charset="0"/>
+                <a:ea typeface="宋体" pitchFamily="2" charset="-122"/>
+              </a:defRPr>
+            </a:lvl2pPr>
+            <a:lvl3pPr algn="ctr" rtl="0" eaLnBrk="0" fontAlgn="base" hangingPunct="0">
+              <a:spcBef>
+                <a:spcPct val="0"/>
+              </a:spcBef>
+              <a:spcAft>
+                <a:spcPct val="0"/>
+              </a:spcAft>
+              <a:defRPr sz="4400">
+                <a:solidFill>
+                  <a:schemeClr val="tx2"/>
+                </a:solidFill>
+                <a:latin typeface="Arial" charset="0"/>
+                <a:ea typeface="宋体" pitchFamily="2" charset="-122"/>
+              </a:defRPr>
+            </a:lvl3pPr>
+            <a:lvl4pPr algn="ctr" rtl="0" eaLnBrk="0" fontAlgn="base" hangingPunct="0">
+              <a:spcBef>
+                <a:spcPct val="0"/>
+              </a:spcBef>
+              <a:spcAft>
+                <a:spcPct val="0"/>
+              </a:spcAft>
+              <a:defRPr sz="4400">
+                <a:solidFill>
+                  <a:schemeClr val="tx2"/>
+                </a:solidFill>
+                <a:latin typeface="Arial" charset="0"/>
+                <a:ea typeface="宋体" pitchFamily="2" charset="-122"/>
+              </a:defRPr>
+            </a:lvl4pPr>
+            <a:lvl5pPr algn="ctr" rtl="0" eaLnBrk="0" fontAlgn="base" hangingPunct="0">
+              <a:spcBef>
+                <a:spcPct val="0"/>
+              </a:spcBef>
+              <a:spcAft>
+                <a:spcPct val="0"/>
+              </a:spcAft>
+              <a:defRPr sz="4400">
+                <a:solidFill>
+                  <a:schemeClr val="tx2"/>
+                </a:solidFill>
+                <a:latin typeface="Arial" charset="0"/>
+                <a:ea typeface="宋体" pitchFamily="2" charset="-122"/>
+              </a:defRPr>
+            </a:lvl5pPr>
+            <a:lvl6pPr marL="457200" algn="ctr" rtl="0" fontAlgn="base">
+              <a:spcBef>
+                <a:spcPct val="0"/>
+              </a:spcBef>
+              <a:spcAft>
+                <a:spcPct val="0"/>
+              </a:spcAft>
+              <a:defRPr sz="4400">
+                <a:solidFill>
+                  <a:schemeClr val="tx2"/>
+                </a:solidFill>
+                <a:latin typeface="Arial" charset="0"/>
+                <a:ea typeface="宋体" pitchFamily="2" charset="-122"/>
+              </a:defRPr>
+            </a:lvl6pPr>
+            <a:lvl7pPr marL="914400" algn="ctr" rtl="0" fontAlgn="base">
+              <a:spcBef>
+                <a:spcPct val="0"/>
+              </a:spcBef>
+              <a:spcAft>
+                <a:spcPct val="0"/>
+              </a:spcAft>
+              <a:defRPr sz="4400">
+                <a:solidFill>
+                  <a:schemeClr val="tx2"/>
+                </a:solidFill>
+                <a:latin typeface="Arial" charset="0"/>
+                <a:ea typeface="宋体" pitchFamily="2" charset="-122"/>
+              </a:defRPr>
+            </a:lvl7pPr>
+            <a:lvl8pPr marL="1371600" algn="ctr" rtl="0" fontAlgn="base">
+              <a:spcBef>
+                <a:spcPct val="0"/>
+              </a:spcBef>
+              <a:spcAft>
+                <a:spcPct val="0"/>
+              </a:spcAft>
+              <a:defRPr sz="4400">
+                <a:solidFill>
+                  <a:schemeClr val="tx2"/>
+                </a:solidFill>
+                <a:latin typeface="Arial" charset="0"/>
+                <a:ea typeface="宋体" pitchFamily="2" charset="-122"/>
+              </a:defRPr>
+            </a:lvl8pPr>
+            <a:lvl9pPr marL="1828800" algn="ctr" rtl="0" fontAlgn="base">
+              <a:spcBef>
+                <a:spcPct val="0"/>
+              </a:spcBef>
+              <a:spcAft>
+                <a:spcPct val="0"/>
+              </a:spcAft>
+              <a:defRPr sz="4400">
+                <a:solidFill>
+                  <a:schemeClr val="tx2"/>
+                </a:solidFill>
+                <a:latin typeface="Arial" charset="0"/>
+                <a:ea typeface="宋体" pitchFamily="2" charset="-122"/>
+              </a:defRPr>
+            </a:lvl9pPr>
+          </a:lstStyle>
+          <a:p>
+            <a:pPr eaLnBrk="1" hangingPunct="1">
+              <a:defRPr/>
+            </a:pPr>
+            <a:r>
+              <a:rPr lang="en-US" altLang="zh-CN" sz="4000" kern="0" dirty="0">
+                <a:effectLst>
+                  <a:outerShdw blurRad="38100" dist="38100" dir="2700000" algn="tl">
+                    <a:srgbClr val="C0C0C0"/>
+                  </a:outerShdw>
+                </a:effectLst>
+                <a:latin typeface="Calibri" charset="0"/>
+                <a:ea typeface="Calibri" charset="0"/>
+                <a:cs typeface="Calibri" charset="0"/>
+              </a:rPr>
+              <a:t>Thank you</a:t>
+            </a:r>
+          </a:p>
+        </p:txBody>
+      </p:sp>
+      <p:sp>
+        <p:nvSpPr>
+          <p:cNvPr id="2" name="Slide Number Placeholder 1"/>
+          <p:cNvSpPr>
+            <a:spLocks noGrp="1"/>
+          </p:cNvSpPr>
+          <p:nvPr>
+            <p:ph type="sldNum" sz="quarter" idx="12"/>
+          </p:nvPr>
+        </p:nvSpPr>
+        <p:spPr/>
+        <p:txBody>
+          <a:bodyPr/>
+          <a:lstStyle/>
+          <a:p>
+            <a:pPr>
+              <a:defRPr/>
+            </a:pPr>
+            <a:fld id="{BD6E0F59-1DD8-40FC-9C92-B6295CBA6CCA}" type="slidenum">
+              <a:rPr lang="en-US" altLang="zh-CN" smtClean="0"/>
+              <a:pPr>
+                <a:defRPr/>
+              </a:pPr>
+              <a:t>11</a:t>
+            </a:fld>
+            <a:endParaRPr lang="en-US" altLang="zh-CN" dirty="0"/>
+          </a:p>
+        </p:txBody>
+      </p:sp>
+    </p:spTree>
+    <p:extLst>
+      <p:ext uri="{BB962C8B-B14F-4D97-AF65-F5344CB8AC3E}">
+        <p14:creationId xmlns:p14="http://schemas.microsoft.com/office/powerpoint/2010/main" val="1204541670"/>
+      </p:ext>
+    </p:extLst>
+  </p:cSld>
+  <p:clrMapOvr>
+    <a:masterClrMapping/>
+  </p:clrMapOvr>
+</p:sld>
+</file>
+
+<file path=ppt/slides/slide12.xml><?xml version="1.0" encoding="utf-8"?>
+<p:sld xmlns:a="http://schemas.openxmlformats.org/drawingml/2006/main" xmlns:r="http://schemas.openxmlformats.org/officeDocument/2006/relationships" xmlns:p="http://schemas.openxmlformats.org/presentationml/2006/main">
+  <p:cSld>
+    <p:spTree>
+      <p:nvGrpSpPr>
+        <p:cNvPr id="1" name=""/>
+        <p:cNvGrpSpPr/>
+        <p:nvPr/>
+      </p:nvGrpSpPr>
+      <p:grpSpPr>
+        <a:xfrm>
+          <a:off x="0" y="0"/>
+          <a:ext cx="0" cy="0"/>
+          <a:chOff x="0" y="0"/>
+          <a:chExt cx="0" cy="0"/>
+        </a:xfrm>
+      </p:grpSpPr>
+      <p:sp>
+        <p:nvSpPr>
           <p:cNvPr id="114" name="Title 2"/>
           <p:cNvSpPr txBox="1">
             <a:spLocks/>
@@ -5891,14 +8050,14 @@
               </a14:hiddenLine>
             </a:ext>
             <a:ext uri="{909E8E84-426E-40dd-AFC4-6F175D3DCCD1}">
-              <a14:hiddenFill xmlns:a14="http://schemas.microsoft.com/office/drawing/2010/main" xmlns="">
+              <a14:hiddenFill xmlns="" xmlns:a14="http://schemas.microsoft.com/office/drawing/2010/main">
                 <a:solidFill>
                   <a:srgbClr val="FFFFFF"/>
                 </a:solidFill>
               </a14:hiddenFill>
             </a:ext>
             <a:ext uri="{91240B29-F687-4f45-9708-019B960494DF}">
-              <a14:hiddenLine xmlns:a14="http://schemas.microsoft.com/office/drawing/2010/main" xmlns="" w="9525">
+              <a14:hiddenLine xmlns="" xmlns:a14="http://schemas.microsoft.com/office/drawing/2010/main" w="9525">
                 <a:solidFill>
                   <a:srgbClr val="000000"/>
                 </a:solidFill>
@@ -7893,7 +10052,7 @@
               <a:pPr algn="r">
                 <a:defRPr/>
               </a:pPr>
-              <a:t>10</a:t>
+              <a:t>12</a:t>
             </a:fld>
             <a:endParaRPr lang="en-US" altLang="zh-CN" sz="1400" dirty="0">
               <a:latin typeface="Calibri" panose="020F0502020204030204" pitchFamily="34" charset="0"/>
@@ -7918,1792 +10077,7 @@
 </p:sld>
 </file>
 
-<file path=ppt/slides/slide11.xml><?xml version="1.0" encoding="utf-8"?>
-<p:sld xmlns:a="http://schemas.openxmlformats.org/drawingml/2006/main" xmlns:r="http://schemas.openxmlformats.org/officeDocument/2006/relationships" xmlns:p="http://schemas.openxmlformats.org/presentationml/2006/main">
-  <p:cSld>
-    <p:spTree>
-      <p:nvGrpSpPr>
-        <p:cNvPr id="1" name=""/>
-        <p:cNvGrpSpPr/>
-        <p:nvPr/>
-      </p:nvGrpSpPr>
-      <p:grpSpPr>
-        <a:xfrm>
-          <a:off x="0" y="0"/>
-          <a:ext cx="0" cy="0"/>
-          <a:chOff x="0" y="0"/>
-          <a:chExt cx="0" cy="0"/>
-        </a:xfrm>
-      </p:grpSpPr>
-      <p:sp>
-        <p:nvSpPr>
-          <p:cNvPr id="3" name="Title 2"/>
-          <p:cNvSpPr>
-            <a:spLocks noGrp="1"/>
-          </p:cNvSpPr>
-          <p:nvPr>
-            <p:ph type="title"/>
-          </p:nvPr>
-        </p:nvSpPr>
-        <p:spPr>
-          <a:xfrm>
-            <a:off x="298712" y="0"/>
-            <a:ext cx="8505372" cy="706080"/>
-          </a:xfrm>
-        </p:spPr>
-        <p:txBody>
-          <a:bodyPr/>
-          <a:lstStyle/>
-          <a:p>
-            <a:pPr algn="l"/>
-            <a:r>
-              <a:rPr lang="en-US" sz="3200" dirty="0">
-                <a:solidFill>
-                  <a:srgbClr val="0070C0"/>
-                </a:solidFill>
-                <a:latin typeface="Calibri Light" panose="020F0302020204030204" pitchFamily="34" charset="0"/>
-                <a:cs typeface="Calibri Light" panose="020F0302020204030204" pitchFamily="34" charset="0"/>
-              </a:rPr>
-              <a:t>STAMP Test Packet with Direct Measurement TLV</a:t>
-            </a:r>
-          </a:p>
-        </p:txBody>
-      </p:sp>
-      <p:sp>
-        <p:nvSpPr>
-          <p:cNvPr id="5" name="Rectangle 4"/>
-          <p:cNvSpPr/>
-          <p:nvPr/>
-        </p:nvSpPr>
-        <p:spPr>
-          <a:xfrm>
-            <a:off x="222352" y="659773"/>
-            <a:ext cx="4310743" cy="4131900"/>
-          </a:xfrm>
-          <a:prstGeom prst="rect">
-            <a:avLst/>
-          </a:prstGeom>
-          <a:solidFill>
-            <a:schemeClr val="accent6">
-              <a:lumMod val="20000"/>
-              <a:lumOff val="80000"/>
-            </a:schemeClr>
-          </a:solidFill>
-        </p:spPr>
-        <p:txBody>
-          <a:bodyPr wrap="square">
-            <a:spAutoFit/>
-          </a:bodyPr>
-          <a:lstStyle/>
-          <a:p>
-            <a:pPr>
-              <a:spcAft>
-                <a:spcPts val="0"/>
-              </a:spcAft>
-            </a:pPr>
-            <a:r>
-              <a:rPr lang="en-US" sz="750" dirty="0">
-                <a:latin typeface="Courier" pitchFamily="2" charset="0"/>
-                <a:ea typeface="Courier" charset="0"/>
-                <a:cs typeface="Courier" charset="0"/>
-              </a:rPr>
-              <a:t>       0                   1                   2                   3</a:t>
-            </a:r>
-          </a:p>
-          <a:p>
-            <a:pPr>
-              <a:spcAft>
-                <a:spcPts val="0"/>
-              </a:spcAft>
-            </a:pPr>
-            <a:r>
-              <a:rPr lang="en-US" sz="750" dirty="0">
-                <a:latin typeface="Courier" pitchFamily="2" charset="0"/>
-                <a:ea typeface="Courier" charset="0"/>
-                <a:cs typeface="Courier" charset="0"/>
-              </a:rPr>
-              <a:t>       0 1 2 3 4 5 6 7 8 9 0 1 2 3 4 5 6 7 8 9 0 1 2 3 4 5 6 7 8 9 0 1</a:t>
-            </a:r>
-          </a:p>
-          <a:p>
-            <a:pPr>
-              <a:spcAft>
-                <a:spcPts val="0"/>
-              </a:spcAft>
-            </a:pPr>
-            <a:r>
-              <a:rPr lang="en-US" sz="750" dirty="0">
-                <a:latin typeface="Courier" pitchFamily="2" charset="0"/>
-                <a:ea typeface="Courier" charset="0"/>
-                <a:cs typeface="Courier" charset="0"/>
-              </a:rPr>
-              <a:t>      +-+-+-+-+-+-+-+-+-+-+-+-+-+-+-+-+-+-+-+-+-+-+-+-+-+-+-+-+-+-+-+-+</a:t>
-            </a:r>
-          </a:p>
-          <a:p>
-            <a:pPr>
-              <a:spcAft>
-                <a:spcPts val="0"/>
-              </a:spcAft>
-            </a:pPr>
-            <a:r>
-              <a:rPr lang="en-US" sz="750" dirty="0">
-                <a:latin typeface="Courier" pitchFamily="2" charset="0"/>
-                <a:ea typeface="Courier" charset="0"/>
-                <a:cs typeface="Courier" charset="0"/>
-              </a:rPr>
-              <a:t>      |                        Sequence Number                        |</a:t>
-            </a:r>
-          </a:p>
-          <a:p>
-            <a:pPr>
-              <a:spcAft>
-                <a:spcPts val="0"/>
-              </a:spcAft>
-            </a:pPr>
-            <a:r>
-              <a:rPr lang="en-US" sz="750" dirty="0">
-                <a:latin typeface="Courier" pitchFamily="2" charset="0"/>
-                <a:ea typeface="Courier" charset="0"/>
-                <a:cs typeface="Courier" charset="0"/>
-              </a:rPr>
-              <a:t>      +-+-+-+-+-+-+-+-+-+-+-+-+-+-+-+-+-+-+-+-+-+-+-+-+-+-+-+-+-+-+-+-+</a:t>
-            </a:r>
-          </a:p>
-          <a:p>
-            <a:pPr>
-              <a:spcAft>
-                <a:spcPts val="0"/>
-              </a:spcAft>
-            </a:pPr>
-            <a:r>
-              <a:rPr lang="en-US" sz="750" dirty="0">
-                <a:latin typeface="Courier" pitchFamily="2" charset="0"/>
-                <a:ea typeface="Courier" charset="0"/>
-                <a:cs typeface="Courier" charset="0"/>
-              </a:rPr>
-              <a:t>      |                          Timestamp                            |</a:t>
-            </a:r>
-          </a:p>
-          <a:p>
-            <a:pPr>
-              <a:spcAft>
-                <a:spcPts val="0"/>
-              </a:spcAft>
-            </a:pPr>
-            <a:r>
-              <a:rPr lang="en-US" sz="750" dirty="0">
-                <a:latin typeface="Courier" pitchFamily="2" charset="0"/>
-                <a:ea typeface="Courier" charset="0"/>
-                <a:cs typeface="Courier" charset="0"/>
-              </a:rPr>
-              <a:t>      |                                                               |</a:t>
-            </a:r>
-          </a:p>
-          <a:p>
-            <a:pPr>
-              <a:spcAft>
-                <a:spcPts val="0"/>
-              </a:spcAft>
-            </a:pPr>
-            <a:r>
-              <a:rPr lang="en-US" sz="750" dirty="0">
-                <a:latin typeface="Courier" pitchFamily="2" charset="0"/>
-                <a:ea typeface="Courier" charset="0"/>
-                <a:cs typeface="Courier" charset="0"/>
-              </a:rPr>
-              <a:t>      +-+-+-+-+-+-+-+-+-+-+-+-+-+-+-+-+-+-+-+-+-+-+-+-+-+-+-+-+-+-+-+-+</a:t>
-            </a:r>
-          </a:p>
-          <a:p>
-            <a:pPr>
-              <a:spcAft>
-                <a:spcPts val="0"/>
-              </a:spcAft>
-            </a:pPr>
-            <a:r>
-              <a:rPr lang="en-US" sz="750" dirty="0">
-                <a:latin typeface="Courier" pitchFamily="2" charset="0"/>
-                <a:ea typeface="Courier" charset="0"/>
-                <a:cs typeface="Courier" charset="0"/>
-              </a:rPr>
-              <a:t>      |         Error Estimate        |           SSID                |</a:t>
-            </a:r>
-          </a:p>
-          <a:p>
-            <a:pPr>
-              <a:spcAft>
-                <a:spcPts val="0"/>
-              </a:spcAft>
-            </a:pPr>
-            <a:r>
-              <a:rPr lang="en-US" sz="750" dirty="0">
-                <a:latin typeface="Courier" pitchFamily="2" charset="0"/>
-                <a:ea typeface="Courier" charset="0"/>
-                <a:cs typeface="Courier" charset="0"/>
-              </a:rPr>
-              <a:t>      +-+-+-+-+-+-+-+-+-+-+-+-+-+-+-+-+-+-+-+-+-+-+-+-+-+-+-+-+-+-+-+-+</a:t>
-            </a:r>
-          </a:p>
-          <a:p>
-            <a:pPr>
-              <a:spcAft>
-                <a:spcPts val="0"/>
-              </a:spcAft>
-            </a:pPr>
-            <a:r>
-              <a:rPr lang="en-US" sz="750" dirty="0">
-                <a:latin typeface="Courier" pitchFamily="2" charset="0"/>
-                <a:ea typeface="Courier" charset="0"/>
-                <a:cs typeface="Courier" charset="0"/>
-              </a:rPr>
-              <a:t>      |                                                               |</a:t>
-            </a:r>
-          </a:p>
-          <a:p>
-            <a:pPr>
-              <a:spcAft>
-                <a:spcPts val="0"/>
-              </a:spcAft>
-            </a:pPr>
-            <a:r>
-              <a:rPr lang="en-US" sz="750" dirty="0">
-                <a:latin typeface="Courier" pitchFamily="2" charset="0"/>
-                <a:ea typeface="Courier" charset="0"/>
-                <a:cs typeface="Courier" charset="0"/>
-              </a:rPr>
-              <a:t>      |                                                               |</a:t>
-            </a:r>
-          </a:p>
-          <a:p>
-            <a:pPr>
-              <a:spcAft>
-                <a:spcPts val="0"/>
-              </a:spcAft>
-            </a:pPr>
-            <a:r>
-              <a:rPr lang="en-US" sz="750" dirty="0">
-                <a:latin typeface="Courier" pitchFamily="2" charset="0"/>
-                <a:ea typeface="Courier" charset="0"/>
-                <a:cs typeface="Courier" charset="0"/>
-              </a:rPr>
-              <a:t>      +                                                               +</a:t>
-            </a:r>
-          </a:p>
-          <a:p>
-            <a:pPr>
-              <a:spcAft>
-                <a:spcPts val="0"/>
-              </a:spcAft>
-            </a:pPr>
-            <a:r>
-              <a:rPr lang="en-US" sz="750" dirty="0">
-                <a:latin typeface="Courier" pitchFamily="2" charset="0"/>
-                <a:ea typeface="Courier" charset="0"/>
-                <a:cs typeface="Courier" charset="0"/>
-              </a:rPr>
-              <a:t>      |                         MBZ (28 octets)                       |</a:t>
-            </a:r>
-          </a:p>
-          <a:p>
-            <a:pPr>
-              <a:spcAft>
-                <a:spcPts val="0"/>
-              </a:spcAft>
-            </a:pPr>
-            <a:r>
-              <a:rPr lang="en-US" sz="750" dirty="0">
-                <a:latin typeface="Courier" pitchFamily="2" charset="0"/>
-                <a:ea typeface="Courier" charset="0"/>
-                <a:cs typeface="Courier" charset="0"/>
-              </a:rPr>
-              <a:t>      +                                                               +</a:t>
-            </a:r>
-          </a:p>
-          <a:p>
-            <a:pPr>
-              <a:spcAft>
-                <a:spcPts val="0"/>
-              </a:spcAft>
-            </a:pPr>
-            <a:r>
-              <a:rPr lang="en-US" sz="750" dirty="0">
-                <a:latin typeface="Courier" pitchFamily="2" charset="0"/>
-                <a:ea typeface="Courier" charset="0"/>
-                <a:cs typeface="Courier" charset="0"/>
-              </a:rPr>
-              <a:t>      |                                                               |</a:t>
-            </a:r>
-          </a:p>
-          <a:p>
-            <a:pPr>
-              <a:spcAft>
-                <a:spcPts val="0"/>
-              </a:spcAft>
-            </a:pPr>
-            <a:r>
-              <a:rPr lang="en-US" sz="750" dirty="0">
-                <a:latin typeface="Courier" pitchFamily="2" charset="0"/>
-                <a:ea typeface="Courier" charset="0"/>
-                <a:cs typeface="Courier" charset="0"/>
-              </a:rPr>
-              <a:t>      |                                                               |</a:t>
-            </a:r>
-          </a:p>
-          <a:p>
-            <a:pPr>
-              <a:spcAft>
-                <a:spcPts val="0"/>
-              </a:spcAft>
-            </a:pPr>
-            <a:r>
-              <a:rPr lang="en-US" sz="750" dirty="0">
-                <a:latin typeface="Courier" pitchFamily="2" charset="0"/>
-                <a:ea typeface="Courier" charset="0"/>
-                <a:cs typeface="Courier" charset="0"/>
-              </a:rPr>
-              <a:t>      +                                                               +</a:t>
-            </a:r>
-          </a:p>
-          <a:p>
-            <a:pPr>
-              <a:spcAft>
-                <a:spcPts val="0"/>
-              </a:spcAft>
-            </a:pPr>
-            <a:r>
-              <a:rPr lang="en-US" sz="750" dirty="0">
-                <a:latin typeface="Courier" pitchFamily="2" charset="0"/>
-                <a:ea typeface="Courier" charset="0"/>
-                <a:cs typeface="Courier" charset="0"/>
-              </a:rPr>
-              <a:t>      |                                                               |</a:t>
-            </a:r>
-          </a:p>
-          <a:p>
-            <a:pPr>
-              <a:spcAft>
-                <a:spcPts val="0"/>
-              </a:spcAft>
-            </a:pPr>
-            <a:r>
-              <a:rPr lang="en-US" sz="750" dirty="0">
-                <a:latin typeface="Courier" pitchFamily="2" charset="0"/>
-                <a:ea typeface="Courier" charset="0"/>
-                <a:cs typeface="Courier" charset="0"/>
-              </a:rPr>
-              <a:t>      +                                                               +</a:t>
-            </a:r>
-          </a:p>
-          <a:p>
-            <a:pPr>
-              <a:spcAft>
-                <a:spcPts val="0"/>
-              </a:spcAft>
-            </a:pPr>
-            <a:r>
-              <a:rPr lang="en-US" sz="750" dirty="0">
-                <a:latin typeface="Courier" pitchFamily="2" charset="0"/>
-                <a:ea typeface="Courier" charset="0"/>
-                <a:cs typeface="Courier" charset="0"/>
-              </a:rPr>
-              <a:t>      |                                                               |</a:t>
-            </a:r>
-          </a:p>
-          <a:p>
-            <a:pPr>
-              <a:spcAft>
-                <a:spcPts val="0"/>
-              </a:spcAft>
-            </a:pPr>
-            <a:r>
-              <a:rPr lang="en-US" sz="750" dirty="0">
-                <a:latin typeface="Courier" pitchFamily="2" charset="0"/>
-                <a:ea typeface="Courier" charset="0"/>
-                <a:cs typeface="Courier" charset="0"/>
-              </a:rPr>
-              <a:t>      +-+-+-+-+-+-+-+-+-+-+-+-+-+-+-+-+-+-+-+-+-+-+-+-+-+-+-+-+-+-+-+-+</a:t>
-            </a:r>
-          </a:p>
-          <a:p>
-            <a:pPr>
-              <a:spcAft>
-                <a:spcPts val="0"/>
-              </a:spcAft>
-            </a:pPr>
-            <a:r>
-              <a:rPr lang="en-US" sz="750" dirty="0">
-                <a:latin typeface="Courier" pitchFamily="2" charset="0"/>
-                <a:ea typeface="Courier" charset="0"/>
-                <a:cs typeface="Courier" charset="0"/>
-              </a:rPr>
-              <a:t>      </a:t>
-            </a:r>
-            <a:r>
-              <a:rPr lang="en-US" sz="750" b="1" dirty="0">
-                <a:solidFill>
-                  <a:srgbClr val="7030A0"/>
-                </a:solidFill>
-                <a:latin typeface="Courier" pitchFamily="2" charset="0"/>
-                <a:ea typeface="Courier" charset="0"/>
-                <a:cs typeface="Courier" charset="0"/>
-              </a:rPr>
-              <a:t>~                                                               ~</a:t>
-            </a:r>
-          </a:p>
-          <a:p>
-            <a:pPr>
-              <a:spcAft>
-                <a:spcPts val="0"/>
-              </a:spcAft>
-            </a:pPr>
-            <a:r>
-              <a:rPr lang="en-US" sz="750" b="1" dirty="0">
-                <a:solidFill>
-                  <a:srgbClr val="7030A0"/>
-                </a:solidFill>
-                <a:latin typeface="Courier" pitchFamily="2" charset="0"/>
-                <a:ea typeface="Courier" charset="0"/>
-                <a:cs typeface="Courier" charset="0"/>
-              </a:rPr>
-              <a:t>      ~                                                               ~</a:t>
-            </a:r>
-          </a:p>
-          <a:p>
-            <a:pPr>
-              <a:spcAft>
-                <a:spcPts val="0"/>
-              </a:spcAft>
-            </a:pPr>
-            <a:r>
-              <a:rPr lang="en-US" sz="750" b="1" dirty="0">
-                <a:solidFill>
-                  <a:srgbClr val="7030A0"/>
-                </a:solidFill>
-                <a:latin typeface="Courier" pitchFamily="2" charset="0"/>
-                <a:ea typeface="Courier" charset="0"/>
-                <a:cs typeface="Courier" charset="0"/>
-              </a:rPr>
-              <a:t>      +-+-+-+-+-+-+-+-+-+-+-+-+-+-+-+-+-+-+-+-+-+-+-+-+-+-+-+-+-+-+-+-+</a:t>
-            </a:r>
-          </a:p>
-          <a:p>
-            <a:pPr>
-              <a:spcAft>
-                <a:spcPts val="0"/>
-              </a:spcAft>
-            </a:pPr>
-            <a:r>
-              <a:rPr lang="en-CA" sz="750" b="1" dirty="0">
-                <a:solidFill>
-                  <a:srgbClr val="7030A0"/>
-                </a:solidFill>
-                <a:latin typeface="Courier" pitchFamily="2" charset="0"/>
-              </a:rPr>
-              <a:t>      |STAMP TLV Flags|  Type         |     Length                    |</a:t>
-            </a:r>
-          </a:p>
-          <a:p>
-            <a:pPr>
-              <a:spcAft>
-                <a:spcPts val="0"/>
-              </a:spcAft>
-            </a:pPr>
-            <a:r>
-              <a:rPr lang="en-US" sz="750" b="1" dirty="0">
-                <a:solidFill>
-                  <a:srgbClr val="7030A0"/>
-                </a:solidFill>
-                <a:latin typeface="Courier" pitchFamily="2" charset="0"/>
-                <a:ea typeface="Courier" charset="0"/>
-                <a:cs typeface="Courier" charset="0"/>
-              </a:rPr>
-              <a:t>      +-+-+-+-+-+-+-+-+-+-+-+-+-+-+-+-+-+-+-+-+-+-+-+-+-+-+-+-+-+-+-+-+</a:t>
-            </a:r>
-          </a:p>
-          <a:p>
-            <a:pPr>
-              <a:spcAft>
-                <a:spcPts val="0"/>
-              </a:spcAft>
-            </a:pPr>
-            <a:r>
-              <a:rPr lang="en-US" sz="750" b="1" dirty="0">
-                <a:solidFill>
-                  <a:srgbClr val="7030A0"/>
-                </a:solidFill>
-                <a:latin typeface="Courier" pitchFamily="2" charset="0"/>
-                <a:ea typeface="Courier" charset="0"/>
-                <a:cs typeface="Courier" charset="0"/>
-              </a:rPr>
-              <a:t>      |             Session-Sender Tx counter  (</a:t>
-            </a:r>
-            <a:r>
-              <a:rPr lang="en-US" sz="750" b="1" dirty="0" err="1">
-                <a:solidFill>
-                  <a:srgbClr val="7030A0"/>
-                </a:solidFill>
-                <a:latin typeface="Courier" pitchFamily="2" charset="0"/>
-                <a:ea typeface="Courier" charset="0"/>
-                <a:cs typeface="Courier" charset="0"/>
-              </a:rPr>
-              <a:t>S_TxC</a:t>
-            </a:r>
-            <a:r>
-              <a:rPr lang="en-US" sz="750" b="1" dirty="0">
-                <a:solidFill>
-                  <a:srgbClr val="7030A0"/>
-                </a:solidFill>
-                <a:latin typeface="Courier" pitchFamily="2" charset="0"/>
-                <a:ea typeface="Courier" charset="0"/>
-                <a:cs typeface="Courier" charset="0"/>
-              </a:rPr>
-              <a:t>)                |</a:t>
-            </a:r>
-          </a:p>
-          <a:p>
-            <a:pPr>
-              <a:spcAft>
-                <a:spcPts val="0"/>
-              </a:spcAft>
-            </a:pPr>
-            <a:r>
-              <a:rPr lang="en-US" sz="750" b="1" dirty="0">
-                <a:solidFill>
-                  <a:srgbClr val="7030A0"/>
-                </a:solidFill>
-                <a:latin typeface="Courier" pitchFamily="2" charset="0"/>
-                <a:ea typeface="Courier" charset="0"/>
-                <a:cs typeface="Courier" charset="0"/>
-              </a:rPr>
-              <a:t>      +-+-+-+-+-+-+-+-+-+-+-+-+-+-+-+-+-+-+-+-+-+-+-+-+-+-+-+-+-+-+-+-+</a:t>
-            </a:r>
-          </a:p>
-          <a:p>
-            <a:pPr>
-              <a:spcAft>
-                <a:spcPts val="0"/>
-              </a:spcAft>
-            </a:pPr>
-            <a:r>
-              <a:rPr lang="en-US" sz="750" b="1" dirty="0">
-                <a:solidFill>
-                  <a:srgbClr val="7030A0"/>
-                </a:solidFill>
-                <a:latin typeface="Courier" pitchFamily="2" charset="0"/>
-                <a:ea typeface="Courier" charset="0"/>
-                <a:cs typeface="Courier" charset="0"/>
-              </a:rPr>
-              <a:t>      |             Session-Reflector Rx counter  (</a:t>
-            </a:r>
-            <a:r>
-              <a:rPr lang="en-US" sz="750" b="1" dirty="0" err="1">
-                <a:solidFill>
-                  <a:srgbClr val="7030A0"/>
-                </a:solidFill>
-                <a:latin typeface="Courier" pitchFamily="2" charset="0"/>
-                <a:ea typeface="Courier" charset="0"/>
-                <a:cs typeface="Courier" charset="0"/>
-              </a:rPr>
-              <a:t>R_RxC</a:t>
-            </a:r>
-            <a:r>
-              <a:rPr lang="en-US" sz="750" b="1" dirty="0">
-                <a:solidFill>
-                  <a:srgbClr val="7030A0"/>
-                </a:solidFill>
-                <a:latin typeface="Courier" pitchFamily="2" charset="0"/>
-                <a:ea typeface="Courier" charset="0"/>
-                <a:cs typeface="Courier" charset="0"/>
-              </a:rPr>
-              <a:t>)             |</a:t>
-            </a:r>
-          </a:p>
-          <a:p>
-            <a:pPr>
-              <a:spcAft>
-                <a:spcPts val="0"/>
-              </a:spcAft>
-            </a:pPr>
-            <a:r>
-              <a:rPr lang="en-US" sz="750" b="1" dirty="0">
-                <a:solidFill>
-                  <a:srgbClr val="7030A0"/>
-                </a:solidFill>
-                <a:latin typeface="Courier" pitchFamily="2" charset="0"/>
-                <a:ea typeface="Courier" charset="0"/>
-                <a:cs typeface="Courier" charset="0"/>
-              </a:rPr>
-              <a:t>      +-+-+-+-+-+-+-+-+-+-+-+-+-+-+-+-+-+-+-+-+-+-+-+-+-+-+-+-+-+-+-+-+</a:t>
-            </a:r>
-          </a:p>
-          <a:p>
-            <a:pPr>
-              <a:spcAft>
-                <a:spcPts val="0"/>
-              </a:spcAft>
-            </a:pPr>
-            <a:r>
-              <a:rPr lang="en-US" sz="750" b="1" dirty="0">
-                <a:solidFill>
-                  <a:srgbClr val="7030A0"/>
-                </a:solidFill>
-                <a:latin typeface="Courier" pitchFamily="2" charset="0"/>
-                <a:ea typeface="Courier" charset="0"/>
-                <a:cs typeface="Courier" charset="0"/>
-              </a:rPr>
-              <a:t>      |             Session-Reflector Tx counter  (</a:t>
-            </a:r>
-            <a:r>
-              <a:rPr lang="en-US" sz="750" b="1" dirty="0" err="1">
-                <a:solidFill>
-                  <a:srgbClr val="7030A0"/>
-                </a:solidFill>
-                <a:latin typeface="Courier" pitchFamily="2" charset="0"/>
-                <a:ea typeface="Courier" charset="0"/>
-                <a:cs typeface="Courier" charset="0"/>
-              </a:rPr>
-              <a:t>R_TxC</a:t>
-            </a:r>
-            <a:r>
-              <a:rPr lang="en-US" sz="750" b="1" dirty="0">
-                <a:solidFill>
-                  <a:srgbClr val="7030A0"/>
-                </a:solidFill>
-                <a:latin typeface="Courier" pitchFamily="2" charset="0"/>
-                <a:ea typeface="Courier" charset="0"/>
-                <a:cs typeface="Courier" charset="0"/>
-              </a:rPr>
-              <a:t>)             |</a:t>
-            </a:r>
-          </a:p>
-          <a:p>
-            <a:pPr>
-              <a:spcAft>
-                <a:spcPts val="0"/>
-              </a:spcAft>
-            </a:pPr>
-            <a:r>
-              <a:rPr lang="en-US" sz="750" b="1" dirty="0">
-                <a:solidFill>
-                  <a:srgbClr val="7030A0"/>
-                </a:solidFill>
-                <a:latin typeface="Courier" pitchFamily="2" charset="0"/>
-                <a:ea typeface="Courier" charset="0"/>
-                <a:cs typeface="Courier" charset="0"/>
-              </a:rPr>
-              <a:t>      +-+-+-+-+-+-+-+-+-+-+-+-+-+-+-+-+-+-+-+-+-+-+-+-+-+-+-+-+-+-+-+-+</a:t>
-            </a:r>
-          </a:p>
-          <a:p>
-            <a:pPr>
-              <a:spcAft>
-                <a:spcPts val="0"/>
-              </a:spcAft>
-            </a:pPr>
-            <a:endParaRPr lang="en-US" sz="750" dirty="0">
-              <a:solidFill>
-                <a:srgbClr val="0070C0"/>
-              </a:solidFill>
-              <a:latin typeface="Courier" pitchFamily="2" charset="0"/>
-              <a:ea typeface="Courier" charset="0"/>
-              <a:cs typeface="Courier" charset="0"/>
-            </a:endParaRPr>
-          </a:p>
-          <a:p>
-            <a:pPr>
-              <a:spcAft>
-                <a:spcPts val="0"/>
-              </a:spcAft>
-            </a:pPr>
-            <a:r>
-              <a:rPr lang="en-US" sz="750" dirty="0">
-                <a:latin typeface="Courier" pitchFamily="2" charset="0"/>
-                <a:ea typeface="Courier" charset="0"/>
-                <a:cs typeface="Courier" charset="0"/>
-              </a:rPr>
-              <a:t>	 Figure: Session-Sender Test Packet Format</a:t>
-            </a:r>
-          </a:p>
-        </p:txBody>
-      </p:sp>
-      <p:sp>
-        <p:nvSpPr>
-          <p:cNvPr id="14" name="Rectangle 13">
-            <a:extLst>
-              <a:ext uri="{FF2B5EF4-FFF2-40B4-BE49-F238E27FC236}">
-                <a16:creationId xmlns:a16="http://schemas.microsoft.com/office/drawing/2014/main" id="{5F9D9D1B-92A3-C64D-87B1-9B0B9C9E3A13}"/>
-              </a:ext>
-            </a:extLst>
-          </p:cNvPr>
-          <p:cNvSpPr/>
-          <p:nvPr/>
-        </p:nvSpPr>
-        <p:spPr>
-          <a:xfrm>
-            <a:off x="4489552" y="659773"/>
-            <a:ext cx="4368799" cy="4131900"/>
-          </a:xfrm>
-          <a:prstGeom prst="rect">
-            <a:avLst/>
-          </a:prstGeom>
-          <a:solidFill>
-            <a:schemeClr val="accent6">
-              <a:lumMod val="20000"/>
-              <a:lumOff val="80000"/>
-            </a:schemeClr>
-          </a:solidFill>
-        </p:spPr>
-        <p:txBody>
-          <a:bodyPr wrap="square">
-            <a:spAutoFit/>
-          </a:bodyPr>
-          <a:lstStyle/>
-          <a:p>
-            <a:pPr>
-              <a:spcAft>
-                <a:spcPts val="0"/>
-              </a:spcAft>
-            </a:pPr>
-            <a:r>
-              <a:rPr lang="en-US" sz="750" dirty="0">
-                <a:latin typeface="Courier" pitchFamily="2" charset="0"/>
-                <a:ea typeface="Courier" charset="0"/>
-                <a:cs typeface="Courier" charset="0"/>
-              </a:rPr>
-              <a:t>     0                   1                   2                   3</a:t>
-            </a:r>
-          </a:p>
-          <a:p>
-            <a:pPr>
-              <a:spcAft>
-                <a:spcPts val="0"/>
-              </a:spcAft>
-            </a:pPr>
-            <a:r>
-              <a:rPr lang="en-US" sz="750" dirty="0">
-                <a:latin typeface="Courier" pitchFamily="2" charset="0"/>
-                <a:ea typeface="Courier" charset="0"/>
-                <a:cs typeface="Courier" charset="0"/>
-              </a:rPr>
-              <a:t>     0 1 2 3 4 5 6 7 8 9 0 1 2 3 4 5 6 7 8 9 0 1 2 3 4 5 6 7 8 9 0 1</a:t>
-            </a:r>
-          </a:p>
-          <a:p>
-            <a:pPr>
-              <a:spcAft>
-                <a:spcPts val="0"/>
-              </a:spcAft>
-            </a:pPr>
-            <a:r>
-              <a:rPr lang="en-US" sz="750" dirty="0">
-                <a:latin typeface="Courier" pitchFamily="2" charset="0"/>
-                <a:ea typeface="Courier" charset="0"/>
-                <a:cs typeface="Courier" charset="0"/>
-              </a:rPr>
-              <a:t>    +-+-+-+-+-+-+-+-+-+-+-+-+-+-+-+-+-+-+-+-+-+-+-+-+-+-+-+-+-+-+-+-+</a:t>
-            </a:r>
-          </a:p>
-          <a:p>
-            <a:pPr>
-              <a:spcAft>
-                <a:spcPts val="0"/>
-              </a:spcAft>
-            </a:pPr>
-            <a:r>
-              <a:rPr lang="en-US" sz="750" dirty="0">
-                <a:latin typeface="Courier" pitchFamily="2" charset="0"/>
-                <a:ea typeface="Courier" charset="0"/>
-                <a:cs typeface="Courier" charset="0"/>
-              </a:rPr>
-              <a:t>    |                        Sequence Number                        |</a:t>
-            </a:r>
-          </a:p>
-          <a:p>
-            <a:pPr>
-              <a:spcAft>
-                <a:spcPts val="0"/>
-              </a:spcAft>
-            </a:pPr>
-            <a:r>
-              <a:rPr lang="en-US" sz="750" dirty="0">
-                <a:latin typeface="Courier" pitchFamily="2" charset="0"/>
-                <a:ea typeface="Courier" charset="0"/>
-                <a:cs typeface="Courier" charset="0"/>
-              </a:rPr>
-              <a:t>    +-+-+-+-+-+-+-+-+-+-+-+-+-+-+-+-+-+-+-+-+-+-+-+-+-+-+-+-+-+-+-+-+</a:t>
-            </a:r>
-          </a:p>
-          <a:p>
-            <a:pPr>
-              <a:spcAft>
-                <a:spcPts val="0"/>
-              </a:spcAft>
-            </a:pPr>
-            <a:r>
-              <a:rPr lang="en-US" sz="750" dirty="0">
-                <a:latin typeface="Courier" pitchFamily="2" charset="0"/>
-                <a:ea typeface="Courier" charset="0"/>
-                <a:cs typeface="Courier" charset="0"/>
-              </a:rPr>
-              <a:t>    |                          Timestamp                            |</a:t>
-            </a:r>
-          </a:p>
-          <a:p>
-            <a:pPr>
-              <a:spcAft>
-                <a:spcPts val="0"/>
-              </a:spcAft>
-            </a:pPr>
-            <a:r>
-              <a:rPr lang="en-US" sz="750" dirty="0">
-                <a:latin typeface="Courier" pitchFamily="2" charset="0"/>
-                <a:ea typeface="Courier" charset="0"/>
-                <a:cs typeface="Courier" charset="0"/>
-              </a:rPr>
-              <a:t>    |                                                               |</a:t>
-            </a:r>
-          </a:p>
-          <a:p>
-            <a:pPr>
-              <a:spcAft>
-                <a:spcPts val="0"/>
-              </a:spcAft>
-            </a:pPr>
-            <a:r>
-              <a:rPr lang="en-US" sz="750" dirty="0">
-                <a:latin typeface="Courier" pitchFamily="2" charset="0"/>
-                <a:ea typeface="Courier" charset="0"/>
-                <a:cs typeface="Courier" charset="0"/>
-              </a:rPr>
-              <a:t>    +-+-+-+-+-+-+-+-+-+-+-+-+-+-+-+-+-+-+-+-+-+-+-+-+-+-+-+-+-+-+-+-+</a:t>
-            </a:r>
-          </a:p>
-          <a:p>
-            <a:pPr>
-              <a:spcAft>
-                <a:spcPts val="0"/>
-              </a:spcAft>
-            </a:pPr>
-            <a:r>
-              <a:rPr lang="en-US" sz="750" dirty="0">
-                <a:latin typeface="Courier" pitchFamily="2" charset="0"/>
-                <a:ea typeface="Courier" charset="0"/>
-                <a:cs typeface="Courier" charset="0"/>
-              </a:rPr>
-              <a:t>    |         Error Estimate        |           SSID                |</a:t>
-            </a:r>
-          </a:p>
-          <a:p>
-            <a:pPr>
-              <a:spcAft>
-                <a:spcPts val="0"/>
-              </a:spcAft>
-            </a:pPr>
-            <a:r>
-              <a:rPr lang="en-US" sz="750" dirty="0">
-                <a:latin typeface="Courier" pitchFamily="2" charset="0"/>
-                <a:ea typeface="Courier" charset="0"/>
-                <a:cs typeface="Courier" charset="0"/>
-              </a:rPr>
-              <a:t>    +-+-+-+-+-+-+-+-+-+-+-+-+-+-+-+-+-+-+-+-+-+-+-+-+-+-+-+-+-+-+-+-+</a:t>
-            </a:r>
-          </a:p>
-          <a:p>
-            <a:pPr>
-              <a:spcAft>
-                <a:spcPts val="0"/>
-              </a:spcAft>
-            </a:pPr>
-            <a:r>
-              <a:rPr lang="en-US" sz="750" dirty="0">
-                <a:latin typeface="Courier" pitchFamily="2" charset="0"/>
-                <a:ea typeface="Courier" charset="0"/>
-                <a:cs typeface="Courier" charset="0"/>
-              </a:rPr>
-              <a:t>    |                          Receive Timestamp                    |</a:t>
-            </a:r>
-          </a:p>
-          <a:p>
-            <a:pPr>
-              <a:spcAft>
-                <a:spcPts val="0"/>
-              </a:spcAft>
-            </a:pPr>
-            <a:r>
-              <a:rPr lang="en-US" sz="750" dirty="0">
-                <a:latin typeface="Courier" pitchFamily="2" charset="0"/>
-                <a:ea typeface="Courier" charset="0"/>
-                <a:cs typeface="Courier" charset="0"/>
-              </a:rPr>
-              <a:t>    |                                                               |</a:t>
-            </a:r>
-          </a:p>
-          <a:p>
-            <a:pPr>
-              <a:spcAft>
-                <a:spcPts val="0"/>
-              </a:spcAft>
-            </a:pPr>
-            <a:r>
-              <a:rPr lang="en-US" sz="750" dirty="0">
-                <a:latin typeface="Courier" pitchFamily="2" charset="0"/>
-                <a:ea typeface="Courier" charset="0"/>
-                <a:cs typeface="Courier" charset="0"/>
-              </a:rPr>
-              <a:t>    +-+-+-+-+-+-+-+-+-+-+-+-+-+-+-+-+-+-+-+-+-+-+-+-+-+-+-+-+-+-+-+-+</a:t>
-            </a:r>
-          </a:p>
-          <a:p>
-            <a:pPr>
-              <a:spcAft>
-                <a:spcPts val="0"/>
-              </a:spcAft>
-            </a:pPr>
-            <a:r>
-              <a:rPr lang="en-US" sz="750" dirty="0">
-                <a:latin typeface="Courier" pitchFamily="2" charset="0"/>
-                <a:ea typeface="Courier" charset="0"/>
-                <a:cs typeface="Courier" charset="0"/>
-              </a:rPr>
-              <a:t>    |                 Session-Sender Sequence Number                |</a:t>
-            </a:r>
-          </a:p>
-          <a:p>
-            <a:pPr>
-              <a:spcAft>
-                <a:spcPts val="0"/>
-              </a:spcAft>
-            </a:pPr>
-            <a:r>
-              <a:rPr lang="en-US" sz="750" dirty="0">
-                <a:latin typeface="Courier" pitchFamily="2" charset="0"/>
-                <a:ea typeface="Courier" charset="0"/>
-                <a:cs typeface="Courier" charset="0"/>
-              </a:rPr>
-              <a:t>    +-+-+-+-+-+-+-+-+-+-+-+-+-+-+-+-+-+-+-+-+-+-+-+-+-+-+-+-+-+-+-+-+</a:t>
-            </a:r>
-          </a:p>
-          <a:p>
-            <a:pPr>
-              <a:spcAft>
-                <a:spcPts val="0"/>
-              </a:spcAft>
-            </a:pPr>
-            <a:r>
-              <a:rPr lang="en-US" sz="750" dirty="0">
-                <a:latin typeface="Courier" pitchFamily="2" charset="0"/>
-                <a:ea typeface="Courier" charset="0"/>
-                <a:cs typeface="Courier" charset="0"/>
-              </a:rPr>
-              <a:t>    |                  Session-Sender Timestamp                     |</a:t>
-            </a:r>
-          </a:p>
-          <a:p>
-            <a:pPr>
-              <a:spcAft>
-                <a:spcPts val="0"/>
-              </a:spcAft>
-            </a:pPr>
-            <a:r>
-              <a:rPr lang="en-US" sz="750" dirty="0">
-                <a:latin typeface="Courier" pitchFamily="2" charset="0"/>
-                <a:ea typeface="Courier" charset="0"/>
-                <a:cs typeface="Courier" charset="0"/>
-              </a:rPr>
-              <a:t>    |                                                               |</a:t>
-            </a:r>
-          </a:p>
-          <a:p>
-            <a:pPr>
-              <a:spcAft>
-                <a:spcPts val="0"/>
-              </a:spcAft>
-            </a:pPr>
-            <a:r>
-              <a:rPr lang="en-US" sz="750" dirty="0">
-                <a:latin typeface="Courier" pitchFamily="2" charset="0"/>
-                <a:ea typeface="Courier" charset="0"/>
-                <a:cs typeface="Courier" charset="0"/>
-              </a:rPr>
-              <a:t>    +-+-+-+-+-+-+-+-+-+-+-+-+-+-+-+-+-+-+-+-+-+-+-+-+-+-+-+-+-+-+-+-+</a:t>
-            </a:r>
-          </a:p>
-          <a:p>
-            <a:pPr>
-              <a:spcAft>
-                <a:spcPts val="0"/>
-              </a:spcAft>
-            </a:pPr>
-            <a:r>
-              <a:rPr lang="en-US" sz="750" dirty="0">
-                <a:latin typeface="Courier" pitchFamily="2" charset="0"/>
-                <a:ea typeface="Courier" charset="0"/>
-                <a:cs typeface="Courier" charset="0"/>
-              </a:rPr>
-              <a:t>    | Session-Sender Error Estimate |           MBZ                 |</a:t>
-            </a:r>
-          </a:p>
-          <a:p>
-            <a:pPr>
-              <a:spcAft>
-                <a:spcPts val="0"/>
-              </a:spcAft>
-            </a:pPr>
-            <a:r>
-              <a:rPr lang="en-US" sz="750" dirty="0">
-                <a:latin typeface="Courier" pitchFamily="2" charset="0"/>
-                <a:ea typeface="Courier" charset="0"/>
-                <a:cs typeface="Courier" charset="0"/>
-              </a:rPr>
-              <a:t>    +-+-+-+-+-+-+-+-+-+-+-+-+-+-+-+-+-+-+-+-+-+-+-+-+-+-+-+-+-+-+-+-+</a:t>
-            </a:r>
-          </a:p>
-          <a:p>
-            <a:pPr>
-              <a:spcAft>
-                <a:spcPts val="0"/>
-              </a:spcAft>
-            </a:pPr>
-            <a:r>
-              <a:rPr lang="en-US" sz="750" dirty="0">
-                <a:latin typeface="Courier" pitchFamily="2" charset="0"/>
-                <a:ea typeface="Courier" charset="0"/>
-                <a:cs typeface="Courier" charset="0"/>
-              </a:rPr>
-              <a:t>    |</a:t>
-            </a:r>
-            <a:r>
-              <a:rPr lang="en-US" sz="750" dirty="0" err="1">
-                <a:latin typeface="Courier" pitchFamily="2" charset="0"/>
-                <a:ea typeface="Courier" charset="0"/>
-                <a:cs typeface="Courier" charset="0"/>
-              </a:rPr>
-              <a:t>Ses</a:t>
-            </a:r>
-            <a:r>
-              <a:rPr lang="en-US" sz="750" dirty="0">
-                <a:latin typeface="Courier" pitchFamily="2" charset="0"/>
-                <a:ea typeface="Courier" charset="0"/>
-                <a:cs typeface="Courier" charset="0"/>
-              </a:rPr>
-              <a:t>-Sender TTL |                  MBZ2                         |</a:t>
-            </a:r>
-          </a:p>
-          <a:p>
-            <a:pPr>
-              <a:spcAft>
-                <a:spcPts val="0"/>
-              </a:spcAft>
-            </a:pPr>
-            <a:r>
-              <a:rPr lang="en-US" sz="750" dirty="0">
-                <a:latin typeface="Courier" pitchFamily="2" charset="0"/>
-                <a:ea typeface="Courier" charset="0"/>
-                <a:cs typeface="Courier" charset="0"/>
-              </a:rPr>
-              <a:t>    +-+-+-+-+-+-+-+-+-+-+-+-+-+-+-+-+-+-+-+-+-+-+-+-+-+-+-+-+-+-+-+-+</a:t>
-            </a:r>
-          </a:p>
-          <a:p>
-            <a:pPr>
-              <a:spcAft>
-                <a:spcPts val="0"/>
-              </a:spcAft>
-            </a:pPr>
-            <a:r>
-              <a:rPr lang="en-US" sz="750" dirty="0">
-                <a:solidFill>
-                  <a:srgbClr val="7030A0"/>
-                </a:solidFill>
-                <a:latin typeface="Courier" pitchFamily="2" charset="0"/>
-                <a:ea typeface="Courier" charset="0"/>
-                <a:cs typeface="Courier" charset="0"/>
-              </a:rPr>
-              <a:t>    </a:t>
-            </a:r>
-            <a:r>
-              <a:rPr lang="en-US" sz="750" b="1" dirty="0">
-                <a:solidFill>
-                  <a:srgbClr val="7030A0"/>
-                </a:solidFill>
-                <a:latin typeface="Courier" pitchFamily="2" charset="0"/>
-                <a:ea typeface="Courier" charset="0"/>
-                <a:cs typeface="Courier" charset="0"/>
-              </a:rPr>
-              <a:t>~                                                               ~</a:t>
-            </a:r>
-          </a:p>
-          <a:p>
-            <a:pPr>
-              <a:spcAft>
-                <a:spcPts val="0"/>
-              </a:spcAft>
-            </a:pPr>
-            <a:r>
-              <a:rPr lang="en-US" sz="750" b="1" dirty="0">
-                <a:solidFill>
-                  <a:srgbClr val="7030A0"/>
-                </a:solidFill>
-                <a:latin typeface="Courier" pitchFamily="2" charset="0"/>
-                <a:ea typeface="Courier" charset="0"/>
-                <a:cs typeface="Courier" charset="0"/>
-              </a:rPr>
-              <a:t>    ~                                                               ~</a:t>
-            </a:r>
-          </a:p>
-          <a:p>
-            <a:pPr>
-              <a:spcAft>
-                <a:spcPts val="0"/>
-              </a:spcAft>
-            </a:pPr>
-            <a:r>
-              <a:rPr lang="en-US" sz="750" b="1" dirty="0">
-                <a:solidFill>
-                  <a:srgbClr val="7030A0"/>
-                </a:solidFill>
-                <a:latin typeface="Courier" pitchFamily="2" charset="0"/>
-                <a:ea typeface="Courier" charset="0"/>
-                <a:cs typeface="Courier" charset="0"/>
-              </a:rPr>
-              <a:t>    +-+-+-+-+-+-+-+-+-+-+-+-+-+-+-+-+-+-+-+-+-+-+-+-+-+-+-+-+-+-+-+-+</a:t>
-            </a:r>
-          </a:p>
-          <a:p>
-            <a:pPr>
-              <a:spcAft>
-                <a:spcPts val="0"/>
-              </a:spcAft>
-            </a:pPr>
-            <a:r>
-              <a:rPr lang="en-CA" sz="750" b="1" dirty="0">
-                <a:solidFill>
-                  <a:srgbClr val="7030A0"/>
-                </a:solidFill>
-                <a:latin typeface="Courier" pitchFamily="2" charset="0"/>
-              </a:rPr>
-              <a:t>    |STAMP TLV Flags|  Type         |     Length                    |</a:t>
-            </a:r>
-          </a:p>
-          <a:p>
-            <a:pPr>
-              <a:spcAft>
-                <a:spcPts val="0"/>
-              </a:spcAft>
-            </a:pPr>
-            <a:r>
-              <a:rPr lang="en-US" sz="750" b="1" dirty="0">
-                <a:solidFill>
-                  <a:srgbClr val="7030A0"/>
-                </a:solidFill>
-                <a:latin typeface="Courier" pitchFamily="2" charset="0"/>
-                <a:ea typeface="Courier" charset="0"/>
-                <a:cs typeface="Courier" charset="0"/>
-              </a:rPr>
-              <a:t>    +-+-+-+-+-+-+-+-+-+-+-+-+-+-+-+-+-+-+-+-+-+-+-+-+-+-+-+-+-+-+-+-+</a:t>
-            </a:r>
-          </a:p>
-          <a:p>
-            <a:pPr>
-              <a:spcAft>
-                <a:spcPts val="0"/>
-              </a:spcAft>
-            </a:pPr>
-            <a:r>
-              <a:rPr lang="en-US" sz="750" b="1" dirty="0">
-                <a:solidFill>
-                  <a:srgbClr val="7030A0"/>
-                </a:solidFill>
-                <a:latin typeface="Courier" pitchFamily="2" charset="0"/>
-                <a:ea typeface="Courier" charset="0"/>
-                <a:cs typeface="Courier" charset="0"/>
-              </a:rPr>
-              <a:t>    |             Session-Sender Tx counter  (</a:t>
-            </a:r>
-            <a:r>
-              <a:rPr lang="en-US" sz="750" b="1" dirty="0" err="1">
-                <a:solidFill>
-                  <a:srgbClr val="7030A0"/>
-                </a:solidFill>
-                <a:latin typeface="Courier" pitchFamily="2" charset="0"/>
-                <a:ea typeface="Courier" charset="0"/>
-                <a:cs typeface="Courier" charset="0"/>
-              </a:rPr>
-              <a:t>S_TxC</a:t>
-            </a:r>
-            <a:r>
-              <a:rPr lang="en-US" sz="750" b="1" dirty="0">
-                <a:solidFill>
-                  <a:srgbClr val="7030A0"/>
-                </a:solidFill>
-                <a:latin typeface="Courier" pitchFamily="2" charset="0"/>
-                <a:ea typeface="Courier" charset="0"/>
-                <a:cs typeface="Courier" charset="0"/>
-              </a:rPr>
-              <a:t>)                |</a:t>
-            </a:r>
-          </a:p>
-          <a:p>
-            <a:pPr>
-              <a:spcAft>
-                <a:spcPts val="0"/>
-              </a:spcAft>
-            </a:pPr>
-            <a:r>
-              <a:rPr lang="en-US" sz="750" b="1" dirty="0">
-                <a:solidFill>
-                  <a:srgbClr val="7030A0"/>
-                </a:solidFill>
-                <a:latin typeface="Courier" pitchFamily="2" charset="0"/>
-                <a:ea typeface="Courier" charset="0"/>
-                <a:cs typeface="Courier" charset="0"/>
-              </a:rPr>
-              <a:t>    +-+-+-+-+-+-+-+-+-+-+-+-+-+-+-+-+-+-+-+-+-+-+-+-+-+-+-+-+-+-+-+-+</a:t>
-            </a:r>
-          </a:p>
-          <a:p>
-            <a:pPr>
-              <a:spcAft>
-                <a:spcPts val="0"/>
-              </a:spcAft>
-            </a:pPr>
-            <a:r>
-              <a:rPr lang="en-US" sz="750" b="1" dirty="0">
-                <a:solidFill>
-                  <a:srgbClr val="7030A0"/>
-                </a:solidFill>
-                <a:latin typeface="Courier" pitchFamily="2" charset="0"/>
-                <a:ea typeface="Courier" charset="0"/>
-                <a:cs typeface="Courier" charset="0"/>
-              </a:rPr>
-              <a:t>    |             Session-Reflector Rx counter  (</a:t>
-            </a:r>
-            <a:r>
-              <a:rPr lang="en-US" sz="750" b="1" dirty="0" err="1">
-                <a:solidFill>
-                  <a:srgbClr val="7030A0"/>
-                </a:solidFill>
-                <a:latin typeface="Courier" pitchFamily="2" charset="0"/>
-                <a:ea typeface="Courier" charset="0"/>
-                <a:cs typeface="Courier" charset="0"/>
-              </a:rPr>
-              <a:t>R_RxC</a:t>
-            </a:r>
-            <a:r>
-              <a:rPr lang="en-US" sz="750" b="1" dirty="0">
-                <a:solidFill>
-                  <a:srgbClr val="7030A0"/>
-                </a:solidFill>
-                <a:latin typeface="Courier" pitchFamily="2" charset="0"/>
-                <a:ea typeface="Courier" charset="0"/>
-                <a:cs typeface="Courier" charset="0"/>
-              </a:rPr>
-              <a:t>)             |</a:t>
-            </a:r>
-          </a:p>
-          <a:p>
-            <a:pPr>
-              <a:spcAft>
-                <a:spcPts val="0"/>
-              </a:spcAft>
-            </a:pPr>
-            <a:r>
-              <a:rPr lang="en-US" sz="750" b="1" dirty="0">
-                <a:solidFill>
-                  <a:srgbClr val="7030A0"/>
-                </a:solidFill>
-                <a:latin typeface="Courier" pitchFamily="2" charset="0"/>
-                <a:ea typeface="Courier" charset="0"/>
-                <a:cs typeface="Courier" charset="0"/>
-              </a:rPr>
-              <a:t>    +-+-+-+-+-+-+-+-+-+-+-+-+-+-+-+-+-+-+-+-+-+-+-+-+-+-+-+-+-+-+-+-+</a:t>
-            </a:r>
-          </a:p>
-          <a:p>
-            <a:pPr>
-              <a:spcAft>
-                <a:spcPts val="0"/>
-              </a:spcAft>
-            </a:pPr>
-            <a:r>
-              <a:rPr lang="en-US" sz="750" b="1" dirty="0">
-                <a:solidFill>
-                  <a:srgbClr val="7030A0"/>
-                </a:solidFill>
-                <a:latin typeface="Courier" pitchFamily="2" charset="0"/>
-                <a:ea typeface="Courier" charset="0"/>
-                <a:cs typeface="Courier" charset="0"/>
-              </a:rPr>
-              <a:t>    |             Session-Reflector Tx counter  (</a:t>
-            </a:r>
-            <a:r>
-              <a:rPr lang="en-US" sz="750" b="1" dirty="0" err="1">
-                <a:solidFill>
-                  <a:srgbClr val="7030A0"/>
-                </a:solidFill>
-                <a:latin typeface="Courier" pitchFamily="2" charset="0"/>
-                <a:ea typeface="Courier" charset="0"/>
-                <a:cs typeface="Courier" charset="0"/>
-              </a:rPr>
-              <a:t>R_TxC</a:t>
-            </a:r>
-            <a:r>
-              <a:rPr lang="en-US" sz="750" b="1" dirty="0">
-                <a:solidFill>
-                  <a:srgbClr val="7030A0"/>
-                </a:solidFill>
-                <a:latin typeface="Courier" pitchFamily="2" charset="0"/>
-                <a:ea typeface="Courier" charset="0"/>
-                <a:cs typeface="Courier" charset="0"/>
-              </a:rPr>
-              <a:t>)             |</a:t>
-            </a:r>
-          </a:p>
-          <a:p>
-            <a:pPr>
-              <a:spcAft>
-                <a:spcPts val="0"/>
-              </a:spcAft>
-            </a:pPr>
-            <a:r>
-              <a:rPr lang="en-US" sz="750" b="1" dirty="0">
-                <a:solidFill>
-                  <a:srgbClr val="7030A0"/>
-                </a:solidFill>
-                <a:latin typeface="Courier" pitchFamily="2" charset="0"/>
-                <a:ea typeface="Courier" charset="0"/>
-                <a:cs typeface="Courier" charset="0"/>
-              </a:rPr>
-              <a:t>    +-+-+-+-+-+-+-+-+-+-+-+-+-+-+-+-+-+-+-+-+-+-+-+-+-+-+-+-+-+-+-+-+</a:t>
-            </a:r>
-          </a:p>
-          <a:p>
-            <a:pPr>
-              <a:spcAft>
-                <a:spcPts val="0"/>
-              </a:spcAft>
-            </a:pPr>
-            <a:endParaRPr lang="en-US" sz="750" dirty="0">
-              <a:latin typeface="Courier" pitchFamily="2" charset="0"/>
-              <a:ea typeface="Courier" charset="0"/>
-              <a:cs typeface="Courier" charset="0"/>
-            </a:endParaRPr>
-          </a:p>
-          <a:p>
-            <a:pPr>
-              <a:spcAft>
-                <a:spcPts val="0"/>
-              </a:spcAft>
-            </a:pPr>
-            <a:r>
-              <a:rPr lang="en-US" sz="750" dirty="0">
-                <a:latin typeface="Courier" pitchFamily="2" charset="0"/>
-                <a:ea typeface="Courier" charset="0"/>
-                <a:cs typeface="Courier" charset="0"/>
-              </a:rPr>
-              <a:t>	Figure: Session-Reflector Test Packet Format</a:t>
-            </a:r>
-          </a:p>
-        </p:txBody>
-      </p:sp>
-      <p:sp>
-        <p:nvSpPr>
-          <p:cNvPr id="6" name="Footer Placeholder 3">
-            <a:extLst>
-              <a:ext uri="{FF2B5EF4-FFF2-40B4-BE49-F238E27FC236}">
-                <a16:creationId xmlns:a16="http://schemas.microsoft.com/office/drawing/2014/main" id="{DAAC01B7-F9FF-A94D-AC6F-E2071AD95C28}"/>
-              </a:ext>
-            </a:extLst>
-          </p:cNvPr>
-          <p:cNvSpPr txBox="1">
-            <a:spLocks/>
-          </p:cNvSpPr>
-          <p:nvPr/>
-        </p:nvSpPr>
-        <p:spPr>
-          <a:xfrm>
-            <a:off x="3841105" y="4844952"/>
-            <a:ext cx="1638300" cy="298548"/>
-          </a:xfrm>
-          <a:prstGeom prst="rect">
-            <a:avLst/>
-          </a:prstGeom>
-        </p:spPr>
-        <p:txBody>
-          <a:bodyPr/>
-          <a:lstStyle>
-            <a:defPPr>
-              <a:defRPr lang="zh-CN"/>
-            </a:defPPr>
-            <a:lvl1pPr algn="l" rtl="0" fontAlgn="base">
-              <a:spcBef>
-                <a:spcPct val="0"/>
-              </a:spcBef>
-              <a:spcAft>
-                <a:spcPct val="0"/>
-              </a:spcAft>
-              <a:defRPr kern="1200">
-                <a:solidFill>
-                  <a:schemeClr val="tx1"/>
-                </a:solidFill>
-                <a:latin typeface="Arial" charset="0"/>
-                <a:ea typeface="宋体" pitchFamily="2" charset="-122"/>
-                <a:cs typeface="+mn-cs"/>
-              </a:defRPr>
-            </a:lvl1pPr>
-            <a:lvl2pPr marL="457200" algn="l" rtl="0" fontAlgn="base">
-              <a:spcBef>
-                <a:spcPct val="0"/>
-              </a:spcBef>
-              <a:spcAft>
-                <a:spcPct val="0"/>
-              </a:spcAft>
-              <a:defRPr kern="1200">
-                <a:solidFill>
-                  <a:schemeClr val="tx1"/>
-                </a:solidFill>
-                <a:latin typeface="Arial" charset="0"/>
-                <a:ea typeface="宋体" pitchFamily="2" charset="-122"/>
-                <a:cs typeface="+mn-cs"/>
-              </a:defRPr>
-            </a:lvl2pPr>
-            <a:lvl3pPr marL="914400" algn="l" rtl="0" fontAlgn="base">
-              <a:spcBef>
-                <a:spcPct val="0"/>
-              </a:spcBef>
-              <a:spcAft>
-                <a:spcPct val="0"/>
-              </a:spcAft>
-              <a:defRPr kern="1200">
-                <a:solidFill>
-                  <a:schemeClr val="tx1"/>
-                </a:solidFill>
-                <a:latin typeface="Arial" charset="0"/>
-                <a:ea typeface="宋体" pitchFamily="2" charset="-122"/>
-                <a:cs typeface="+mn-cs"/>
-              </a:defRPr>
-            </a:lvl3pPr>
-            <a:lvl4pPr marL="1371600" algn="l" rtl="0" fontAlgn="base">
-              <a:spcBef>
-                <a:spcPct val="0"/>
-              </a:spcBef>
-              <a:spcAft>
-                <a:spcPct val="0"/>
-              </a:spcAft>
-              <a:defRPr kern="1200">
-                <a:solidFill>
-                  <a:schemeClr val="tx1"/>
-                </a:solidFill>
-                <a:latin typeface="Arial" charset="0"/>
-                <a:ea typeface="宋体" pitchFamily="2" charset="-122"/>
-                <a:cs typeface="+mn-cs"/>
-              </a:defRPr>
-            </a:lvl4pPr>
-            <a:lvl5pPr marL="1828800" algn="l" rtl="0" fontAlgn="base">
-              <a:spcBef>
-                <a:spcPct val="0"/>
-              </a:spcBef>
-              <a:spcAft>
-                <a:spcPct val="0"/>
-              </a:spcAft>
-              <a:defRPr kern="1200">
-                <a:solidFill>
-                  <a:schemeClr val="tx1"/>
-                </a:solidFill>
-                <a:latin typeface="Arial" charset="0"/>
-                <a:ea typeface="宋体" pitchFamily="2" charset="-122"/>
-                <a:cs typeface="+mn-cs"/>
-              </a:defRPr>
-            </a:lvl5pPr>
-            <a:lvl6pPr marL="2286000" algn="l" defTabSz="914400" rtl="0" eaLnBrk="1" latinLnBrk="0" hangingPunct="1">
-              <a:defRPr kern="1200">
-                <a:solidFill>
-                  <a:schemeClr val="tx1"/>
-                </a:solidFill>
-                <a:latin typeface="Arial" charset="0"/>
-                <a:ea typeface="宋体" pitchFamily="2" charset="-122"/>
-                <a:cs typeface="+mn-cs"/>
-              </a:defRPr>
-            </a:lvl6pPr>
-            <a:lvl7pPr marL="2743200" algn="l" defTabSz="914400" rtl="0" eaLnBrk="1" latinLnBrk="0" hangingPunct="1">
-              <a:defRPr kern="1200">
-                <a:solidFill>
-                  <a:schemeClr val="tx1"/>
-                </a:solidFill>
-                <a:latin typeface="Arial" charset="0"/>
-                <a:ea typeface="宋体" pitchFamily="2" charset="-122"/>
-                <a:cs typeface="+mn-cs"/>
-              </a:defRPr>
-            </a:lvl7pPr>
-            <a:lvl8pPr marL="3200400" algn="l" defTabSz="914400" rtl="0" eaLnBrk="1" latinLnBrk="0" hangingPunct="1">
-              <a:defRPr kern="1200">
-                <a:solidFill>
-                  <a:schemeClr val="tx1"/>
-                </a:solidFill>
-                <a:latin typeface="Arial" charset="0"/>
-                <a:ea typeface="宋体" pitchFamily="2" charset="-122"/>
-                <a:cs typeface="+mn-cs"/>
-              </a:defRPr>
-            </a:lvl8pPr>
-            <a:lvl9pPr marL="3657600" algn="l" defTabSz="914400" rtl="0" eaLnBrk="1" latinLnBrk="0" hangingPunct="1">
-              <a:defRPr kern="1200">
-                <a:solidFill>
-                  <a:schemeClr val="tx1"/>
-                </a:solidFill>
-                <a:latin typeface="Arial" charset="0"/>
-                <a:ea typeface="宋体" pitchFamily="2" charset="-122"/>
-                <a:cs typeface="+mn-cs"/>
-              </a:defRPr>
-            </a:lvl9pPr>
-          </a:lstStyle>
-          <a:p>
-            <a:r>
-              <a:rPr lang="en-CA" sz="1200" dirty="0"/>
-              <a:t>110</a:t>
-            </a:r>
-            <a:r>
-              <a:rPr lang="en-CA" sz="1200" baseline="30000" dirty="0"/>
-              <a:t>th</a:t>
-            </a:r>
-            <a:r>
-              <a:rPr lang="en-CA" sz="1200" dirty="0"/>
-              <a:t> IETF Online</a:t>
-            </a:r>
-          </a:p>
-        </p:txBody>
-      </p:sp>
-      <p:sp>
-        <p:nvSpPr>
-          <p:cNvPr id="7" name="Slide Number Placeholder 2">
-            <a:extLst>
-              <a:ext uri="{FF2B5EF4-FFF2-40B4-BE49-F238E27FC236}">
-                <a16:creationId xmlns:a16="http://schemas.microsoft.com/office/drawing/2014/main" id="{8D46899F-25E7-8042-9E81-459B5F041477}"/>
-              </a:ext>
-            </a:extLst>
-          </p:cNvPr>
-          <p:cNvSpPr txBox="1">
-            <a:spLocks/>
-          </p:cNvSpPr>
-          <p:nvPr/>
-        </p:nvSpPr>
-        <p:spPr>
-          <a:xfrm>
-            <a:off x="7543800" y="4745366"/>
-            <a:ext cx="1143000" cy="357188"/>
-          </a:xfrm>
-          <a:prstGeom prst="rect">
-            <a:avLst/>
-          </a:prstGeom>
-        </p:spPr>
-        <p:txBody>
-          <a:bodyPr/>
-          <a:lstStyle>
-            <a:defPPr>
-              <a:defRPr lang="zh-CN"/>
-            </a:defPPr>
-            <a:lvl1pPr algn="l" rtl="0" fontAlgn="base">
-              <a:spcBef>
-                <a:spcPct val="0"/>
-              </a:spcBef>
-              <a:spcAft>
-                <a:spcPct val="0"/>
-              </a:spcAft>
-              <a:defRPr kern="1200">
-                <a:solidFill>
-                  <a:schemeClr val="tx1"/>
-                </a:solidFill>
-                <a:latin typeface="Arial" charset="0"/>
-                <a:ea typeface="宋体" pitchFamily="2" charset="-122"/>
-                <a:cs typeface="+mn-cs"/>
-              </a:defRPr>
-            </a:lvl1pPr>
-            <a:lvl2pPr marL="457200" algn="l" rtl="0" fontAlgn="base">
-              <a:spcBef>
-                <a:spcPct val="0"/>
-              </a:spcBef>
-              <a:spcAft>
-                <a:spcPct val="0"/>
-              </a:spcAft>
-              <a:defRPr kern="1200">
-                <a:solidFill>
-                  <a:schemeClr val="tx1"/>
-                </a:solidFill>
-                <a:latin typeface="Arial" charset="0"/>
-                <a:ea typeface="宋体" pitchFamily="2" charset="-122"/>
-                <a:cs typeface="+mn-cs"/>
-              </a:defRPr>
-            </a:lvl2pPr>
-            <a:lvl3pPr marL="914400" algn="l" rtl="0" fontAlgn="base">
-              <a:spcBef>
-                <a:spcPct val="0"/>
-              </a:spcBef>
-              <a:spcAft>
-                <a:spcPct val="0"/>
-              </a:spcAft>
-              <a:defRPr kern="1200">
-                <a:solidFill>
-                  <a:schemeClr val="tx1"/>
-                </a:solidFill>
-                <a:latin typeface="Arial" charset="0"/>
-                <a:ea typeface="宋体" pitchFamily="2" charset="-122"/>
-                <a:cs typeface="+mn-cs"/>
-              </a:defRPr>
-            </a:lvl3pPr>
-            <a:lvl4pPr marL="1371600" algn="l" rtl="0" fontAlgn="base">
-              <a:spcBef>
-                <a:spcPct val="0"/>
-              </a:spcBef>
-              <a:spcAft>
-                <a:spcPct val="0"/>
-              </a:spcAft>
-              <a:defRPr kern="1200">
-                <a:solidFill>
-                  <a:schemeClr val="tx1"/>
-                </a:solidFill>
-                <a:latin typeface="Arial" charset="0"/>
-                <a:ea typeface="宋体" pitchFamily="2" charset="-122"/>
-                <a:cs typeface="+mn-cs"/>
-              </a:defRPr>
-            </a:lvl4pPr>
-            <a:lvl5pPr marL="1828800" algn="l" rtl="0" fontAlgn="base">
-              <a:spcBef>
-                <a:spcPct val="0"/>
-              </a:spcBef>
-              <a:spcAft>
-                <a:spcPct val="0"/>
-              </a:spcAft>
-              <a:defRPr kern="1200">
-                <a:solidFill>
-                  <a:schemeClr val="tx1"/>
-                </a:solidFill>
-                <a:latin typeface="Arial" charset="0"/>
-                <a:ea typeface="宋体" pitchFamily="2" charset="-122"/>
-                <a:cs typeface="+mn-cs"/>
-              </a:defRPr>
-            </a:lvl5pPr>
-            <a:lvl6pPr marL="2286000" algn="l" defTabSz="914400" rtl="0" eaLnBrk="1" latinLnBrk="0" hangingPunct="1">
-              <a:defRPr kern="1200">
-                <a:solidFill>
-                  <a:schemeClr val="tx1"/>
-                </a:solidFill>
-                <a:latin typeface="Arial" charset="0"/>
-                <a:ea typeface="宋体" pitchFamily="2" charset="-122"/>
-                <a:cs typeface="+mn-cs"/>
-              </a:defRPr>
-            </a:lvl6pPr>
-            <a:lvl7pPr marL="2743200" algn="l" defTabSz="914400" rtl="0" eaLnBrk="1" latinLnBrk="0" hangingPunct="1">
-              <a:defRPr kern="1200">
-                <a:solidFill>
-                  <a:schemeClr val="tx1"/>
-                </a:solidFill>
-                <a:latin typeface="Arial" charset="0"/>
-                <a:ea typeface="宋体" pitchFamily="2" charset="-122"/>
-                <a:cs typeface="+mn-cs"/>
-              </a:defRPr>
-            </a:lvl7pPr>
-            <a:lvl8pPr marL="3200400" algn="l" defTabSz="914400" rtl="0" eaLnBrk="1" latinLnBrk="0" hangingPunct="1">
-              <a:defRPr kern="1200">
-                <a:solidFill>
-                  <a:schemeClr val="tx1"/>
-                </a:solidFill>
-                <a:latin typeface="Arial" charset="0"/>
-                <a:ea typeface="宋体" pitchFamily="2" charset="-122"/>
-                <a:cs typeface="+mn-cs"/>
-              </a:defRPr>
-            </a:lvl8pPr>
-            <a:lvl9pPr marL="3657600" algn="l" defTabSz="914400" rtl="0" eaLnBrk="1" latinLnBrk="0" hangingPunct="1">
-              <a:defRPr kern="1200">
-                <a:solidFill>
-                  <a:schemeClr val="tx1"/>
-                </a:solidFill>
-                <a:latin typeface="Arial" charset="0"/>
-                <a:ea typeface="宋体" pitchFamily="2" charset="-122"/>
-                <a:cs typeface="+mn-cs"/>
-              </a:defRPr>
-            </a:lvl9pPr>
-          </a:lstStyle>
-          <a:p>
-            <a:pPr algn="r">
-              <a:defRPr/>
-            </a:pPr>
-            <a:fld id="{D5EE1D1A-EEC2-4D53-94A7-85D62C853479}" type="slidenum">
-              <a:rPr lang="en-US" altLang="zh-CN" sz="1400" smtClean="0">
-                <a:latin typeface="Calibri" panose="020F0502020204030204" pitchFamily="34" charset="0"/>
-                <a:cs typeface="Calibri" panose="020F0502020204030204" pitchFamily="34" charset="0"/>
-              </a:rPr>
-              <a:pPr algn="r">
-                <a:defRPr/>
-              </a:pPr>
-              <a:t>11</a:t>
-            </a:fld>
-            <a:endParaRPr lang="en-US" altLang="zh-CN" sz="1400" dirty="0">
-              <a:latin typeface="Calibri" panose="020F0502020204030204" pitchFamily="34" charset="0"/>
-              <a:cs typeface="Calibri" panose="020F0502020204030204" pitchFamily="34" charset="0"/>
-            </a:endParaRPr>
-          </a:p>
-        </p:txBody>
-      </p:sp>
-      <p:cxnSp>
-        <p:nvCxnSpPr>
-          <p:cNvPr id="4" name="Straight Connector 3">
-            <a:extLst>
-              <a:ext uri="{FF2B5EF4-FFF2-40B4-BE49-F238E27FC236}">
-                <a16:creationId xmlns:a16="http://schemas.microsoft.com/office/drawing/2014/main" id="{0B9B10AD-8D48-D148-91E8-65E3279D89CE}"/>
-              </a:ext>
-            </a:extLst>
-          </p:cNvPr>
-          <p:cNvCxnSpPr>
-            <a:cxnSpLocks/>
-          </p:cNvCxnSpPr>
-          <p:nvPr/>
-        </p:nvCxnSpPr>
-        <p:spPr>
-          <a:xfrm>
-            <a:off x="4572000" y="659773"/>
-            <a:ext cx="0" cy="4111227"/>
-          </a:xfrm>
-          <a:prstGeom prst="line">
-            <a:avLst/>
-          </a:prstGeom>
-          <a:ln>
-            <a:solidFill>
-              <a:schemeClr val="tx2"/>
-            </a:solidFill>
-          </a:ln>
-        </p:spPr>
-        <p:style>
-          <a:lnRef idx="1">
-            <a:schemeClr val="accent1"/>
-          </a:lnRef>
-          <a:fillRef idx="0">
-            <a:schemeClr val="accent1"/>
-          </a:fillRef>
-          <a:effectRef idx="0">
-            <a:schemeClr val="accent1"/>
-          </a:effectRef>
-          <a:fontRef idx="minor">
-            <a:schemeClr val="tx1"/>
-          </a:fontRef>
-        </p:style>
-      </p:cxnSp>
-    </p:spTree>
-    <p:extLst>
-      <p:ext uri="{BB962C8B-B14F-4D97-AF65-F5344CB8AC3E}">
-        <p14:creationId xmlns:p14="http://schemas.microsoft.com/office/powerpoint/2010/main" val="2699639324"/>
-      </p:ext>
-    </p:extLst>
-  </p:cSld>
-  <p:clrMapOvr>
-    <a:masterClrMapping/>
-  </p:clrMapOvr>
-  <p:transition spd="med">
-    <p:fade/>
-  </p:transition>
-</p:sld>
-</file>
-
-<file path=ppt/slides/slide12.xml><?xml version="1.0" encoding="utf-8"?>
+<file path=ppt/slides/slide13.xml><?xml version="1.0" encoding="utf-8"?>
 <p:sld xmlns:a="http://schemas.openxmlformats.org/drawingml/2006/main" xmlns:r="http://schemas.openxmlformats.org/officeDocument/2006/relationships" xmlns:p="http://schemas.openxmlformats.org/presentationml/2006/main">
   <p:cSld>
     <p:spTree>
@@ -10028,7 +10402,7 @@
               <a:pPr>
                 <a:defRPr/>
               </a:pPr>
-              <a:t>12</a:t>
+              <a:t>13</a:t>
             </a:fld>
             <a:endParaRPr lang="en-US" altLang="zh-CN"/>
           </a:p>
@@ -10047,7 +10421,7 @@
 </p:sld>
 </file>
 
-<file path=ppt/slides/slide13.xml><?xml version="1.0" encoding="utf-8"?>
+<file path=ppt/slides/slide14.xml><?xml version="1.0" encoding="utf-8"?>
 <p:sld xmlns:a="http://schemas.openxmlformats.org/drawingml/2006/main" xmlns:r="http://schemas.openxmlformats.org/officeDocument/2006/relationships" xmlns:p="http://schemas.openxmlformats.org/presentationml/2006/main">
   <p:cSld>
     <p:spTree>
@@ -10311,7 +10685,7 @@
               <a:pPr>
                 <a:defRPr/>
               </a:pPr>
-              <a:t>13</a:t>
+              <a:t>14</a:t>
             </a:fld>
             <a:endParaRPr lang="en-US" altLang="zh-CN" dirty="0"/>
           </a:p>
@@ -10778,6 +11152,690 @@
         </p:nvSpPr>
         <p:spPr>
           <a:xfrm>
+            <a:off x="457200" y="0"/>
+            <a:ext cx="8229600" cy="857250"/>
+          </a:xfrm>
+        </p:spPr>
+        <p:txBody>
+          <a:bodyPr/>
+          <a:lstStyle/>
+          <a:p>
+            <a:r>
+              <a:rPr lang="en-US" sz="3200" dirty="0">
+                <a:solidFill>
+                  <a:srgbClr val="0070C0"/>
+                </a:solidFill>
+                <a:latin typeface="Calibri Light" panose="020F0302020204030204" pitchFamily="34" charset="0"/>
+                <a:cs typeface="Calibri Light" panose="020F0302020204030204" pitchFamily="34" charset="0"/>
+              </a:rPr>
+              <a:t>Alternate Marking Method for Packet Loss</a:t>
+            </a:r>
+          </a:p>
+        </p:txBody>
+      </p:sp>
+      <p:sp>
+        <p:nvSpPr>
+          <p:cNvPr id="3" name="Content Placeholder 2"/>
+          <p:cNvSpPr>
+            <a:spLocks noGrp="1"/>
+          </p:cNvSpPr>
+          <p:nvPr>
+            <p:ph idx="1"/>
+          </p:nvPr>
+        </p:nvSpPr>
+        <p:spPr>
+          <a:xfrm>
+            <a:off x="571500" y="857250"/>
+            <a:ext cx="8001000" cy="914400"/>
+          </a:xfrm>
+        </p:spPr>
+        <p:txBody>
+          <a:bodyPr/>
+          <a:lstStyle/>
+          <a:p>
+            <a:r>
+              <a:rPr lang="en-US" sz="1600" dirty="0">
+                <a:latin typeface="Calibri" charset="0"/>
+                <a:ea typeface="Calibri" charset="0"/>
+                <a:cs typeface="Calibri" charset="0"/>
+              </a:rPr>
+              <a:t>RFC 8321 - </a:t>
+            </a:r>
+            <a:r>
+              <a:rPr lang="en-CA" sz="1600" dirty="0"/>
+              <a:t>Alternate-Marking Method for Passive and Hybrid Performance Monitoring</a:t>
+            </a:r>
+          </a:p>
+          <a:p>
+            <a:r>
+              <a:rPr lang="en-CA" sz="1600" dirty="0"/>
+              <a:t>RFC 8957 - Synonymous Flow Label Framework</a:t>
+            </a:r>
+          </a:p>
+          <a:p>
+            <a:endParaRPr lang="en-CA" sz="1600" dirty="0"/>
+          </a:p>
+          <a:p>
+            <a:pPr marL="0" lvl="0" indent="0">
+              <a:buNone/>
+            </a:pPr>
+            <a:endParaRPr lang="en-US" sz="1600" dirty="0">
+              <a:latin typeface="Calibri" charset="0"/>
+              <a:ea typeface="Calibri" charset="0"/>
+              <a:cs typeface="Calibri" charset="0"/>
+            </a:endParaRPr>
+          </a:p>
+          <a:p>
+            <a:pPr lvl="0"/>
+            <a:endParaRPr lang="en-US" sz="1600" dirty="0">
+              <a:latin typeface="Calibri" charset="0"/>
+              <a:ea typeface="Calibri" charset="0"/>
+              <a:cs typeface="Calibri" charset="0"/>
+            </a:endParaRPr>
+          </a:p>
+          <a:p>
+            <a:pPr lvl="0"/>
+            <a:endParaRPr lang="en-US" sz="1600" dirty="0">
+              <a:latin typeface="Calibri" charset="0"/>
+              <a:ea typeface="Calibri" charset="0"/>
+              <a:cs typeface="Calibri" charset="0"/>
+            </a:endParaRPr>
+          </a:p>
+          <a:p>
+            <a:pPr lvl="0"/>
+            <a:endParaRPr lang="en-US" sz="1600" dirty="0">
+              <a:latin typeface="Calibri" charset="0"/>
+              <a:ea typeface="Calibri" charset="0"/>
+              <a:cs typeface="Calibri" charset="0"/>
+            </a:endParaRPr>
+          </a:p>
+          <a:p>
+            <a:endParaRPr lang="en-US" sz="1600" dirty="0">
+              <a:latin typeface="Calibri" charset="0"/>
+              <a:ea typeface="Calibri" charset="0"/>
+              <a:cs typeface="Calibri" charset="0"/>
+            </a:endParaRPr>
+          </a:p>
+        </p:txBody>
+      </p:sp>
+      <p:sp>
+        <p:nvSpPr>
+          <p:cNvPr id="4" name="Footer Placeholder 3"/>
+          <p:cNvSpPr>
+            <a:spLocks noGrp="1"/>
+          </p:cNvSpPr>
+          <p:nvPr>
+            <p:ph type="ftr" sz="quarter" idx="11"/>
+          </p:nvPr>
+        </p:nvSpPr>
+        <p:spPr>
+          <a:xfrm>
+            <a:off x="3048000" y="4786312"/>
+            <a:ext cx="2895600" cy="357188"/>
+          </a:xfrm>
+        </p:spPr>
+        <p:txBody>
+          <a:bodyPr/>
+          <a:lstStyle/>
+          <a:p>
+            <a:r>
+              <a:rPr lang="en-CA" dirty="0"/>
+              <a:t>110</a:t>
+            </a:r>
+            <a:r>
+              <a:rPr lang="en-CA" baseline="30000" dirty="0"/>
+              <a:t>th</a:t>
+            </a:r>
+            <a:r>
+              <a:rPr lang="en-CA" dirty="0"/>
+              <a:t> IETF Online</a:t>
+            </a:r>
+          </a:p>
+        </p:txBody>
+      </p:sp>
+      <p:sp>
+        <p:nvSpPr>
+          <p:cNvPr id="5" name="Slide Number Placeholder 4"/>
+          <p:cNvSpPr>
+            <a:spLocks noGrp="1"/>
+          </p:cNvSpPr>
+          <p:nvPr>
+            <p:ph type="sldNum" sz="quarter" idx="12"/>
+          </p:nvPr>
+        </p:nvSpPr>
+        <p:spPr/>
+        <p:txBody>
+          <a:bodyPr/>
+          <a:lstStyle/>
+          <a:p>
+            <a:pPr>
+              <a:defRPr/>
+            </a:pPr>
+            <a:fld id="{BD6E0F59-1DD8-40FC-9C92-B6295CBA6CCA}" type="slidenum">
+              <a:rPr lang="en-US" altLang="zh-CN" smtClean="0"/>
+              <a:pPr>
+                <a:defRPr/>
+              </a:pPr>
+              <a:t>4</a:t>
+            </a:fld>
+            <a:endParaRPr lang="en-US" altLang="zh-CN" dirty="0"/>
+          </a:p>
+        </p:txBody>
+      </p:sp>
+      <p:sp>
+        <p:nvSpPr>
+          <p:cNvPr id="6" name="Rectangle 5">
+            <a:extLst>
+              <a:ext uri="{FF2B5EF4-FFF2-40B4-BE49-F238E27FC236}">
+                <a16:creationId xmlns:a16="http://schemas.microsoft.com/office/drawing/2014/main" id="{D930FC9E-C00E-754D-BBDD-1B3199E94060}"/>
+              </a:ext>
+            </a:extLst>
+          </p:cNvPr>
+          <p:cNvSpPr/>
+          <p:nvPr/>
+        </p:nvSpPr>
+        <p:spPr>
+          <a:xfrm>
+            <a:off x="1447800" y="1962150"/>
+            <a:ext cx="5829300" cy="2092881"/>
+          </a:xfrm>
+          <a:prstGeom prst="rect">
+            <a:avLst/>
+          </a:prstGeom>
+          <a:solidFill>
+            <a:schemeClr val="accent6">
+              <a:lumMod val="20000"/>
+              <a:lumOff val="80000"/>
+            </a:schemeClr>
+          </a:solidFill>
+          <a:ln>
+            <a:solidFill>
+              <a:schemeClr val="accent1"/>
+            </a:solidFill>
+          </a:ln>
+        </p:spPr>
+        <p:txBody>
+          <a:bodyPr wrap="square">
+            <a:spAutoFit/>
+          </a:bodyPr>
+          <a:lstStyle/>
+          <a:p>
+            <a:pPr>
+              <a:tabLst>
+                <a:tab pos="581660" algn="l"/>
+                <a:tab pos="1163320" algn="l"/>
+                <a:tab pos="1744980" algn="l"/>
+                <a:tab pos="2326640" algn="l"/>
+                <a:tab pos="2908300" algn="l"/>
+                <a:tab pos="3489960" algn="l"/>
+                <a:tab pos="4071620" algn="l"/>
+                <a:tab pos="4653280" algn="l"/>
+                <a:tab pos="5234940" algn="l"/>
+                <a:tab pos="5816600" algn="l"/>
+                <a:tab pos="6398260" algn="l"/>
+                <a:tab pos="6979920" algn="l"/>
+                <a:tab pos="7561580" algn="l"/>
+                <a:tab pos="8143240" algn="l"/>
+                <a:tab pos="8724900" algn="l"/>
+                <a:tab pos="9306560" algn="l"/>
+              </a:tabLst>
+            </a:pPr>
+            <a:r>
+              <a:rPr lang="en-CA" sz="1000" dirty="0">
+                <a:latin typeface="Courier" pitchFamily="2" charset="0"/>
+                <a:ea typeface="Times New Roman" panose="02020603050405020304" pitchFamily="18" charset="0"/>
+                <a:cs typeface="Times New Roman" panose="02020603050405020304" pitchFamily="18" charset="0"/>
+              </a:rPr>
+              <a:t>   A: packet with A coloring</a:t>
+            </a:r>
+            <a:endParaRPr lang="en-CA" sz="1000" dirty="0">
+              <a:latin typeface="Courier" pitchFamily="2" charset="0"/>
+              <a:ea typeface="Calibri" panose="020F0502020204030204" pitchFamily="34" charset="0"/>
+              <a:cs typeface="Times New Roman" panose="02020603050405020304" pitchFamily="18" charset="0"/>
+            </a:endParaRPr>
+          </a:p>
+          <a:p>
+            <a:pPr>
+              <a:tabLst>
+                <a:tab pos="581660" algn="l"/>
+                <a:tab pos="1163320" algn="l"/>
+                <a:tab pos="1744980" algn="l"/>
+                <a:tab pos="2326640" algn="l"/>
+                <a:tab pos="2908300" algn="l"/>
+                <a:tab pos="3489960" algn="l"/>
+                <a:tab pos="4071620" algn="l"/>
+                <a:tab pos="4653280" algn="l"/>
+                <a:tab pos="5234940" algn="l"/>
+                <a:tab pos="5816600" algn="l"/>
+                <a:tab pos="6398260" algn="l"/>
+                <a:tab pos="6979920" algn="l"/>
+                <a:tab pos="7561580" algn="l"/>
+                <a:tab pos="8143240" algn="l"/>
+                <a:tab pos="8724900" algn="l"/>
+                <a:tab pos="9306560" algn="l"/>
+              </a:tabLst>
+            </a:pPr>
+            <a:r>
+              <a:rPr lang="en-CA" sz="1000" dirty="0">
+                <a:latin typeface="Courier" pitchFamily="2" charset="0"/>
+                <a:ea typeface="Times New Roman" panose="02020603050405020304" pitchFamily="18" charset="0"/>
+                <a:cs typeface="Times New Roman" panose="02020603050405020304" pitchFamily="18" charset="0"/>
+              </a:rPr>
+              <a:t>   B: packet with B coloring</a:t>
+            </a:r>
+            <a:endParaRPr lang="en-CA" sz="1000" dirty="0">
+              <a:latin typeface="Courier" pitchFamily="2" charset="0"/>
+              <a:ea typeface="Calibri" panose="020F0502020204030204" pitchFamily="34" charset="0"/>
+              <a:cs typeface="Times New Roman" panose="02020603050405020304" pitchFamily="18" charset="0"/>
+            </a:endParaRPr>
+          </a:p>
+          <a:p>
+            <a:pPr>
+              <a:tabLst>
+                <a:tab pos="581660" algn="l"/>
+                <a:tab pos="1163320" algn="l"/>
+                <a:tab pos="1744980" algn="l"/>
+                <a:tab pos="2326640" algn="l"/>
+                <a:tab pos="2908300" algn="l"/>
+                <a:tab pos="3489960" algn="l"/>
+                <a:tab pos="4071620" algn="l"/>
+                <a:tab pos="4653280" algn="l"/>
+                <a:tab pos="5234940" algn="l"/>
+                <a:tab pos="5816600" algn="l"/>
+                <a:tab pos="6398260" algn="l"/>
+                <a:tab pos="6979920" algn="l"/>
+                <a:tab pos="7561580" algn="l"/>
+                <a:tab pos="8143240" algn="l"/>
+                <a:tab pos="8724900" algn="l"/>
+                <a:tab pos="9306560" algn="l"/>
+              </a:tabLst>
+            </a:pPr>
+            <a:r>
+              <a:rPr lang="en-CA" sz="1000" dirty="0">
+                <a:latin typeface="Courier" pitchFamily="2" charset="0"/>
+                <a:ea typeface="Times New Roman" panose="02020603050405020304" pitchFamily="18" charset="0"/>
+                <a:cs typeface="Times New Roman" panose="02020603050405020304" pitchFamily="18" charset="0"/>
+              </a:rPr>
+              <a:t> </a:t>
+            </a:r>
+            <a:endParaRPr lang="en-CA" sz="1000" dirty="0">
+              <a:latin typeface="Courier" pitchFamily="2" charset="0"/>
+              <a:ea typeface="Calibri" panose="020F0502020204030204" pitchFamily="34" charset="0"/>
+              <a:cs typeface="Times New Roman" panose="02020603050405020304" pitchFamily="18" charset="0"/>
+            </a:endParaRPr>
+          </a:p>
+          <a:p>
+            <a:pPr>
+              <a:tabLst>
+                <a:tab pos="581660" algn="l"/>
+                <a:tab pos="1163320" algn="l"/>
+                <a:tab pos="1744980" algn="l"/>
+                <a:tab pos="2326640" algn="l"/>
+                <a:tab pos="2908300" algn="l"/>
+                <a:tab pos="3489960" algn="l"/>
+                <a:tab pos="4071620" algn="l"/>
+                <a:tab pos="4653280" algn="l"/>
+                <a:tab pos="5234940" algn="l"/>
+                <a:tab pos="5816600" algn="l"/>
+                <a:tab pos="6398260" algn="l"/>
+                <a:tab pos="6979920" algn="l"/>
+                <a:tab pos="7561580" algn="l"/>
+                <a:tab pos="8143240" algn="l"/>
+                <a:tab pos="8724900" algn="l"/>
+                <a:tab pos="9306560" algn="l"/>
+              </a:tabLst>
+            </a:pPr>
+            <a:r>
+              <a:rPr lang="en-CA" sz="1000" dirty="0">
+                <a:latin typeface="Courier" pitchFamily="2" charset="0"/>
+                <a:ea typeface="Times New Roman" panose="02020603050405020304" pitchFamily="18" charset="0"/>
+                <a:cs typeface="Times New Roman" panose="02020603050405020304" pitchFamily="18" charset="0"/>
+              </a:rPr>
+              <a:t>            |           |           |           |           |</a:t>
+            </a:r>
+            <a:endParaRPr lang="en-CA" sz="1000" dirty="0">
+              <a:latin typeface="Courier" pitchFamily="2" charset="0"/>
+              <a:ea typeface="Calibri" panose="020F0502020204030204" pitchFamily="34" charset="0"/>
+              <a:cs typeface="Times New Roman" panose="02020603050405020304" pitchFamily="18" charset="0"/>
+            </a:endParaRPr>
+          </a:p>
+          <a:p>
+            <a:pPr>
+              <a:tabLst>
+                <a:tab pos="581660" algn="l"/>
+                <a:tab pos="1163320" algn="l"/>
+                <a:tab pos="1744980" algn="l"/>
+                <a:tab pos="2326640" algn="l"/>
+                <a:tab pos="2908300" algn="l"/>
+                <a:tab pos="3489960" algn="l"/>
+                <a:tab pos="4071620" algn="l"/>
+                <a:tab pos="4653280" algn="l"/>
+                <a:tab pos="5234940" algn="l"/>
+                <a:tab pos="5816600" algn="l"/>
+                <a:tab pos="6398260" algn="l"/>
+                <a:tab pos="6979920" algn="l"/>
+                <a:tab pos="7561580" algn="l"/>
+                <a:tab pos="8143240" algn="l"/>
+                <a:tab pos="8724900" algn="l"/>
+                <a:tab pos="9306560" algn="l"/>
+              </a:tabLst>
+            </a:pPr>
+            <a:r>
+              <a:rPr lang="en-CA" sz="1000" dirty="0">
+                <a:latin typeface="Courier" pitchFamily="2" charset="0"/>
+                <a:ea typeface="Times New Roman" panose="02020603050405020304" pitchFamily="18" charset="0"/>
+                <a:cs typeface="Times New Roman" panose="02020603050405020304" pitchFamily="18" charset="0"/>
+              </a:rPr>
+              <a:t>            |           |    Traffic Flow       |           |</a:t>
+            </a:r>
+            <a:endParaRPr lang="en-CA" sz="1000" dirty="0">
+              <a:latin typeface="Courier" pitchFamily="2" charset="0"/>
+              <a:ea typeface="Calibri" panose="020F0502020204030204" pitchFamily="34" charset="0"/>
+              <a:cs typeface="Times New Roman" panose="02020603050405020304" pitchFamily="18" charset="0"/>
+            </a:endParaRPr>
+          </a:p>
+          <a:p>
+            <a:pPr>
+              <a:tabLst>
+                <a:tab pos="581660" algn="l"/>
+                <a:tab pos="1163320" algn="l"/>
+                <a:tab pos="1744980" algn="l"/>
+                <a:tab pos="2326640" algn="l"/>
+                <a:tab pos="2908300" algn="l"/>
+                <a:tab pos="3489960" algn="l"/>
+                <a:tab pos="4071620" algn="l"/>
+                <a:tab pos="4653280" algn="l"/>
+                <a:tab pos="5234940" algn="l"/>
+                <a:tab pos="5816600" algn="l"/>
+                <a:tab pos="6398260" algn="l"/>
+                <a:tab pos="6979920" algn="l"/>
+                <a:tab pos="7561580" algn="l"/>
+                <a:tab pos="8143240" algn="l"/>
+                <a:tab pos="8724900" algn="l"/>
+                <a:tab pos="9306560" algn="l"/>
+              </a:tabLst>
+            </a:pPr>
+            <a:r>
+              <a:rPr lang="en-CA" sz="1000" dirty="0">
+                <a:latin typeface="Courier" pitchFamily="2" charset="0"/>
+                <a:ea typeface="Times New Roman" panose="02020603050405020304" pitchFamily="18" charset="0"/>
+                <a:cs typeface="Times New Roman" panose="02020603050405020304" pitchFamily="18" charset="0"/>
+              </a:rPr>
+              <a:t>    -------------------------------------------------------------------&gt;</a:t>
+            </a:r>
+            <a:endParaRPr lang="en-CA" sz="1000" dirty="0">
+              <a:latin typeface="Courier" pitchFamily="2" charset="0"/>
+              <a:ea typeface="Calibri" panose="020F0502020204030204" pitchFamily="34" charset="0"/>
+              <a:cs typeface="Times New Roman" panose="02020603050405020304" pitchFamily="18" charset="0"/>
+            </a:endParaRPr>
+          </a:p>
+          <a:p>
+            <a:pPr>
+              <a:tabLst>
+                <a:tab pos="581660" algn="l"/>
+                <a:tab pos="1163320" algn="l"/>
+                <a:tab pos="1744980" algn="l"/>
+                <a:tab pos="2326640" algn="l"/>
+                <a:tab pos="2908300" algn="l"/>
+                <a:tab pos="3489960" algn="l"/>
+                <a:tab pos="4071620" algn="l"/>
+                <a:tab pos="4653280" algn="l"/>
+                <a:tab pos="5234940" algn="l"/>
+                <a:tab pos="5816600" algn="l"/>
+                <a:tab pos="6398260" algn="l"/>
+                <a:tab pos="6979920" algn="l"/>
+                <a:tab pos="7561580" algn="l"/>
+                <a:tab pos="8143240" algn="l"/>
+                <a:tab pos="8724900" algn="l"/>
+                <a:tab pos="9306560" algn="l"/>
+              </a:tabLst>
+            </a:pPr>
+            <a:r>
+              <a:rPr lang="en-CA" sz="1000" dirty="0">
+                <a:latin typeface="Courier" pitchFamily="2" charset="0"/>
+                <a:ea typeface="Times New Roman" panose="02020603050405020304" pitchFamily="18" charset="0"/>
+                <a:cs typeface="Times New Roman" panose="02020603050405020304" pitchFamily="18" charset="0"/>
+              </a:rPr>
+              <a:t>     BBBBBBB AAAAAAAAAAA BBBBBBBBBBB AAAAAAAAAAA BBBBBBBBBBB AAAAAAA</a:t>
+            </a:r>
+            <a:endParaRPr lang="en-CA" sz="1000" dirty="0">
+              <a:latin typeface="Courier" pitchFamily="2" charset="0"/>
+              <a:ea typeface="Calibri" panose="020F0502020204030204" pitchFamily="34" charset="0"/>
+              <a:cs typeface="Times New Roman" panose="02020603050405020304" pitchFamily="18" charset="0"/>
+            </a:endParaRPr>
+          </a:p>
+          <a:p>
+            <a:pPr>
+              <a:tabLst>
+                <a:tab pos="581660" algn="l"/>
+                <a:tab pos="1163320" algn="l"/>
+                <a:tab pos="1744980" algn="l"/>
+                <a:tab pos="2326640" algn="l"/>
+                <a:tab pos="2908300" algn="l"/>
+                <a:tab pos="3489960" algn="l"/>
+                <a:tab pos="4071620" algn="l"/>
+                <a:tab pos="4653280" algn="l"/>
+                <a:tab pos="5234940" algn="l"/>
+                <a:tab pos="5816600" algn="l"/>
+                <a:tab pos="6398260" algn="l"/>
+                <a:tab pos="6979920" algn="l"/>
+                <a:tab pos="7561580" algn="l"/>
+                <a:tab pos="8143240" algn="l"/>
+                <a:tab pos="8724900" algn="l"/>
+                <a:tab pos="9306560" algn="l"/>
+              </a:tabLst>
+            </a:pPr>
+            <a:r>
+              <a:rPr lang="en-CA" sz="1000" dirty="0">
+                <a:latin typeface="Courier" pitchFamily="2" charset="0"/>
+                <a:ea typeface="Times New Roman" panose="02020603050405020304" pitchFamily="18" charset="0"/>
+                <a:cs typeface="Times New Roman" panose="02020603050405020304" pitchFamily="18" charset="0"/>
+              </a:rPr>
+              <a:t>    -------------------------------------------------------------------&gt;</a:t>
+            </a:r>
+            <a:endParaRPr lang="en-CA" sz="1000" dirty="0">
+              <a:latin typeface="Courier" pitchFamily="2" charset="0"/>
+              <a:ea typeface="Calibri" panose="020F0502020204030204" pitchFamily="34" charset="0"/>
+              <a:cs typeface="Times New Roman" panose="02020603050405020304" pitchFamily="18" charset="0"/>
+            </a:endParaRPr>
+          </a:p>
+          <a:p>
+            <a:pPr>
+              <a:tabLst>
+                <a:tab pos="581660" algn="l"/>
+                <a:tab pos="1163320" algn="l"/>
+                <a:tab pos="1744980" algn="l"/>
+                <a:tab pos="2326640" algn="l"/>
+                <a:tab pos="2908300" algn="l"/>
+                <a:tab pos="3489960" algn="l"/>
+                <a:tab pos="4071620" algn="l"/>
+                <a:tab pos="4653280" algn="l"/>
+                <a:tab pos="5234940" algn="l"/>
+                <a:tab pos="5816600" algn="l"/>
+                <a:tab pos="6398260" algn="l"/>
+                <a:tab pos="6979920" algn="l"/>
+                <a:tab pos="7561580" algn="l"/>
+                <a:tab pos="8143240" algn="l"/>
+                <a:tab pos="8724900" algn="l"/>
+                <a:tab pos="9306560" algn="l"/>
+              </a:tabLst>
+            </a:pPr>
+            <a:r>
+              <a:rPr lang="en-CA" sz="1000" dirty="0">
+                <a:latin typeface="Courier" pitchFamily="2" charset="0"/>
+                <a:ea typeface="Times New Roman" panose="02020603050405020304" pitchFamily="18" charset="0"/>
+                <a:cs typeface="Times New Roman" panose="02020603050405020304" pitchFamily="18" charset="0"/>
+              </a:rPr>
+              <a:t>       ...  |  Block 5  |  Block 4  |  Block 3  |  Block 2  |  Block 1</a:t>
+            </a:r>
+            <a:endParaRPr lang="en-CA" sz="1000" dirty="0">
+              <a:latin typeface="Courier" pitchFamily="2" charset="0"/>
+              <a:ea typeface="Calibri" panose="020F0502020204030204" pitchFamily="34" charset="0"/>
+              <a:cs typeface="Times New Roman" panose="02020603050405020304" pitchFamily="18" charset="0"/>
+            </a:endParaRPr>
+          </a:p>
+          <a:p>
+            <a:pPr>
+              <a:tabLst>
+                <a:tab pos="581660" algn="l"/>
+                <a:tab pos="1163320" algn="l"/>
+                <a:tab pos="1744980" algn="l"/>
+                <a:tab pos="2326640" algn="l"/>
+                <a:tab pos="2908300" algn="l"/>
+                <a:tab pos="3489960" algn="l"/>
+                <a:tab pos="4071620" algn="l"/>
+                <a:tab pos="4653280" algn="l"/>
+                <a:tab pos="5234940" algn="l"/>
+                <a:tab pos="5816600" algn="l"/>
+                <a:tab pos="6398260" algn="l"/>
+                <a:tab pos="6979920" algn="l"/>
+                <a:tab pos="7561580" algn="l"/>
+                <a:tab pos="8143240" algn="l"/>
+                <a:tab pos="8724900" algn="l"/>
+                <a:tab pos="9306560" algn="l"/>
+              </a:tabLst>
+            </a:pPr>
+            <a:r>
+              <a:rPr lang="en-CA" sz="1000" dirty="0">
+                <a:latin typeface="Courier" pitchFamily="2" charset="0"/>
+                <a:ea typeface="Times New Roman" panose="02020603050405020304" pitchFamily="18" charset="0"/>
+                <a:cs typeface="Times New Roman" panose="02020603050405020304" pitchFamily="18" charset="0"/>
+              </a:rPr>
+              <a:t>            |           |           |           |           |</a:t>
+            </a:r>
+            <a:endParaRPr lang="en-CA" sz="1000" dirty="0">
+              <a:latin typeface="Courier" pitchFamily="2" charset="0"/>
+              <a:ea typeface="Calibri" panose="020F0502020204030204" pitchFamily="34" charset="0"/>
+              <a:cs typeface="Times New Roman" panose="02020603050405020304" pitchFamily="18" charset="0"/>
+            </a:endParaRPr>
+          </a:p>
+          <a:p>
+            <a:pPr>
+              <a:tabLst>
+                <a:tab pos="581660" algn="l"/>
+                <a:tab pos="1163320" algn="l"/>
+                <a:tab pos="1744980" algn="l"/>
+                <a:tab pos="2326640" algn="l"/>
+                <a:tab pos="2908300" algn="l"/>
+                <a:tab pos="3489960" algn="l"/>
+                <a:tab pos="4071620" algn="l"/>
+                <a:tab pos="4653280" algn="l"/>
+                <a:tab pos="5234940" algn="l"/>
+                <a:tab pos="5816600" algn="l"/>
+                <a:tab pos="6398260" algn="l"/>
+                <a:tab pos="6979920" algn="l"/>
+                <a:tab pos="7561580" algn="l"/>
+                <a:tab pos="8143240" algn="l"/>
+                <a:tab pos="8724900" algn="l"/>
+                <a:tab pos="9306560" algn="l"/>
+              </a:tabLst>
+            </a:pPr>
+            <a:r>
+              <a:rPr lang="en-CA" sz="1000" dirty="0">
+                <a:latin typeface="Courier" pitchFamily="2" charset="0"/>
+                <a:ea typeface="Times New Roman" panose="02020603050405020304" pitchFamily="18" charset="0"/>
+                <a:cs typeface="Times New Roman" panose="02020603050405020304" pitchFamily="18" charset="0"/>
+              </a:rPr>
+              <a:t> </a:t>
+            </a:r>
+            <a:endParaRPr lang="en-CA" sz="1000" dirty="0">
+              <a:latin typeface="Courier" pitchFamily="2" charset="0"/>
+              <a:ea typeface="Calibri" panose="020F0502020204030204" pitchFamily="34" charset="0"/>
+              <a:cs typeface="Times New Roman" panose="02020603050405020304" pitchFamily="18" charset="0"/>
+            </a:endParaRPr>
+          </a:p>
+          <a:p>
+            <a:pPr>
+              <a:tabLst>
+                <a:tab pos="581660" algn="l"/>
+                <a:tab pos="1163320" algn="l"/>
+                <a:tab pos="1744980" algn="l"/>
+                <a:tab pos="2326640" algn="l"/>
+                <a:tab pos="2908300" algn="l"/>
+                <a:tab pos="3489960" algn="l"/>
+                <a:tab pos="4071620" algn="l"/>
+                <a:tab pos="4653280" algn="l"/>
+                <a:tab pos="5234940" algn="l"/>
+                <a:tab pos="5816600" algn="l"/>
+                <a:tab pos="6398260" algn="l"/>
+                <a:tab pos="6979920" algn="l"/>
+                <a:tab pos="7561580" algn="l"/>
+                <a:tab pos="8143240" algn="l"/>
+                <a:tab pos="8724900" algn="l"/>
+                <a:tab pos="9306560" algn="l"/>
+              </a:tabLst>
+            </a:pPr>
+            <a:r>
+              <a:rPr lang="en-CA" sz="1000" dirty="0">
+                <a:latin typeface="Courier" pitchFamily="2" charset="0"/>
+                <a:ea typeface="Times New Roman" panose="02020603050405020304" pitchFamily="18" charset="0"/>
+                <a:cs typeface="Times New Roman" panose="02020603050405020304" pitchFamily="18" charset="0"/>
+              </a:rPr>
+              <a:t>                        Figure 2: Traffic Coloring</a:t>
+            </a:r>
+            <a:endParaRPr lang="en-CA" sz="1000" dirty="0">
+              <a:latin typeface="Courier" pitchFamily="2" charset="0"/>
+              <a:ea typeface="Calibri" panose="020F0502020204030204" pitchFamily="34" charset="0"/>
+              <a:cs typeface="Times New Roman" panose="02020603050405020304" pitchFamily="18" charset="0"/>
+            </a:endParaRPr>
+          </a:p>
+          <a:p>
+            <a:r>
+              <a:rPr lang="en-CA" sz="1000" dirty="0">
+                <a:latin typeface="Courier" pitchFamily="2" charset="0"/>
+                <a:ea typeface="Calibri" panose="020F0502020204030204" pitchFamily="34" charset="0"/>
+                <a:cs typeface="Times New Roman" panose="02020603050405020304" pitchFamily="18" charset="0"/>
+              </a:rPr>
+              <a:t> </a:t>
+            </a:r>
+            <a:endParaRPr lang="en-US" sz="1000" dirty="0">
+              <a:latin typeface="Courier" pitchFamily="2" charset="0"/>
+            </a:endParaRPr>
+          </a:p>
+        </p:txBody>
+      </p:sp>
+    </p:spTree>
+    <p:extLst>
+      <p:ext uri="{BB962C8B-B14F-4D97-AF65-F5344CB8AC3E}">
+        <p14:creationId xmlns:p14="http://schemas.microsoft.com/office/powerpoint/2010/main" val="1449485219"/>
+      </p:ext>
+    </p:extLst>
+  </p:cSld>
+  <p:clrMapOvr>
+    <a:masterClrMapping/>
+  </p:clrMapOvr>
+</p:sld>
+</file>
+
+<file path=ppt/slides/slide5.xml><?xml version="1.0" encoding="utf-8"?>
+<p:sld xmlns:a="http://schemas.openxmlformats.org/drawingml/2006/main" xmlns:r="http://schemas.openxmlformats.org/officeDocument/2006/relationships" xmlns:p="http://schemas.openxmlformats.org/presentationml/2006/main">
+  <p:cSld>
+    <p:spTree>
+      <p:nvGrpSpPr>
+        <p:cNvPr id="1" name=""/>
+        <p:cNvGrpSpPr/>
+        <p:nvPr/>
+      </p:nvGrpSpPr>
+      <p:grpSpPr>
+        <a:xfrm>
+          <a:off x="0" y="0"/>
+          <a:ext cx="0" cy="0"/>
+          <a:chOff x="0" y="0"/>
+          <a:chExt cx="0" cy="0"/>
+        </a:xfrm>
+      </p:grpSpPr>
+      <p:sp>
+        <p:nvSpPr>
+          <p:cNvPr id="2" name="Title 1"/>
+          <p:cNvSpPr>
+            <a:spLocks noGrp="1"/>
+          </p:cNvSpPr>
+          <p:nvPr>
+            <p:ph type="title"/>
+          </p:nvPr>
+        </p:nvSpPr>
+        <p:spPr>
+          <a:xfrm>
             <a:off x="139148" y="104378"/>
             <a:ext cx="4432852" cy="845539"/>
           </a:xfrm>
@@ -11178,7 +12236,7 @@
               <a:pPr>
                 <a:defRPr/>
               </a:pPr>
-              <a:t>4</a:t>
+              <a:t>5</a:t>
             </a:fld>
             <a:endParaRPr lang="en-US" altLang="zh-CN" dirty="0"/>
           </a:p>
@@ -13590,7 +14648,7 @@
 </p:sld>
 </file>
 
-<file path=ppt/slides/slide5.xml><?xml version="1.0" encoding="utf-8"?>
+<file path=ppt/slides/slide6.xml><?xml version="1.0" encoding="utf-8"?>
 <p:sld xmlns:a="http://schemas.openxmlformats.org/drawingml/2006/main" xmlns:r="http://schemas.openxmlformats.org/officeDocument/2006/relationships" xmlns:p="http://schemas.openxmlformats.org/presentationml/2006/main">
   <p:cSld>
     <p:spTree>
@@ -14418,7 +15476,7 @@
               <a:pPr>
                 <a:defRPr/>
               </a:pPr>
-              <a:t>5</a:t>
+              <a:t>6</a:t>
             </a:fld>
             <a:endParaRPr lang="en-US" altLang="zh-CN"/>
           </a:p>
@@ -14437,7 +15495,7 @@
 </p:sld>
 </file>
 
-<file path=ppt/slides/slide6.xml><?xml version="1.0" encoding="utf-8"?>
+<file path=ppt/slides/slide7.xml><?xml version="1.0" encoding="utf-8"?>
 <p:sld xmlns:a="http://schemas.openxmlformats.org/drawingml/2006/main" xmlns:r="http://schemas.openxmlformats.org/officeDocument/2006/relationships" xmlns:p="http://schemas.openxmlformats.org/presentationml/2006/main">
   <p:cSld>
     <p:spTree>
@@ -14696,7 +15754,7 @@
               <a:pPr>
                 <a:defRPr/>
               </a:pPr>
-              <a:t>6</a:t>
+              <a:t>7</a:t>
             </a:fld>
             <a:endParaRPr lang="en-US" altLang="zh-CN"/>
           </a:p>
@@ -14887,7 +15945,7 @@
 </p:sld>
 </file>
 
-<file path=ppt/slides/slide7.xml><?xml version="1.0" encoding="utf-8"?>
+<file path=ppt/slides/slide8.xml><?xml version="1.0" encoding="utf-8"?>
 <p:sld xmlns:a="http://schemas.openxmlformats.org/drawingml/2006/main" xmlns:r="http://schemas.openxmlformats.org/officeDocument/2006/relationships" xmlns:p="http://schemas.openxmlformats.org/presentationml/2006/main">
   <p:cSld>
     <p:spTree>
@@ -15046,7 +16104,7 @@
               <a:pPr>
                 <a:defRPr/>
               </a:pPr>
-              <a:t>7</a:t>
+              <a:t>8</a:t>
             </a:fld>
             <a:endParaRPr lang="en-US" altLang="zh-CN" dirty="0"/>
           </a:p>
@@ -15065,7 +16123,7 @@
 </p:sld>
 </file>
 
-<file path=ppt/slides/slide8.xml><?xml version="1.0" encoding="utf-8"?>
+<file path=ppt/slides/slide9.xml><?xml version="1.0" encoding="utf-8"?>
 <p:sld xmlns:a="http://schemas.openxmlformats.org/drawingml/2006/main" xmlns:r="http://schemas.openxmlformats.org/officeDocument/2006/relationships" xmlns:p="http://schemas.openxmlformats.org/presentationml/2006/main">
   <p:cSld>
     <p:spTree>
@@ -15329,7 +16387,7 @@
               <a:pPr>
                 <a:defRPr/>
               </a:pPr>
-              <a:t>8</a:t>
+              <a:t>9</a:t>
             </a:fld>
             <a:endParaRPr lang="en-US" altLang="zh-CN" dirty="0"/>
           </a:p>
@@ -15339,690 +16397,6 @@
     <p:extLst>
       <p:ext uri="{BB962C8B-B14F-4D97-AF65-F5344CB8AC3E}">
         <p14:creationId xmlns:p14="http://schemas.microsoft.com/office/powerpoint/2010/main" val="1091639292"/>
-      </p:ext>
-    </p:extLst>
-  </p:cSld>
-  <p:clrMapOvr>
-    <a:masterClrMapping/>
-  </p:clrMapOvr>
-</p:sld>
-</file>
-
-<file path=ppt/slides/slide9.xml><?xml version="1.0" encoding="utf-8"?>
-<p:sld xmlns:a="http://schemas.openxmlformats.org/drawingml/2006/main" xmlns:r="http://schemas.openxmlformats.org/officeDocument/2006/relationships" xmlns:p="http://schemas.openxmlformats.org/presentationml/2006/main">
-  <p:cSld>
-    <p:spTree>
-      <p:nvGrpSpPr>
-        <p:cNvPr id="1" name=""/>
-        <p:cNvGrpSpPr/>
-        <p:nvPr/>
-      </p:nvGrpSpPr>
-      <p:grpSpPr>
-        <a:xfrm>
-          <a:off x="0" y="0"/>
-          <a:ext cx="0" cy="0"/>
-          <a:chOff x="0" y="0"/>
-          <a:chExt cx="0" cy="0"/>
-        </a:xfrm>
-      </p:grpSpPr>
-      <p:sp>
-        <p:nvSpPr>
-          <p:cNvPr id="2" name="Title 1"/>
-          <p:cNvSpPr>
-            <a:spLocks noGrp="1"/>
-          </p:cNvSpPr>
-          <p:nvPr>
-            <p:ph type="title"/>
-          </p:nvPr>
-        </p:nvSpPr>
-        <p:spPr>
-          <a:xfrm>
-            <a:off x="457200" y="0"/>
-            <a:ext cx="8229600" cy="857250"/>
-          </a:xfrm>
-        </p:spPr>
-        <p:txBody>
-          <a:bodyPr/>
-          <a:lstStyle/>
-          <a:p>
-            <a:r>
-              <a:rPr lang="en-US" sz="3200" dirty="0">
-                <a:solidFill>
-                  <a:srgbClr val="0070C0"/>
-                </a:solidFill>
-                <a:latin typeface="Calibri Light" panose="020F0302020204030204" pitchFamily="34" charset="0"/>
-                <a:cs typeface="Calibri Light" panose="020F0302020204030204" pitchFamily="34" charset="0"/>
-              </a:rPr>
-              <a:t>Alternate Marking Method for Packet Loss</a:t>
-            </a:r>
-          </a:p>
-        </p:txBody>
-      </p:sp>
-      <p:sp>
-        <p:nvSpPr>
-          <p:cNvPr id="3" name="Content Placeholder 2"/>
-          <p:cNvSpPr>
-            <a:spLocks noGrp="1"/>
-          </p:cNvSpPr>
-          <p:nvPr>
-            <p:ph idx="1"/>
-          </p:nvPr>
-        </p:nvSpPr>
-        <p:spPr>
-          <a:xfrm>
-            <a:off x="571500" y="857250"/>
-            <a:ext cx="8001000" cy="914400"/>
-          </a:xfrm>
-        </p:spPr>
-        <p:txBody>
-          <a:bodyPr/>
-          <a:lstStyle/>
-          <a:p>
-            <a:r>
-              <a:rPr lang="en-US" sz="1400" dirty="0">
-                <a:latin typeface="Calibri" charset="0"/>
-                <a:ea typeface="Calibri" charset="0"/>
-                <a:cs typeface="Calibri" charset="0"/>
-              </a:rPr>
-              <a:t>RFC 8321 - </a:t>
-            </a:r>
-            <a:r>
-              <a:rPr lang="en-CA" sz="1400" dirty="0"/>
-              <a:t>Alternate-Marking Method for Passive and Hybrid Performance Monitoring</a:t>
-            </a:r>
-          </a:p>
-          <a:p>
-            <a:r>
-              <a:rPr lang="en-CA" sz="1400" dirty="0"/>
-              <a:t>RFC 8957 - Synonymous Flow Label Framework</a:t>
-            </a:r>
-          </a:p>
-          <a:p>
-            <a:endParaRPr lang="en-CA" sz="1400" dirty="0"/>
-          </a:p>
-          <a:p>
-            <a:pPr marL="0" lvl="0" indent="0">
-              <a:buNone/>
-            </a:pPr>
-            <a:endParaRPr lang="en-US" sz="1400" dirty="0">
-              <a:latin typeface="Calibri" charset="0"/>
-              <a:ea typeface="Calibri" charset="0"/>
-              <a:cs typeface="Calibri" charset="0"/>
-            </a:endParaRPr>
-          </a:p>
-          <a:p>
-            <a:pPr lvl="0"/>
-            <a:endParaRPr lang="en-US" sz="1400" dirty="0">
-              <a:latin typeface="Calibri" charset="0"/>
-              <a:ea typeface="Calibri" charset="0"/>
-              <a:cs typeface="Calibri" charset="0"/>
-            </a:endParaRPr>
-          </a:p>
-          <a:p>
-            <a:pPr lvl="0"/>
-            <a:endParaRPr lang="en-US" sz="1400" dirty="0">
-              <a:latin typeface="Calibri" charset="0"/>
-              <a:ea typeface="Calibri" charset="0"/>
-              <a:cs typeface="Calibri" charset="0"/>
-            </a:endParaRPr>
-          </a:p>
-          <a:p>
-            <a:pPr lvl="0"/>
-            <a:endParaRPr lang="en-US" sz="1400" dirty="0">
-              <a:latin typeface="Calibri" charset="0"/>
-              <a:ea typeface="Calibri" charset="0"/>
-              <a:cs typeface="Calibri" charset="0"/>
-            </a:endParaRPr>
-          </a:p>
-          <a:p>
-            <a:endParaRPr lang="en-US" sz="1400" dirty="0">
-              <a:latin typeface="Calibri" charset="0"/>
-              <a:ea typeface="Calibri" charset="0"/>
-              <a:cs typeface="Calibri" charset="0"/>
-            </a:endParaRPr>
-          </a:p>
-        </p:txBody>
-      </p:sp>
-      <p:sp>
-        <p:nvSpPr>
-          <p:cNvPr id="4" name="Footer Placeholder 3"/>
-          <p:cNvSpPr>
-            <a:spLocks noGrp="1"/>
-          </p:cNvSpPr>
-          <p:nvPr>
-            <p:ph type="ftr" sz="quarter" idx="11"/>
-          </p:nvPr>
-        </p:nvSpPr>
-        <p:spPr>
-          <a:xfrm>
-            <a:off x="3048000" y="4786312"/>
-            <a:ext cx="2895600" cy="357188"/>
-          </a:xfrm>
-        </p:spPr>
-        <p:txBody>
-          <a:bodyPr/>
-          <a:lstStyle/>
-          <a:p>
-            <a:r>
-              <a:rPr lang="en-CA" dirty="0"/>
-              <a:t>110</a:t>
-            </a:r>
-            <a:r>
-              <a:rPr lang="en-CA" baseline="30000" dirty="0"/>
-              <a:t>th</a:t>
-            </a:r>
-            <a:r>
-              <a:rPr lang="en-CA" dirty="0"/>
-              <a:t> IETF Online</a:t>
-            </a:r>
-          </a:p>
-        </p:txBody>
-      </p:sp>
-      <p:sp>
-        <p:nvSpPr>
-          <p:cNvPr id="5" name="Slide Number Placeholder 4"/>
-          <p:cNvSpPr>
-            <a:spLocks noGrp="1"/>
-          </p:cNvSpPr>
-          <p:nvPr>
-            <p:ph type="sldNum" sz="quarter" idx="12"/>
-          </p:nvPr>
-        </p:nvSpPr>
-        <p:spPr/>
-        <p:txBody>
-          <a:bodyPr/>
-          <a:lstStyle/>
-          <a:p>
-            <a:pPr>
-              <a:defRPr/>
-            </a:pPr>
-            <a:fld id="{BD6E0F59-1DD8-40FC-9C92-B6295CBA6CCA}" type="slidenum">
-              <a:rPr lang="en-US" altLang="zh-CN" smtClean="0"/>
-              <a:pPr>
-                <a:defRPr/>
-              </a:pPr>
-              <a:t>9</a:t>
-            </a:fld>
-            <a:endParaRPr lang="en-US" altLang="zh-CN" dirty="0"/>
-          </a:p>
-        </p:txBody>
-      </p:sp>
-      <p:sp>
-        <p:nvSpPr>
-          <p:cNvPr id="6" name="Rectangle 5">
-            <a:extLst>
-              <a:ext uri="{FF2B5EF4-FFF2-40B4-BE49-F238E27FC236}">
-                <a16:creationId xmlns:a16="http://schemas.microsoft.com/office/drawing/2014/main" id="{D930FC9E-C00E-754D-BBDD-1B3199E94060}"/>
-              </a:ext>
-            </a:extLst>
-          </p:cNvPr>
-          <p:cNvSpPr/>
-          <p:nvPr/>
-        </p:nvSpPr>
-        <p:spPr>
-          <a:xfrm>
-            <a:off x="1447800" y="1962150"/>
-            <a:ext cx="5829300" cy="2092881"/>
-          </a:xfrm>
-          <a:prstGeom prst="rect">
-            <a:avLst/>
-          </a:prstGeom>
-          <a:solidFill>
-            <a:schemeClr val="accent6">
-              <a:lumMod val="20000"/>
-              <a:lumOff val="80000"/>
-            </a:schemeClr>
-          </a:solidFill>
-          <a:ln>
-            <a:solidFill>
-              <a:schemeClr val="accent1"/>
-            </a:solidFill>
-          </a:ln>
-        </p:spPr>
-        <p:txBody>
-          <a:bodyPr wrap="square">
-            <a:spAutoFit/>
-          </a:bodyPr>
-          <a:lstStyle/>
-          <a:p>
-            <a:pPr>
-              <a:tabLst>
-                <a:tab pos="581660" algn="l"/>
-                <a:tab pos="1163320" algn="l"/>
-                <a:tab pos="1744980" algn="l"/>
-                <a:tab pos="2326640" algn="l"/>
-                <a:tab pos="2908300" algn="l"/>
-                <a:tab pos="3489960" algn="l"/>
-                <a:tab pos="4071620" algn="l"/>
-                <a:tab pos="4653280" algn="l"/>
-                <a:tab pos="5234940" algn="l"/>
-                <a:tab pos="5816600" algn="l"/>
-                <a:tab pos="6398260" algn="l"/>
-                <a:tab pos="6979920" algn="l"/>
-                <a:tab pos="7561580" algn="l"/>
-                <a:tab pos="8143240" algn="l"/>
-                <a:tab pos="8724900" algn="l"/>
-                <a:tab pos="9306560" algn="l"/>
-              </a:tabLst>
-            </a:pPr>
-            <a:r>
-              <a:rPr lang="en-CA" sz="1000" dirty="0">
-                <a:latin typeface="Courier" pitchFamily="2" charset="0"/>
-                <a:ea typeface="Times New Roman" panose="02020603050405020304" pitchFamily="18" charset="0"/>
-                <a:cs typeface="Times New Roman" panose="02020603050405020304" pitchFamily="18" charset="0"/>
-              </a:rPr>
-              <a:t>   A: packet with A coloring</a:t>
-            </a:r>
-            <a:endParaRPr lang="en-CA" sz="1000" dirty="0">
-              <a:latin typeface="Courier" pitchFamily="2" charset="0"/>
-              <a:ea typeface="Calibri" panose="020F0502020204030204" pitchFamily="34" charset="0"/>
-              <a:cs typeface="Times New Roman" panose="02020603050405020304" pitchFamily="18" charset="0"/>
-            </a:endParaRPr>
-          </a:p>
-          <a:p>
-            <a:pPr>
-              <a:tabLst>
-                <a:tab pos="581660" algn="l"/>
-                <a:tab pos="1163320" algn="l"/>
-                <a:tab pos="1744980" algn="l"/>
-                <a:tab pos="2326640" algn="l"/>
-                <a:tab pos="2908300" algn="l"/>
-                <a:tab pos="3489960" algn="l"/>
-                <a:tab pos="4071620" algn="l"/>
-                <a:tab pos="4653280" algn="l"/>
-                <a:tab pos="5234940" algn="l"/>
-                <a:tab pos="5816600" algn="l"/>
-                <a:tab pos="6398260" algn="l"/>
-                <a:tab pos="6979920" algn="l"/>
-                <a:tab pos="7561580" algn="l"/>
-                <a:tab pos="8143240" algn="l"/>
-                <a:tab pos="8724900" algn="l"/>
-                <a:tab pos="9306560" algn="l"/>
-              </a:tabLst>
-            </a:pPr>
-            <a:r>
-              <a:rPr lang="en-CA" sz="1000" dirty="0">
-                <a:latin typeface="Courier" pitchFamily="2" charset="0"/>
-                <a:ea typeface="Times New Roman" panose="02020603050405020304" pitchFamily="18" charset="0"/>
-                <a:cs typeface="Times New Roman" panose="02020603050405020304" pitchFamily="18" charset="0"/>
-              </a:rPr>
-              <a:t>   B: packet with B coloring</a:t>
-            </a:r>
-            <a:endParaRPr lang="en-CA" sz="1000" dirty="0">
-              <a:latin typeface="Courier" pitchFamily="2" charset="0"/>
-              <a:ea typeface="Calibri" panose="020F0502020204030204" pitchFamily="34" charset="0"/>
-              <a:cs typeface="Times New Roman" panose="02020603050405020304" pitchFamily="18" charset="0"/>
-            </a:endParaRPr>
-          </a:p>
-          <a:p>
-            <a:pPr>
-              <a:tabLst>
-                <a:tab pos="581660" algn="l"/>
-                <a:tab pos="1163320" algn="l"/>
-                <a:tab pos="1744980" algn="l"/>
-                <a:tab pos="2326640" algn="l"/>
-                <a:tab pos="2908300" algn="l"/>
-                <a:tab pos="3489960" algn="l"/>
-                <a:tab pos="4071620" algn="l"/>
-                <a:tab pos="4653280" algn="l"/>
-                <a:tab pos="5234940" algn="l"/>
-                <a:tab pos="5816600" algn="l"/>
-                <a:tab pos="6398260" algn="l"/>
-                <a:tab pos="6979920" algn="l"/>
-                <a:tab pos="7561580" algn="l"/>
-                <a:tab pos="8143240" algn="l"/>
-                <a:tab pos="8724900" algn="l"/>
-                <a:tab pos="9306560" algn="l"/>
-              </a:tabLst>
-            </a:pPr>
-            <a:r>
-              <a:rPr lang="en-CA" sz="1000" dirty="0">
-                <a:latin typeface="Courier" pitchFamily="2" charset="0"/>
-                <a:ea typeface="Times New Roman" panose="02020603050405020304" pitchFamily="18" charset="0"/>
-                <a:cs typeface="Times New Roman" panose="02020603050405020304" pitchFamily="18" charset="0"/>
-              </a:rPr>
-              <a:t> </a:t>
-            </a:r>
-            <a:endParaRPr lang="en-CA" sz="1000" dirty="0">
-              <a:latin typeface="Courier" pitchFamily="2" charset="0"/>
-              <a:ea typeface="Calibri" panose="020F0502020204030204" pitchFamily="34" charset="0"/>
-              <a:cs typeface="Times New Roman" panose="02020603050405020304" pitchFamily="18" charset="0"/>
-            </a:endParaRPr>
-          </a:p>
-          <a:p>
-            <a:pPr>
-              <a:tabLst>
-                <a:tab pos="581660" algn="l"/>
-                <a:tab pos="1163320" algn="l"/>
-                <a:tab pos="1744980" algn="l"/>
-                <a:tab pos="2326640" algn="l"/>
-                <a:tab pos="2908300" algn="l"/>
-                <a:tab pos="3489960" algn="l"/>
-                <a:tab pos="4071620" algn="l"/>
-                <a:tab pos="4653280" algn="l"/>
-                <a:tab pos="5234940" algn="l"/>
-                <a:tab pos="5816600" algn="l"/>
-                <a:tab pos="6398260" algn="l"/>
-                <a:tab pos="6979920" algn="l"/>
-                <a:tab pos="7561580" algn="l"/>
-                <a:tab pos="8143240" algn="l"/>
-                <a:tab pos="8724900" algn="l"/>
-                <a:tab pos="9306560" algn="l"/>
-              </a:tabLst>
-            </a:pPr>
-            <a:r>
-              <a:rPr lang="en-CA" sz="1000" dirty="0">
-                <a:latin typeface="Courier" pitchFamily="2" charset="0"/>
-                <a:ea typeface="Times New Roman" panose="02020603050405020304" pitchFamily="18" charset="0"/>
-                <a:cs typeface="Times New Roman" panose="02020603050405020304" pitchFamily="18" charset="0"/>
-              </a:rPr>
-              <a:t>            |           |           |           |           |</a:t>
-            </a:r>
-            <a:endParaRPr lang="en-CA" sz="1000" dirty="0">
-              <a:latin typeface="Courier" pitchFamily="2" charset="0"/>
-              <a:ea typeface="Calibri" panose="020F0502020204030204" pitchFamily="34" charset="0"/>
-              <a:cs typeface="Times New Roman" panose="02020603050405020304" pitchFamily="18" charset="0"/>
-            </a:endParaRPr>
-          </a:p>
-          <a:p>
-            <a:pPr>
-              <a:tabLst>
-                <a:tab pos="581660" algn="l"/>
-                <a:tab pos="1163320" algn="l"/>
-                <a:tab pos="1744980" algn="l"/>
-                <a:tab pos="2326640" algn="l"/>
-                <a:tab pos="2908300" algn="l"/>
-                <a:tab pos="3489960" algn="l"/>
-                <a:tab pos="4071620" algn="l"/>
-                <a:tab pos="4653280" algn="l"/>
-                <a:tab pos="5234940" algn="l"/>
-                <a:tab pos="5816600" algn="l"/>
-                <a:tab pos="6398260" algn="l"/>
-                <a:tab pos="6979920" algn="l"/>
-                <a:tab pos="7561580" algn="l"/>
-                <a:tab pos="8143240" algn="l"/>
-                <a:tab pos="8724900" algn="l"/>
-                <a:tab pos="9306560" algn="l"/>
-              </a:tabLst>
-            </a:pPr>
-            <a:r>
-              <a:rPr lang="en-CA" sz="1000" dirty="0">
-                <a:latin typeface="Courier" pitchFamily="2" charset="0"/>
-                <a:ea typeface="Times New Roman" panose="02020603050405020304" pitchFamily="18" charset="0"/>
-                <a:cs typeface="Times New Roman" panose="02020603050405020304" pitchFamily="18" charset="0"/>
-              </a:rPr>
-              <a:t>            |           |    Traffic Flow       |           |</a:t>
-            </a:r>
-            <a:endParaRPr lang="en-CA" sz="1000" dirty="0">
-              <a:latin typeface="Courier" pitchFamily="2" charset="0"/>
-              <a:ea typeface="Calibri" panose="020F0502020204030204" pitchFamily="34" charset="0"/>
-              <a:cs typeface="Times New Roman" panose="02020603050405020304" pitchFamily="18" charset="0"/>
-            </a:endParaRPr>
-          </a:p>
-          <a:p>
-            <a:pPr>
-              <a:tabLst>
-                <a:tab pos="581660" algn="l"/>
-                <a:tab pos="1163320" algn="l"/>
-                <a:tab pos="1744980" algn="l"/>
-                <a:tab pos="2326640" algn="l"/>
-                <a:tab pos="2908300" algn="l"/>
-                <a:tab pos="3489960" algn="l"/>
-                <a:tab pos="4071620" algn="l"/>
-                <a:tab pos="4653280" algn="l"/>
-                <a:tab pos="5234940" algn="l"/>
-                <a:tab pos="5816600" algn="l"/>
-                <a:tab pos="6398260" algn="l"/>
-                <a:tab pos="6979920" algn="l"/>
-                <a:tab pos="7561580" algn="l"/>
-                <a:tab pos="8143240" algn="l"/>
-                <a:tab pos="8724900" algn="l"/>
-                <a:tab pos="9306560" algn="l"/>
-              </a:tabLst>
-            </a:pPr>
-            <a:r>
-              <a:rPr lang="en-CA" sz="1000" dirty="0">
-                <a:latin typeface="Courier" pitchFamily="2" charset="0"/>
-                <a:ea typeface="Times New Roman" panose="02020603050405020304" pitchFamily="18" charset="0"/>
-                <a:cs typeface="Times New Roman" panose="02020603050405020304" pitchFamily="18" charset="0"/>
-              </a:rPr>
-              <a:t>    -------------------------------------------------------------------&gt;</a:t>
-            </a:r>
-            <a:endParaRPr lang="en-CA" sz="1000" dirty="0">
-              <a:latin typeface="Courier" pitchFamily="2" charset="0"/>
-              <a:ea typeface="Calibri" panose="020F0502020204030204" pitchFamily="34" charset="0"/>
-              <a:cs typeface="Times New Roman" panose="02020603050405020304" pitchFamily="18" charset="0"/>
-            </a:endParaRPr>
-          </a:p>
-          <a:p>
-            <a:pPr>
-              <a:tabLst>
-                <a:tab pos="581660" algn="l"/>
-                <a:tab pos="1163320" algn="l"/>
-                <a:tab pos="1744980" algn="l"/>
-                <a:tab pos="2326640" algn="l"/>
-                <a:tab pos="2908300" algn="l"/>
-                <a:tab pos="3489960" algn="l"/>
-                <a:tab pos="4071620" algn="l"/>
-                <a:tab pos="4653280" algn="l"/>
-                <a:tab pos="5234940" algn="l"/>
-                <a:tab pos="5816600" algn="l"/>
-                <a:tab pos="6398260" algn="l"/>
-                <a:tab pos="6979920" algn="l"/>
-                <a:tab pos="7561580" algn="l"/>
-                <a:tab pos="8143240" algn="l"/>
-                <a:tab pos="8724900" algn="l"/>
-                <a:tab pos="9306560" algn="l"/>
-              </a:tabLst>
-            </a:pPr>
-            <a:r>
-              <a:rPr lang="en-CA" sz="1000" dirty="0">
-                <a:latin typeface="Courier" pitchFamily="2" charset="0"/>
-                <a:ea typeface="Times New Roman" panose="02020603050405020304" pitchFamily="18" charset="0"/>
-                <a:cs typeface="Times New Roman" panose="02020603050405020304" pitchFamily="18" charset="0"/>
-              </a:rPr>
-              <a:t>     BBBBBBB AAAAAAAAAAA BBBBBBBBBBB AAAAAAAAAAA BBBBBBBBBBB AAAAAAA</a:t>
-            </a:r>
-            <a:endParaRPr lang="en-CA" sz="1000" dirty="0">
-              <a:latin typeface="Courier" pitchFamily="2" charset="0"/>
-              <a:ea typeface="Calibri" panose="020F0502020204030204" pitchFamily="34" charset="0"/>
-              <a:cs typeface="Times New Roman" panose="02020603050405020304" pitchFamily="18" charset="0"/>
-            </a:endParaRPr>
-          </a:p>
-          <a:p>
-            <a:pPr>
-              <a:tabLst>
-                <a:tab pos="581660" algn="l"/>
-                <a:tab pos="1163320" algn="l"/>
-                <a:tab pos="1744980" algn="l"/>
-                <a:tab pos="2326640" algn="l"/>
-                <a:tab pos="2908300" algn="l"/>
-                <a:tab pos="3489960" algn="l"/>
-                <a:tab pos="4071620" algn="l"/>
-                <a:tab pos="4653280" algn="l"/>
-                <a:tab pos="5234940" algn="l"/>
-                <a:tab pos="5816600" algn="l"/>
-                <a:tab pos="6398260" algn="l"/>
-                <a:tab pos="6979920" algn="l"/>
-                <a:tab pos="7561580" algn="l"/>
-                <a:tab pos="8143240" algn="l"/>
-                <a:tab pos="8724900" algn="l"/>
-                <a:tab pos="9306560" algn="l"/>
-              </a:tabLst>
-            </a:pPr>
-            <a:r>
-              <a:rPr lang="en-CA" sz="1000" dirty="0">
-                <a:latin typeface="Courier" pitchFamily="2" charset="0"/>
-                <a:ea typeface="Times New Roman" panose="02020603050405020304" pitchFamily="18" charset="0"/>
-                <a:cs typeface="Times New Roman" panose="02020603050405020304" pitchFamily="18" charset="0"/>
-              </a:rPr>
-              <a:t>    -------------------------------------------------------------------&gt;</a:t>
-            </a:r>
-            <a:endParaRPr lang="en-CA" sz="1000" dirty="0">
-              <a:latin typeface="Courier" pitchFamily="2" charset="0"/>
-              <a:ea typeface="Calibri" panose="020F0502020204030204" pitchFamily="34" charset="0"/>
-              <a:cs typeface="Times New Roman" panose="02020603050405020304" pitchFamily="18" charset="0"/>
-            </a:endParaRPr>
-          </a:p>
-          <a:p>
-            <a:pPr>
-              <a:tabLst>
-                <a:tab pos="581660" algn="l"/>
-                <a:tab pos="1163320" algn="l"/>
-                <a:tab pos="1744980" algn="l"/>
-                <a:tab pos="2326640" algn="l"/>
-                <a:tab pos="2908300" algn="l"/>
-                <a:tab pos="3489960" algn="l"/>
-                <a:tab pos="4071620" algn="l"/>
-                <a:tab pos="4653280" algn="l"/>
-                <a:tab pos="5234940" algn="l"/>
-                <a:tab pos="5816600" algn="l"/>
-                <a:tab pos="6398260" algn="l"/>
-                <a:tab pos="6979920" algn="l"/>
-                <a:tab pos="7561580" algn="l"/>
-                <a:tab pos="8143240" algn="l"/>
-                <a:tab pos="8724900" algn="l"/>
-                <a:tab pos="9306560" algn="l"/>
-              </a:tabLst>
-            </a:pPr>
-            <a:r>
-              <a:rPr lang="en-CA" sz="1000" dirty="0">
-                <a:latin typeface="Courier" pitchFamily="2" charset="0"/>
-                <a:ea typeface="Times New Roman" panose="02020603050405020304" pitchFamily="18" charset="0"/>
-                <a:cs typeface="Times New Roman" panose="02020603050405020304" pitchFamily="18" charset="0"/>
-              </a:rPr>
-              <a:t>       ...  |  Block 5  |  Block 4  |  Block 3  |  Block 2  |  Block 1</a:t>
-            </a:r>
-            <a:endParaRPr lang="en-CA" sz="1000" dirty="0">
-              <a:latin typeface="Courier" pitchFamily="2" charset="0"/>
-              <a:ea typeface="Calibri" panose="020F0502020204030204" pitchFamily="34" charset="0"/>
-              <a:cs typeface="Times New Roman" panose="02020603050405020304" pitchFamily="18" charset="0"/>
-            </a:endParaRPr>
-          </a:p>
-          <a:p>
-            <a:pPr>
-              <a:tabLst>
-                <a:tab pos="581660" algn="l"/>
-                <a:tab pos="1163320" algn="l"/>
-                <a:tab pos="1744980" algn="l"/>
-                <a:tab pos="2326640" algn="l"/>
-                <a:tab pos="2908300" algn="l"/>
-                <a:tab pos="3489960" algn="l"/>
-                <a:tab pos="4071620" algn="l"/>
-                <a:tab pos="4653280" algn="l"/>
-                <a:tab pos="5234940" algn="l"/>
-                <a:tab pos="5816600" algn="l"/>
-                <a:tab pos="6398260" algn="l"/>
-                <a:tab pos="6979920" algn="l"/>
-                <a:tab pos="7561580" algn="l"/>
-                <a:tab pos="8143240" algn="l"/>
-                <a:tab pos="8724900" algn="l"/>
-                <a:tab pos="9306560" algn="l"/>
-              </a:tabLst>
-            </a:pPr>
-            <a:r>
-              <a:rPr lang="en-CA" sz="1000" dirty="0">
-                <a:latin typeface="Courier" pitchFamily="2" charset="0"/>
-                <a:ea typeface="Times New Roman" panose="02020603050405020304" pitchFamily="18" charset="0"/>
-                <a:cs typeface="Times New Roman" panose="02020603050405020304" pitchFamily="18" charset="0"/>
-              </a:rPr>
-              <a:t>            |           |           |           |           |</a:t>
-            </a:r>
-            <a:endParaRPr lang="en-CA" sz="1000" dirty="0">
-              <a:latin typeface="Courier" pitchFamily="2" charset="0"/>
-              <a:ea typeface="Calibri" panose="020F0502020204030204" pitchFamily="34" charset="0"/>
-              <a:cs typeface="Times New Roman" panose="02020603050405020304" pitchFamily="18" charset="0"/>
-            </a:endParaRPr>
-          </a:p>
-          <a:p>
-            <a:pPr>
-              <a:tabLst>
-                <a:tab pos="581660" algn="l"/>
-                <a:tab pos="1163320" algn="l"/>
-                <a:tab pos="1744980" algn="l"/>
-                <a:tab pos="2326640" algn="l"/>
-                <a:tab pos="2908300" algn="l"/>
-                <a:tab pos="3489960" algn="l"/>
-                <a:tab pos="4071620" algn="l"/>
-                <a:tab pos="4653280" algn="l"/>
-                <a:tab pos="5234940" algn="l"/>
-                <a:tab pos="5816600" algn="l"/>
-                <a:tab pos="6398260" algn="l"/>
-                <a:tab pos="6979920" algn="l"/>
-                <a:tab pos="7561580" algn="l"/>
-                <a:tab pos="8143240" algn="l"/>
-                <a:tab pos="8724900" algn="l"/>
-                <a:tab pos="9306560" algn="l"/>
-              </a:tabLst>
-            </a:pPr>
-            <a:r>
-              <a:rPr lang="en-CA" sz="1000" dirty="0">
-                <a:latin typeface="Courier" pitchFamily="2" charset="0"/>
-                <a:ea typeface="Times New Roman" panose="02020603050405020304" pitchFamily="18" charset="0"/>
-                <a:cs typeface="Times New Roman" panose="02020603050405020304" pitchFamily="18" charset="0"/>
-              </a:rPr>
-              <a:t> </a:t>
-            </a:r>
-            <a:endParaRPr lang="en-CA" sz="1000" dirty="0">
-              <a:latin typeface="Courier" pitchFamily="2" charset="0"/>
-              <a:ea typeface="Calibri" panose="020F0502020204030204" pitchFamily="34" charset="0"/>
-              <a:cs typeface="Times New Roman" panose="02020603050405020304" pitchFamily="18" charset="0"/>
-            </a:endParaRPr>
-          </a:p>
-          <a:p>
-            <a:pPr>
-              <a:tabLst>
-                <a:tab pos="581660" algn="l"/>
-                <a:tab pos="1163320" algn="l"/>
-                <a:tab pos="1744980" algn="l"/>
-                <a:tab pos="2326640" algn="l"/>
-                <a:tab pos="2908300" algn="l"/>
-                <a:tab pos="3489960" algn="l"/>
-                <a:tab pos="4071620" algn="l"/>
-                <a:tab pos="4653280" algn="l"/>
-                <a:tab pos="5234940" algn="l"/>
-                <a:tab pos="5816600" algn="l"/>
-                <a:tab pos="6398260" algn="l"/>
-                <a:tab pos="6979920" algn="l"/>
-                <a:tab pos="7561580" algn="l"/>
-                <a:tab pos="8143240" algn="l"/>
-                <a:tab pos="8724900" algn="l"/>
-                <a:tab pos="9306560" algn="l"/>
-              </a:tabLst>
-            </a:pPr>
-            <a:r>
-              <a:rPr lang="en-CA" sz="1000" dirty="0">
-                <a:latin typeface="Courier" pitchFamily="2" charset="0"/>
-                <a:ea typeface="Times New Roman" panose="02020603050405020304" pitchFamily="18" charset="0"/>
-                <a:cs typeface="Times New Roman" panose="02020603050405020304" pitchFamily="18" charset="0"/>
-              </a:rPr>
-              <a:t>                        Figure 2: Traffic Coloring</a:t>
-            </a:r>
-            <a:endParaRPr lang="en-CA" sz="1000" dirty="0">
-              <a:latin typeface="Courier" pitchFamily="2" charset="0"/>
-              <a:ea typeface="Calibri" panose="020F0502020204030204" pitchFamily="34" charset="0"/>
-              <a:cs typeface="Times New Roman" panose="02020603050405020304" pitchFamily="18" charset="0"/>
-            </a:endParaRPr>
-          </a:p>
-          <a:p>
-            <a:r>
-              <a:rPr lang="en-CA" sz="1000" dirty="0">
-                <a:latin typeface="Courier" pitchFamily="2" charset="0"/>
-                <a:ea typeface="Calibri" panose="020F0502020204030204" pitchFamily="34" charset="0"/>
-                <a:cs typeface="Times New Roman" panose="02020603050405020304" pitchFamily="18" charset="0"/>
-              </a:rPr>
-              <a:t> </a:t>
-            </a:r>
-            <a:endParaRPr lang="en-US" sz="1000" dirty="0">
-              <a:latin typeface="Courier" pitchFamily="2" charset="0"/>
-            </a:endParaRPr>
-          </a:p>
-        </p:txBody>
-      </p:sp>
-    </p:spTree>
-    <p:extLst>
-      <p:ext uri="{BB962C8B-B14F-4D97-AF65-F5344CB8AC3E}">
-        <p14:creationId xmlns:p14="http://schemas.microsoft.com/office/powerpoint/2010/main" val="2155783634"/>
       </p:ext>
     </p:extLst>
   </p:cSld>

--- a/draft-gandhi-ippm-simple-direct-loss-00.pptx
+++ b/draft-gandhi-ippm-simple-direct-loss-00.pptx
@@ -5,26 +5,22 @@
     <p:sldMasterId id="2147483648" r:id="rId1"/>
   </p:sldMasterIdLst>
   <p:notesMasterIdLst>
-    <p:notesMasterId r:id="rId16"/>
+    <p:notesMasterId r:id="rId12"/>
   </p:notesMasterIdLst>
   <p:handoutMasterIdLst>
-    <p:handoutMasterId r:id="rId17"/>
+    <p:handoutMasterId r:id="rId13"/>
   </p:handoutMasterIdLst>
   <p:sldIdLst>
     <p:sldId id="1661" r:id="rId2"/>
     <p:sldId id="1662" r:id="rId3"/>
     <p:sldId id="1663" r:id="rId4"/>
     <p:sldId id="3056" r:id="rId5"/>
-    <p:sldId id="321" r:id="rId6"/>
-    <p:sldId id="3058" r:id="rId7"/>
-    <p:sldId id="3057" r:id="rId8"/>
-    <p:sldId id="1670" r:id="rId9"/>
-    <p:sldId id="1671" r:id="rId10"/>
-    <p:sldId id="1649" r:id="rId11"/>
-    <p:sldId id="3061" r:id="rId12"/>
-    <p:sldId id="3054" r:id="rId13"/>
-    <p:sldId id="3059" r:id="rId14"/>
-    <p:sldId id="3060" r:id="rId15"/>
+    <p:sldId id="1649" r:id="rId6"/>
+    <p:sldId id="321" r:id="rId7"/>
+    <p:sldId id="3058" r:id="rId8"/>
+    <p:sldId id="3057" r:id="rId9"/>
+    <p:sldId id="1670" r:id="rId10"/>
+    <p:sldId id="1671" r:id="rId11"/>
   </p:sldIdLst>
   <p:sldSz cx="9144000" cy="5143500" type="screen16x9"/>
   <p:notesSz cx="6858000" cy="9144000"/>
@@ -257,7 +253,7 @@
           <a:p>
             <a:fld id="{E8FA3DB5-7722-3F4F-947D-12B203669AD7}" type="datetimeFigureOut">
               <a:rPr lang="en-US" smtClean="0"/>
-              <a:t>2/22/21</a:t>
+              <a:t>2/23/21</a:t>
             </a:fld>
             <a:endParaRPr lang="en-US"/>
           </a:p>
@@ -1215,7 +1211,7 @@
               <a:pPr>
                 <a:defRPr/>
               </a:pPr>
-              <a:t>8</a:t>
+              <a:t>9</a:t>
             </a:fld>
             <a:endParaRPr lang="en-US" altLang="zh-CN"/>
           </a:p>
@@ -1305,7 +1301,7 @@
               <a:pPr>
                 <a:defRPr/>
               </a:pPr>
-              <a:t>9</a:t>
+              <a:t>10</a:t>
             </a:fld>
             <a:endParaRPr lang="en-US" altLang="zh-CN"/>
           </a:p>
@@ -1315,276 +1311,6 @@
     <p:extLst>
       <p:ext uri="{BB962C8B-B14F-4D97-AF65-F5344CB8AC3E}">
         <p14:creationId xmlns:p14="http://schemas.microsoft.com/office/powerpoint/2010/main" val="3553270564"/>
-      </p:ext>
-    </p:extLst>
-  </p:cSld>
-  <p:clrMapOvr>
-    <a:masterClrMapping/>
-  </p:clrMapOvr>
-</p:notes>
-</file>
-
-<file path=ppt/notesSlides/notesSlide7.xml><?xml version="1.0" encoding="utf-8"?>
-<p:notes xmlns:a="http://schemas.openxmlformats.org/drawingml/2006/main" xmlns:r="http://schemas.openxmlformats.org/officeDocument/2006/relationships" xmlns:p="http://schemas.openxmlformats.org/presentationml/2006/main">
-  <p:cSld>
-    <p:spTree>
-      <p:nvGrpSpPr>
-        <p:cNvPr id="1" name=""/>
-        <p:cNvGrpSpPr/>
-        <p:nvPr/>
-      </p:nvGrpSpPr>
-      <p:grpSpPr>
-        <a:xfrm>
-          <a:off x="0" y="0"/>
-          <a:ext cx="0" cy="0"/>
-          <a:chOff x="0" y="0"/>
-          <a:chExt cx="0" cy="0"/>
-        </a:xfrm>
-      </p:grpSpPr>
-      <p:sp>
-        <p:nvSpPr>
-          <p:cNvPr id="2" name="Slide Image Placeholder 1"/>
-          <p:cNvSpPr>
-            <a:spLocks noGrp="1" noRot="1" noChangeAspect="1"/>
-          </p:cNvSpPr>
-          <p:nvPr>
-            <p:ph type="sldImg"/>
-          </p:nvPr>
-        </p:nvSpPr>
-        <p:spPr/>
-      </p:sp>
-      <p:sp>
-        <p:nvSpPr>
-          <p:cNvPr id="3" name="Notes Placeholder 2"/>
-          <p:cNvSpPr>
-            <a:spLocks noGrp="1"/>
-          </p:cNvSpPr>
-          <p:nvPr>
-            <p:ph type="body" idx="1"/>
-          </p:nvPr>
-        </p:nvSpPr>
-        <p:spPr/>
-        <p:txBody>
-          <a:bodyPr/>
-          <a:lstStyle/>
-          <a:p>
-            <a:endParaRPr lang="en-US" dirty="0"/>
-          </a:p>
-        </p:txBody>
-      </p:sp>
-      <p:sp>
-        <p:nvSpPr>
-          <p:cNvPr id="4" name="Slide Number Placeholder 3"/>
-          <p:cNvSpPr>
-            <a:spLocks noGrp="1"/>
-          </p:cNvSpPr>
-          <p:nvPr>
-            <p:ph type="sldNum" sz="quarter" idx="10"/>
-          </p:nvPr>
-        </p:nvSpPr>
-        <p:spPr/>
-        <p:txBody>
-          <a:bodyPr/>
-          <a:lstStyle/>
-          <a:p>
-            <a:pPr>
-              <a:defRPr/>
-            </a:pPr>
-            <a:fld id="{100938BD-FD70-4535-B0C2-13FC38CDF1BE}" type="slidenum">
-              <a:rPr lang="en-US" altLang="zh-CN" smtClean="0"/>
-              <a:pPr>
-                <a:defRPr/>
-              </a:pPr>
-              <a:t>11</a:t>
-            </a:fld>
-            <a:endParaRPr lang="en-US" altLang="zh-CN"/>
-          </a:p>
-        </p:txBody>
-      </p:sp>
-    </p:spTree>
-    <p:extLst>
-      <p:ext uri="{BB962C8B-B14F-4D97-AF65-F5344CB8AC3E}">
-        <p14:creationId xmlns:p14="http://schemas.microsoft.com/office/powerpoint/2010/main" val="3878909616"/>
-      </p:ext>
-    </p:extLst>
-  </p:cSld>
-  <p:clrMapOvr>
-    <a:masterClrMapping/>
-  </p:clrMapOvr>
-</p:notes>
-</file>
-
-<file path=ppt/notesSlides/notesSlide8.xml><?xml version="1.0" encoding="utf-8"?>
-<p:notes xmlns:a="http://schemas.openxmlformats.org/drawingml/2006/main" xmlns:r="http://schemas.openxmlformats.org/officeDocument/2006/relationships" xmlns:p="http://schemas.openxmlformats.org/presentationml/2006/main">
-  <p:cSld>
-    <p:spTree>
-      <p:nvGrpSpPr>
-        <p:cNvPr id="1" name=""/>
-        <p:cNvGrpSpPr/>
-        <p:nvPr/>
-      </p:nvGrpSpPr>
-      <p:grpSpPr>
-        <a:xfrm>
-          <a:off x="0" y="0"/>
-          <a:ext cx="0" cy="0"/>
-          <a:chOff x="0" y="0"/>
-          <a:chExt cx="0" cy="0"/>
-        </a:xfrm>
-      </p:grpSpPr>
-      <p:sp>
-        <p:nvSpPr>
-          <p:cNvPr id="2" name="Slide Image Placeholder 1"/>
-          <p:cNvSpPr>
-            <a:spLocks noGrp="1" noRot="1" noChangeAspect="1"/>
-          </p:cNvSpPr>
-          <p:nvPr>
-            <p:ph type="sldImg"/>
-          </p:nvPr>
-        </p:nvSpPr>
-        <p:spPr/>
-      </p:sp>
-      <p:sp>
-        <p:nvSpPr>
-          <p:cNvPr id="3" name="Notes Placeholder 2"/>
-          <p:cNvSpPr>
-            <a:spLocks noGrp="1"/>
-          </p:cNvSpPr>
-          <p:nvPr>
-            <p:ph type="body" idx="1"/>
-          </p:nvPr>
-        </p:nvSpPr>
-        <p:spPr/>
-        <p:txBody>
-          <a:bodyPr/>
-          <a:lstStyle/>
-          <a:p>
-            <a:endParaRPr lang="en-US" dirty="0"/>
-          </a:p>
-        </p:txBody>
-      </p:sp>
-      <p:sp>
-        <p:nvSpPr>
-          <p:cNvPr id="4" name="Slide Number Placeholder 3"/>
-          <p:cNvSpPr>
-            <a:spLocks noGrp="1"/>
-          </p:cNvSpPr>
-          <p:nvPr>
-            <p:ph type="sldNum" sz="quarter" idx="10"/>
-          </p:nvPr>
-        </p:nvSpPr>
-        <p:spPr/>
-        <p:txBody>
-          <a:bodyPr/>
-          <a:lstStyle/>
-          <a:p>
-            <a:pPr>
-              <a:defRPr/>
-            </a:pPr>
-            <a:fld id="{F97A1FA6-25DE-9E4E-A34D-CF67DE7DBDC7}" type="slidenum">
-              <a:rPr lang="en-US" smtClean="0"/>
-              <a:pPr>
-                <a:defRPr/>
-              </a:pPr>
-              <a:t>12</a:t>
-            </a:fld>
-            <a:endParaRPr lang="en-US"/>
-          </a:p>
-        </p:txBody>
-      </p:sp>
-    </p:spTree>
-    <p:extLst>
-      <p:ext uri="{BB962C8B-B14F-4D97-AF65-F5344CB8AC3E}">
-        <p14:creationId xmlns:p14="http://schemas.microsoft.com/office/powerpoint/2010/main" val="3282551135"/>
-      </p:ext>
-    </p:extLst>
-  </p:cSld>
-  <p:clrMapOvr>
-    <a:masterClrMapping/>
-  </p:clrMapOvr>
-</p:notes>
-</file>
-
-<file path=ppt/notesSlides/notesSlide9.xml><?xml version="1.0" encoding="utf-8"?>
-<p:notes xmlns:a="http://schemas.openxmlformats.org/drawingml/2006/main" xmlns:r="http://schemas.openxmlformats.org/officeDocument/2006/relationships" xmlns:p="http://schemas.openxmlformats.org/presentationml/2006/main">
-  <p:cSld>
-    <p:spTree>
-      <p:nvGrpSpPr>
-        <p:cNvPr id="1" name=""/>
-        <p:cNvGrpSpPr/>
-        <p:nvPr/>
-      </p:nvGrpSpPr>
-      <p:grpSpPr>
-        <a:xfrm>
-          <a:off x="0" y="0"/>
-          <a:ext cx="0" cy="0"/>
-          <a:chOff x="0" y="0"/>
-          <a:chExt cx="0" cy="0"/>
-        </a:xfrm>
-      </p:grpSpPr>
-      <p:sp>
-        <p:nvSpPr>
-          <p:cNvPr id="2" name="Slide Image Placeholder 1"/>
-          <p:cNvSpPr>
-            <a:spLocks noGrp="1" noRot="1" noChangeAspect="1"/>
-          </p:cNvSpPr>
-          <p:nvPr>
-            <p:ph type="sldImg"/>
-          </p:nvPr>
-        </p:nvSpPr>
-        <p:spPr/>
-      </p:sp>
-      <p:sp>
-        <p:nvSpPr>
-          <p:cNvPr id="3" name="Notes Placeholder 2"/>
-          <p:cNvSpPr>
-            <a:spLocks noGrp="1"/>
-          </p:cNvSpPr>
-          <p:nvPr>
-            <p:ph type="body" idx="1"/>
-          </p:nvPr>
-        </p:nvSpPr>
-        <p:spPr/>
-        <p:txBody>
-          <a:bodyPr/>
-          <a:lstStyle/>
-          <a:p>
-            <a:endParaRPr lang="en-US" dirty="0"/>
-          </a:p>
-        </p:txBody>
-      </p:sp>
-      <p:sp>
-        <p:nvSpPr>
-          <p:cNvPr id="4" name="Slide Number Placeholder 3"/>
-          <p:cNvSpPr>
-            <a:spLocks noGrp="1"/>
-          </p:cNvSpPr>
-          <p:nvPr>
-            <p:ph type="sldNum" sz="quarter" idx="10"/>
-          </p:nvPr>
-        </p:nvSpPr>
-        <p:spPr/>
-        <p:txBody>
-          <a:bodyPr/>
-          <a:lstStyle/>
-          <a:p>
-            <a:pPr>
-              <a:defRPr/>
-            </a:pPr>
-            <a:fld id="{100938BD-FD70-4535-B0C2-13FC38CDF1BE}" type="slidenum">
-              <a:rPr lang="en-US" altLang="zh-CN" smtClean="0"/>
-              <a:pPr>
-                <a:defRPr/>
-              </a:pPr>
-              <a:t>14</a:t>
-            </a:fld>
-            <a:endParaRPr lang="en-US" altLang="zh-CN"/>
-          </a:p>
-        </p:txBody>
-      </p:sp>
-    </p:spTree>
-    <p:extLst>
-      <p:ext uri="{BB962C8B-B14F-4D97-AF65-F5344CB8AC3E}">
-        <p14:creationId xmlns:p14="http://schemas.microsoft.com/office/powerpoint/2010/main" val="4029659722"/>
       </p:ext>
     </p:extLst>
   </p:cSld>
@@ -2470,7 +2196,7 @@
               </a14:hiddenLine>
             </a:ext>
             <a:ext uri="{FAA26D3D-D897-4be2-8F04-BA451C77F1D7}">
-              <ma14:placeholderFlag xmlns="" xmlns:ma14="http://schemas.microsoft.com/office/mac/drawingml/2011/main" val="1"/>
+              <ma14:placeholderFlag xmlns:ma14="http://schemas.microsoft.com/office/mac/drawingml/2011/main" xmlns="" val="1"/>
             </a:ext>
           </a:extLst>
         </p:spPr>
@@ -2547,7 +2273,7 @@
     </p:spTree>
     <p:extLst>
       <p:ext uri="{BB962C8B-B14F-4D97-AF65-F5344CB8AC3E}">
-        <p14:creationId xmlns:p14="http://schemas.microsoft.com/office/powerpoint/2010/main" val="113201852"/>
+        <p14:creationId xmlns:p14="http://schemas.microsoft.com/office/powerpoint/2010/main" val="1925170025"/>
       </p:ext>
     </p:extLst>
   </p:cSld>
@@ -2557,399 +2283,6 @@
   <p:transition spd="med">
     <p:fade/>
   </p:transition>
-</p:sldLayout>
-</file>
-
-<file path=ppt/slideLayouts/slideLayout13.xml><?xml version="1.0" encoding="utf-8"?>
-<p:sldLayout xmlns:a="http://schemas.openxmlformats.org/drawingml/2006/main" xmlns:r="http://schemas.openxmlformats.org/officeDocument/2006/relationships" xmlns:p="http://schemas.openxmlformats.org/presentationml/2006/main">
-  <p:cSld name="Bullet_Heavy Text">
-    <p:spTree>
-      <p:nvGrpSpPr>
-        <p:cNvPr id="1" name=""/>
-        <p:cNvGrpSpPr/>
-        <p:nvPr/>
-      </p:nvGrpSpPr>
-      <p:grpSpPr>
-        <a:xfrm>
-          <a:off x="0" y="0"/>
-          <a:ext cx="0" cy="0"/>
-          <a:chOff x="0" y="0"/>
-          <a:chExt cx="0" cy="0"/>
-        </a:xfrm>
-      </p:grpSpPr>
-      <p:sp>
-        <p:nvSpPr>
-          <p:cNvPr id="7" name="Text Placeholder 3"/>
-          <p:cNvSpPr>
-            <a:spLocks noGrp="1"/>
-          </p:cNvSpPr>
-          <p:nvPr>
-            <p:ph type="body" sz="quarter" idx="10"/>
-          </p:nvPr>
-        </p:nvSpPr>
-        <p:spPr>
-          <a:xfrm>
-            <a:off x="533399" y="1205898"/>
-            <a:ext cx="3886200" cy="3083094"/>
-          </a:xfrm>
-          <a:prstGeom prst="rect">
-            <a:avLst/>
-          </a:prstGeom>
-        </p:spPr>
-        <p:txBody>
-          <a:bodyPr lIns="0" tIns="45710" rIns="0" bIns="45710">
-            <a:noAutofit/>
-          </a:bodyPr>
-          <a:lstStyle>
-            <a:lvl1pPr marL="174625" indent="-117475">
-              <a:lnSpc>
-                <a:spcPct val="95000"/>
-              </a:lnSpc>
-              <a:spcBef>
-                <a:spcPts val="1110"/>
-              </a:spcBef>
-              <a:buClr>
-                <a:schemeClr val="tx1"/>
-              </a:buClr>
-              <a:buSzPct val="60000"/>
-              <a:buFont typeface="Arial"/>
-              <a:buChar char="•"/>
-              <a:defRPr sz="2000" b="0" i="0">
-                <a:solidFill>
-                  <a:schemeClr val="tx1"/>
-                </a:solidFill>
-                <a:latin typeface="+mn-lt"/>
-                <a:cs typeface="CiscoSans ExtraLight"/>
-              </a:defRPr>
-            </a:lvl1pPr>
-            <a:lvl2pPr marL="288925" indent="-114300">
-              <a:lnSpc>
-                <a:spcPct val="95000"/>
-              </a:lnSpc>
-              <a:spcBef>
-                <a:spcPts val="450"/>
-              </a:spcBef>
-              <a:buClr>
-                <a:schemeClr val="tx1"/>
-              </a:buClr>
-              <a:buSzPct val="60000"/>
-              <a:buFont typeface="Arial"/>
-              <a:buChar char="•"/>
-              <a:defRPr sz="1800" b="0" i="0">
-                <a:solidFill>
-                  <a:schemeClr val="tx1"/>
-                </a:solidFill>
-                <a:latin typeface="+mn-lt"/>
-                <a:cs typeface="CiscoSans ExtraLight"/>
-              </a:defRPr>
-            </a:lvl2pPr>
-            <a:lvl3pPr marL="403225" indent="-114300">
-              <a:buClr>
-                <a:schemeClr val="tx1"/>
-              </a:buClr>
-              <a:buSzPct val="60000"/>
-              <a:buFont typeface="Arial"/>
-              <a:buChar char="•"/>
-              <a:defRPr sz="1600" b="0" i="0">
-                <a:solidFill>
-                  <a:schemeClr val="tx1"/>
-                </a:solidFill>
-                <a:latin typeface="+mn-lt"/>
-                <a:cs typeface="CiscoSans ExtraLight"/>
-              </a:defRPr>
-            </a:lvl3pPr>
-            <a:lvl4pPr marL="517525" indent="-114300">
-              <a:buClr>
-                <a:schemeClr val="tx1"/>
-              </a:buClr>
-              <a:buSzPct val="60000"/>
-              <a:buFont typeface="Arial"/>
-              <a:buChar char="•"/>
-              <a:defRPr sz="1400" b="0" i="0">
-                <a:solidFill>
-                  <a:schemeClr val="tx1"/>
-                </a:solidFill>
-                <a:latin typeface="+mn-lt"/>
-                <a:cs typeface="CiscoSans ExtraLight"/>
-              </a:defRPr>
-            </a:lvl4pPr>
-            <a:lvl5pPr marL="631825" indent="-114300">
-              <a:buClr>
-                <a:schemeClr val="tx1"/>
-              </a:buClr>
-              <a:buSzPct val="60000"/>
-              <a:buFont typeface="Arial"/>
-              <a:buChar char="•"/>
-              <a:defRPr sz="1200" b="0" i="0">
-                <a:solidFill>
-                  <a:schemeClr val="tx1"/>
-                </a:solidFill>
-                <a:latin typeface="+mn-lt"/>
-                <a:cs typeface="CiscoSans ExtraLight"/>
-              </a:defRPr>
-            </a:lvl5pPr>
-          </a:lstStyle>
-          <a:p>
-            <a:pPr lvl="0"/>
-            <a:r>
-              <a:rPr lang="en-US"/>
-              <a:t>Edit Master text styles</a:t>
-            </a:r>
-          </a:p>
-          <a:p>
-            <a:pPr lvl="1"/>
-            <a:r>
-              <a:rPr lang="en-US"/>
-              <a:t>Second level</a:t>
-            </a:r>
-          </a:p>
-          <a:p>
-            <a:pPr lvl="2"/>
-            <a:r>
-              <a:rPr lang="en-US"/>
-              <a:t>Third level</a:t>
-            </a:r>
-          </a:p>
-          <a:p>
-            <a:pPr lvl="3"/>
-            <a:r>
-              <a:rPr lang="en-US"/>
-              <a:t>Fourth level</a:t>
-            </a:r>
-          </a:p>
-          <a:p>
-            <a:pPr lvl="4"/>
-            <a:r>
-              <a:rPr lang="en-US"/>
-              <a:t>Fifth level</a:t>
-            </a:r>
-            <a:endParaRPr lang="en-US" dirty="0"/>
-          </a:p>
-        </p:txBody>
-      </p:sp>
-      <p:sp>
-        <p:nvSpPr>
-          <p:cNvPr id="8" name="Text Placeholder 3"/>
-          <p:cNvSpPr>
-            <a:spLocks noGrp="1"/>
-          </p:cNvSpPr>
-          <p:nvPr>
-            <p:ph type="body" sz="quarter" idx="11"/>
-          </p:nvPr>
-        </p:nvSpPr>
-        <p:spPr>
-          <a:xfrm>
-            <a:off x="4755866" y="1205898"/>
-            <a:ext cx="3886200" cy="3083094"/>
-          </a:xfrm>
-          <a:prstGeom prst="rect">
-            <a:avLst/>
-          </a:prstGeom>
-        </p:spPr>
-        <p:txBody>
-          <a:bodyPr lIns="0" tIns="45710" rIns="0" bIns="45710">
-            <a:noAutofit/>
-          </a:bodyPr>
-          <a:lstStyle>
-            <a:lvl1pPr marL="174625" indent="-117475">
-              <a:lnSpc>
-                <a:spcPct val="95000"/>
-              </a:lnSpc>
-              <a:spcBef>
-                <a:spcPts val="1110"/>
-              </a:spcBef>
-              <a:buClr>
-                <a:schemeClr val="tx1"/>
-              </a:buClr>
-              <a:buSzPct val="60000"/>
-              <a:buFont typeface="Arial"/>
-              <a:buChar char="•"/>
-              <a:defRPr sz="2000" b="0" i="0" baseline="0">
-                <a:solidFill>
-                  <a:schemeClr val="tx1"/>
-                </a:solidFill>
-                <a:latin typeface="+mn-lt"/>
-                <a:cs typeface="CiscoSans ExtraLight"/>
-              </a:defRPr>
-            </a:lvl1pPr>
-            <a:lvl2pPr marL="288925" indent="-114300">
-              <a:lnSpc>
-                <a:spcPct val="95000"/>
-              </a:lnSpc>
-              <a:spcBef>
-                <a:spcPts val="450"/>
-              </a:spcBef>
-              <a:buClr>
-                <a:schemeClr val="tx1"/>
-              </a:buClr>
-              <a:buSzPct val="60000"/>
-              <a:buFont typeface="Arial"/>
-              <a:buChar char="•"/>
-              <a:defRPr sz="1800" b="0" i="0">
-                <a:solidFill>
-                  <a:schemeClr val="tx1"/>
-                </a:solidFill>
-                <a:latin typeface="+mn-lt"/>
-                <a:cs typeface="CiscoSans ExtraLight"/>
-              </a:defRPr>
-            </a:lvl2pPr>
-            <a:lvl3pPr marL="403225" indent="-114300">
-              <a:buClr>
-                <a:schemeClr val="tx1"/>
-              </a:buClr>
-              <a:buSzPct val="60000"/>
-              <a:buFont typeface="Arial"/>
-              <a:buChar char="•"/>
-              <a:defRPr sz="1600" b="0" i="0">
-                <a:solidFill>
-                  <a:schemeClr val="tx1"/>
-                </a:solidFill>
-                <a:latin typeface="+mn-lt"/>
-                <a:cs typeface="CiscoSans ExtraLight"/>
-              </a:defRPr>
-            </a:lvl3pPr>
-            <a:lvl4pPr marL="517525" indent="-114300">
-              <a:buClr>
-                <a:schemeClr val="tx1"/>
-              </a:buClr>
-              <a:buSzPct val="60000"/>
-              <a:buFont typeface="Arial"/>
-              <a:buChar char="•"/>
-              <a:defRPr sz="1400" b="0" i="0">
-                <a:solidFill>
-                  <a:schemeClr val="tx1"/>
-                </a:solidFill>
-                <a:latin typeface="+mn-lt"/>
-                <a:cs typeface="CiscoSans ExtraLight"/>
-              </a:defRPr>
-            </a:lvl4pPr>
-            <a:lvl5pPr marL="631825" indent="-114300">
-              <a:buClr>
-                <a:schemeClr val="tx1"/>
-              </a:buClr>
-              <a:buSzPct val="60000"/>
-              <a:buFont typeface="Arial"/>
-              <a:buChar char="•"/>
-              <a:defRPr sz="1200" b="0" i="0">
-                <a:solidFill>
-                  <a:schemeClr val="tx1"/>
-                </a:solidFill>
-                <a:latin typeface="+mn-lt"/>
-                <a:cs typeface="CiscoSans ExtraLight"/>
-              </a:defRPr>
-            </a:lvl5pPr>
-          </a:lstStyle>
-          <a:p>
-            <a:pPr lvl="0"/>
-            <a:r>
-              <a:rPr lang="en-US"/>
-              <a:t>Edit Master text styles</a:t>
-            </a:r>
-          </a:p>
-          <a:p>
-            <a:pPr lvl="1"/>
-            <a:r>
-              <a:rPr lang="en-US"/>
-              <a:t>Second level</a:t>
-            </a:r>
-          </a:p>
-          <a:p>
-            <a:pPr lvl="2"/>
-            <a:r>
-              <a:rPr lang="en-US"/>
-              <a:t>Third level</a:t>
-            </a:r>
-          </a:p>
-          <a:p>
-            <a:pPr lvl="3"/>
-            <a:r>
-              <a:rPr lang="en-US"/>
-              <a:t>Fourth level</a:t>
-            </a:r>
-          </a:p>
-          <a:p>
-            <a:pPr lvl="4"/>
-            <a:r>
-              <a:rPr lang="en-US"/>
-              <a:t>Fifth level</a:t>
-            </a:r>
-            <a:endParaRPr lang="en-US" dirty="0"/>
-          </a:p>
-        </p:txBody>
-      </p:sp>
-      <p:sp>
-        <p:nvSpPr>
-          <p:cNvPr id="5" name="Title Placeholder 5"/>
-          <p:cNvSpPr>
-            <a:spLocks noGrp="1"/>
-          </p:cNvSpPr>
-          <p:nvPr>
-            <p:ph type="title"/>
-          </p:nvPr>
-        </p:nvSpPr>
-        <p:spPr bwMode="auto">
-          <a:xfrm>
-            <a:off x="437766" y="341313"/>
-            <a:ext cx="8345488" cy="731837"/>
-          </a:xfrm>
-          <a:prstGeom prst="rect">
-            <a:avLst/>
-          </a:prstGeom>
-          <a:noFill/>
-          <a:ln>
-            <a:noFill/>
-          </a:ln>
-          <a:extLst>
-            <a:ext uri="{909E8E84-426E-40dd-AFC4-6F175D3DCCD1}">
-              <a14:hiddenFill xmlns="" xmlns:a14="http://schemas.microsoft.com/office/drawing/2010/main">
-                <a:solidFill>
-                  <a:srgbClr val="FFFFFF"/>
-                </a:solidFill>
-              </a14:hiddenFill>
-            </a:ext>
-            <a:ext uri="{91240B29-F687-4f45-9708-019B960494DF}">
-              <a14:hiddenLine xmlns="" xmlns:a14="http://schemas.microsoft.com/office/drawing/2010/main" w="9525">
-                <a:solidFill>
-                  <a:srgbClr val="000000"/>
-                </a:solidFill>
-                <a:miter lim="800000"/>
-                <a:headEnd/>
-                <a:tailEnd/>
-              </a14:hiddenLine>
-            </a:ext>
-          </a:extLst>
-        </p:spPr>
-        <p:txBody>
-          <a:bodyPr/>
-          <a:lstStyle>
-            <a:lvl1pPr>
-              <a:defRPr sz="2800">
-                <a:solidFill>
-                  <a:schemeClr val="tx2"/>
-                </a:solidFill>
-              </a:defRPr>
-            </a:lvl1pPr>
-          </a:lstStyle>
-          <a:p>
-            <a:pPr lvl="0"/>
-            <a:r>
-              <a:rPr lang="en-US"/>
-              <a:t>Click to edit Master title style</a:t>
-            </a:r>
-            <a:endParaRPr lang="en-GB" dirty="0"/>
-          </a:p>
-        </p:txBody>
-      </p:sp>
-    </p:spTree>
-    <p:extLst>
-      <p:ext uri="{BB962C8B-B14F-4D97-AF65-F5344CB8AC3E}">
-        <p14:creationId xmlns:p14="http://schemas.microsoft.com/office/powerpoint/2010/main" val="3373932528"/>
-      </p:ext>
-    </p:extLst>
-  </p:cSld>
-  <p:clrMapOvr>
-    <a:masterClrMapping/>
-  </p:clrMapOvr>
 </p:sldLayout>
 </file>
 
@@ -5110,8 +4443,7 @@
     <p:sldLayoutId id="2147483657" r:id="rId9"/>
     <p:sldLayoutId id="2147483658" r:id="rId10"/>
     <p:sldLayoutId id="2147483659" r:id="rId11"/>
-    <p:sldLayoutId id="2147483661" r:id="rId12"/>
-    <p:sldLayoutId id="2147483662" r:id="rId13"/>
+    <p:sldLayoutId id="2147483660" r:id="rId12"/>
   </p:sldLayoutIdLst>
   <p:hf hdr="0" dt="0"/>
   <p:txStyles>
@@ -5945,1791 +5277,6 @@
       </p:grpSpPr>
       <p:sp>
         <p:nvSpPr>
-          <p:cNvPr id="3" name="Title 2"/>
-          <p:cNvSpPr>
-            <a:spLocks noGrp="1"/>
-          </p:cNvSpPr>
-          <p:nvPr>
-            <p:ph type="title"/>
-          </p:nvPr>
-        </p:nvSpPr>
-        <p:spPr>
-          <a:xfrm>
-            <a:off x="298712" y="0"/>
-            <a:ext cx="8505372" cy="706080"/>
-          </a:xfrm>
-        </p:spPr>
-        <p:txBody>
-          <a:bodyPr/>
-          <a:lstStyle/>
-          <a:p>
-            <a:pPr algn="l"/>
-            <a:r>
-              <a:rPr lang="en-US" sz="2800" dirty="0">
-                <a:solidFill>
-                  <a:srgbClr val="0070C0"/>
-                </a:solidFill>
-                <a:latin typeface="Calibri Light" panose="020F0302020204030204" pitchFamily="34" charset="0"/>
-                <a:cs typeface="Calibri Light" panose="020F0302020204030204" pitchFamily="34" charset="0"/>
-              </a:rPr>
-              <a:t>STAMP Test Packets with Direct Measurement TLV</a:t>
-            </a:r>
-          </a:p>
-        </p:txBody>
-      </p:sp>
-      <p:sp>
-        <p:nvSpPr>
-          <p:cNvPr id="5" name="Rectangle 4"/>
-          <p:cNvSpPr/>
-          <p:nvPr/>
-        </p:nvSpPr>
-        <p:spPr>
-          <a:xfrm>
-            <a:off x="222352" y="659773"/>
-            <a:ext cx="4310743" cy="4131900"/>
-          </a:xfrm>
-          <a:prstGeom prst="rect">
-            <a:avLst/>
-          </a:prstGeom>
-          <a:solidFill>
-            <a:schemeClr val="accent6">
-              <a:lumMod val="20000"/>
-              <a:lumOff val="80000"/>
-            </a:schemeClr>
-          </a:solidFill>
-        </p:spPr>
-        <p:txBody>
-          <a:bodyPr wrap="square">
-            <a:spAutoFit/>
-          </a:bodyPr>
-          <a:lstStyle/>
-          <a:p>
-            <a:pPr>
-              <a:spcAft>
-                <a:spcPts val="0"/>
-              </a:spcAft>
-            </a:pPr>
-            <a:r>
-              <a:rPr lang="en-US" sz="750" dirty="0">
-                <a:latin typeface="Courier" pitchFamily="2" charset="0"/>
-                <a:ea typeface="Courier" charset="0"/>
-                <a:cs typeface="Courier" charset="0"/>
-              </a:rPr>
-              <a:t>       0                   1                   2                   3</a:t>
-            </a:r>
-          </a:p>
-          <a:p>
-            <a:pPr>
-              <a:spcAft>
-                <a:spcPts val="0"/>
-              </a:spcAft>
-            </a:pPr>
-            <a:r>
-              <a:rPr lang="en-US" sz="750" dirty="0">
-                <a:latin typeface="Courier" pitchFamily="2" charset="0"/>
-                <a:ea typeface="Courier" charset="0"/>
-                <a:cs typeface="Courier" charset="0"/>
-              </a:rPr>
-              <a:t>       0 1 2 3 4 5 6 7 8 9 0 1 2 3 4 5 6 7 8 9 0 1 2 3 4 5 6 7 8 9 0 1</a:t>
-            </a:r>
-          </a:p>
-          <a:p>
-            <a:pPr>
-              <a:spcAft>
-                <a:spcPts val="0"/>
-              </a:spcAft>
-            </a:pPr>
-            <a:r>
-              <a:rPr lang="en-US" sz="750" dirty="0">
-                <a:latin typeface="Courier" pitchFamily="2" charset="0"/>
-                <a:ea typeface="Courier" charset="0"/>
-                <a:cs typeface="Courier" charset="0"/>
-              </a:rPr>
-              <a:t>      +-+-+-+-+-+-+-+-+-+-+-+-+-+-+-+-+-+-+-+-+-+-+-+-+-+-+-+-+-+-+-+-+</a:t>
-            </a:r>
-          </a:p>
-          <a:p>
-            <a:pPr>
-              <a:spcAft>
-                <a:spcPts val="0"/>
-              </a:spcAft>
-            </a:pPr>
-            <a:r>
-              <a:rPr lang="en-US" sz="750" dirty="0">
-                <a:latin typeface="Courier" pitchFamily="2" charset="0"/>
-                <a:ea typeface="Courier" charset="0"/>
-                <a:cs typeface="Courier" charset="0"/>
-              </a:rPr>
-              <a:t>      |                        Sequence Number                        |</a:t>
-            </a:r>
-          </a:p>
-          <a:p>
-            <a:pPr>
-              <a:spcAft>
-                <a:spcPts val="0"/>
-              </a:spcAft>
-            </a:pPr>
-            <a:r>
-              <a:rPr lang="en-US" sz="750" dirty="0">
-                <a:latin typeface="Courier" pitchFamily="2" charset="0"/>
-                <a:ea typeface="Courier" charset="0"/>
-                <a:cs typeface="Courier" charset="0"/>
-              </a:rPr>
-              <a:t>      +-+-+-+-+-+-+-+-+-+-+-+-+-+-+-+-+-+-+-+-+-+-+-+-+-+-+-+-+-+-+-+-+</a:t>
-            </a:r>
-          </a:p>
-          <a:p>
-            <a:pPr>
-              <a:spcAft>
-                <a:spcPts val="0"/>
-              </a:spcAft>
-            </a:pPr>
-            <a:r>
-              <a:rPr lang="en-US" sz="750" dirty="0">
-                <a:latin typeface="Courier" pitchFamily="2" charset="0"/>
-                <a:ea typeface="Courier" charset="0"/>
-                <a:cs typeface="Courier" charset="0"/>
-              </a:rPr>
-              <a:t>      |                          Timestamp                            |</a:t>
-            </a:r>
-          </a:p>
-          <a:p>
-            <a:pPr>
-              <a:spcAft>
-                <a:spcPts val="0"/>
-              </a:spcAft>
-            </a:pPr>
-            <a:r>
-              <a:rPr lang="en-US" sz="750" dirty="0">
-                <a:latin typeface="Courier" pitchFamily="2" charset="0"/>
-                <a:ea typeface="Courier" charset="0"/>
-                <a:cs typeface="Courier" charset="0"/>
-              </a:rPr>
-              <a:t>      |                                                               |</a:t>
-            </a:r>
-          </a:p>
-          <a:p>
-            <a:pPr>
-              <a:spcAft>
-                <a:spcPts val="0"/>
-              </a:spcAft>
-            </a:pPr>
-            <a:r>
-              <a:rPr lang="en-US" sz="750" dirty="0">
-                <a:latin typeface="Courier" pitchFamily="2" charset="0"/>
-                <a:ea typeface="Courier" charset="0"/>
-                <a:cs typeface="Courier" charset="0"/>
-              </a:rPr>
-              <a:t>      +-+-+-+-+-+-+-+-+-+-+-+-+-+-+-+-+-+-+-+-+-+-+-+-+-+-+-+-+-+-+-+-+</a:t>
-            </a:r>
-          </a:p>
-          <a:p>
-            <a:pPr>
-              <a:spcAft>
-                <a:spcPts val="0"/>
-              </a:spcAft>
-            </a:pPr>
-            <a:r>
-              <a:rPr lang="en-US" sz="750" dirty="0">
-                <a:latin typeface="Courier" pitchFamily="2" charset="0"/>
-                <a:ea typeface="Courier" charset="0"/>
-                <a:cs typeface="Courier" charset="0"/>
-              </a:rPr>
-              <a:t>      |         Error Estimate        |           SSID                |</a:t>
-            </a:r>
-          </a:p>
-          <a:p>
-            <a:pPr>
-              <a:spcAft>
-                <a:spcPts val="0"/>
-              </a:spcAft>
-            </a:pPr>
-            <a:r>
-              <a:rPr lang="en-US" sz="750" dirty="0">
-                <a:latin typeface="Courier" pitchFamily="2" charset="0"/>
-                <a:ea typeface="Courier" charset="0"/>
-                <a:cs typeface="Courier" charset="0"/>
-              </a:rPr>
-              <a:t>      +-+-+-+-+-+-+-+-+-+-+-+-+-+-+-+-+-+-+-+-+-+-+-+-+-+-+-+-+-+-+-+-+</a:t>
-            </a:r>
-          </a:p>
-          <a:p>
-            <a:pPr>
-              <a:spcAft>
-                <a:spcPts val="0"/>
-              </a:spcAft>
-            </a:pPr>
-            <a:r>
-              <a:rPr lang="en-US" sz="750" dirty="0">
-                <a:latin typeface="Courier" pitchFamily="2" charset="0"/>
-                <a:ea typeface="Courier" charset="0"/>
-                <a:cs typeface="Courier" charset="0"/>
-              </a:rPr>
-              <a:t>      |                                                               |</a:t>
-            </a:r>
-          </a:p>
-          <a:p>
-            <a:pPr>
-              <a:spcAft>
-                <a:spcPts val="0"/>
-              </a:spcAft>
-            </a:pPr>
-            <a:r>
-              <a:rPr lang="en-US" sz="750" dirty="0">
-                <a:latin typeface="Courier" pitchFamily="2" charset="0"/>
-                <a:ea typeface="Courier" charset="0"/>
-                <a:cs typeface="Courier" charset="0"/>
-              </a:rPr>
-              <a:t>      |                                                               |</a:t>
-            </a:r>
-          </a:p>
-          <a:p>
-            <a:pPr>
-              <a:spcAft>
-                <a:spcPts val="0"/>
-              </a:spcAft>
-            </a:pPr>
-            <a:r>
-              <a:rPr lang="en-US" sz="750" dirty="0">
-                <a:latin typeface="Courier" pitchFamily="2" charset="0"/>
-                <a:ea typeface="Courier" charset="0"/>
-                <a:cs typeface="Courier" charset="0"/>
-              </a:rPr>
-              <a:t>      +                                                               +</a:t>
-            </a:r>
-          </a:p>
-          <a:p>
-            <a:pPr>
-              <a:spcAft>
-                <a:spcPts val="0"/>
-              </a:spcAft>
-            </a:pPr>
-            <a:r>
-              <a:rPr lang="en-US" sz="750" dirty="0">
-                <a:latin typeface="Courier" pitchFamily="2" charset="0"/>
-                <a:ea typeface="Courier" charset="0"/>
-                <a:cs typeface="Courier" charset="0"/>
-              </a:rPr>
-              <a:t>      |                         MBZ (28 octets)                       |</a:t>
-            </a:r>
-          </a:p>
-          <a:p>
-            <a:pPr>
-              <a:spcAft>
-                <a:spcPts val="0"/>
-              </a:spcAft>
-            </a:pPr>
-            <a:r>
-              <a:rPr lang="en-US" sz="750" dirty="0">
-                <a:latin typeface="Courier" pitchFamily="2" charset="0"/>
-                <a:ea typeface="Courier" charset="0"/>
-                <a:cs typeface="Courier" charset="0"/>
-              </a:rPr>
-              <a:t>      +                                                               +</a:t>
-            </a:r>
-          </a:p>
-          <a:p>
-            <a:pPr>
-              <a:spcAft>
-                <a:spcPts val="0"/>
-              </a:spcAft>
-            </a:pPr>
-            <a:r>
-              <a:rPr lang="en-US" sz="750" dirty="0">
-                <a:latin typeface="Courier" pitchFamily="2" charset="0"/>
-                <a:ea typeface="Courier" charset="0"/>
-                <a:cs typeface="Courier" charset="0"/>
-              </a:rPr>
-              <a:t>      |                                                               |</a:t>
-            </a:r>
-          </a:p>
-          <a:p>
-            <a:pPr>
-              <a:spcAft>
-                <a:spcPts val="0"/>
-              </a:spcAft>
-            </a:pPr>
-            <a:r>
-              <a:rPr lang="en-US" sz="750" dirty="0">
-                <a:latin typeface="Courier" pitchFamily="2" charset="0"/>
-                <a:ea typeface="Courier" charset="0"/>
-                <a:cs typeface="Courier" charset="0"/>
-              </a:rPr>
-              <a:t>      |                                                               |</a:t>
-            </a:r>
-          </a:p>
-          <a:p>
-            <a:pPr>
-              <a:spcAft>
-                <a:spcPts val="0"/>
-              </a:spcAft>
-            </a:pPr>
-            <a:r>
-              <a:rPr lang="en-US" sz="750" dirty="0">
-                <a:latin typeface="Courier" pitchFamily="2" charset="0"/>
-                <a:ea typeface="Courier" charset="0"/>
-                <a:cs typeface="Courier" charset="0"/>
-              </a:rPr>
-              <a:t>      +                                                               +</a:t>
-            </a:r>
-          </a:p>
-          <a:p>
-            <a:pPr>
-              <a:spcAft>
-                <a:spcPts val="0"/>
-              </a:spcAft>
-            </a:pPr>
-            <a:r>
-              <a:rPr lang="en-US" sz="750" dirty="0">
-                <a:latin typeface="Courier" pitchFamily="2" charset="0"/>
-                <a:ea typeface="Courier" charset="0"/>
-                <a:cs typeface="Courier" charset="0"/>
-              </a:rPr>
-              <a:t>      |                                                               |</a:t>
-            </a:r>
-          </a:p>
-          <a:p>
-            <a:pPr>
-              <a:spcAft>
-                <a:spcPts val="0"/>
-              </a:spcAft>
-            </a:pPr>
-            <a:r>
-              <a:rPr lang="en-US" sz="750" dirty="0">
-                <a:latin typeface="Courier" pitchFamily="2" charset="0"/>
-                <a:ea typeface="Courier" charset="0"/>
-                <a:cs typeface="Courier" charset="0"/>
-              </a:rPr>
-              <a:t>      +                                                               +</a:t>
-            </a:r>
-          </a:p>
-          <a:p>
-            <a:pPr>
-              <a:spcAft>
-                <a:spcPts val="0"/>
-              </a:spcAft>
-            </a:pPr>
-            <a:r>
-              <a:rPr lang="en-US" sz="750" dirty="0">
-                <a:latin typeface="Courier" pitchFamily="2" charset="0"/>
-                <a:ea typeface="Courier" charset="0"/>
-                <a:cs typeface="Courier" charset="0"/>
-              </a:rPr>
-              <a:t>      |                                                               |</a:t>
-            </a:r>
-          </a:p>
-          <a:p>
-            <a:pPr>
-              <a:spcAft>
-                <a:spcPts val="0"/>
-              </a:spcAft>
-            </a:pPr>
-            <a:r>
-              <a:rPr lang="en-US" sz="750" dirty="0">
-                <a:latin typeface="Courier" pitchFamily="2" charset="0"/>
-                <a:ea typeface="Courier" charset="0"/>
-                <a:cs typeface="Courier" charset="0"/>
-              </a:rPr>
-              <a:t>      +-+-+-+-+-+-+-+-+-+-+-+-+-+-+-+-+-+-+-+-+-+-+-+-+-+-+-+-+-+-+-+-+</a:t>
-            </a:r>
-          </a:p>
-          <a:p>
-            <a:pPr>
-              <a:spcAft>
-                <a:spcPts val="0"/>
-              </a:spcAft>
-            </a:pPr>
-            <a:r>
-              <a:rPr lang="en-US" sz="750" dirty="0">
-                <a:latin typeface="Courier" pitchFamily="2" charset="0"/>
-                <a:ea typeface="Courier" charset="0"/>
-                <a:cs typeface="Courier" charset="0"/>
-              </a:rPr>
-              <a:t>      </a:t>
-            </a:r>
-            <a:r>
-              <a:rPr lang="en-US" sz="750" b="1" dirty="0">
-                <a:solidFill>
-                  <a:srgbClr val="7030A0"/>
-                </a:solidFill>
-                <a:latin typeface="Courier" pitchFamily="2" charset="0"/>
-                <a:ea typeface="Courier" charset="0"/>
-                <a:cs typeface="Courier" charset="0"/>
-              </a:rPr>
-              <a:t>~                                                               ~</a:t>
-            </a:r>
-          </a:p>
-          <a:p>
-            <a:pPr>
-              <a:spcAft>
-                <a:spcPts val="0"/>
-              </a:spcAft>
-            </a:pPr>
-            <a:r>
-              <a:rPr lang="en-US" sz="750" b="1" dirty="0">
-                <a:solidFill>
-                  <a:srgbClr val="7030A0"/>
-                </a:solidFill>
-                <a:latin typeface="Courier" pitchFamily="2" charset="0"/>
-                <a:ea typeface="Courier" charset="0"/>
-                <a:cs typeface="Courier" charset="0"/>
-              </a:rPr>
-              <a:t>      ~                                                               ~</a:t>
-            </a:r>
-          </a:p>
-          <a:p>
-            <a:pPr>
-              <a:spcAft>
-                <a:spcPts val="0"/>
-              </a:spcAft>
-            </a:pPr>
-            <a:r>
-              <a:rPr lang="en-US" sz="750" b="1" dirty="0">
-                <a:solidFill>
-                  <a:srgbClr val="7030A0"/>
-                </a:solidFill>
-                <a:latin typeface="Courier" pitchFamily="2" charset="0"/>
-                <a:ea typeface="Courier" charset="0"/>
-                <a:cs typeface="Courier" charset="0"/>
-              </a:rPr>
-              <a:t>      +-+-+-+-+-+-+-+-+-+-+-+-+-+-+-+-+-+-+-+-+-+-+-+-+-+-+-+-+-+-+-+-+</a:t>
-            </a:r>
-          </a:p>
-          <a:p>
-            <a:pPr>
-              <a:spcAft>
-                <a:spcPts val="0"/>
-              </a:spcAft>
-            </a:pPr>
-            <a:r>
-              <a:rPr lang="en-CA" sz="750" b="1" dirty="0">
-                <a:solidFill>
-                  <a:srgbClr val="7030A0"/>
-                </a:solidFill>
-                <a:latin typeface="Courier" pitchFamily="2" charset="0"/>
-              </a:rPr>
-              <a:t>      |STAMP TLV Flags|  Type         |     Length                    |</a:t>
-            </a:r>
-          </a:p>
-          <a:p>
-            <a:pPr>
-              <a:spcAft>
-                <a:spcPts val="0"/>
-              </a:spcAft>
-            </a:pPr>
-            <a:r>
-              <a:rPr lang="en-US" sz="750" b="1" dirty="0">
-                <a:solidFill>
-                  <a:srgbClr val="7030A0"/>
-                </a:solidFill>
-                <a:latin typeface="Courier" pitchFamily="2" charset="0"/>
-                <a:ea typeface="Courier" charset="0"/>
-                <a:cs typeface="Courier" charset="0"/>
-              </a:rPr>
-              <a:t>      +-+-+-+-+-+-+-+-+-+-+-+-+-+-+-+-+-+-+-+-+-+-+-+-+-+-+-+-+-+-+-+-+</a:t>
-            </a:r>
-          </a:p>
-          <a:p>
-            <a:pPr>
-              <a:spcAft>
-                <a:spcPts val="0"/>
-              </a:spcAft>
-            </a:pPr>
-            <a:r>
-              <a:rPr lang="en-US" sz="750" b="1" dirty="0">
-                <a:solidFill>
-                  <a:srgbClr val="7030A0"/>
-                </a:solidFill>
-                <a:latin typeface="Courier" pitchFamily="2" charset="0"/>
-                <a:ea typeface="Courier" charset="0"/>
-                <a:cs typeface="Courier" charset="0"/>
-              </a:rPr>
-              <a:t>      |             Session-Sender Tx counter  (</a:t>
-            </a:r>
-            <a:r>
-              <a:rPr lang="en-US" sz="750" b="1" dirty="0" err="1">
-                <a:solidFill>
-                  <a:srgbClr val="7030A0"/>
-                </a:solidFill>
-                <a:latin typeface="Courier" pitchFamily="2" charset="0"/>
-                <a:ea typeface="Courier" charset="0"/>
-                <a:cs typeface="Courier" charset="0"/>
-              </a:rPr>
-              <a:t>S_TxC</a:t>
-            </a:r>
-            <a:r>
-              <a:rPr lang="en-US" sz="750" b="1" dirty="0">
-                <a:solidFill>
-                  <a:srgbClr val="7030A0"/>
-                </a:solidFill>
-                <a:latin typeface="Courier" pitchFamily="2" charset="0"/>
-                <a:ea typeface="Courier" charset="0"/>
-                <a:cs typeface="Courier" charset="0"/>
-              </a:rPr>
-              <a:t>)                |</a:t>
-            </a:r>
-          </a:p>
-          <a:p>
-            <a:pPr>
-              <a:spcAft>
-                <a:spcPts val="0"/>
-              </a:spcAft>
-            </a:pPr>
-            <a:r>
-              <a:rPr lang="en-US" sz="750" b="1" dirty="0">
-                <a:solidFill>
-                  <a:srgbClr val="7030A0"/>
-                </a:solidFill>
-                <a:latin typeface="Courier" pitchFamily="2" charset="0"/>
-                <a:ea typeface="Courier" charset="0"/>
-                <a:cs typeface="Courier" charset="0"/>
-              </a:rPr>
-              <a:t>      +-+-+-+-+-+-+-+-+-+-+-+-+-+-+-+-+-+-+-+-+-+-+-+-+-+-+-+-+-+-+-+-+</a:t>
-            </a:r>
-          </a:p>
-          <a:p>
-            <a:pPr>
-              <a:spcAft>
-                <a:spcPts val="0"/>
-              </a:spcAft>
-            </a:pPr>
-            <a:r>
-              <a:rPr lang="en-US" sz="750" b="1" dirty="0">
-                <a:solidFill>
-                  <a:srgbClr val="7030A0"/>
-                </a:solidFill>
-                <a:latin typeface="Courier" pitchFamily="2" charset="0"/>
-                <a:ea typeface="Courier" charset="0"/>
-                <a:cs typeface="Courier" charset="0"/>
-              </a:rPr>
-              <a:t>      |             Session-Reflector Rx counter  (</a:t>
-            </a:r>
-            <a:r>
-              <a:rPr lang="en-US" sz="750" b="1" dirty="0" err="1">
-                <a:solidFill>
-                  <a:srgbClr val="7030A0"/>
-                </a:solidFill>
-                <a:latin typeface="Courier" pitchFamily="2" charset="0"/>
-                <a:ea typeface="Courier" charset="0"/>
-                <a:cs typeface="Courier" charset="0"/>
-              </a:rPr>
-              <a:t>R_RxC</a:t>
-            </a:r>
-            <a:r>
-              <a:rPr lang="en-US" sz="750" b="1" dirty="0">
-                <a:solidFill>
-                  <a:srgbClr val="7030A0"/>
-                </a:solidFill>
-                <a:latin typeface="Courier" pitchFamily="2" charset="0"/>
-                <a:ea typeface="Courier" charset="0"/>
-                <a:cs typeface="Courier" charset="0"/>
-              </a:rPr>
-              <a:t>)             |</a:t>
-            </a:r>
-          </a:p>
-          <a:p>
-            <a:pPr>
-              <a:spcAft>
-                <a:spcPts val="0"/>
-              </a:spcAft>
-            </a:pPr>
-            <a:r>
-              <a:rPr lang="en-US" sz="750" b="1" dirty="0">
-                <a:solidFill>
-                  <a:srgbClr val="7030A0"/>
-                </a:solidFill>
-                <a:latin typeface="Courier" pitchFamily="2" charset="0"/>
-                <a:ea typeface="Courier" charset="0"/>
-                <a:cs typeface="Courier" charset="0"/>
-              </a:rPr>
-              <a:t>      +-+-+-+-+-+-+-+-+-+-+-+-+-+-+-+-+-+-+-+-+-+-+-+-+-+-+-+-+-+-+-+-+</a:t>
-            </a:r>
-          </a:p>
-          <a:p>
-            <a:pPr>
-              <a:spcAft>
-                <a:spcPts val="0"/>
-              </a:spcAft>
-            </a:pPr>
-            <a:r>
-              <a:rPr lang="en-US" sz="750" b="1" dirty="0">
-                <a:solidFill>
-                  <a:srgbClr val="7030A0"/>
-                </a:solidFill>
-                <a:latin typeface="Courier" pitchFamily="2" charset="0"/>
-                <a:ea typeface="Courier" charset="0"/>
-                <a:cs typeface="Courier" charset="0"/>
-              </a:rPr>
-              <a:t>      |             Session-Reflector Tx counter  (</a:t>
-            </a:r>
-            <a:r>
-              <a:rPr lang="en-US" sz="750" b="1" dirty="0" err="1">
-                <a:solidFill>
-                  <a:srgbClr val="7030A0"/>
-                </a:solidFill>
-                <a:latin typeface="Courier" pitchFamily="2" charset="0"/>
-                <a:ea typeface="Courier" charset="0"/>
-                <a:cs typeface="Courier" charset="0"/>
-              </a:rPr>
-              <a:t>R_TxC</a:t>
-            </a:r>
-            <a:r>
-              <a:rPr lang="en-US" sz="750" b="1" dirty="0">
-                <a:solidFill>
-                  <a:srgbClr val="7030A0"/>
-                </a:solidFill>
-                <a:latin typeface="Courier" pitchFamily="2" charset="0"/>
-                <a:ea typeface="Courier" charset="0"/>
-                <a:cs typeface="Courier" charset="0"/>
-              </a:rPr>
-              <a:t>)             |</a:t>
-            </a:r>
-          </a:p>
-          <a:p>
-            <a:pPr>
-              <a:spcAft>
-                <a:spcPts val="0"/>
-              </a:spcAft>
-            </a:pPr>
-            <a:r>
-              <a:rPr lang="en-US" sz="750" b="1" dirty="0">
-                <a:solidFill>
-                  <a:srgbClr val="7030A0"/>
-                </a:solidFill>
-                <a:latin typeface="Courier" pitchFamily="2" charset="0"/>
-                <a:ea typeface="Courier" charset="0"/>
-                <a:cs typeface="Courier" charset="0"/>
-              </a:rPr>
-              <a:t>      +-+-+-+-+-+-+-+-+-+-+-+-+-+-+-+-+-+-+-+-+-+-+-+-+-+-+-+-+-+-+-+-+</a:t>
-            </a:r>
-          </a:p>
-          <a:p>
-            <a:pPr>
-              <a:spcAft>
-                <a:spcPts val="0"/>
-              </a:spcAft>
-            </a:pPr>
-            <a:endParaRPr lang="en-US" sz="750" dirty="0">
-              <a:solidFill>
-                <a:srgbClr val="0070C0"/>
-              </a:solidFill>
-              <a:latin typeface="Courier" pitchFamily="2" charset="0"/>
-              <a:ea typeface="Courier" charset="0"/>
-              <a:cs typeface="Courier" charset="0"/>
-            </a:endParaRPr>
-          </a:p>
-          <a:p>
-            <a:pPr>
-              <a:spcAft>
-                <a:spcPts val="0"/>
-              </a:spcAft>
-            </a:pPr>
-            <a:r>
-              <a:rPr lang="en-US" sz="750" dirty="0">
-                <a:latin typeface="Courier" pitchFamily="2" charset="0"/>
-                <a:ea typeface="Courier" charset="0"/>
-                <a:cs typeface="Courier" charset="0"/>
-              </a:rPr>
-              <a:t>	 Figure: Session-Sender Test Packet Format</a:t>
-            </a:r>
-          </a:p>
-        </p:txBody>
-      </p:sp>
-      <p:sp>
-        <p:nvSpPr>
-          <p:cNvPr id="14" name="Rectangle 13">
-            <a:extLst>
-              <a:ext uri="{FF2B5EF4-FFF2-40B4-BE49-F238E27FC236}">
-                <a16:creationId xmlns:a16="http://schemas.microsoft.com/office/drawing/2014/main" id="{5F9D9D1B-92A3-C64D-87B1-9B0B9C9E3A13}"/>
-              </a:ext>
-            </a:extLst>
-          </p:cNvPr>
-          <p:cNvSpPr/>
-          <p:nvPr/>
-        </p:nvSpPr>
-        <p:spPr>
-          <a:xfrm>
-            <a:off x="4489552" y="659773"/>
-            <a:ext cx="4368799" cy="4131900"/>
-          </a:xfrm>
-          <a:prstGeom prst="rect">
-            <a:avLst/>
-          </a:prstGeom>
-          <a:solidFill>
-            <a:schemeClr val="accent6">
-              <a:lumMod val="20000"/>
-              <a:lumOff val="80000"/>
-            </a:schemeClr>
-          </a:solidFill>
-        </p:spPr>
-        <p:txBody>
-          <a:bodyPr wrap="square">
-            <a:spAutoFit/>
-          </a:bodyPr>
-          <a:lstStyle/>
-          <a:p>
-            <a:pPr>
-              <a:spcAft>
-                <a:spcPts val="0"/>
-              </a:spcAft>
-            </a:pPr>
-            <a:r>
-              <a:rPr lang="en-US" sz="750" dirty="0">
-                <a:latin typeface="Courier" pitchFamily="2" charset="0"/>
-                <a:ea typeface="Courier" charset="0"/>
-                <a:cs typeface="Courier" charset="0"/>
-              </a:rPr>
-              <a:t>     0                   1                   2                   3</a:t>
-            </a:r>
-          </a:p>
-          <a:p>
-            <a:pPr>
-              <a:spcAft>
-                <a:spcPts val="0"/>
-              </a:spcAft>
-            </a:pPr>
-            <a:r>
-              <a:rPr lang="en-US" sz="750" dirty="0">
-                <a:latin typeface="Courier" pitchFamily="2" charset="0"/>
-                <a:ea typeface="Courier" charset="0"/>
-                <a:cs typeface="Courier" charset="0"/>
-              </a:rPr>
-              <a:t>     0 1 2 3 4 5 6 7 8 9 0 1 2 3 4 5 6 7 8 9 0 1 2 3 4 5 6 7 8 9 0 1</a:t>
-            </a:r>
-          </a:p>
-          <a:p>
-            <a:pPr>
-              <a:spcAft>
-                <a:spcPts val="0"/>
-              </a:spcAft>
-            </a:pPr>
-            <a:r>
-              <a:rPr lang="en-US" sz="750" dirty="0">
-                <a:latin typeface="Courier" pitchFamily="2" charset="0"/>
-                <a:ea typeface="Courier" charset="0"/>
-                <a:cs typeface="Courier" charset="0"/>
-              </a:rPr>
-              <a:t>    +-+-+-+-+-+-+-+-+-+-+-+-+-+-+-+-+-+-+-+-+-+-+-+-+-+-+-+-+-+-+-+-+</a:t>
-            </a:r>
-          </a:p>
-          <a:p>
-            <a:pPr>
-              <a:spcAft>
-                <a:spcPts val="0"/>
-              </a:spcAft>
-            </a:pPr>
-            <a:r>
-              <a:rPr lang="en-US" sz="750" dirty="0">
-                <a:latin typeface="Courier" pitchFamily="2" charset="0"/>
-                <a:ea typeface="Courier" charset="0"/>
-                <a:cs typeface="Courier" charset="0"/>
-              </a:rPr>
-              <a:t>    |                        Sequence Number                        |</a:t>
-            </a:r>
-          </a:p>
-          <a:p>
-            <a:pPr>
-              <a:spcAft>
-                <a:spcPts val="0"/>
-              </a:spcAft>
-            </a:pPr>
-            <a:r>
-              <a:rPr lang="en-US" sz="750" dirty="0">
-                <a:latin typeface="Courier" pitchFamily="2" charset="0"/>
-                <a:ea typeface="Courier" charset="0"/>
-                <a:cs typeface="Courier" charset="0"/>
-              </a:rPr>
-              <a:t>    +-+-+-+-+-+-+-+-+-+-+-+-+-+-+-+-+-+-+-+-+-+-+-+-+-+-+-+-+-+-+-+-+</a:t>
-            </a:r>
-          </a:p>
-          <a:p>
-            <a:pPr>
-              <a:spcAft>
-                <a:spcPts val="0"/>
-              </a:spcAft>
-            </a:pPr>
-            <a:r>
-              <a:rPr lang="en-US" sz="750" dirty="0">
-                <a:latin typeface="Courier" pitchFamily="2" charset="0"/>
-                <a:ea typeface="Courier" charset="0"/>
-                <a:cs typeface="Courier" charset="0"/>
-              </a:rPr>
-              <a:t>    |                          Timestamp                            |</a:t>
-            </a:r>
-          </a:p>
-          <a:p>
-            <a:pPr>
-              <a:spcAft>
-                <a:spcPts val="0"/>
-              </a:spcAft>
-            </a:pPr>
-            <a:r>
-              <a:rPr lang="en-US" sz="750" dirty="0">
-                <a:latin typeface="Courier" pitchFamily="2" charset="0"/>
-                <a:ea typeface="Courier" charset="0"/>
-                <a:cs typeface="Courier" charset="0"/>
-              </a:rPr>
-              <a:t>    |                                                               |</a:t>
-            </a:r>
-          </a:p>
-          <a:p>
-            <a:pPr>
-              <a:spcAft>
-                <a:spcPts val="0"/>
-              </a:spcAft>
-            </a:pPr>
-            <a:r>
-              <a:rPr lang="en-US" sz="750" dirty="0">
-                <a:latin typeface="Courier" pitchFamily="2" charset="0"/>
-                <a:ea typeface="Courier" charset="0"/>
-                <a:cs typeface="Courier" charset="0"/>
-              </a:rPr>
-              <a:t>    +-+-+-+-+-+-+-+-+-+-+-+-+-+-+-+-+-+-+-+-+-+-+-+-+-+-+-+-+-+-+-+-+</a:t>
-            </a:r>
-          </a:p>
-          <a:p>
-            <a:pPr>
-              <a:spcAft>
-                <a:spcPts val="0"/>
-              </a:spcAft>
-            </a:pPr>
-            <a:r>
-              <a:rPr lang="en-US" sz="750" dirty="0">
-                <a:latin typeface="Courier" pitchFamily="2" charset="0"/>
-                <a:ea typeface="Courier" charset="0"/>
-                <a:cs typeface="Courier" charset="0"/>
-              </a:rPr>
-              <a:t>    |         Error Estimate        |           SSID                |</a:t>
-            </a:r>
-          </a:p>
-          <a:p>
-            <a:pPr>
-              <a:spcAft>
-                <a:spcPts val="0"/>
-              </a:spcAft>
-            </a:pPr>
-            <a:r>
-              <a:rPr lang="en-US" sz="750" dirty="0">
-                <a:latin typeface="Courier" pitchFamily="2" charset="0"/>
-                <a:ea typeface="Courier" charset="0"/>
-                <a:cs typeface="Courier" charset="0"/>
-              </a:rPr>
-              <a:t>    +-+-+-+-+-+-+-+-+-+-+-+-+-+-+-+-+-+-+-+-+-+-+-+-+-+-+-+-+-+-+-+-+</a:t>
-            </a:r>
-          </a:p>
-          <a:p>
-            <a:pPr>
-              <a:spcAft>
-                <a:spcPts val="0"/>
-              </a:spcAft>
-            </a:pPr>
-            <a:r>
-              <a:rPr lang="en-US" sz="750" dirty="0">
-                <a:latin typeface="Courier" pitchFamily="2" charset="0"/>
-                <a:ea typeface="Courier" charset="0"/>
-                <a:cs typeface="Courier" charset="0"/>
-              </a:rPr>
-              <a:t>    |                          Receive Timestamp                    |</a:t>
-            </a:r>
-          </a:p>
-          <a:p>
-            <a:pPr>
-              <a:spcAft>
-                <a:spcPts val="0"/>
-              </a:spcAft>
-            </a:pPr>
-            <a:r>
-              <a:rPr lang="en-US" sz="750" dirty="0">
-                <a:latin typeface="Courier" pitchFamily="2" charset="0"/>
-                <a:ea typeface="Courier" charset="0"/>
-                <a:cs typeface="Courier" charset="0"/>
-              </a:rPr>
-              <a:t>    |                                                               |</a:t>
-            </a:r>
-          </a:p>
-          <a:p>
-            <a:pPr>
-              <a:spcAft>
-                <a:spcPts val="0"/>
-              </a:spcAft>
-            </a:pPr>
-            <a:r>
-              <a:rPr lang="en-US" sz="750" dirty="0">
-                <a:latin typeface="Courier" pitchFamily="2" charset="0"/>
-                <a:ea typeface="Courier" charset="0"/>
-                <a:cs typeface="Courier" charset="0"/>
-              </a:rPr>
-              <a:t>    +-+-+-+-+-+-+-+-+-+-+-+-+-+-+-+-+-+-+-+-+-+-+-+-+-+-+-+-+-+-+-+-+</a:t>
-            </a:r>
-          </a:p>
-          <a:p>
-            <a:pPr>
-              <a:spcAft>
-                <a:spcPts val="0"/>
-              </a:spcAft>
-            </a:pPr>
-            <a:r>
-              <a:rPr lang="en-US" sz="750" dirty="0">
-                <a:latin typeface="Courier" pitchFamily="2" charset="0"/>
-                <a:ea typeface="Courier" charset="0"/>
-                <a:cs typeface="Courier" charset="0"/>
-              </a:rPr>
-              <a:t>    |                 Session-Sender Sequence Number                |</a:t>
-            </a:r>
-          </a:p>
-          <a:p>
-            <a:pPr>
-              <a:spcAft>
-                <a:spcPts val="0"/>
-              </a:spcAft>
-            </a:pPr>
-            <a:r>
-              <a:rPr lang="en-US" sz="750" dirty="0">
-                <a:latin typeface="Courier" pitchFamily="2" charset="0"/>
-                <a:ea typeface="Courier" charset="0"/>
-                <a:cs typeface="Courier" charset="0"/>
-              </a:rPr>
-              <a:t>    +-+-+-+-+-+-+-+-+-+-+-+-+-+-+-+-+-+-+-+-+-+-+-+-+-+-+-+-+-+-+-+-+</a:t>
-            </a:r>
-          </a:p>
-          <a:p>
-            <a:pPr>
-              <a:spcAft>
-                <a:spcPts val="0"/>
-              </a:spcAft>
-            </a:pPr>
-            <a:r>
-              <a:rPr lang="en-US" sz="750" dirty="0">
-                <a:latin typeface="Courier" pitchFamily="2" charset="0"/>
-                <a:ea typeface="Courier" charset="0"/>
-                <a:cs typeface="Courier" charset="0"/>
-              </a:rPr>
-              <a:t>    |                  Session-Sender Timestamp                     |</a:t>
-            </a:r>
-          </a:p>
-          <a:p>
-            <a:pPr>
-              <a:spcAft>
-                <a:spcPts val="0"/>
-              </a:spcAft>
-            </a:pPr>
-            <a:r>
-              <a:rPr lang="en-US" sz="750" dirty="0">
-                <a:latin typeface="Courier" pitchFamily="2" charset="0"/>
-                <a:ea typeface="Courier" charset="0"/>
-                <a:cs typeface="Courier" charset="0"/>
-              </a:rPr>
-              <a:t>    |                                                               |</a:t>
-            </a:r>
-          </a:p>
-          <a:p>
-            <a:pPr>
-              <a:spcAft>
-                <a:spcPts val="0"/>
-              </a:spcAft>
-            </a:pPr>
-            <a:r>
-              <a:rPr lang="en-US" sz="750" dirty="0">
-                <a:latin typeface="Courier" pitchFamily="2" charset="0"/>
-                <a:ea typeface="Courier" charset="0"/>
-                <a:cs typeface="Courier" charset="0"/>
-              </a:rPr>
-              <a:t>    +-+-+-+-+-+-+-+-+-+-+-+-+-+-+-+-+-+-+-+-+-+-+-+-+-+-+-+-+-+-+-+-+</a:t>
-            </a:r>
-          </a:p>
-          <a:p>
-            <a:pPr>
-              <a:spcAft>
-                <a:spcPts val="0"/>
-              </a:spcAft>
-            </a:pPr>
-            <a:r>
-              <a:rPr lang="en-US" sz="750" dirty="0">
-                <a:latin typeface="Courier" pitchFamily="2" charset="0"/>
-                <a:ea typeface="Courier" charset="0"/>
-                <a:cs typeface="Courier" charset="0"/>
-              </a:rPr>
-              <a:t>    | Session-Sender Error Estimate |           MBZ                 |</a:t>
-            </a:r>
-          </a:p>
-          <a:p>
-            <a:pPr>
-              <a:spcAft>
-                <a:spcPts val="0"/>
-              </a:spcAft>
-            </a:pPr>
-            <a:r>
-              <a:rPr lang="en-US" sz="750" dirty="0">
-                <a:latin typeface="Courier" pitchFamily="2" charset="0"/>
-                <a:ea typeface="Courier" charset="0"/>
-                <a:cs typeface="Courier" charset="0"/>
-              </a:rPr>
-              <a:t>    +-+-+-+-+-+-+-+-+-+-+-+-+-+-+-+-+-+-+-+-+-+-+-+-+-+-+-+-+-+-+-+-+</a:t>
-            </a:r>
-          </a:p>
-          <a:p>
-            <a:pPr>
-              <a:spcAft>
-                <a:spcPts val="0"/>
-              </a:spcAft>
-            </a:pPr>
-            <a:r>
-              <a:rPr lang="en-US" sz="750" dirty="0">
-                <a:latin typeface="Courier" pitchFamily="2" charset="0"/>
-                <a:ea typeface="Courier" charset="0"/>
-                <a:cs typeface="Courier" charset="0"/>
-              </a:rPr>
-              <a:t>    |</a:t>
-            </a:r>
-            <a:r>
-              <a:rPr lang="en-US" sz="750" dirty="0" err="1">
-                <a:latin typeface="Courier" pitchFamily="2" charset="0"/>
-                <a:ea typeface="Courier" charset="0"/>
-                <a:cs typeface="Courier" charset="0"/>
-              </a:rPr>
-              <a:t>Ses</a:t>
-            </a:r>
-            <a:r>
-              <a:rPr lang="en-US" sz="750" dirty="0">
-                <a:latin typeface="Courier" pitchFamily="2" charset="0"/>
-                <a:ea typeface="Courier" charset="0"/>
-                <a:cs typeface="Courier" charset="0"/>
-              </a:rPr>
-              <a:t>-Sender TTL |                  MBZ2                         |</a:t>
-            </a:r>
-          </a:p>
-          <a:p>
-            <a:pPr>
-              <a:spcAft>
-                <a:spcPts val="0"/>
-              </a:spcAft>
-            </a:pPr>
-            <a:r>
-              <a:rPr lang="en-US" sz="750" dirty="0">
-                <a:latin typeface="Courier" pitchFamily="2" charset="0"/>
-                <a:ea typeface="Courier" charset="0"/>
-                <a:cs typeface="Courier" charset="0"/>
-              </a:rPr>
-              <a:t>    +-+-+-+-+-+-+-+-+-+-+-+-+-+-+-+-+-+-+-+-+-+-+-+-+-+-+-+-+-+-+-+-+</a:t>
-            </a:r>
-          </a:p>
-          <a:p>
-            <a:pPr>
-              <a:spcAft>
-                <a:spcPts val="0"/>
-              </a:spcAft>
-            </a:pPr>
-            <a:r>
-              <a:rPr lang="en-US" sz="750" dirty="0">
-                <a:solidFill>
-                  <a:srgbClr val="7030A0"/>
-                </a:solidFill>
-                <a:latin typeface="Courier" pitchFamily="2" charset="0"/>
-                <a:ea typeface="Courier" charset="0"/>
-                <a:cs typeface="Courier" charset="0"/>
-              </a:rPr>
-              <a:t>    </a:t>
-            </a:r>
-            <a:r>
-              <a:rPr lang="en-US" sz="750" b="1" dirty="0">
-                <a:solidFill>
-                  <a:srgbClr val="7030A0"/>
-                </a:solidFill>
-                <a:latin typeface="Courier" pitchFamily="2" charset="0"/>
-                <a:ea typeface="Courier" charset="0"/>
-                <a:cs typeface="Courier" charset="0"/>
-              </a:rPr>
-              <a:t>~                                                               ~</a:t>
-            </a:r>
-          </a:p>
-          <a:p>
-            <a:pPr>
-              <a:spcAft>
-                <a:spcPts val="0"/>
-              </a:spcAft>
-            </a:pPr>
-            <a:r>
-              <a:rPr lang="en-US" sz="750" b="1" dirty="0">
-                <a:solidFill>
-                  <a:srgbClr val="7030A0"/>
-                </a:solidFill>
-                <a:latin typeface="Courier" pitchFamily="2" charset="0"/>
-                <a:ea typeface="Courier" charset="0"/>
-                <a:cs typeface="Courier" charset="0"/>
-              </a:rPr>
-              <a:t>    ~                                                               ~</a:t>
-            </a:r>
-          </a:p>
-          <a:p>
-            <a:pPr>
-              <a:spcAft>
-                <a:spcPts val="0"/>
-              </a:spcAft>
-            </a:pPr>
-            <a:r>
-              <a:rPr lang="en-US" sz="750" b="1" dirty="0">
-                <a:solidFill>
-                  <a:srgbClr val="7030A0"/>
-                </a:solidFill>
-                <a:latin typeface="Courier" pitchFamily="2" charset="0"/>
-                <a:ea typeface="Courier" charset="0"/>
-                <a:cs typeface="Courier" charset="0"/>
-              </a:rPr>
-              <a:t>    +-+-+-+-+-+-+-+-+-+-+-+-+-+-+-+-+-+-+-+-+-+-+-+-+-+-+-+-+-+-+-+-+</a:t>
-            </a:r>
-          </a:p>
-          <a:p>
-            <a:pPr>
-              <a:spcAft>
-                <a:spcPts val="0"/>
-              </a:spcAft>
-            </a:pPr>
-            <a:r>
-              <a:rPr lang="en-CA" sz="750" b="1" dirty="0">
-                <a:solidFill>
-                  <a:srgbClr val="7030A0"/>
-                </a:solidFill>
-                <a:latin typeface="Courier" pitchFamily="2" charset="0"/>
-              </a:rPr>
-              <a:t>    |STAMP TLV Flags|  Type         |     Length                    |</a:t>
-            </a:r>
-          </a:p>
-          <a:p>
-            <a:pPr>
-              <a:spcAft>
-                <a:spcPts val="0"/>
-              </a:spcAft>
-            </a:pPr>
-            <a:r>
-              <a:rPr lang="en-US" sz="750" b="1" dirty="0">
-                <a:solidFill>
-                  <a:srgbClr val="7030A0"/>
-                </a:solidFill>
-                <a:latin typeface="Courier" pitchFamily="2" charset="0"/>
-                <a:ea typeface="Courier" charset="0"/>
-                <a:cs typeface="Courier" charset="0"/>
-              </a:rPr>
-              <a:t>    +-+-+-+-+-+-+-+-+-+-+-+-+-+-+-+-+-+-+-+-+-+-+-+-+-+-+-+-+-+-+-+-+</a:t>
-            </a:r>
-          </a:p>
-          <a:p>
-            <a:pPr>
-              <a:spcAft>
-                <a:spcPts val="0"/>
-              </a:spcAft>
-            </a:pPr>
-            <a:r>
-              <a:rPr lang="en-US" sz="750" b="1" dirty="0">
-                <a:solidFill>
-                  <a:srgbClr val="7030A0"/>
-                </a:solidFill>
-                <a:latin typeface="Courier" pitchFamily="2" charset="0"/>
-                <a:ea typeface="Courier" charset="0"/>
-                <a:cs typeface="Courier" charset="0"/>
-              </a:rPr>
-              <a:t>    |             Session-Sender Tx counter  (</a:t>
-            </a:r>
-            <a:r>
-              <a:rPr lang="en-US" sz="750" b="1" dirty="0" err="1">
-                <a:solidFill>
-                  <a:srgbClr val="7030A0"/>
-                </a:solidFill>
-                <a:latin typeface="Courier" pitchFamily="2" charset="0"/>
-                <a:ea typeface="Courier" charset="0"/>
-                <a:cs typeface="Courier" charset="0"/>
-              </a:rPr>
-              <a:t>S_TxC</a:t>
-            </a:r>
-            <a:r>
-              <a:rPr lang="en-US" sz="750" b="1" dirty="0">
-                <a:solidFill>
-                  <a:srgbClr val="7030A0"/>
-                </a:solidFill>
-                <a:latin typeface="Courier" pitchFamily="2" charset="0"/>
-                <a:ea typeface="Courier" charset="0"/>
-                <a:cs typeface="Courier" charset="0"/>
-              </a:rPr>
-              <a:t>)                |</a:t>
-            </a:r>
-          </a:p>
-          <a:p>
-            <a:pPr>
-              <a:spcAft>
-                <a:spcPts val="0"/>
-              </a:spcAft>
-            </a:pPr>
-            <a:r>
-              <a:rPr lang="en-US" sz="750" b="1" dirty="0">
-                <a:solidFill>
-                  <a:srgbClr val="7030A0"/>
-                </a:solidFill>
-                <a:latin typeface="Courier" pitchFamily="2" charset="0"/>
-                <a:ea typeface="Courier" charset="0"/>
-                <a:cs typeface="Courier" charset="0"/>
-              </a:rPr>
-              <a:t>    +-+-+-+-+-+-+-+-+-+-+-+-+-+-+-+-+-+-+-+-+-+-+-+-+-+-+-+-+-+-+-+-+</a:t>
-            </a:r>
-          </a:p>
-          <a:p>
-            <a:pPr>
-              <a:spcAft>
-                <a:spcPts val="0"/>
-              </a:spcAft>
-            </a:pPr>
-            <a:r>
-              <a:rPr lang="en-US" sz="750" b="1" dirty="0">
-                <a:solidFill>
-                  <a:srgbClr val="7030A0"/>
-                </a:solidFill>
-                <a:latin typeface="Courier" pitchFamily="2" charset="0"/>
-                <a:ea typeface="Courier" charset="0"/>
-                <a:cs typeface="Courier" charset="0"/>
-              </a:rPr>
-              <a:t>    |             Session-Reflector Rx counter  (</a:t>
-            </a:r>
-            <a:r>
-              <a:rPr lang="en-US" sz="750" b="1" dirty="0" err="1">
-                <a:solidFill>
-                  <a:srgbClr val="7030A0"/>
-                </a:solidFill>
-                <a:latin typeface="Courier" pitchFamily="2" charset="0"/>
-                <a:ea typeface="Courier" charset="0"/>
-                <a:cs typeface="Courier" charset="0"/>
-              </a:rPr>
-              <a:t>R_RxC</a:t>
-            </a:r>
-            <a:r>
-              <a:rPr lang="en-US" sz="750" b="1" dirty="0">
-                <a:solidFill>
-                  <a:srgbClr val="7030A0"/>
-                </a:solidFill>
-                <a:latin typeface="Courier" pitchFamily="2" charset="0"/>
-                <a:ea typeface="Courier" charset="0"/>
-                <a:cs typeface="Courier" charset="0"/>
-              </a:rPr>
-              <a:t>)             |</a:t>
-            </a:r>
-          </a:p>
-          <a:p>
-            <a:pPr>
-              <a:spcAft>
-                <a:spcPts val="0"/>
-              </a:spcAft>
-            </a:pPr>
-            <a:r>
-              <a:rPr lang="en-US" sz="750" b="1" dirty="0">
-                <a:solidFill>
-                  <a:srgbClr val="7030A0"/>
-                </a:solidFill>
-                <a:latin typeface="Courier" pitchFamily="2" charset="0"/>
-                <a:ea typeface="Courier" charset="0"/>
-                <a:cs typeface="Courier" charset="0"/>
-              </a:rPr>
-              <a:t>    +-+-+-+-+-+-+-+-+-+-+-+-+-+-+-+-+-+-+-+-+-+-+-+-+-+-+-+-+-+-+-+-+</a:t>
-            </a:r>
-          </a:p>
-          <a:p>
-            <a:pPr>
-              <a:spcAft>
-                <a:spcPts val="0"/>
-              </a:spcAft>
-            </a:pPr>
-            <a:r>
-              <a:rPr lang="en-US" sz="750" b="1" dirty="0">
-                <a:solidFill>
-                  <a:srgbClr val="7030A0"/>
-                </a:solidFill>
-                <a:latin typeface="Courier" pitchFamily="2" charset="0"/>
-                <a:ea typeface="Courier" charset="0"/>
-                <a:cs typeface="Courier" charset="0"/>
-              </a:rPr>
-              <a:t>    |             Session-Reflector Tx counter  (</a:t>
-            </a:r>
-            <a:r>
-              <a:rPr lang="en-US" sz="750" b="1" dirty="0" err="1">
-                <a:solidFill>
-                  <a:srgbClr val="7030A0"/>
-                </a:solidFill>
-                <a:latin typeface="Courier" pitchFamily="2" charset="0"/>
-                <a:ea typeface="Courier" charset="0"/>
-                <a:cs typeface="Courier" charset="0"/>
-              </a:rPr>
-              <a:t>R_TxC</a:t>
-            </a:r>
-            <a:r>
-              <a:rPr lang="en-US" sz="750" b="1" dirty="0">
-                <a:solidFill>
-                  <a:srgbClr val="7030A0"/>
-                </a:solidFill>
-                <a:latin typeface="Courier" pitchFamily="2" charset="0"/>
-                <a:ea typeface="Courier" charset="0"/>
-                <a:cs typeface="Courier" charset="0"/>
-              </a:rPr>
-              <a:t>)             |</a:t>
-            </a:r>
-          </a:p>
-          <a:p>
-            <a:pPr>
-              <a:spcAft>
-                <a:spcPts val="0"/>
-              </a:spcAft>
-            </a:pPr>
-            <a:r>
-              <a:rPr lang="en-US" sz="750" b="1" dirty="0">
-                <a:solidFill>
-                  <a:srgbClr val="7030A0"/>
-                </a:solidFill>
-                <a:latin typeface="Courier" pitchFamily="2" charset="0"/>
-                <a:ea typeface="Courier" charset="0"/>
-                <a:cs typeface="Courier" charset="0"/>
-              </a:rPr>
-              <a:t>    +-+-+-+-+-+-+-+-+-+-+-+-+-+-+-+-+-+-+-+-+-+-+-+-+-+-+-+-+-+-+-+-+</a:t>
-            </a:r>
-          </a:p>
-          <a:p>
-            <a:pPr>
-              <a:spcAft>
-                <a:spcPts val="0"/>
-              </a:spcAft>
-            </a:pPr>
-            <a:endParaRPr lang="en-US" sz="750" dirty="0">
-              <a:latin typeface="Courier" pitchFamily="2" charset="0"/>
-              <a:ea typeface="Courier" charset="0"/>
-              <a:cs typeface="Courier" charset="0"/>
-            </a:endParaRPr>
-          </a:p>
-          <a:p>
-            <a:pPr>
-              <a:spcAft>
-                <a:spcPts val="0"/>
-              </a:spcAft>
-            </a:pPr>
-            <a:r>
-              <a:rPr lang="en-US" sz="750" dirty="0">
-                <a:latin typeface="Courier" pitchFamily="2" charset="0"/>
-                <a:ea typeface="Courier" charset="0"/>
-                <a:cs typeface="Courier" charset="0"/>
-              </a:rPr>
-              <a:t>	Figure: Session-Reflector Test Packet Format</a:t>
-            </a:r>
-          </a:p>
-        </p:txBody>
-      </p:sp>
-      <p:sp>
-        <p:nvSpPr>
-          <p:cNvPr id="6" name="Footer Placeholder 3">
-            <a:extLst>
-              <a:ext uri="{FF2B5EF4-FFF2-40B4-BE49-F238E27FC236}">
-                <a16:creationId xmlns:a16="http://schemas.microsoft.com/office/drawing/2014/main" id="{DAAC01B7-F9FF-A94D-AC6F-E2071AD95C28}"/>
-              </a:ext>
-            </a:extLst>
-          </p:cNvPr>
-          <p:cNvSpPr txBox="1">
-            <a:spLocks/>
-          </p:cNvSpPr>
-          <p:nvPr/>
-        </p:nvSpPr>
-        <p:spPr>
-          <a:xfrm>
-            <a:off x="3841105" y="4844952"/>
-            <a:ext cx="1638300" cy="298548"/>
-          </a:xfrm>
-          <a:prstGeom prst="rect">
-            <a:avLst/>
-          </a:prstGeom>
-        </p:spPr>
-        <p:txBody>
-          <a:bodyPr/>
-          <a:lstStyle>
-            <a:defPPr>
-              <a:defRPr lang="zh-CN"/>
-            </a:defPPr>
-            <a:lvl1pPr algn="l" rtl="0" fontAlgn="base">
-              <a:spcBef>
-                <a:spcPct val="0"/>
-              </a:spcBef>
-              <a:spcAft>
-                <a:spcPct val="0"/>
-              </a:spcAft>
-              <a:defRPr kern="1200">
-                <a:solidFill>
-                  <a:schemeClr val="tx1"/>
-                </a:solidFill>
-                <a:latin typeface="Arial" charset="0"/>
-                <a:ea typeface="宋体" pitchFamily="2" charset="-122"/>
-                <a:cs typeface="+mn-cs"/>
-              </a:defRPr>
-            </a:lvl1pPr>
-            <a:lvl2pPr marL="457200" algn="l" rtl="0" fontAlgn="base">
-              <a:spcBef>
-                <a:spcPct val="0"/>
-              </a:spcBef>
-              <a:spcAft>
-                <a:spcPct val="0"/>
-              </a:spcAft>
-              <a:defRPr kern="1200">
-                <a:solidFill>
-                  <a:schemeClr val="tx1"/>
-                </a:solidFill>
-                <a:latin typeface="Arial" charset="0"/>
-                <a:ea typeface="宋体" pitchFamily="2" charset="-122"/>
-                <a:cs typeface="+mn-cs"/>
-              </a:defRPr>
-            </a:lvl2pPr>
-            <a:lvl3pPr marL="914400" algn="l" rtl="0" fontAlgn="base">
-              <a:spcBef>
-                <a:spcPct val="0"/>
-              </a:spcBef>
-              <a:spcAft>
-                <a:spcPct val="0"/>
-              </a:spcAft>
-              <a:defRPr kern="1200">
-                <a:solidFill>
-                  <a:schemeClr val="tx1"/>
-                </a:solidFill>
-                <a:latin typeface="Arial" charset="0"/>
-                <a:ea typeface="宋体" pitchFamily="2" charset="-122"/>
-                <a:cs typeface="+mn-cs"/>
-              </a:defRPr>
-            </a:lvl3pPr>
-            <a:lvl4pPr marL="1371600" algn="l" rtl="0" fontAlgn="base">
-              <a:spcBef>
-                <a:spcPct val="0"/>
-              </a:spcBef>
-              <a:spcAft>
-                <a:spcPct val="0"/>
-              </a:spcAft>
-              <a:defRPr kern="1200">
-                <a:solidFill>
-                  <a:schemeClr val="tx1"/>
-                </a:solidFill>
-                <a:latin typeface="Arial" charset="0"/>
-                <a:ea typeface="宋体" pitchFamily="2" charset="-122"/>
-                <a:cs typeface="+mn-cs"/>
-              </a:defRPr>
-            </a:lvl4pPr>
-            <a:lvl5pPr marL="1828800" algn="l" rtl="0" fontAlgn="base">
-              <a:spcBef>
-                <a:spcPct val="0"/>
-              </a:spcBef>
-              <a:spcAft>
-                <a:spcPct val="0"/>
-              </a:spcAft>
-              <a:defRPr kern="1200">
-                <a:solidFill>
-                  <a:schemeClr val="tx1"/>
-                </a:solidFill>
-                <a:latin typeface="Arial" charset="0"/>
-                <a:ea typeface="宋体" pitchFamily="2" charset="-122"/>
-                <a:cs typeface="+mn-cs"/>
-              </a:defRPr>
-            </a:lvl5pPr>
-            <a:lvl6pPr marL="2286000" algn="l" defTabSz="914400" rtl="0" eaLnBrk="1" latinLnBrk="0" hangingPunct="1">
-              <a:defRPr kern="1200">
-                <a:solidFill>
-                  <a:schemeClr val="tx1"/>
-                </a:solidFill>
-                <a:latin typeface="Arial" charset="0"/>
-                <a:ea typeface="宋体" pitchFamily="2" charset="-122"/>
-                <a:cs typeface="+mn-cs"/>
-              </a:defRPr>
-            </a:lvl6pPr>
-            <a:lvl7pPr marL="2743200" algn="l" defTabSz="914400" rtl="0" eaLnBrk="1" latinLnBrk="0" hangingPunct="1">
-              <a:defRPr kern="1200">
-                <a:solidFill>
-                  <a:schemeClr val="tx1"/>
-                </a:solidFill>
-                <a:latin typeface="Arial" charset="0"/>
-                <a:ea typeface="宋体" pitchFamily="2" charset="-122"/>
-                <a:cs typeface="+mn-cs"/>
-              </a:defRPr>
-            </a:lvl7pPr>
-            <a:lvl8pPr marL="3200400" algn="l" defTabSz="914400" rtl="0" eaLnBrk="1" latinLnBrk="0" hangingPunct="1">
-              <a:defRPr kern="1200">
-                <a:solidFill>
-                  <a:schemeClr val="tx1"/>
-                </a:solidFill>
-                <a:latin typeface="Arial" charset="0"/>
-                <a:ea typeface="宋体" pitchFamily="2" charset="-122"/>
-                <a:cs typeface="+mn-cs"/>
-              </a:defRPr>
-            </a:lvl8pPr>
-            <a:lvl9pPr marL="3657600" algn="l" defTabSz="914400" rtl="0" eaLnBrk="1" latinLnBrk="0" hangingPunct="1">
-              <a:defRPr kern="1200">
-                <a:solidFill>
-                  <a:schemeClr val="tx1"/>
-                </a:solidFill>
-                <a:latin typeface="Arial" charset="0"/>
-                <a:ea typeface="宋体" pitchFamily="2" charset="-122"/>
-                <a:cs typeface="+mn-cs"/>
-              </a:defRPr>
-            </a:lvl9pPr>
-          </a:lstStyle>
-          <a:p>
-            <a:r>
-              <a:rPr lang="en-CA" sz="1200" dirty="0"/>
-              <a:t>110</a:t>
-            </a:r>
-            <a:r>
-              <a:rPr lang="en-CA" sz="1200" baseline="30000" dirty="0"/>
-              <a:t>th</a:t>
-            </a:r>
-            <a:r>
-              <a:rPr lang="en-CA" sz="1200" dirty="0"/>
-              <a:t> IETF Online</a:t>
-            </a:r>
-          </a:p>
-        </p:txBody>
-      </p:sp>
-      <p:sp>
-        <p:nvSpPr>
-          <p:cNvPr id="7" name="Slide Number Placeholder 2">
-            <a:extLst>
-              <a:ext uri="{FF2B5EF4-FFF2-40B4-BE49-F238E27FC236}">
-                <a16:creationId xmlns:a16="http://schemas.microsoft.com/office/drawing/2014/main" id="{8D46899F-25E7-8042-9E81-459B5F041477}"/>
-              </a:ext>
-            </a:extLst>
-          </p:cNvPr>
-          <p:cNvSpPr txBox="1">
-            <a:spLocks/>
-          </p:cNvSpPr>
-          <p:nvPr/>
-        </p:nvSpPr>
-        <p:spPr>
-          <a:xfrm>
-            <a:off x="7543800" y="4745366"/>
-            <a:ext cx="1143000" cy="357188"/>
-          </a:xfrm>
-          <a:prstGeom prst="rect">
-            <a:avLst/>
-          </a:prstGeom>
-        </p:spPr>
-        <p:txBody>
-          <a:bodyPr/>
-          <a:lstStyle>
-            <a:defPPr>
-              <a:defRPr lang="zh-CN"/>
-            </a:defPPr>
-            <a:lvl1pPr algn="l" rtl="0" fontAlgn="base">
-              <a:spcBef>
-                <a:spcPct val="0"/>
-              </a:spcBef>
-              <a:spcAft>
-                <a:spcPct val="0"/>
-              </a:spcAft>
-              <a:defRPr kern="1200">
-                <a:solidFill>
-                  <a:schemeClr val="tx1"/>
-                </a:solidFill>
-                <a:latin typeface="Arial" charset="0"/>
-                <a:ea typeface="宋体" pitchFamily="2" charset="-122"/>
-                <a:cs typeface="+mn-cs"/>
-              </a:defRPr>
-            </a:lvl1pPr>
-            <a:lvl2pPr marL="457200" algn="l" rtl="0" fontAlgn="base">
-              <a:spcBef>
-                <a:spcPct val="0"/>
-              </a:spcBef>
-              <a:spcAft>
-                <a:spcPct val="0"/>
-              </a:spcAft>
-              <a:defRPr kern="1200">
-                <a:solidFill>
-                  <a:schemeClr val="tx1"/>
-                </a:solidFill>
-                <a:latin typeface="Arial" charset="0"/>
-                <a:ea typeface="宋体" pitchFamily="2" charset="-122"/>
-                <a:cs typeface="+mn-cs"/>
-              </a:defRPr>
-            </a:lvl2pPr>
-            <a:lvl3pPr marL="914400" algn="l" rtl="0" fontAlgn="base">
-              <a:spcBef>
-                <a:spcPct val="0"/>
-              </a:spcBef>
-              <a:spcAft>
-                <a:spcPct val="0"/>
-              </a:spcAft>
-              <a:defRPr kern="1200">
-                <a:solidFill>
-                  <a:schemeClr val="tx1"/>
-                </a:solidFill>
-                <a:latin typeface="Arial" charset="0"/>
-                <a:ea typeface="宋体" pitchFamily="2" charset="-122"/>
-                <a:cs typeface="+mn-cs"/>
-              </a:defRPr>
-            </a:lvl3pPr>
-            <a:lvl4pPr marL="1371600" algn="l" rtl="0" fontAlgn="base">
-              <a:spcBef>
-                <a:spcPct val="0"/>
-              </a:spcBef>
-              <a:spcAft>
-                <a:spcPct val="0"/>
-              </a:spcAft>
-              <a:defRPr kern="1200">
-                <a:solidFill>
-                  <a:schemeClr val="tx1"/>
-                </a:solidFill>
-                <a:latin typeface="Arial" charset="0"/>
-                <a:ea typeface="宋体" pitchFamily="2" charset="-122"/>
-                <a:cs typeface="+mn-cs"/>
-              </a:defRPr>
-            </a:lvl4pPr>
-            <a:lvl5pPr marL="1828800" algn="l" rtl="0" fontAlgn="base">
-              <a:spcBef>
-                <a:spcPct val="0"/>
-              </a:spcBef>
-              <a:spcAft>
-                <a:spcPct val="0"/>
-              </a:spcAft>
-              <a:defRPr kern="1200">
-                <a:solidFill>
-                  <a:schemeClr val="tx1"/>
-                </a:solidFill>
-                <a:latin typeface="Arial" charset="0"/>
-                <a:ea typeface="宋体" pitchFamily="2" charset="-122"/>
-                <a:cs typeface="+mn-cs"/>
-              </a:defRPr>
-            </a:lvl5pPr>
-            <a:lvl6pPr marL="2286000" algn="l" defTabSz="914400" rtl="0" eaLnBrk="1" latinLnBrk="0" hangingPunct="1">
-              <a:defRPr kern="1200">
-                <a:solidFill>
-                  <a:schemeClr val="tx1"/>
-                </a:solidFill>
-                <a:latin typeface="Arial" charset="0"/>
-                <a:ea typeface="宋体" pitchFamily="2" charset="-122"/>
-                <a:cs typeface="+mn-cs"/>
-              </a:defRPr>
-            </a:lvl6pPr>
-            <a:lvl7pPr marL="2743200" algn="l" defTabSz="914400" rtl="0" eaLnBrk="1" latinLnBrk="0" hangingPunct="1">
-              <a:defRPr kern="1200">
-                <a:solidFill>
-                  <a:schemeClr val="tx1"/>
-                </a:solidFill>
-                <a:latin typeface="Arial" charset="0"/>
-                <a:ea typeface="宋体" pitchFamily="2" charset="-122"/>
-                <a:cs typeface="+mn-cs"/>
-              </a:defRPr>
-            </a:lvl7pPr>
-            <a:lvl8pPr marL="3200400" algn="l" defTabSz="914400" rtl="0" eaLnBrk="1" latinLnBrk="0" hangingPunct="1">
-              <a:defRPr kern="1200">
-                <a:solidFill>
-                  <a:schemeClr val="tx1"/>
-                </a:solidFill>
-                <a:latin typeface="Arial" charset="0"/>
-                <a:ea typeface="宋体" pitchFamily="2" charset="-122"/>
-                <a:cs typeface="+mn-cs"/>
-              </a:defRPr>
-            </a:lvl8pPr>
-            <a:lvl9pPr marL="3657600" algn="l" defTabSz="914400" rtl="0" eaLnBrk="1" latinLnBrk="0" hangingPunct="1">
-              <a:defRPr kern="1200">
-                <a:solidFill>
-                  <a:schemeClr val="tx1"/>
-                </a:solidFill>
-                <a:latin typeface="Arial" charset="0"/>
-                <a:ea typeface="宋体" pitchFamily="2" charset="-122"/>
-                <a:cs typeface="+mn-cs"/>
-              </a:defRPr>
-            </a:lvl9pPr>
-          </a:lstStyle>
-          <a:p>
-            <a:pPr algn="r">
-              <a:defRPr/>
-            </a:pPr>
-            <a:fld id="{D5EE1D1A-EEC2-4D53-94A7-85D62C853479}" type="slidenum">
-              <a:rPr lang="en-US" altLang="zh-CN" sz="1400" smtClean="0">
-                <a:latin typeface="Calibri" panose="020F0502020204030204" pitchFamily="34" charset="0"/>
-                <a:cs typeface="Calibri" panose="020F0502020204030204" pitchFamily="34" charset="0"/>
-              </a:rPr>
-              <a:pPr algn="r">
-                <a:defRPr/>
-              </a:pPr>
-              <a:t>10</a:t>
-            </a:fld>
-            <a:endParaRPr lang="en-US" altLang="zh-CN" sz="1400" dirty="0">
-              <a:latin typeface="Calibri" panose="020F0502020204030204" pitchFamily="34" charset="0"/>
-              <a:cs typeface="Calibri" panose="020F0502020204030204" pitchFamily="34" charset="0"/>
-            </a:endParaRPr>
-          </a:p>
-        </p:txBody>
-      </p:sp>
-      <p:cxnSp>
-        <p:nvCxnSpPr>
-          <p:cNvPr id="4" name="Straight Connector 3">
-            <a:extLst>
-              <a:ext uri="{FF2B5EF4-FFF2-40B4-BE49-F238E27FC236}">
-                <a16:creationId xmlns:a16="http://schemas.microsoft.com/office/drawing/2014/main" id="{0B9B10AD-8D48-D148-91E8-65E3279D89CE}"/>
-              </a:ext>
-            </a:extLst>
-          </p:cNvPr>
-          <p:cNvCxnSpPr>
-            <a:cxnSpLocks/>
-          </p:cNvCxnSpPr>
-          <p:nvPr/>
-        </p:nvCxnSpPr>
-        <p:spPr>
-          <a:xfrm>
-            <a:off x="4572000" y="659773"/>
-            <a:ext cx="0" cy="4111227"/>
-          </a:xfrm>
-          <a:prstGeom prst="line">
-            <a:avLst/>
-          </a:prstGeom>
-          <a:ln>
-            <a:solidFill>
-              <a:schemeClr val="tx2"/>
-            </a:solidFill>
-          </a:ln>
-        </p:spPr>
-        <p:style>
-          <a:lnRef idx="1">
-            <a:schemeClr val="accent1"/>
-          </a:lnRef>
-          <a:fillRef idx="0">
-            <a:schemeClr val="accent1"/>
-          </a:fillRef>
-          <a:effectRef idx="0">
-            <a:schemeClr val="accent1"/>
-          </a:effectRef>
-          <a:fontRef idx="minor">
-            <a:schemeClr val="tx1"/>
-          </a:fontRef>
-        </p:style>
-      </p:cxnSp>
-    </p:spTree>
-    <p:extLst>
-      <p:ext uri="{BB962C8B-B14F-4D97-AF65-F5344CB8AC3E}">
-        <p14:creationId xmlns:p14="http://schemas.microsoft.com/office/powerpoint/2010/main" val="2699639324"/>
-      </p:ext>
-    </p:extLst>
-  </p:cSld>
-  <p:clrMapOvr>
-    <a:masterClrMapping/>
-  </p:clrMapOvr>
-  <p:transition spd="med">
-    <p:fade/>
-  </p:transition>
-</p:sld>
-</file>
-
-<file path=ppt/slides/slide11.xml><?xml version="1.0" encoding="utf-8"?>
-<p:sld xmlns:a="http://schemas.openxmlformats.org/drawingml/2006/main" xmlns:r="http://schemas.openxmlformats.org/officeDocument/2006/relationships" xmlns:p="http://schemas.openxmlformats.org/presentationml/2006/main">
-  <p:cSld>
-    <p:spTree>
-      <p:nvGrpSpPr>
-        <p:cNvPr id="1" name=""/>
-        <p:cNvGrpSpPr/>
-        <p:nvPr/>
-      </p:nvGrpSpPr>
-      <p:grpSpPr>
-        <a:xfrm>
-          <a:off x="0" y="0"/>
-          <a:ext cx="0" cy="0"/>
-          <a:chOff x="0" y="0"/>
-          <a:chExt cx="0" cy="0"/>
-        </a:xfrm>
-      </p:grpSpPr>
-      <p:sp>
-        <p:nvSpPr>
           <p:cNvPr id="4" name="Footer Placeholder 3"/>
           <p:cNvSpPr>
             <a:spLocks noGrp="1"/>
@@ -7975,7 +5522,7 @@
               <a:pPr>
                 <a:defRPr/>
               </a:pPr>
-              <a:t>11</a:t>
+              <a:t>10</a:t>
             </a:fld>
             <a:endParaRPr lang="en-US" altLang="zh-CN" dirty="0"/>
           </a:p>
@@ -7984,7 +5531,7 @@
     </p:spTree>
     <p:extLst>
       <p:ext uri="{BB962C8B-B14F-4D97-AF65-F5344CB8AC3E}">
-        <p14:creationId xmlns:p14="http://schemas.microsoft.com/office/powerpoint/2010/main" val="1204541670"/>
+        <p14:creationId xmlns:p14="http://schemas.microsoft.com/office/powerpoint/2010/main" val="1091639292"/>
       </p:ext>
     </p:extLst>
   </p:cSld>
@@ -7994,7 +5541,7 @@
 </p:sld>
 </file>
 
-<file path=ppt/slides/slide12.xml><?xml version="1.0" encoding="utf-8"?>
+<file path=ppt/slides/slide2.xml><?xml version="1.0" encoding="utf-8"?>
 <p:sld xmlns:a="http://schemas.openxmlformats.org/drawingml/2006/main" xmlns:r="http://schemas.openxmlformats.org/officeDocument/2006/relationships" xmlns:p="http://schemas.openxmlformats.org/presentationml/2006/main">
   <p:cSld>
     <p:spTree>
@@ -8013,1329 +5560,51 @@
       </p:grpSpPr>
       <p:sp>
         <p:nvSpPr>
-          <p:cNvPr id="114" name="Title 2"/>
-          <p:cNvSpPr txBox="1">
-            <a:spLocks/>
+          <p:cNvPr id="2" name="Title 1"/>
+          <p:cNvSpPr>
+            <a:spLocks noGrp="1"/>
           </p:cNvSpPr>
-          <p:nvPr/>
+          <p:nvPr>
+            <p:ph type="title"/>
+          </p:nvPr>
         </p:nvSpPr>
-        <p:spPr bwMode="auto">
+        <p:spPr>
           <a:xfrm>
-            <a:off x="0" y="111502"/>
-            <a:ext cx="9144000" cy="731836"/>
+            <a:off x="457200" y="98823"/>
+            <a:ext cx="8229600" cy="857250"/>
           </a:xfrm>
-          <a:prstGeom prst="rect">
-            <a:avLst/>
-          </a:prstGeom>
-          <a:noFill/>
-          <a:ln>
-            <a:noFill/>
-          </a:ln>
-          <a:extLst>
-            <a:ext uri="{909E8E84-426E-40DD-AFC4-6F175D3DCCD1}">
-              <a14:hiddenFill xmlns:a14="http://schemas.microsoft.com/office/drawing/2010/main">
-                <a:solidFill>
-                  <a:srgbClr val="FFFFFF"/>
-                </a:solidFill>
-              </a14:hiddenFill>
-            </a:ext>
-            <a:ext uri="{91240B29-F687-4F45-9708-019B960494DF}">
-              <a14:hiddenLine xmlns:a14="http://schemas.microsoft.com/office/drawing/2010/main" w="9525">
-                <a:solidFill>
-                  <a:srgbClr val="000000"/>
-                </a:solidFill>
-                <a:miter lim="800000"/>
-                <a:headEnd/>
-                <a:tailEnd/>
-              </a14:hiddenLine>
-            </a:ext>
-            <a:ext uri="{909E8E84-426E-40dd-AFC4-6F175D3DCCD1}">
-              <a14:hiddenFill xmlns="" xmlns:a14="http://schemas.microsoft.com/office/drawing/2010/main">
-                <a:solidFill>
-                  <a:srgbClr val="FFFFFF"/>
-                </a:solidFill>
-              </a14:hiddenFill>
-            </a:ext>
-            <a:ext uri="{91240B29-F687-4f45-9708-019B960494DF}">
-              <a14:hiddenLine xmlns="" xmlns:a14="http://schemas.microsoft.com/office/drawing/2010/main" w="9525">
-                <a:solidFill>
-                  <a:srgbClr val="000000"/>
-                </a:solidFill>
-                <a:miter lim="800000"/>
-                <a:headEnd/>
-                <a:tailEnd/>
-              </a14:hiddenLine>
-            </a:ext>
-          </a:extLst>
         </p:spPr>
         <p:txBody>
-          <a:bodyPr vert="horz" wrap="square" lIns="91424" tIns="45712" rIns="91424" bIns="45712" numCol="1" anchor="ctr" anchorCtr="0" compatLnSpc="1">
-            <a:prstTxWarp prst="textNoShape">
-              <a:avLst/>
-            </a:prstTxWarp>
-          </a:bodyPr>
-          <a:lstStyle>
-            <a:lvl1pPr algn="l" defTabSz="684213" rtl="0" eaLnBrk="1" fontAlgn="base" hangingPunct="1">
-              <a:lnSpc>
-                <a:spcPct val="80000"/>
-              </a:lnSpc>
-              <a:spcBef>
-                <a:spcPct val="0"/>
-              </a:spcBef>
-              <a:spcAft>
-                <a:spcPct val="0"/>
-              </a:spcAft>
-              <a:defRPr lang="en-US" sz="2800" b="0" i="0" u="none" kern="1200">
-                <a:solidFill>
-                  <a:schemeClr val="tx2"/>
-                </a:solidFill>
-                <a:latin typeface="+mj-lt"/>
-                <a:ea typeface="CiscoSansTT Thin" charset="0"/>
-                <a:cs typeface="CiscoSansTT Thin" charset="0"/>
-              </a:defRPr>
-            </a:lvl1pPr>
-            <a:lvl2pPr algn="l" defTabSz="684213" rtl="0" eaLnBrk="1" fontAlgn="base" hangingPunct="1">
-              <a:lnSpc>
-                <a:spcPct val="80000"/>
-              </a:lnSpc>
-              <a:spcBef>
-                <a:spcPct val="0"/>
-              </a:spcBef>
-              <a:spcAft>
-                <a:spcPct val="0"/>
-              </a:spcAft>
-              <a:defRPr sz="3200">
-                <a:solidFill>
-                  <a:srgbClr val="676767"/>
-                </a:solidFill>
-                <a:latin typeface="Arial" charset="0"/>
-                <a:ea typeface="ＭＳ Ｐゴシック" charset="0"/>
-              </a:defRPr>
-            </a:lvl2pPr>
-            <a:lvl3pPr algn="l" defTabSz="684213" rtl="0" eaLnBrk="1" fontAlgn="base" hangingPunct="1">
-              <a:lnSpc>
-                <a:spcPct val="80000"/>
-              </a:lnSpc>
-              <a:spcBef>
-                <a:spcPct val="0"/>
-              </a:spcBef>
-              <a:spcAft>
-                <a:spcPct val="0"/>
-              </a:spcAft>
-              <a:defRPr sz="3200">
-                <a:solidFill>
-                  <a:srgbClr val="676767"/>
-                </a:solidFill>
-                <a:latin typeface="Arial" charset="0"/>
-                <a:ea typeface="ＭＳ Ｐゴシック" charset="0"/>
-              </a:defRPr>
-            </a:lvl3pPr>
-            <a:lvl4pPr algn="l" defTabSz="684213" rtl="0" eaLnBrk="1" fontAlgn="base" hangingPunct="1">
-              <a:lnSpc>
-                <a:spcPct val="80000"/>
-              </a:lnSpc>
-              <a:spcBef>
-                <a:spcPct val="0"/>
-              </a:spcBef>
-              <a:spcAft>
-                <a:spcPct val="0"/>
-              </a:spcAft>
-              <a:defRPr sz="3200">
-                <a:solidFill>
-                  <a:srgbClr val="676767"/>
-                </a:solidFill>
-                <a:latin typeface="Arial" charset="0"/>
-                <a:ea typeface="ＭＳ Ｐゴシック" charset="0"/>
-              </a:defRPr>
-            </a:lvl4pPr>
-            <a:lvl5pPr algn="l" defTabSz="684213" rtl="0" eaLnBrk="1" fontAlgn="base" hangingPunct="1">
-              <a:lnSpc>
-                <a:spcPct val="80000"/>
-              </a:lnSpc>
-              <a:spcBef>
-                <a:spcPct val="0"/>
-              </a:spcBef>
-              <a:spcAft>
-                <a:spcPct val="0"/>
-              </a:spcAft>
-              <a:defRPr sz="3200">
-                <a:solidFill>
-                  <a:srgbClr val="676767"/>
-                </a:solidFill>
-                <a:latin typeface="Arial" charset="0"/>
-                <a:ea typeface="ＭＳ Ｐゴシック" charset="0"/>
-              </a:defRPr>
-            </a:lvl5pPr>
-            <a:lvl6pPr marL="457200" algn="l" defTabSz="684213" rtl="0" eaLnBrk="1" fontAlgn="base" hangingPunct="1">
-              <a:lnSpc>
-                <a:spcPct val="80000"/>
-              </a:lnSpc>
-              <a:spcBef>
-                <a:spcPct val="0"/>
-              </a:spcBef>
-              <a:spcAft>
-                <a:spcPct val="0"/>
-              </a:spcAft>
-              <a:defRPr sz="3200">
-                <a:solidFill>
-                  <a:srgbClr val="676767"/>
-                </a:solidFill>
-                <a:latin typeface="Arial" charset="0"/>
-                <a:ea typeface="ＭＳ Ｐゴシック" charset="0"/>
-              </a:defRPr>
-            </a:lvl6pPr>
-            <a:lvl7pPr marL="914400" algn="l" defTabSz="684213" rtl="0" eaLnBrk="1" fontAlgn="base" hangingPunct="1">
-              <a:lnSpc>
-                <a:spcPct val="80000"/>
-              </a:lnSpc>
-              <a:spcBef>
-                <a:spcPct val="0"/>
-              </a:spcBef>
-              <a:spcAft>
-                <a:spcPct val="0"/>
-              </a:spcAft>
-              <a:defRPr sz="3200">
-                <a:solidFill>
-                  <a:srgbClr val="676767"/>
-                </a:solidFill>
-                <a:latin typeface="Arial" charset="0"/>
-                <a:ea typeface="ＭＳ Ｐゴシック" charset="0"/>
-              </a:defRPr>
-            </a:lvl7pPr>
-            <a:lvl8pPr marL="1371600" algn="l" defTabSz="684213" rtl="0" eaLnBrk="1" fontAlgn="base" hangingPunct="1">
-              <a:lnSpc>
-                <a:spcPct val="80000"/>
-              </a:lnSpc>
-              <a:spcBef>
-                <a:spcPct val="0"/>
-              </a:spcBef>
-              <a:spcAft>
-                <a:spcPct val="0"/>
-              </a:spcAft>
-              <a:defRPr sz="3200">
-                <a:solidFill>
-                  <a:srgbClr val="676767"/>
-                </a:solidFill>
-                <a:latin typeface="Arial" charset="0"/>
-                <a:ea typeface="ＭＳ Ｐゴシック" charset="0"/>
-              </a:defRPr>
-            </a:lvl8pPr>
-            <a:lvl9pPr marL="1828800" algn="l" defTabSz="684213" rtl="0" eaLnBrk="1" fontAlgn="base" hangingPunct="1">
-              <a:lnSpc>
-                <a:spcPct val="80000"/>
-              </a:lnSpc>
-              <a:spcBef>
-                <a:spcPct val="0"/>
-              </a:spcBef>
-              <a:spcAft>
-                <a:spcPct val="0"/>
-              </a:spcAft>
-              <a:defRPr sz="3200">
-                <a:solidFill>
-                  <a:srgbClr val="676767"/>
-                </a:solidFill>
-                <a:latin typeface="Arial" charset="0"/>
-                <a:ea typeface="ＭＳ Ｐゴシック" charset="0"/>
-              </a:defRPr>
-            </a:lvl9pPr>
-          </a:lstStyle>
-          <a:p>
-            <a:pPr algn="ctr"/>
-            <a:r>
-              <a:rPr lang="en-US" dirty="0">
+          <a:bodyPr/>
+          <a:lstStyle/>
+          <a:p>
+            <a:r>
+              <a:rPr lang="en-US" sz="3600" dirty="0">
                 <a:solidFill>
                   <a:srgbClr val="0070C0"/>
                 </a:solidFill>
                 <a:latin typeface="Calibri Light" panose="020F0302020204030204" pitchFamily="34" charset="0"/>
                 <a:cs typeface="Calibri Light" panose="020F0302020204030204" pitchFamily="34" charset="0"/>
               </a:rPr>
-              <a:t>Link/P2P L2 Circuits - Counter-stamping in Hardware</a:t>
+              <a:t>Agenda</a:t>
             </a:r>
           </a:p>
         </p:txBody>
       </p:sp>
       <p:sp>
         <p:nvSpPr>
-          <p:cNvPr id="275" name="Content Placeholder 2">
-            <a:extLst>
-              <a:ext uri="{FF2B5EF4-FFF2-40B4-BE49-F238E27FC236}">
-                <a16:creationId xmlns:a16="http://schemas.microsoft.com/office/drawing/2014/main" id="{BA21E28E-354B-471D-8C2D-8DABDC2C9953}"/>
-              </a:ext>
-            </a:extLst>
-          </p:cNvPr>
-          <p:cNvSpPr txBox="1">
-            <a:spLocks/>
-          </p:cNvSpPr>
-          <p:nvPr/>
-        </p:nvSpPr>
-        <p:spPr>
-          <a:xfrm>
-            <a:off x="263753" y="2855092"/>
-            <a:ext cx="4215984" cy="1052161"/>
-          </a:xfrm>
-          <a:prstGeom prst="rect">
-            <a:avLst/>
-          </a:prstGeom>
-        </p:spPr>
-        <p:txBody>
-          <a:bodyPr/>
-          <a:lstStyle>
-            <a:lvl1pPr marL="169863" indent="-169863" algn="l" defTabSz="684213" rtl="0" eaLnBrk="1" fontAlgn="base" hangingPunct="1">
-              <a:lnSpc>
-                <a:spcPct val="95000"/>
-              </a:lnSpc>
-              <a:spcBef>
-                <a:spcPts val="1075"/>
-              </a:spcBef>
-              <a:spcAft>
-                <a:spcPct val="0"/>
-              </a:spcAft>
-              <a:buClr>
-                <a:schemeClr val="tx2"/>
-              </a:buClr>
-              <a:buSzPct val="90000"/>
-              <a:buFont typeface="Arial" charset="0"/>
-              <a:buChar char="•"/>
-              <a:defRPr lang="en-US" sz="1500" kern="1200" dirty="0">
-                <a:solidFill>
-                  <a:schemeClr val="tx1"/>
-                </a:solidFill>
-                <a:latin typeface="+mn-lt"/>
-                <a:ea typeface="ＭＳ Ｐゴシック" charset="0"/>
-                <a:cs typeface="CiscoSans"/>
-              </a:defRPr>
-            </a:lvl1pPr>
-            <a:lvl2pPr marL="358775" indent="-215900" algn="l" defTabSz="684213" rtl="0" eaLnBrk="1" fontAlgn="base" hangingPunct="1">
-              <a:lnSpc>
-                <a:spcPct val="95000"/>
-              </a:lnSpc>
-              <a:spcBef>
-                <a:spcPts val="600"/>
-              </a:spcBef>
-              <a:spcAft>
-                <a:spcPct val="0"/>
-              </a:spcAft>
-              <a:buClr>
-                <a:schemeClr val="tx2"/>
-              </a:buClr>
-              <a:buFont typeface="Arial" charset="0"/>
-              <a:buChar char="•"/>
-              <a:defRPr lang="en-US" sz="1400" kern="1200" dirty="0">
-                <a:solidFill>
-                  <a:schemeClr val="tx1"/>
-                </a:solidFill>
-                <a:latin typeface="+mn-lt"/>
-                <a:ea typeface="ＭＳ Ｐゴシック" charset="0"/>
-                <a:cs typeface="CiscoSans"/>
-              </a:defRPr>
-            </a:lvl2pPr>
-            <a:lvl3pPr marL="431800" indent="-169863" algn="l" defTabSz="684213" rtl="0" eaLnBrk="1" fontAlgn="base" hangingPunct="1">
-              <a:lnSpc>
-                <a:spcPct val="95000"/>
-              </a:lnSpc>
-              <a:spcBef>
-                <a:spcPts val="625"/>
-              </a:spcBef>
-              <a:spcAft>
-                <a:spcPct val="0"/>
-              </a:spcAft>
-              <a:buFont typeface="Arial" charset="0"/>
-              <a:buChar char="•"/>
-              <a:defRPr lang="en-US" sz="1200" kern="1200" dirty="0">
-                <a:solidFill>
-                  <a:schemeClr val="tx1"/>
-                </a:solidFill>
-                <a:latin typeface="+mn-lt"/>
-                <a:ea typeface="ＭＳ Ｐゴシック" charset="0"/>
-                <a:cs typeface="CiscoSans"/>
-              </a:defRPr>
-            </a:lvl3pPr>
-            <a:lvl4pPr marL="503238" indent="-169863" algn="l" defTabSz="684213" rtl="0" eaLnBrk="1" fontAlgn="base" hangingPunct="1">
-              <a:lnSpc>
-                <a:spcPct val="95000"/>
-              </a:lnSpc>
-              <a:spcBef>
-                <a:spcPts val="625"/>
-              </a:spcBef>
-              <a:spcAft>
-                <a:spcPct val="0"/>
-              </a:spcAft>
-              <a:buFont typeface="Arial" charset="0"/>
-              <a:buChar char="•"/>
-              <a:defRPr lang="en-US" sz="1100" kern="1200" dirty="0">
-                <a:solidFill>
-                  <a:schemeClr val="tx1"/>
-                </a:solidFill>
-                <a:latin typeface="+mn-lt"/>
-                <a:ea typeface="ＭＳ Ｐゴシック" charset="0"/>
-                <a:cs typeface="CiscoSans"/>
-              </a:defRPr>
-            </a:lvl4pPr>
-            <a:lvl5pPr marL="574675" indent="-169863" algn="l" defTabSz="684213" rtl="0" eaLnBrk="1" fontAlgn="base" hangingPunct="1">
-              <a:lnSpc>
-                <a:spcPct val="95000"/>
-              </a:lnSpc>
-              <a:spcBef>
-                <a:spcPts val="625"/>
-              </a:spcBef>
-              <a:spcAft>
-                <a:spcPct val="0"/>
-              </a:spcAft>
-              <a:buFont typeface="Arial" charset="0"/>
-              <a:buChar char="•"/>
-              <a:defRPr lang="en-US" sz="1100" kern="1200" dirty="0">
-                <a:solidFill>
-                  <a:schemeClr val="tx1"/>
-                </a:solidFill>
-                <a:latin typeface="+mn-lt"/>
-                <a:ea typeface="ＭＳ Ｐゴシック" charset="0"/>
-                <a:cs typeface="CiscoSans"/>
-              </a:defRPr>
-            </a:lvl5pPr>
-            <a:lvl6pPr marL="863856" indent="-171445" algn="l" defTabSz="685777" rtl="0" eaLnBrk="1" latinLnBrk="0" hangingPunct="1">
-              <a:spcBef>
-                <a:spcPts val="600"/>
-              </a:spcBef>
-              <a:buFont typeface="Arial" pitchFamily="34" charset="0"/>
-              <a:buChar char="•"/>
-              <a:defRPr sz="900" kern="1200" baseline="0">
-                <a:solidFill>
-                  <a:schemeClr val="tx1"/>
-                </a:solidFill>
-                <a:latin typeface="+mn-lt"/>
-                <a:ea typeface="+mn-ea"/>
-                <a:cs typeface="+mn-cs"/>
-              </a:defRPr>
-            </a:lvl6pPr>
-            <a:lvl7pPr marL="935844" indent="-171422" algn="l" defTabSz="685777" rtl="0" eaLnBrk="1" latinLnBrk="0" hangingPunct="1">
-              <a:spcBef>
-                <a:spcPts val="600"/>
-              </a:spcBef>
-              <a:buFont typeface="Arial" pitchFamily="34" charset="0"/>
-              <a:buChar char="•"/>
-              <a:defRPr sz="800" kern="1200" baseline="0">
-                <a:solidFill>
-                  <a:schemeClr val="tx1"/>
-                </a:solidFill>
-                <a:latin typeface="+mn-lt"/>
-                <a:ea typeface="+mn-ea"/>
-                <a:cs typeface="+mn-cs"/>
-              </a:defRPr>
-            </a:lvl7pPr>
-            <a:lvl8pPr marL="2400220" indent="0" algn="l" defTabSz="685777" rtl="0" eaLnBrk="1" latinLnBrk="0" hangingPunct="1">
-              <a:spcBef>
-                <a:spcPct val="20000"/>
-              </a:spcBef>
-              <a:buFont typeface="Arial" pitchFamily="34" charset="0"/>
-              <a:buNone/>
-              <a:defRPr sz="1500" kern="1200">
-                <a:solidFill>
-                  <a:schemeClr val="tx1"/>
-                </a:solidFill>
-                <a:latin typeface="+mn-lt"/>
-                <a:ea typeface="+mn-ea"/>
-                <a:cs typeface="+mn-cs"/>
-              </a:defRPr>
-            </a:lvl8pPr>
-            <a:lvl9pPr marL="2914553" indent="-171445" algn="l" defTabSz="685777" rtl="0" eaLnBrk="1" latinLnBrk="0" hangingPunct="1">
-              <a:spcBef>
-                <a:spcPct val="20000"/>
-              </a:spcBef>
-              <a:buFont typeface="Arial" pitchFamily="34" charset="0"/>
-              <a:buChar char="•"/>
-              <a:defRPr sz="1500" kern="1200">
-                <a:solidFill>
-                  <a:schemeClr val="tx1"/>
-                </a:solidFill>
-                <a:latin typeface="+mn-lt"/>
-                <a:ea typeface="+mn-ea"/>
-                <a:cs typeface="+mn-cs"/>
-              </a:defRPr>
-            </a:lvl9pPr>
-          </a:lstStyle>
-          <a:p>
-            <a:pPr>
-              <a:lnSpc>
-                <a:spcPts val="1360"/>
-              </a:lnSpc>
-              <a:spcBef>
-                <a:spcPts val="0"/>
-              </a:spcBef>
-            </a:pPr>
-            <a:r>
-              <a:rPr lang="en-US" sz="1000" dirty="0">
-                <a:solidFill>
-                  <a:srgbClr val="002060"/>
-                </a:solidFill>
-                <a:latin typeface="Arial" panose="020B0604020202020204" pitchFamily="34" charset="0"/>
-                <a:cs typeface="Arial" panose="020B0604020202020204" pitchFamily="34" charset="0"/>
-              </a:rPr>
-              <a:t>TX Packet Loss %     </a:t>
-            </a:r>
-          </a:p>
-          <a:p>
-            <a:pPr marL="188912" lvl="1" indent="0">
-              <a:lnSpc>
-                <a:spcPts val="1360"/>
-              </a:lnSpc>
-              <a:spcBef>
-                <a:spcPts val="0"/>
-              </a:spcBef>
-              <a:buNone/>
-            </a:pPr>
-            <a:r>
-              <a:rPr lang="en-US" sz="1000" dirty="0">
-                <a:solidFill>
-                  <a:srgbClr val="002060"/>
-                </a:solidFill>
-                <a:latin typeface="Arial" panose="020B0604020202020204" pitchFamily="34" charset="0"/>
-                <a:cs typeface="Arial" panose="020B0604020202020204" pitchFamily="34" charset="0"/>
-              </a:rPr>
-              <a:t>= 100* ( ( ( C1(t) – C1(t-1) ) – ( C2(t) – C2(t-1) ) / ( C1(t) – C1(t-1) )    </a:t>
-            </a:r>
-          </a:p>
-          <a:p>
-            <a:pPr marL="188912" lvl="1" indent="0">
-              <a:lnSpc>
-                <a:spcPts val="1360"/>
-              </a:lnSpc>
-              <a:spcBef>
-                <a:spcPts val="0"/>
-              </a:spcBef>
-              <a:buNone/>
-            </a:pPr>
-            <a:r>
-              <a:rPr lang="en-US" sz="1000" dirty="0">
-                <a:solidFill>
-                  <a:srgbClr val="002060"/>
-                </a:solidFill>
-                <a:latin typeface="Arial" panose="020B0604020202020204" pitchFamily="34" charset="0"/>
-                <a:cs typeface="Arial" panose="020B0604020202020204" pitchFamily="34" charset="0"/>
-              </a:rPr>
-              <a:t>= 100* ( ( (103 – 100) – (203 – 200) ) / (103 – 100) )    </a:t>
-            </a:r>
-          </a:p>
-          <a:p>
-            <a:pPr marL="188912" lvl="1" indent="0">
-              <a:lnSpc>
-                <a:spcPts val="1360"/>
-              </a:lnSpc>
-              <a:spcBef>
-                <a:spcPts val="0"/>
-              </a:spcBef>
-              <a:buNone/>
-            </a:pPr>
-            <a:r>
-              <a:rPr lang="en-US" sz="1000" dirty="0">
-                <a:solidFill>
-                  <a:srgbClr val="002060"/>
-                </a:solidFill>
-                <a:latin typeface="Arial" panose="020B0604020202020204" pitchFamily="34" charset="0"/>
-                <a:cs typeface="Arial" panose="020B0604020202020204" pitchFamily="34" charset="0"/>
-              </a:rPr>
-              <a:t>= 0</a:t>
-            </a:r>
-          </a:p>
-        </p:txBody>
-      </p:sp>
-      <p:grpSp>
-        <p:nvGrpSpPr>
-          <p:cNvPr id="4" name="Group 3">
-            <a:extLst>
-              <a:ext uri="{FF2B5EF4-FFF2-40B4-BE49-F238E27FC236}">
-                <a16:creationId xmlns:a16="http://schemas.microsoft.com/office/drawing/2014/main" id="{CC66D231-DFDE-B245-9DAE-F4DE54F00B9C}"/>
-              </a:ext>
-            </a:extLst>
-          </p:cNvPr>
-          <p:cNvGrpSpPr/>
-          <p:nvPr/>
-        </p:nvGrpSpPr>
-        <p:grpSpPr>
-          <a:xfrm>
-            <a:off x="609600" y="1370283"/>
-            <a:ext cx="3197281" cy="1205207"/>
-            <a:chOff x="668281" y="1243986"/>
-            <a:chExt cx="3197281" cy="1205207"/>
-          </a:xfrm>
-        </p:grpSpPr>
-        <p:sp>
-          <p:nvSpPr>
-            <p:cNvPr id="32" name="Rounded Rectangular Callout 27">
-              <a:extLst>
-                <a:ext uri="{FF2B5EF4-FFF2-40B4-BE49-F238E27FC236}">
-                  <a16:creationId xmlns:a16="http://schemas.microsoft.com/office/drawing/2014/main" id="{CBAA138F-2CEA-4473-835A-18AEC15829E1}"/>
-                </a:ext>
-              </a:extLst>
-            </p:cNvPr>
-            <p:cNvSpPr/>
-            <p:nvPr/>
-          </p:nvSpPr>
-          <p:spPr bwMode="auto">
-            <a:xfrm>
-              <a:off x="1369664" y="2187658"/>
-              <a:ext cx="807377" cy="260302"/>
-            </a:xfrm>
-            <a:prstGeom prst="wedgeRoundRectCallout">
-              <a:avLst>
-                <a:gd name="adj1" fmla="val -33284"/>
-                <a:gd name="adj2" fmla="val -225175"/>
-                <a:gd name="adj3" fmla="val 16667"/>
-              </a:avLst>
-            </a:prstGeom>
-            <a:solidFill>
-              <a:srgbClr val="FFFFFF">
-                <a:lumMod val="95000"/>
-              </a:srgbClr>
-            </a:solidFill>
-            <a:ln w="9525" cap="flat" cmpd="sng" algn="ctr">
-              <a:noFill/>
-              <a:prstDash val="solid"/>
-              <a:round/>
-              <a:headEnd type="none" w="med" len="med"/>
-              <a:tailEnd type="none" w="med" len="med"/>
-            </a:ln>
-            <a:effectLst/>
-          </p:spPr>
-          <p:txBody>
-            <a:bodyPr vert="horz" wrap="none" lIns="82124" tIns="41061" rIns="82124" bIns="41061" numCol="1" rtlCol="0" anchor="ctr" anchorCtr="0" compatLnSpc="1">
-              <a:prstTxWarp prst="textNoShape">
-                <a:avLst/>
-              </a:prstTxWarp>
-              <a:spAutoFit/>
-            </a:bodyPr>
-            <a:lstStyle/>
-            <a:p>
-              <a:pPr marL="0" marR="0" lvl="0" indent="0" algn="ctr" defTabSz="814388" eaLnBrk="0" fontAlgn="auto" latinLnBrk="0" hangingPunct="0">
-                <a:lnSpc>
-                  <a:spcPct val="90000"/>
-                </a:lnSpc>
-                <a:spcBef>
-                  <a:spcPts val="0"/>
-                </a:spcBef>
-                <a:spcAft>
-                  <a:spcPts val="0"/>
-                </a:spcAft>
-                <a:buClrTx/>
-                <a:buSzTx/>
-                <a:buFontTx/>
-                <a:buNone/>
-                <a:tabLst/>
-                <a:defRPr/>
-              </a:pPr>
-              <a:r>
-                <a:rPr kumimoji="0" lang="en-US" sz="1100" u="none" strike="noStrike" kern="0" cap="none" spc="0" normalizeH="0" baseline="0" noProof="0" dirty="0">
-                  <a:ln>
-                    <a:noFill/>
-                  </a:ln>
-                  <a:solidFill>
-                    <a:srgbClr val="002060"/>
-                  </a:solidFill>
-                  <a:effectLst/>
-                  <a:uLnTx/>
-                  <a:uFillTx/>
-                  <a:latin typeface="Arial" panose="020B0604020202020204" pitchFamily="34" charset="0"/>
-                  <a:cs typeface="Arial" panose="020B0604020202020204" pitchFamily="34" charset="0"/>
-                </a:rPr>
-                <a:t>Counter</a:t>
-              </a:r>
-              <a:r>
-                <a:rPr kumimoji="0" lang="en-US" sz="1100" u="none" strike="noStrike" kern="0" cap="none" spc="0" normalizeH="0" noProof="0" dirty="0">
-                  <a:ln>
-                    <a:noFill/>
-                  </a:ln>
-                  <a:solidFill>
-                    <a:srgbClr val="002060"/>
-                  </a:solidFill>
-                  <a:effectLst/>
-                  <a:uLnTx/>
-                  <a:uFillTx/>
-                  <a:latin typeface="Arial" panose="020B0604020202020204" pitchFamily="34" charset="0"/>
-                  <a:cs typeface="Arial" panose="020B0604020202020204" pitchFamily="34" charset="0"/>
-                </a:rPr>
-                <a:t> 1</a:t>
-              </a:r>
-              <a:endParaRPr kumimoji="0" lang="en-US" sz="1100" u="none" strike="noStrike" kern="0" cap="none" spc="0" normalizeH="0" baseline="0" noProof="0" dirty="0">
-                <a:ln>
-                  <a:noFill/>
-                </a:ln>
-                <a:solidFill>
-                  <a:srgbClr val="002060"/>
-                </a:solidFill>
-                <a:effectLst/>
-                <a:uLnTx/>
-                <a:uFillTx/>
-                <a:latin typeface="Arial" panose="020B0604020202020204" pitchFamily="34" charset="0"/>
-                <a:cs typeface="Arial" panose="020B0604020202020204" pitchFamily="34" charset="0"/>
-              </a:endParaRPr>
-            </a:p>
-          </p:txBody>
-        </p:sp>
-        <p:sp>
-          <p:nvSpPr>
-            <p:cNvPr id="184" name="Oval 183">
-              <a:extLst>
-                <a:ext uri="{FF2B5EF4-FFF2-40B4-BE49-F238E27FC236}">
-                  <a16:creationId xmlns:a16="http://schemas.microsoft.com/office/drawing/2014/main" id="{368C06FA-081C-49D7-9C77-0D814D62D5F5}"/>
-                </a:ext>
-              </a:extLst>
-            </p:cNvPr>
-            <p:cNvSpPr/>
-            <p:nvPr/>
-          </p:nvSpPr>
-          <p:spPr>
-            <a:xfrm>
-              <a:off x="2883105" y="1622686"/>
-              <a:ext cx="219456" cy="219456"/>
-            </a:xfrm>
-            <a:prstGeom prst="ellipse">
-              <a:avLst/>
-            </a:prstGeom>
-            <a:noFill/>
-            <a:ln w="38100">
-              <a:solidFill>
-                <a:schemeClr val="accent2"/>
-              </a:solidFill>
-              <a:headEnd type="none" w="med" len="med"/>
-              <a:tailEnd type="triangle" w="med" len="med"/>
-            </a:ln>
-            <a:effectLst/>
-          </p:spPr>
-          <p:style>
-            <a:lnRef idx="2">
-              <a:schemeClr val="accent1">
-                <a:shade val="50000"/>
-              </a:schemeClr>
-            </a:lnRef>
-            <a:fillRef idx="1">
-              <a:schemeClr val="accent1"/>
-            </a:fillRef>
-            <a:effectRef idx="0">
-              <a:schemeClr val="accent1"/>
-            </a:effectRef>
-            <a:fontRef idx="minor">
-              <a:schemeClr val="lt1"/>
-            </a:fontRef>
-          </p:style>
-          <p:txBody>
-            <a:bodyPr lIns="0" tIns="0" rIns="0" bIns="0" rtlCol="0" anchor="ctr"/>
-            <a:lstStyle/>
-            <a:p>
-              <a:pPr algn="ctr"/>
-              <a:r>
-                <a:rPr lang="fr-FR" sz="1100" dirty="0">
-                  <a:solidFill>
-                    <a:srgbClr val="002060"/>
-                  </a:solidFill>
-                  <a:latin typeface="Arial" panose="020B0604020202020204" pitchFamily="34" charset="0"/>
-                  <a:cs typeface="Arial" panose="020B0604020202020204" pitchFamily="34" charset="0"/>
-                </a:rPr>
-                <a:t>2</a:t>
-              </a:r>
-            </a:p>
-          </p:txBody>
-        </p:sp>
-        <p:sp>
-          <p:nvSpPr>
-            <p:cNvPr id="216" name="Oval 215">
-              <a:extLst>
-                <a:ext uri="{FF2B5EF4-FFF2-40B4-BE49-F238E27FC236}">
-                  <a16:creationId xmlns:a16="http://schemas.microsoft.com/office/drawing/2014/main" id="{FA350B2C-B724-4674-97E3-2CF0AF13068D}"/>
-                </a:ext>
-              </a:extLst>
-            </p:cNvPr>
-            <p:cNvSpPr/>
-            <p:nvPr/>
-          </p:nvSpPr>
-          <p:spPr>
-            <a:xfrm>
-              <a:off x="1288639" y="1631830"/>
-              <a:ext cx="219456" cy="219456"/>
-            </a:xfrm>
-            <a:prstGeom prst="ellipse">
-              <a:avLst/>
-            </a:prstGeom>
-            <a:noFill/>
-            <a:ln w="38100">
-              <a:solidFill>
-                <a:schemeClr val="accent2"/>
-              </a:solidFill>
-              <a:headEnd type="none" w="med" len="med"/>
-              <a:tailEnd type="triangle" w="med" len="med"/>
-            </a:ln>
-            <a:effectLst/>
-          </p:spPr>
-          <p:style>
-            <a:lnRef idx="2">
-              <a:schemeClr val="accent1">
-                <a:shade val="50000"/>
-              </a:schemeClr>
-            </a:lnRef>
-            <a:fillRef idx="1">
-              <a:schemeClr val="accent1"/>
-            </a:fillRef>
-            <a:effectRef idx="0">
-              <a:schemeClr val="accent1"/>
-            </a:effectRef>
-            <a:fontRef idx="minor">
-              <a:schemeClr val="lt1"/>
-            </a:fontRef>
-          </p:style>
-          <p:txBody>
-            <a:bodyPr lIns="0" tIns="0" rIns="0" bIns="0" rtlCol="0" anchor="ctr"/>
-            <a:lstStyle/>
-            <a:p>
-              <a:pPr algn="ctr"/>
-              <a:r>
-                <a:rPr lang="fr-FR" sz="1100" dirty="0">
-                  <a:solidFill>
-                    <a:srgbClr val="002060"/>
-                  </a:solidFill>
-                  <a:latin typeface="Arial" panose="020B0604020202020204" pitchFamily="34" charset="0"/>
-                  <a:cs typeface="Arial" panose="020B0604020202020204" pitchFamily="34" charset="0"/>
-                </a:rPr>
-                <a:t>1</a:t>
-              </a:r>
-            </a:p>
-          </p:txBody>
-        </p:sp>
-        <p:sp>
-          <p:nvSpPr>
-            <p:cNvPr id="261" name="Down Arrow 84">
-              <a:extLst>
-                <a:ext uri="{FF2B5EF4-FFF2-40B4-BE49-F238E27FC236}">
-                  <a16:creationId xmlns:a16="http://schemas.microsoft.com/office/drawing/2014/main" id="{5ED5220D-7439-4496-8A23-28A6BFD05925}"/>
-                </a:ext>
-              </a:extLst>
-            </p:cNvPr>
-            <p:cNvSpPr/>
-            <p:nvPr/>
-          </p:nvSpPr>
-          <p:spPr>
-            <a:xfrm rot="16200000">
-              <a:off x="1672437" y="1702502"/>
-              <a:ext cx="125006" cy="326374"/>
-            </a:xfrm>
-            <a:prstGeom prst="downArrow">
-              <a:avLst>
-                <a:gd name="adj1" fmla="val 39181"/>
-                <a:gd name="adj2" fmla="val 61505"/>
-              </a:avLst>
-            </a:prstGeom>
-            <a:solidFill>
-              <a:schemeClr val="accent1"/>
-            </a:solidFill>
-            <a:ln>
-              <a:noFill/>
-            </a:ln>
-            <a:effectLst/>
-          </p:spPr>
-          <p:style>
-            <a:lnRef idx="2">
-              <a:schemeClr val="accent1">
-                <a:shade val="50000"/>
-              </a:schemeClr>
-            </a:lnRef>
-            <a:fillRef idx="1">
-              <a:schemeClr val="accent1"/>
-            </a:fillRef>
-            <a:effectRef idx="0">
-              <a:schemeClr val="accent1"/>
-            </a:effectRef>
-            <a:fontRef idx="minor">
-              <a:schemeClr val="lt1"/>
-            </a:fontRef>
-          </p:style>
-          <p:txBody>
-            <a:bodyPr rtlCol="0" anchor="ctr"/>
-            <a:lstStyle/>
-            <a:p>
-              <a:pPr algn="ctr"/>
-              <a:endParaRPr lang="fr-FR" sz="1100" dirty="0">
-                <a:solidFill>
-                  <a:srgbClr val="002060"/>
-                </a:solidFill>
-                <a:latin typeface="Arial" panose="020B0604020202020204" pitchFamily="34" charset="0"/>
-                <a:cs typeface="Arial" panose="020B0604020202020204" pitchFamily="34" charset="0"/>
-              </a:endParaRPr>
-            </a:p>
-          </p:txBody>
-        </p:sp>
-        <p:cxnSp>
-          <p:nvCxnSpPr>
-            <p:cNvPr id="270" name="Straight Connector 269">
-              <a:extLst>
-                <a:ext uri="{FF2B5EF4-FFF2-40B4-BE49-F238E27FC236}">
-                  <a16:creationId xmlns:a16="http://schemas.microsoft.com/office/drawing/2014/main" id="{CC4903E4-8DD5-4797-8DD2-1EEDB990F97E}"/>
-                </a:ext>
-              </a:extLst>
-            </p:cNvPr>
-            <p:cNvCxnSpPr>
-              <a:cxnSpLocks/>
-              <a:stCxn id="216" idx="6"/>
-              <a:endCxn id="184" idx="2"/>
-            </p:cNvCxnSpPr>
-            <p:nvPr/>
-          </p:nvCxnSpPr>
-          <p:spPr>
-            <a:xfrm flipV="1">
-              <a:off x="1508095" y="1732414"/>
-              <a:ext cx="1375010" cy="9144"/>
-            </a:xfrm>
-            <a:prstGeom prst="line">
-              <a:avLst/>
-            </a:prstGeom>
-            <a:ln w="38100">
-              <a:solidFill>
-                <a:schemeClr val="accent4"/>
-              </a:solidFill>
-            </a:ln>
-          </p:spPr>
-          <p:style>
-            <a:lnRef idx="1">
-              <a:schemeClr val="accent1"/>
-            </a:lnRef>
-            <a:fillRef idx="0">
-              <a:schemeClr val="accent1"/>
-            </a:fillRef>
-            <a:effectRef idx="0">
-              <a:schemeClr val="accent1"/>
-            </a:effectRef>
-            <a:fontRef idx="minor">
-              <a:schemeClr val="tx1"/>
-            </a:fontRef>
-          </p:style>
-        </p:cxnSp>
-        <p:pic>
-          <p:nvPicPr>
-            <p:cNvPr id="2" name="Picture 1">
-              <a:extLst>
-                <a:ext uri="{FF2B5EF4-FFF2-40B4-BE49-F238E27FC236}">
-                  <a16:creationId xmlns:a16="http://schemas.microsoft.com/office/drawing/2014/main" id="{7637C330-061A-4D11-B791-663C35AE8884}"/>
-                </a:ext>
-              </a:extLst>
-            </p:cNvPr>
-            <p:cNvPicPr>
-              <a:picLocks noChangeAspect="1"/>
-            </p:cNvPicPr>
-            <p:nvPr/>
-          </p:nvPicPr>
-          <p:blipFill>
-            <a:blip r:embed="rId3"/>
-            <a:stretch>
-              <a:fillRect/>
-            </a:stretch>
-          </p:blipFill>
-          <p:spPr>
-            <a:xfrm>
-              <a:off x="690780" y="1962047"/>
-              <a:ext cx="1858270" cy="260231"/>
-            </a:xfrm>
-            <a:prstGeom prst="rect">
-              <a:avLst/>
-            </a:prstGeom>
-          </p:spPr>
-        </p:pic>
-        <p:pic>
-          <p:nvPicPr>
-            <p:cNvPr id="3" name="Picture 2">
-              <a:extLst>
-                <a:ext uri="{FF2B5EF4-FFF2-40B4-BE49-F238E27FC236}">
-                  <a16:creationId xmlns:a16="http://schemas.microsoft.com/office/drawing/2014/main" id="{D1EDEA6A-B814-4903-B375-7ACD7A460DE8}"/>
-                </a:ext>
-              </a:extLst>
-            </p:cNvPr>
-            <p:cNvPicPr>
-              <a:picLocks noChangeAspect="1"/>
-            </p:cNvPicPr>
-            <p:nvPr/>
-          </p:nvPicPr>
-          <p:blipFill>
-            <a:blip r:embed="rId4"/>
-            <a:stretch>
-              <a:fillRect/>
-            </a:stretch>
-          </p:blipFill>
-          <p:spPr>
-            <a:xfrm>
-              <a:off x="1815069" y="1243986"/>
-              <a:ext cx="1771035" cy="268339"/>
-            </a:xfrm>
-            <a:prstGeom prst="rect">
-              <a:avLst/>
-            </a:prstGeom>
-          </p:spPr>
-        </p:pic>
-        <p:sp>
-          <p:nvSpPr>
-            <p:cNvPr id="33" name="Rounded Rectangular Callout 27">
-              <a:extLst>
-                <a:ext uri="{FF2B5EF4-FFF2-40B4-BE49-F238E27FC236}">
-                  <a16:creationId xmlns:a16="http://schemas.microsoft.com/office/drawing/2014/main" id="{5B66A804-559C-44DA-9263-5AAB6E584282}"/>
-                </a:ext>
-              </a:extLst>
-            </p:cNvPr>
-            <p:cNvSpPr/>
-            <p:nvPr/>
-          </p:nvSpPr>
-          <p:spPr bwMode="auto">
-            <a:xfrm>
-              <a:off x="2744510" y="2188891"/>
-              <a:ext cx="807377" cy="260302"/>
-            </a:xfrm>
-            <a:prstGeom prst="wedgeRoundRectCallout">
-              <a:avLst>
-                <a:gd name="adj1" fmla="val -33284"/>
-                <a:gd name="adj2" fmla="val -225175"/>
-                <a:gd name="adj3" fmla="val 16667"/>
-              </a:avLst>
-            </a:prstGeom>
-            <a:solidFill>
-              <a:srgbClr val="FFFFFF">
-                <a:lumMod val="95000"/>
-              </a:srgbClr>
-            </a:solidFill>
-            <a:ln w="9525" cap="flat" cmpd="sng" algn="ctr">
-              <a:noFill/>
-              <a:prstDash val="solid"/>
-              <a:round/>
-              <a:headEnd type="none" w="med" len="med"/>
-              <a:tailEnd type="none" w="med" len="med"/>
-            </a:ln>
-            <a:effectLst/>
-          </p:spPr>
-          <p:txBody>
-            <a:bodyPr vert="horz" wrap="none" lIns="82124" tIns="41061" rIns="82124" bIns="41061" numCol="1" rtlCol="0" anchor="ctr" anchorCtr="0" compatLnSpc="1">
-              <a:prstTxWarp prst="textNoShape">
-                <a:avLst/>
-              </a:prstTxWarp>
-              <a:spAutoFit/>
-            </a:bodyPr>
-            <a:lstStyle/>
-            <a:p>
-              <a:pPr marL="0" marR="0" lvl="0" indent="0" algn="ctr" defTabSz="814388" eaLnBrk="0" fontAlgn="auto" latinLnBrk="0" hangingPunct="0">
-                <a:lnSpc>
-                  <a:spcPct val="90000"/>
-                </a:lnSpc>
-                <a:spcBef>
-                  <a:spcPts val="0"/>
-                </a:spcBef>
-                <a:spcAft>
-                  <a:spcPts val="0"/>
-                </a:spcAft>
-                <a:buClrTx/>
-                <a:buSzTx/>
-                <a:buFontTx/>
-                <a:buNone/>
-                <a:tabLst/>
-                <a:defRPr/>
-              </a:pPr>
-              <a:r>
-                <a:rPr kumimoji="0" lang="en-US" sz="1100" u="none" strike="noStrike" kern="0" cap="none" spc="0" normalizeH="0" baseline="0" noProof="0" dirty="0">
-                  <a:ln>
-                    <a:noFill/>
-                  </a:ln>
-                  <a:solidFill>
-                    <a:srgbClr val="002060"/>
-                  </a:solidFill>
-                  <a:effectLst/>
-                  <a:uLnTx/>
-                  <a:uFillTx/>
-                  <a:latin typeface="Arial" panose="020B0604020202020204" pitchFamily="34" charset="0"/>
-                  <a:cs typeface="Arial" panose="020B0604020202020204" pitchFamily="34" charset="0"/>
-                </a:rPr>
-                <a:t>Counter</a:t>
-              </a:r>
-              <a:r>
-                <a:rPr kumimoji="0" lang="en-US" sz="1100" u="none" strike="noStrike" kern="0" cap="none" spc="0" normalizeH="0" noProof="0" dirty="0">
-                  <a:ln>
-                    <a:noFill/>
-                  </a:ln>
-                  <a:solidFill>
-                    <a:srgbClr val="002060"/>
-                  </a:solidFill>
-                  <a:effectLst/>
-                  <a:uLnTx/>
-                  <a:uFillTx/>
-                  <a:latin typeface="Arial" panose="020B0604020202020204" pitchFamily="34" charset="0"/>
-                  <a:cs typeface="Arial" panose="020B0604020202020204" pitchFamily="34" charset="0"/>
-                </a:rPr>
-                <a:t> 2</a:t>
-              </a:r>
-              <a:endParaRPr kumimoji="0" lang="en-US" sz="1100" u="none" strike="noStrike" kern="0" cap="none" spc="0" normalizeH="0" baseline="0" noProof="0" dirty="0">
-                <a:ln>
-                  <a:noFill/>
-                </a:ln>
-                <a:solidFill>
-                  <a:srgbClr val="002060"/>
-                </a:solidFill>
-                <a:effectLst/>
-                <a:uLnTx/>
-                <a:uFillTx/>
-                <a:latin typeface="Arial" panose="020B0604020202020204" pitchFamily="34" charset="0"/>
-                <a:cs typeface="Arial" panose="020B0604020202020204" pitchFamily="34" charset="0"/>
-              </a:endParaRPr>
-            </a:p>
-          </p:txBody>
-        </p:sp>
-        <p:sp>
-          <p:nvSpPr>
-            <p:cNvPr id="34" name="TextBox 33">
-              <a:extLst>
-                <a:ext uri="{FF2B5EF4-FFF2-40B4-BE49-F238E27FC236}">
-                  <a16:creationId xmlns:a16="http://schemas.microsoft.com/office/drawing/2014/main" id="{9726C513-7470-4B7E-A306-AF186112A1AA}"/>
-                </a:ext>
-              </a:extLst>
-            </p:cNvPr>
-            <p:cNvSpPr txBox="1"/>
-            <p:nvPr/>
-          </p:nvSpPr>
-          <p:spPr>
-            <a:xfrm>
-              <a:off x="2669452" y="1353487"/>
-              <a:ext cx="381048" cy="261610"/>
-            </a:xfrm>
-            <a:prstGeom prst="rect">
-              <a:avLst/>
-            </a:prstGeom>
-            <a:noFill/>
-            <a:ln>
-              <a:noFill/>
-            </a:ln>
-          </p:spPr>
-          <p:txBody>
-            <a:bodyPr wrap="none" lIns="72000" rIns="72000" rtlCol="0">
-              <a:spAutoFit/>
-            </a:bodyPr>
-            <a:lstStyle/>
-            <a:p>
-              <a:r>
-                <a:rPr lang="en-US" sz="1100" dirty="0">
-                  <a:solidFill>
-                    <a:srgbClr val="002060"/>
-                  </a:solidFill>
-                  <a:latin typeface="Arial" panose="020B0604020202020204" pitchFamily="34" charset="0"/>
-                  <a:cs typeface="Arial" panose="020B0604020202020204" pitchFamily="34" charset="0"/>
-                </a:rPr>
-                <a:t>HW</a:t>
-              </a:r>
-            </a:p>
-          </p:txBody>
-        </p:sp>
-        <p:sp>
-          <p:nvSpPr>
-            <p:cNvPr id="35" name="TextBox 34">
-              <a:extLst>
-                <a:ext uri="{FF2B5EF4-FFF2-40B4-BE49-F238E27FC236}">
-                  <a16:creationId xmlns:a16="http://schemas.microsoft.com/office/drawing/2014/main" id="{3A89D29B-E69E-4D8C-996E-D88AD5BCCE67}"/>
-                </a:ext>
-              </a:extLst>
-            </p:cNvPr>
-            <p:cNvSpPr txBox="1"/>
-            <p:nvPr/>
-          </p:nvSpPr>
-          <p:spPr>
-            <a:xfrm>
-              <a:off x="1399089" y="1353664"/>
-              <a:ext cx="381048" cy="261610"/>
-            </a:xfrm>
-            <a:prstGeom prst="rect">
-              <a:avLst/>
-            </a:prstGeom>
-            <a:noFill/>
-            <a:ln>
-              <a:noFill/>
-            </a:ln>
-          </p:spPr>
-          <p:txBody>
-            <a:bodyPr wrap="none" lIns="72000" rIns="72000" rtlCol="0">
-              <a:spAutoFit/>
-            </a:bodyPr>
-            <a:lstStyle/>
-            <a:p>
-              <a:r>
-                <a:rPr lang="en-US" sz="1100" dirty="0">
-                  <a:solidFill>
-                    <a:srgbClr val="002060"/>
-                  </a:solidFill>
-                  <a:latin typeface="Arial" panose="020B0604020202020204" pitchFamily="34" charset="0"/>
-                  <a:cs typeface="Arial" panose="020B0604020202020204" pitchFamily="34" charset="0"/>
-                </a:rPr>
-                <a:t>HW</a:t>
-              </a:r>
-            </a:p>
-          </p:txBody>
-        </p:sp>
-        <p:sp>
-          <p:nvSpPr>
-            <p:cNvPr id="31" name="TextBox 30">
-              <a:extLst>
-                <a:ext uri="{FF2B5EF4-FFF2-40B4-BE49-F238E27FC236}">
-                  <a16:creationId xmlns:a16="http://schemas.microsoft.com/office/drawing/2014/main" id="{E5804B2D-2257-F24C-8F26-69ECD9F3168B}"/>
-                </a:ext>
-              </a:extLst>
-            </p:cNvPr>
-            <p:cNvSpPr txBox="1"/>
-            <p:nvPr/>
-          </p:nvSpPr>
-          <p:spPr>
-            <a:xfrm>
-              <a:off x="668281" y="1596072"/>
-              <a:ext cx="600659" cy="261610"/>
-            </a:xfrm>
-            <a:prstGeom prst="rect">
-              <a:avLst/>
-            </a:prstGeom>
-            <a:noFill/>
-            <a:ln>
-              <a:noFill/>
-            </a:ln>
-          </p:spPr>
-          <p:txBody>
-            <a:bodyPr wrap="none" lIns="72000" rIns="72000" rtlCol="0">
-              <a:spAutoFit/>
-            </a:bodyPr>
-            <a:lstStyle/>
-            <a:p>
-              <a:r>
-                <a:rPr lang="en-US" sz="1100" dirty="0">
-                  <a:solidFill>
-                    <a:srgbClr val="002060"/>
-                  </a:solidFill>
-                  <a:latin typeface="Arial" panose="020B0604020202020204" pitchFamily="34" charset="0"/>
-                  <a:cs typeface="Arial" panose="020B0604020202020204" pitchFamily="34" charset="0"/>
-                </a:rPr>
-                <a:t>Sender</a:t>
-              </a:r>
-            </a:p>
-          </p:txBody>
-        </p:sp>
-        <p:sp>
-          <p:nvSpPr>
-            <p:cNvPr id="36" name="TextBox 35">
-              <a:extLst>
-                <a:ext uri="{FF2B5EF4-FFF2-40B4-BE49-F238E27FC236}">
-                  <a16:creationId xmlns:a16="http://schemas.microsoft.com/office/drawing/2014/main" id="{F2B171B4-8F2B-B348-BFD7-91DA8AD8E4E2}"/>
-                </a:ext>
-              </a:extLst>
-            </p:cNvPr>
-            <p:cNvSpPr txBox="1"/>
-            <p:nvPr/>
-          </p:nvSpPr>
-          <p:spPr>
-            <a:xfrm>
-              <a:off x="3155899" y="1596072"/>
-              <a:ext cx="709663" cy="261610"/>
-            </a:xfrm>
-            <a:prstGeom prst="rect">
-              <a:avLst/>
-            </a:prstGeom>
-            <a:noFill/>
-            <a:ln>
-              <a:noFill/>
-            </a:ln>
-          </p:spPr>
-          <p:txBody>
-            <a:bodyPr wrap="none" lIns="72000" rIns="72000" rtlCol="0">
-              <a:spAutoFit/>
-            </a:bodyPr>
-            <a:lstStyle/>
-            <a:p>
-              <a:r>
-                <a:rPr lang="en-US" sz="1100" dirty="0">
-                  <a:solidFill>
-                    <a:srgbClr val="002060"/>
-                  </a:solidFill>
-                  <a:latin typeface="Arial" panose="020B0604020202020204" pitchFamily="34" charset="0"/>
-                  <a:cs typeface="Arial" panose="020B0604020202020204" pitchFamily="34" charset="0"/>
-                </a:rPr>
-                <a:t>Reflector</a:t>
-              </a:r>
-            </a:p>
-          </p:txBody>
-        </p:sp>
-        <p:sp>
-          <p:nvSpPr>
-            <p:cNvPr id="38" name="Down Arrow 84">
-              <a:extLst>
-                <a:ext uri="{FF2B5EF4-FFF2-40B4-BE49-F238E27FC236}">
-                  <a16:creationId xmlns:a16="http://schemas.microsoft.com/office/drawing/2014/main" id="{4CF0B229-F560-3542-9B4B-4C0897B4C936}"/>
-                </a:ext>
-              </a:extLst>
-            </p:cNvPr>
-            <p:cNvSpPr/>
-            <p:nvPr/>
-          </p:nvSpPr>
-          <p:spPr>
-            <a:xfrm rot="5400000">
-              <a:off x="2634286" y="1976160"/>
-              <a:ext cx="125006" cy="326374"/>
-            </a:xfrm>
-            <a:prstGeom prst="downArrow">
-              <a:avLst>
-                <a:gd name="adj1" fmla="val 39181"/>
-                <a:gd name="adj2" fmla="val 61505"/>
-              </a:avLst>
-            </a:prstGeom>
-            <a:solidFill>
-              <a:schemeClr val="accent1"/>
-            </a:solidFill>
-            <a:ln>
-              <a:noFill/>
-            </a:ln>
-            <a:effectLst/>
-          </p:spPr>
-          <p:style>
-            <a:lnRef idx="2">
-              <a:schemeClr val="accent1">
-                <a:shade val="50000"/>
-              </a:schemeClr>
-            </a:lnRef>
-            <a:fillRef idx="1">
-              <a:schemeClr val="accent1"/>
-            </a:fillRef>
-            <a:effectRef idx="0">
-              <a:schemeClr val="accent1"/>
-            </a:effectRef>
-            <a:fontRef idx="minor">
-              <a:schemeClr val="lt1"/>
-            </a:fontRef>
-          </p:style>
-          <p:txBody>
-            <a:bodyPr rtlCol="0" anchor="ctr"/>
-            <a:lstStyle/>
-            <a:p>
-              <a:pPr algn="ctr"/>
-              <a:endParaRPr lang="fr-FR" sz="1100" dirty="0">
-                <a:solidFill>
-                  <a:srgbClr val="002060"/>
-                </a:solidFill>
-                <a:latin typeface="Arial" panose="020B0604020202020204" pitchFamily="34" charset="0"/>
-                <a:cs typeface="Arial" panose="020B0604020202020204" pitchFamily="34" charset="0"/>
-              </a:endParaRPr>
-            </a:p>
-          </p:txBody>
-        </p:sp>
-      </p:grpSp>
-      <p:sp>
-        <p:nvSpPr>
-          <p:cNvPr id="39" name="Text Placeholder 1">
-            <a:extLst>
-              <a:ext uri="{FF2B5EF4-FFF2-40B4-BE49-F238E27FC236}">
-                <a16:creationId xmlns:a16="http://schemas.microsoft.com/office/drawing/2014/main" id="{8B43DDA2-2FA7-F54E-9F65-37724BB1E7DD}"/>
-              </a:ext>
-            </a:extLst>
-          </p:cNvPr>
+          <p:cNvPr id="3" name="Content Placeholder 2"/>
           <p:cNvSpPr>
             <a:spLocks noGrp="1"/>
           </p:cNvSpPr>
           <p:nvPr>
-            <p:ph type="body" sz="quarter" idx="10"/>
+            <p:ph idx="1"/>
           </p:nvPr>
         </p:nvSpPr>
         <p:spPr>
           <a:xfrm>
-            <a:off x="4695860" y="1632920"/>
-            <a:ext cx="4184387" cy="1180709"/>
+            <a:off x="573741" y="1157288"/>
+            <a:ext cx="8113059" cy="3124200"/>
           </a:xfrm>
         </p:spPr>
         <p:txBody>
@@ -9343,42 +5612,559 @@
           <a:lstStyle/>
           <a:p>
             <a:r>
-              <a:rPr lang="en-US" sz="1400" dirty="0"/>
-              <a:t>Advertise extended TE metrics – link loss percentage</a:t>
-            </a:r>
-          </a:p>
-          <a:p>
-            <a:pPr lvl="1"/>
-            <a:r>
-              <a:rPr lang="en-US" sz="1400" dirty="0"/>
-              <a:t>RFC 8570 (IS-IS)</a:t>
-            </a:r>
-          </a:p>
-          <a:p>
-            <a:pPr lvl="1"/>
-            <a:r>
-              <a:rPr lang="en-US" sz="1400" dirty="0"/>
-              <a:t>RFC 7471 (OSPF)</a:t>
-            </a:r>
-          </a:p>
-          <a:p>
-            <a:pPr lvl="1"/>
-            <a:r>
-              <a:rPr lang="en-US" sz="1400" dirty="0"/>
-              <a:t>RFC 8571 (BGP-LS)</a:t>
-            </a:r>
-          </a:p>
-          <a:p>
-            <a:endParaRPr lang="en-US" sz="1400" dirty="0"/>
+              <a:rPr lang="en-US" sz="2400" dirty="0"/>
+              <a:t>Requirements and Scope</a:t>
+            </a:r>
+          </a:p>
+          <a:p>
+            <a:r>
+              <a:rPr lang="en-US" sz="2400" dirty="0"/>
+              <a:t>Summary</a:t>
+            </a:r>
+          </a:p>
+          <a:p>
+            <a:r>
+              <a:rPr lang="en-US" sz="2400" dirty="0"/>
+              <a:t>Next Steps</a:t>
+            </a:r>
           </a:p>
         </p:txBody>
       </p:sp>
       <p:sp>
         <p:nvSpPr>
-          <p:cNvPr id="40" name="Rectangle 39">
+          <p:cNvPr id="4" name="Footer Placeholder 3"/>
+          <p:cNvSpPr>
+            <a:spLocks noGrp="1"/>
+          </p:cNvSpPr>
+          <p:nvPr>
+            <p:ph type="ftr" sz="quarter" idx="11"/>
+          </p:nvPr>
+        </p:nvSpPr>
+        <p:spPr>
+          <a:xfrm>
+            <a:off x="3124200" y="4786312"/>
+            <a:ext cx="2895600" cy="357188"/>
+          </a:xfrm>
+        </p:spPr>
+        <p:txBody>
+          <a:bodyPr/>
+          <a:lstStyle/>
+          <a:p>
+            <a:r>
+              <a:rPr lang="en-CA" dirty="0"/>
+              <a:t>110</a:t>
+            </a:r>
+            <a:r>
+              <a:rPr lang="en-CA" baseline="30000" dirty="0"/>
+              <a:t>th</a:t>
+            </a:r>
+            <a:r>
+              <a:rPr lang="en-CA" dirty="0"/>
+              <a:t> IETF Online</a:t>
+            </a:r>
+          </a:p>
+        </p:txBody>
+      </p:sp>
+      <p:sp>
+        <p:nvSpPr>
+          <p:cNvPr id="5" name="Slide Number Placeholder 4"/>
+          <p:cNvSpPr>
+            <a:spLocks noGrp="1"/>
+          </p:cNvSpPr>
+          <p:nvPr>
+            <p:ph type="sldNum" sz="quarter" idx="12"/>
+          </p:nvPr>
+        </p:nvSpPr>
+        <p:spPr/>
+        <p:txBody>
+          <a:bodyPr/>
+          <a:lstStyle/>
+          <a:p>
+            <a:pPr>
+              <a:defRPr/>
+            </a:pPr>
+            <a:fld id="{BD6E0F59-1DD8-40FC-9C92-B6295CBA6CCA}" type="slidenum">
+              <a:rPr lang="en-US" altLang="zh-CN" smtClean="0"/>
+              <a:pPr>
+                <a:defRPr/>
+              </a:pPr>
+              <a:t>2</a:t>
+            </a:fld>
+            <a:endParaRPr lang="en-US" altLang="zh-CN"/>
+          </a:p>
+        </p:txBody>
+      </p:sp>
+    </p:spTree>
+    <p:extLst>
+      <p:ext uri="{BB962C8B-B14F-4D97-AF65-F5344CB8AC3E}">
+        <p14:creationId xmlns:p14="http://schemas.microsoft.com/office/powerpoint/2010/main" val="3204099515"/>
+      </p:ext>
+    </p:extLst>
+  </p:cSld>
+  <p:clrMapOvr>
+    <a:masterClrMapping/>
+  </p:clrMapOvr>
+</p:sld>
+</file>
+
+<file path=ppt/slides/slide3.xml><?xml version="1.0" encoding="utf-8"?>
+<p:sld xmlns:a="http://schemas.openxmlformats.org/drawingml/2006/main" xmlns:r="http://schemas.openxmlformats.org/officeDocument/2006/relationships" xmlns:p="http://schemas.openxmlformats.org/presentationml/2006/main">
+  <p:cSld>
+    <p:spTree>
+      <p:nvGrpSpPr>
+        <p:cNvPr id="1" name=""/>
+        <p:cNvGrpSpPr/>
+        <p:nvPr/>
+      </p:nvGrpSpPr>
+      <p:grpSpPr>
+        <a:xfrm>
+          <a:off x="0" y="0"/>
+          <a:ext cx="0" cy="0"/>
+          <a:chOff x="0" y="0"/>
+          <a:chExt cx="0" cy="0"/>
+        </a:xfrm>
+      </p:grpSpPr>
+      <p:sp>
+        <p:nvSpPr>
+          <p:cNvPr id="2" name="Title 1"/>
+          <p:cNvSpPr>
+            <a:spLocks noGrp="1"/>
+          </p:cNvSpPr>
+          <p:nvPr>
+            <p:ph type="title"/>
+          </p:nvPr>
+        </p:nvSpPr>
+        <p:spPr>
+          <a:xfrm>
+            <a:off x="457200" y="102393"/>
+            <a:ext cx="8229600" cy="857250"/>
+          </a:xfrm>
+        </p:spPr>
+        <p:txBody>
+          <a:bodyPr/>
+          <a:lstStyle/>
+          <a:p>
+            <a:r>
+              <a:rPr lang="en-US" sz="3600" dirty="0">
+                <a:solidFill>
+                  <a:srgbClr val="0070C0"/>
+                </a:solidFill>
+                <a:latin typeface="Calibri Light" panose="020F0302020204030204" pitchFamily="34" charset="0"/>
+                <a:cs typeface="Calibri Light" panose="020F0302020204030204" pitchFamily="34" charset="0"/>
+              </a:rPr>
+              <a:t>Requirements and Scope</a:t>
+            </a:r>
+          </a:p>
+        </p:txBody>
+      </p:sp>
+      <p:sp>
+        <p:nvSpPr>
+          <p:cNvPr id="3" name="Content Placeholder 2"/>
+          <p:cNvSpPr>
+            <a:spLocks noGrp="1"/>
+          </p:cNvSpPr>
+          <p:nvPr>
+            <p:ph idx="1"/>
+          </p:nvPr>
+        </p:nvSpPr>
+        <p:spPr>
+          <a:xfrm>
+            <a:off x="685800" y="1123950"/>
+            <a:ext cx="7772400" cy="3428999"/>
+          </a:xfrm>
+        </p:spPr>
+        <p:txBody>
+          <a:bodyPr/>
+          <a:lstStyle/>
+          <a:p>
+            <a:pPr marL="0" indent="0">
+              <a:buNone/>
+            </a:pPr>
+            <a:r>
+              <a:rPr lang="en-US" sz="1600" dirty="0"/>
+              <a:t>Requirements:</a:t>
+            </a:r>
+          </a:p>
+          <a:p>
+            <a:pPr lvl="1">
+              <a:buFont typeface="Wingdings" charset="2"/>
+              <a:buChar char="§"/>
+            </a:pPr>
+            <a:r>
+              <a:rPr lang="en-US" sz="1600" dirty="0"/>
+              <a:t>Direct Loss Measurement (DLM) for accurate data packet loss</a:t>
+            </a:r>
+          </a:p>
+          <a:p>
+            <a:pPr lvl="1">
+              <a:buFont typeface="Wingdings" charset="2"/>
+              <a:buChar char="§"/>
+            </a:pPr>
+            <a:r>
+              <a:rPr lang="en-US" sz="1600" dirty="0"/>
+              <a:t>Support Alternate-Marking Method (AMM) [RFC 8321]</a:t>
+            </a:r>
+          </a:p>
+          <a:p>
+            <a:pPr lvl="1">
+              <a:buFont typeface="Wingdings" charset="2"/>
+              <a:buChar char="§"/>
+            </a:pPr>
+            <a:r>
+              <a:rPr lang="en-US" sz="1600" dirty="0"/>
+              <a:t>High scale for number of sessions and faster packet loss detection interval</a:t>
+            </a:r>
+          </a:p>
+          <a:p>
+            <a:pPr lvl="2">
+              <a:buFont typeface="Wingdings" charset="2"/>
+              <a:buChar char="§"/>
+            </a:pPr>
+            <a:r>
+              <a:rPr lang="en-US" sz="1600" dirty="0"/>
+              <a:t>Support hardware implementation</a:t>
+            </a:r>
+          </a:p>
+          <a:p>
+            <a:pPr marL="0" indent="0">
+              <a:buNone/>
+            </a:pPr>
+            <a:r>
+              <a:rPr lang="en-US" sz="1600" dirty="0"/>
+              <a:t>Goals: </a:t>
+            </a:r>
+          </a:p>
+          <a:p>
+            <a:pPr lvl="1">
+              <a:buFont typeface="Wingdings" charset="2"/>
+              <a:buChar char="§"/>
+            </a:pPr>
+            <a:r>
+              <a:rPr lang="en-US" sz="1600" dirty="0"/>
+              <a:t>Avoid provisioning and maintaining sessions on Session-Reflector</a:t>
+            </a:r>
+          </a:p>
+          <a:p>
+            <a:pPr lvl="1">
+              <a:buFont typeface="Wingdings" charset="2"/>
+              <a:buChar char="§"/>
+            </a:pPr>
+            <a:r>
+              <a:rPr lang="en-US" sz="1600" dirty="0"/>
+              <a:t>Avoid control protocol for signaling dynamic parameters</a:t>
+            </a:r>
+          </a:p>
+          <a:p>
+            <a:pPr marL="0" lvl="1" indent="0">
+              <a:buNone/>
+            </a:pPr>
+            <a:r>
+              <a:rPr lang="en-US" sz="1600" dirty="0"/>
+              <a:t>Scope:</a:t>
+            </a:r>
+          </a:p>
+          <a:p>
+            <a:pPr lvl="1">
+              <a:buFont typeface="Wingdings" pitchFamily="2" charset="2"/>
+              <a:buChar char="§"/>
+            </a:pPr>
+            <a:r>
+              <a:rPr lang="en-US" sz="1600" dirty="0"/>
+              <a:t>Follow STAMP [</a:t>
+            </a:r>
+            <a:r>
+              <a:rPr lang="en-CA" sz="1600" dirty="0"/>
+              <a:t>RFC 8762</a:t>
+            </a:r>
+            <a:r>
+              <a:rPr lang="en-US" sz="1600" dirty="0"/>
+              <a:t>] approach</a:t>
+            </a:r>
+          </a:p>
+        </p:txBody>
+      </p:sp>
+      <p:sp>
+        <p:nvSpPr>
+          <p:cNvPr id="4" name="Footer Placeholder 3"/>
+          <p:cNvSpPr>
+            <a:spLocks noGrp="1"/>
+          </p:cNvSpPr>
+          <p:nvPr>
+            <p:ph type="ftr" sz="quarter" idx="11"/>
+          </p:nvPr>
+        </p:nvSpPr>
+        <p:spPr>
+          <a:xfrm>
+            <a:off x="3124200" y="4786312"/>
+            <a:ext cx="2895600" cy="357188"/>
+          </a:xfrm>
+        </p:spPr>
+        <p:txBody>
+          <a:bodyPr/>
+          <a:lstStyle/>
+          <a:p>
+            <a:r>
+              <a:rPr lang="en-CA" dirty="0"/>
+              <a:t>110</a:t>
+            </a:r>
+            <a:r>
+              <a:rPr lang="en-CA" baseline="30000" dirty="0"/>
+              <a:t>th</a:t>
+            </a:r>
+            <a:r>
+              <a:rPr lang="en-CA" dirty="0"/>
+              <a:t> IETF Online</a:t>
+            </a:r>
+          </a:p>
+        </p:txBody>
+      </p:sp>
+      <p:sp>
+        <p:nvSpPr>
+          <p:cNvPr id="5" name="Slide Number Placeholder 4"/>
+          <p:cNvSpPr>
+            <a:spLocks noGrp="1"/>
+          </p:cNvSpPr>
+          <p:nvPr>
+            <p:ph type="sldNum" sz="quarter" idx="12"/>
+          </p:nvPr>
+        </p:nvSpPr>
+        <p:spPr/>
+        <p:txBody>
+          <a:bodyPr/>
+          <a:lstStyle/>
+          <a:p>
+            <a:pPr>
+              <a:defRPr/>
+            </a:pPr>
+            <a:fld id="{BD6E0F59-1DD8-40FC-9C92-B6295CBA6CCA}" type="slidenum">
+              <a:rPr lang="en-US" altLang="zh-CN" smtClean="0"/>
+              <a:pPr>
+                <a:defRPr/>
+              </a:pPr>
+              <a:t>3</a:t>
+            </a:fld>
+            <a:endParaRPr lang="en-US" altLang="zh-CN" dirty="0"/>
+          </a:p>
+        </p:txBody>
+      </p:sp>
+    </p:spTree>
+    <p:extLst>
+      <p:ext uri="{BB962C8B-B14F-4D97-AF65-F5344CB8AC3E}">
+        <p14:creationId xmlns:p14="http://schemas.microsoft.com/office/powerpoint/2010/main" val="1576110362"/>
+      </p:ext>
+    </p:extLst>
+  </p:cSld>
+  <p:clrMapOvr>
+    <a:masterClrMapping/>
+  </p:clrMapOvr>
+</p:sld>
+</file>
+
+<file path=ppt/slides/slide4.xml><?xml version="1.0" encoding="utf-8"?>
+<p:sld xmlns:a="http://schemas.openxmlformats.org/drawingml/2006/main" xmlns:r="http://schemas.openxmlformats.org/officeDocument/2006/relationships" xmlns:p="http://schemas.openxmlformats.org/presentationml/2006/main">
+  <p:cSld>
+    <p:spTree>
+      <p:nvGrpSpPr>
+        <p:cNvPr id="1" name=""/>
+        <p:cNvGrpSpPr/>
+        <p:nvPr/>
+      </p:nvGrpSpPr>
+      <p:grpSpPr>
+        <a:xfrm>
+          <a:off x="0" y="0"/>
+          <a:ext cx="0" cy="0"/>
+          <a:chOff x="0" y="0"/>
+          <a:chExt cx="0" cy="0"/>
+        </a:xfrm>
+      </p:grpSpPr>
+      <p:sp>
+        <p:nvSpPr>
+          <p:cNvPr id="2" name="Title 1"/>
+          <p:cNvSpPr>
+            <a:spLocks noGrp="1"/>
+          </p:cNvSpPr>
+          <p:nvPr>
+            <p:ph type="title"/>
+          </p:nvPr>
+        </p:nvSpPr>
+        <p:spPr>
+          <a:xfrm>
+            <a:off x="457200" y="0"/>
+            <a:ext cx="8229600" cy="857250"/>
+          </a:xfrm>
+        </p:spPr>
+        <p:txBody>
+          <a:bodyPr/>
+          <a:lstStyle/>
+          <a:p>
+            <a:r>
+              <a:rPr lang="en-US" sz="3200" dirty="0">
+                <a:solidFill>
+                  <a:srgbClr val="0070C0"/>
+                </a:solidFill>
+                <a:latin typeface="Calibri Light" panose="020F0302020204030204" pitchFamily="34" charset="0"/>
+                <a:cs typeface="Calibri Light" panose="020F0302020204030204" pitchFamily="34" charset="0"/>
+              </a:rPr>
+              <a:t>Alternate Marking Method for Packet Loss</a:t>
+            </a:r>
+          </a:p>
+        </p:txBody>
+      </p:sp>
+      <p:sp>
+        <p:nvSpPr>
+          <p:cNvPr id="3" name="Content Placeholder 2"/>
+          <p:cNvSpPr>
+            <a:spLocks noGrp="1"/>
+          </p:cNvSpPr>
+          <p:nvPr>
+            <p:ph idx="1"/>
+          </p:nvPr>
+        </p:nvSpPr>
+        <p:spPr>
+          <a:xfrm>
+            <a:off x="571500" y="857250"/>
+            <a:ext cx="8001000" cy="914400"/>
+          </a:xfrm>
+        </p:spPr>
+        <p:txBody>
+          <a:bodyPr/>
+          <a:lstStyle/>
+          <a:p>
+            <a:r>
+              <a:rPr lang="en-US" sz="1600" dirty="0">
+                <a:latin typeface="Calibri" charset="0"/>
+                <a:ea typeface="Calibri" charset="0"/>
+                <a:cs typeface="Calibri" charset="0"/>
+              </a:rPr>
+              <a:t>RFC 8321 - </a:t>
+            </a:r>
+            <a:r>
+              <a:rPr lang="en-CA" sz="1600" dirty="0"/>
+              <a:t>Alternate-Marking Method for Passive and Hybrid Performance Monitoring</a:t>
+            </a:r>
+          </a:p>
+          <a:p>
+            <a:r>
+              <a:rPr lang="en-CA" sz="1600" dirty="0"/>
+              <a:t>RFC 8957 - Synonymous Flow Label Framework</a:t>
+            </a:r>
+          </a:p>
+          <a:p>
+            <a:endParaRPr lang="en-CA" sz="1600" dirty="0"/>
+          </a:p>
+          <a:p>
+            <a:pPr marL="0" lvl="0" indent="0">
+              <a:buNone/>
+            </a:pPr>
+            <a:endParaRPr lang="en-US" sz="1600" dirty="0">
+              <a:latin typeface="Calibri" charset="0"/>
+              <a:ea typeface="Calibri" charset="0"/>
+              <a:cs typeface="Calibri" charset="0"/>
+            </a:endParaRPr>
+          </a:p>
+          <a:p>
+            <a:pPr lvl="0"/>
+            <a:endParaRPr lang="en-US" sz="1600" dirty="0">
+              <a:latin typeface="Calibri" charset="0"/>
+              <a:ea typeface="Calibri" charset="0"/>
+              <a:cs typeface="Calibri" charset="0"/>
+            </a:endParaRPr>
+          </a:p>
+          <a:p>
+            <a:pPr lvl="0"/>
+            <a:endParaRPr lang="en-US" sz="1600" dirty="0">
+              <a:latin typeface="Calibri" charset="0"/>
+              <a:ea typeface="Calibri" charset="0"/>
+              <a:cs typeface="Calibri" charset="0"/>
+            </a:endParaRPr>
+          </a:p>
+          <a:p>
+            <a:pPr lvl="0"/>
+            <a:endParaRPr lang="en-US" sz="1600" dirty="0">
+              <a:latin typeface="Calibri" charset="0"/>
+              <a:ea typeface="Calibri" charset="0"/>
+              <a:cs typeface="Calibri" charset="0"/>
+            </a:endParaRPr>
+          </a:p>
+          <a:p>
+            <a:endParaRPr lang="en-US" sz="1600" dirty="0">
+              <a:latin typeface="Calibri" charset="0"/>
+              <a:ea typeface="Calibri" charset="0"/>
+              <a:cs typeface="Calibri" charset="0"/>
+            </a:endParaRPr>
+          </a:p>
+        </p:txBody>
+      </p:sp>
+      <p:sp>
+        <p:nvSpPr>
+          <p:cNvPr id="4" name="Footer Placeholder 3"/>
+          <p:cNvSpPr>
+            <a:spLocks noGrp="1"/>
+          </p:cNvSpPr>
+          <p:nvPr>
+            <p:ph type="ftr" sz="quarter" idx="11"/>
+          </p:nvPr>
+        </p:nvSpPr>
+        <p:spPr>
+          <a:xfrm>
+            <a:off x="3048000" y="4786312"/>
+            <a:ext cx="2895600" cy="357188"/>
+          </a:xfrm>
+        </p:spPr>
+        <p:txBody>
+          <a:bodyPr/>
+          <a:lstStyle/>
+          <a:p>
+            <a:r>
+              <a:rPr lang="en-CA" dirty="0"/>
+              <a:t>110</a:t>
+            </a:r>
+            <a:r>
+              <a:rPr lang="en-CA" baseline="30000" dirty="0"/>
+              <a:t>th</a:t>
+            </a:r>
+            <a:r>
+              <a:rPr lang="en-CA" dirty="0"/>
+              <a:t> IETF Online</a:t>
+            </a:r>
+          </a:p>
+        </p:txBody>
+      </p:sp>
+      <p:sp>
+        <p:nvSpPr>
+          <p:cNvPr id="5" name="Slide Number Placeholder 4"/>
+          <p:cNvSpPr>
+            <a:spLocks noGrp="1"/>
+          </p:cNvSpPr>
+          <p:nvPr>
+            <p:ph type="sldNum" sz="quarter" idx="12"/>
+          </p:nvPr>
+        </p:nvSpPr>
+        <p:spPr/>
+        <p:txBody>
+          <a:bodyPr/>
+          <a:lstStyle/>
+          <a:p>
+            <a:pPr>
+              <a:defRPr/>
+            </a:pPr>
+            <a:fld id="{BD6E0F59-1DD8-40FC-9C92-B6295CBA6CCA}" type="slidenum">
+              <a:rPr lang="en-US" altLang="zh-CN" smtClean="0"/>
+              <a:pPr>
+                <a:defRPr/>
+              </a:pPr>
+              <a:t>4</a:t>
+            </a:fld>
+            <a:endParaRPr lang="en-US" altLang="zh-CN" dirty="0"/>
+          </a:p>
+        </p:txBody>
+      </p:sp>
+      <p:sp>
+        <p:nvSpPr>
+          <p:cNvPr id="6" name="Rectangle 5">
             <a:extLst>
               <a:ext uri="{FF2B5EF4-FFF2-40B4-BE49-F238E27FC236}">
-                <a16:creationId xmlns:a16="http://schemas.microsoft.com/office/drawing/2014/main" id="{09C6C87B-54DF-0946-8C6B-D8BC82F61FD8}"/>
+                <a16:creationId xmlns:a16="http://schemas.microsoft.com/office/drawing/2014/main" id="{D930FC9E-C00E-754D-BBDD-1B3199E94060}"/>
               </a:ext>
             </a:extLst>
           </p:cNvPr>
@@ -9387,8 +6173,8 @@
         </p:nvSpPr>
         <p:spPr>
           <a:xfrm>
-            <a:off x="4230756" y="3551657"/>
-            <a:ext cx="4649491" cy="923330"/>
+            <a:off x="1371600" y="1968963"/>
+            <a:ext cx="6248400" cy="2292935"/>
           </a:xfrm>
           <a:prstGeom prst="rect">
             <a:avLst/>
@@ -9401,10 +6187,7 @@
           </a:solidFill>
           <a:ln>
             <a:solidFill>
-              <a:schemeClr val="accent6">
-                <a:lumMod val="20000"/>
-                <a:lumOff val="80000"/>
-              </a:schemeClr>
+              <a:schemeClr val="accent1"/>
             </a:solidFill>
           </a:ln>
         </p:spPr>
@@ -9415,9 +6198,6 @@
           <a:lstStyle/>
           <a:p>
             <a:pPr>
-              <a:spcAft>
-                <a:spcPts val="0"/>
-              </a:spcAft>
               <a:tabLst>
                 <a:tab pos="581660" algn="l"/>
                 <a:tab pos="1163320" algn="l"/>
@@ -9438,14 +6218,14 @@
               </a:tabLst>
             </a:pPr>
             <a:r>
-              <a:rPr lang="en-CA" sz="900" dirty="0">
+              <a:rPr lang="en-CA" sz="1100" dirty="0">
                 <a:latin typeface="Courier" pitchFamily="2" charset="0"/>
                 <a:ea typeface="Times New Roman" panose="02020603050405020304" pitchFamily="18" charset="0"/>
                 <a:cs typeface="Times New Roman" panose="02020603050405020304" pitchFamily="18" charset="0"/>
               </a:rPr>
-              <a:t>0 1 2 3 4 5 6 7 8 9 0 1 2 3 4 5 6 7 8 9 0 1 2 3 4 5 6 7 8 9 0 1</a:t>
-            </a:r>
-            <a:endParaRPr lang="en-CA" sz="900" dirty="0">
+              <a:t>   A: packet with A coloring</a:t>
+            </a:r>
+            <a:endParaRPr lang="en-CA" sz="1100" dirty="0">
               <a:latin typeface="Courier" pitchFamily="2" charset="0"/>
               <a:ea typeface="Calibri" panose="020F0502020204030204" pitchFamily="34" charset="0"/>
               <a:cs typeface="Times New Roman" panose="02020603050405020304" pitchFamily="18" charset="0"/>
@@ -9453,9 +6233,6 @@
           </a:p>
           <a:p>
             <a:pPr>
-              <a:spcAft>
-                <a:spcPts val="0"/>
-              </a:spcAft>
               <a:tabLst>
                 <a:tab pos="581660" algn="l"/>
                 <a:tab pos="1163320" algn="l"/>
@@ -9476,14 +6253,14 @@
               </a:tabLst>
             </a:pPr>
             <a:r>
-              <a:rPr lang="en-CA" sz="900" dirty="0">
+              <a:rPr lang="en-CA" sz="1100" dirty="0">
                 <a:latin typeface="Courier" pitchFamily="2" charset="0"/>
                 <a:ea typeface="Times New Roman" panose="02020603050405020304" pitchFamily="18" charset="0"/>
                 <a:cs typeface="Times New Roman" panose="02020603050405020304" pitchFamily="18" charset="0"/>
               </a:rPr>
-              <a:t>+-+-+-+-+-+-+-+-+-+-+-+-+-+-+-+-+</a:t>
-            </a:r>
-            <a:endParaRPr lang="en-CA" sz="900" dirty="0">
+              <a:t>   B: packet with B coloring</a:t>
+            </a:r>
+            <a:endParaRPr lang="en-CA" sz="1100" dirty="0">
               <a:latin typeface="Courier" pitchFamily="2" charset="0"/>
               <a:ea typeface="Calibri" panose="020F0502020204030204" pitchFamily="34" charset="0"/>
               <a:cs typeface="Times New Roman" panose="02020603050405020304" pitchFamily="18" charset="0"/>
@@ -9491,9 +6268,6 @@
           </a:p>
           <a:p>
             <a:pPr>
-              <a:spcAft>
-                <a:spcPts val="0"/>
-              </a:spcAft>
               <a:tabLst>
                 <a:tab pos="581660" algn="l"/>
                 <a:tab pos="1163320" algn="l"/>
@@ -9514,14 +6288,14 @@
               </a:tabLst>
             </a:pPr>
             <a:r>
-              <a:rPr lang="en-CA" sz="900" dirty="0">
+              <a:rPr lang="en-CA" sz="1100" dirty="0">
                 <a:latin typeface="Courier" pitchFamily="2" charset="0"/>
                 <a:ea typeface="Times New Roman" panose="02020603050405020304" pitchFamily="18" charset="0"/>
                 <a:cs typeface="Times New Roman" panose="02020603050405020304" pitchFamily="18" charset="0"/>
               </a:rPr>
-              <a:t>|   Type        |     Length    |</a:t>
-            </a:r>
-            <a:endParaRPr lang="en-CA" sz="900" dirty="0">
+              <a:t> </a:t>
+            </a:r>
+            <a:endParaRPr lang="en-CA" sz="1100" dirty="0">
               <a:latin typeface="Courier" pitchFamily="2" charset="0"/>
               <a:ea typeface="Calibri" panose="020F0502020204030204" pitchFamily="34" charset="0"/>
               <a:cs typeface="Times New Roman" panose="02020603050405020304" pitchFamily="18" charset="0"/>
@@ -9529,9 +6303,6 @@
           </a:p>
           <a:p>
             <a:pPr>
-              <a:spcAft>
-                <a:spcPts val="0"/>
-              </a:spcAft>
               <a:tabLst>
                 <a:tab pos="581660" algn="l"/>
                 <a:tab pos="1163320" algn="l"/>
@@ -9552,14 +6323,14 @@
               </a:tabLst>
             </a:pPr>
             <a:r>
-              <a:rPr lang="en-CA" sz="900" dirty="0">
+              <a:rPr lang="en-CA" sz="1100" dirty="0">
                 <a:latin typeface="Courier" pitchFamily="2" charset="0"/>
                 <a:ea typeface="Times New Roman" panose="02020603050405020304" pitchFamily="18" charset="0"/>
                 <a:cs typeface="Times New Roman" panose="02020603050405020304" pitchFamily="18" charset="0"/>
               </a:rPr>
-              <a:t>+-+-+-+-+-+-+-+-+-+-+-+-+-+-+-+-+-+-+-+-+-+-+-+-+-+-+-+-+-+-+-+-+</a:t>
-            </a:r>
-            <a:endParaRPr lang="en-CA" sz="900" dirty="0">
+              <a:t>            |           |           |           |           |</a:t>
+            </a:r>
+            <a:endParaRPr lang="en-CA" sz="1100" dirty="0">
               <a:latin typeface="Courier" pitchFamily="2" charset="0"/>
               <a:ea typeface="Calibri" panose="020F0502020204030204" pitchFamily="34" charset="0"/>
               <a:cs typeface="Times New Roman" panose="02020603050405020304" pitchFamily="18" charset="0"/>
@@ -9567,9 +6338,6 @@
           </a:p>
           <a:p>
             <a:pPr>
-              <a:spcAft>
-                <a:spcPts val="0"/>
-              </a:spcAft>
               <a:tabLst>
                 <a:tab pos="581660" algn="l"/>
                 <a:tab pos="1163320" algn="l"/>
@@ -9590,14 +6358,14 @@
               </a:tabLst>
             </a:pPr>
             <a:r>
-              <a:rPr lang="en-CA" sz="900" dirty="0">
+              <a:rPr lang="en-CA" sz="1100" dirty="0">
                 <a:latin typeface="Courier" pitchFamily="2" charset="0"/>
                 <a:ea typeface="Times New Roman" panose="02020603050405020304" pitchFamily="18" charset="0"/>
                 <a:cs typeface="Times New Roman" panose="02020603050405020304" pitchFamily="18" charset="0"/>
               </a:rPr>
-              <a:t>|A|  RESERVED   |                    Link Loss                  |</a:t>
-            </a:r>
-            <a:endParaRPr lang="en-CA" sz="900" dirty="0">
+              <a:t>            |           |    Traffic Flow       |           |</a:t>
+            </a:r>
+            <a:endParaRPr lang="en-CA" sz="1100" dirty="0">
               <a:latin typeface="Courier" pitchFamily="2" charset="0"/>
               <a:ea typeface="Calibri" panose="020F0502020204030204" pitchFamily="34" charset="0"/>
               <a:cs typeface="Times New Roman" panose="02020603050405020304" pitchFamily="18" charset="0"/>
@@ -9605,9 +6373,6 @@
           </a:p>
           <a:p>
             <a:pPr>
-              <a:spcAft>
-                <a:spcPts val="0"/>
-              </a:spcAft>
               <a:tabLst>
                 <a:tab pos="581660" algn="l"/>
                 <a:tab pos="1163320" algn="l"/>
@@ -9628,274 +6393,1652 @@
               </a:tabLst>
             </a:pPr>
             <a:r>
-              <a:rPr lang="en-CA" sz="900" dirty="0">
+              <a:rPr lang="en-CA" sz="1100" dirty="0">
                 <a:latin typeface="Courier" pitchFamily="2" charset="0"/>
                 <a:ea typeface="Times New Roman" panose="02020603050405020304" pitchFamily="18" charset="0"/>
                 <a:cs typeface="Times New Roman" panose="02020603050405020304" pitchFamily="18" charset="0"/>
               </a:rPr>
-              <a:t>+-+-+-+-+-+-+-+-+-+-+-+-+-+-+-+-+-+-+-+-+-+-+-+-+-+-+-+-+-+-+-+-+</a:t>
-            </a:r>
-            <a:endParaRPr lang="en-CA" sz="900" dirty="0">
+              <a:t>    -------------------------------------------------------------------&gt;</a:t>
+            </a:r>
+            <a:endParaRPr lang="en-CA" sz="1100" dirty="0">
               <a:latin typeface="Courier" pitchFamily="2" charset="0"/>
               <a:ea typeface="Calibri" panose="020F0502020204030204" pitchFamily="34" charset="0"/>
               <a:cs typeface="Times New Roman" panose="02020603050405020304" pitchFamily="18" charset="0"/>
             </a:endParaRPr>
           </a:p>
+          <a:p>
+            <a:pPr>
+              <a:tabLst>
+                <a:tab pos="581660" algn="l"/>
+                <a:tab pos="1163320" algn="l"/>
+                <a:tab pos="1744980" algn="l"/>
+                <a:tab pos="2326640" algn="l"/>
+                <a:tab pos="2908300" algn="l"/>
+                <a:tab pos="3489960" algn="l"/>
+                <a:tab pos="4071620" algn="l"/>
+                <a:tab pos="4653280" algn="l"/>
+                <a:tab pos="5234940" algn="l"/>
+                <a:tab pos="5816600" algn="l"/>
+                <a:tab pos="6398260" algn="l"/>
+                <a:tab pos="6979920" algn="l"/>
+                <a:tab pos="7561580" algn="l"/>
+                <a:tab pos="8143240" algn="l"/>
+                <a:tab pos="8724900" algn="l"/>
+                <a:tab pos="9306560" algn="l"/>
+              </a:tabLst>
+            </a:pPr>
+            <a:r>
+              <a:rPr lang="en-CA" sz="1100" dirty="0">
+                <a:latin typeface="Courier" pitchFamily="2" charset="0"/>
+                <a:ea typeface="Times New Roman" panose="02020603050405020304" pitchFamily="18" charset="0"/>
+                <a:cs typeface="Times New Roman" panose="02020603050405020304" pitchFamily="18" charset="0"/>
+              </a:rPr>
+              <a:t>     BBBBBBB AAAAAAAAAAA BBBBBBBBBBB AAAAAAAAAAA BBBBBBBBBBB AAAAAAA</a:t>
+            </a:r>
+            <a:endParaRPr lang="en-CA" sz="1100" dirty="0">
+              <a:latin typeface="Courier" pitchFamily="2" charset="0"/>
+              <a:ea typeface="Calibri" panose="020F0502020204030204" pitchFamily="34" charset="0"/>
+              <a:cs typeface="Times New Roman" panose="02020603050405020304" pitchFamily="18" charset="0"/>
+            </a:endParaRPr>
+          </a:p>
+          <a:p>
+            <a:pPr>
+              <a:tabLst>
+                <a:tab pos="581660" algn="l"/>
+                <a:tab pos="1163320" algn="l"/>
+                <a:tab pos="1744980" algn="l"/>
+                <a:tab pos="2326640" algn="l"/>
+                <a:tab pos="2908300" algn="l"/>
+                <a:tab pos="3489960" algn="l"/>
+                <a:tab pos="4071620" algn="l"/>
+                <a:tab pos="4653280" algn="l"/>
+                <a:tab pos="5234940" algn="l"/>
+                <a:tab pos="5816600" algn="l"/>
+                <a:tab pos="6398260" algn="l"/>
+                <a:tab pos="6979920" algn="l"/>
+                <a:tab pos="7561580" algn="l"/>
+                <a:tab pos="8143240" algn="l"/>
+                <a:tab pos="8724900" algn="l"/>
+                <a:tab pos="9306560" algn="l"/>
+              </a:tabLst>
+            </a:pPr>
+            <a:r>
+              <a:rPr lang="en-CA" sz="1100" dirty="0">
+                <a:latin typeface="Courier" pitchFamily="2" charset="0"/>
+                <a:ea typeface="Times New Roman" panose="02020603050405020304" pitchFamily="18" charset="0"/>
+                <a:cs typeface="Times New Roman" panose="02020603050405020304" pitchFamily="18" charset="0"/>
+              </a:rPr>
+              <a:t>    -------------------------------------------------------------------&gt;</a:t>
+            </a:r>
+            <a:endParaRPr lang="en-CA" sz="1100" dirty="0">
+              <a:latin typeface="Courier" pitchFamily="2" charset="0"/>
+              <a:ea typeface="Calibri" panose="020F0502020204030204" pitchFamily="34" charset="0"/>
+              <a:cs typeface="Times New Roman" panose="02020603050405020304" pitchFamily="18" charset="0"/>
+            </a:endParaRPr>
+          </a:p>
+          <a:p>
+            <a:pPr>
+              <a:tabLst>
+                <a:tab pos="581660" algn="l"/>
+                <a:tab pos="1163320" algn="l"/>
+                <a:tab pos="1744980" algn="l"/>
+                <a:tab pos="2326640" algn="l"/>
+                <a:tab pos="2908300" algn="l"/>
+                <a:tab pos="3489960" algn="l"/>
+                <a:tab pos="4071620" algn="l"/>
+                <a:tab pos="4653280" algn="l"/>
+                <a:tab pos="5234940" algn="l"/>
+                <a:tab pos="5816600" algn="l"/>
+                <a:tab pos="6398260" algn="l"/>
+                <a:tab pos="6979920" algn="l"/>
+                <a:tab pos="7561580" algn="l"/>
+                <a:tab pos="8143240" algn="l"/>
+                <a:tab pos="8724900" algn="l"/>
+                <a:tab pos="9306560" algn="l"/>
+              </a:tabLst>
+            </a:pPr>
+            <a:r>
+              <a:rPr lang="en-CA" sz="1100" dirty="0">
+                <a:latin typeface="Courier" pitchFamily="2" charset="0"/>
+                <a:ea typeface="Times New Roman" panose="02020603050405020304" pitchFamily="18" charset="0"/>
+                <a:cs typeface="Times New Roman" panose="02020603050405020304" pitchFamily="18" charset="0"/>
+              </a:rPr>
+              <a:t>       ...  |  Block 5  |  Block 4  |  Block 3  |  Block 2  |  Block 1</a:t>
+            </a:r>
+            <a:endParaRPr lang="en-CA" sz="1100" dirty="0">
+              <a:latin typeface="Courier" pitchFamily="2" charset="0"/>
+              <a:ea typeface="Calibri" panose="020F0502020204030204" pitchFamily="34" charset="0"/>
+              <a:cs typeface="Times New Roman" panose="02020603050405020304" pitchFamily="18" charset="0"/>
+            </a:endParaRPr>
+          </a:p>
+          <a:p>
+            <a:pPr>
+              <a:tabLst>
+                <a:tab pos="581660" algn="l"/>
+                <a:tab pos="1163320" algn="l"/>
+                <a:tab pos="1744980" algn="l"/>
+                <a:tab pos="2326640" algn="l"/>
+                <a:tab pos="2908300" algn="l"/>
+                <a:tab pos="3489960" algn="l"/>
+                <a:tab pos="4071620" algn="l"/>
+                <a:tab pos="4653280" algn="l"/>
+                <a:tab pos="5234940" algn="l"/>
+                <a:tab pos="5816600" algn="l"/>
+                <a:tab pos="6398260" algn="l"/>
+                <a:tab pos="6979920" algn="l"/>
+                <a:tab pos="7561580" algn="l"/>
+                <a:tab pos="8143240" algn="l"/>
+                <a:tab pos="8724900" algn="l"/>
+                <a:tab pos="9306560" algn="l"/>
+              </a:tabLst>
+            </a:pPr>
+            <a:r>
+              <a:rPr lang="en-CA" sz="1100" dirty="0">
+                <a:latin typeface="Courier" pitchFamily="2" charset="0"/>
+                <a:ea typeface="Times New Roman" panose="02020603050405020304" pitchFamily="18" charset="0"/>
+                <a:cs typeface="Times New Roman" panose="02020603050405020304" pitchFamily="18" charset="0"/>
+              </a:rPr>
+              <a:t>            |           |           |           |           |</a:t>
+            </a:r>
+            <a:endParaRPr lang="en-CA" sz="1100" dirty="0">
+              <a:latin typeface="Courier" pitchFamily="2" charset="0"/>
+              <a:ea typeface="Calibri" panose="020F0502020204030204" pitchFamily="34" charset="0"/>
+              <a:cs typeface="Times New Roman" panose="02020603050405020304" pitchFamily="18" charset="0"/>
+            </a:endParaRPr>
+          </a:p>
+          <a:p>
+            <a:pPr>
+              <a:tabLst>
+                <a:tab pos="581660" algn="l"/>
+                <a:tab pos="1163320" algn="l"/>
+                <a:tab pos="1744980" algn="l"/>
+                <a:tab pos="2326640" algn="l"/>
+                <a:tab pos="2908300" algn="l"/>
+                <a:tab pos="3489960" algn="l"/>
+                <a:tab pos="4071620" algn="l"/>
+                <a:tab pos="4653280" algn="l"/>
+                <a:tab pos="5234940" algn="l"/>
+                <a:tab pos="5816600" algn="l"/>
+                <a:tab pos="6398260" algn="l"/>
+                <a:tab pos="6979920" algn="l"/>
+                <a:tab pos="7561580" algn="l"/>
+                <a:tab pos="8143240" algn="l"/>
+                <a:tab pos="8724900" algn="l"/>
+                <a:tab pos="9306560" algn="l"/>
+              </a:tabLst>
+            </a:pPr>
+            <a:r>
+              <a:rPr lang="en-CA" sz="1100" dirty="0">
+                <a:latin typeface="Courier" pitchFamily="2" charset="0"/>
+                <a:ea typeface="Times New Roman" panose="02020603050405020304" pitchFamily="18" charset="0"/>
+                <a:cs typeface="Times New Roman" panose="02020603050405020304" pitchFamily="18" charset="0"/>
+              </a:rPr>
+              <a:t> </a:t>
+            </a:r>
+            <a:endParaRPr lang="en-CA" sz="1100" dirty="0">
+              <a:latin typeface="Courier" pitchFamily="2" charset="0"/>
+              <a:ea typeface="Calibri" panose="020F0502020204030204" pitchFamily="34" charset="0"/>
+              <a:cs typeface="Times New Roman" panose="02020603050405020304" pitchFamily="18" charset="0"/>
+            </a:endParaRPr>
+          </a:p>
+          <a:p>
+            <a:pPr>
+              <a:tabLst>
+                <a:tab pos="581660" algn="l"/>
+                <a:tab pos="1163320" algn="l"/>
+                <a:tab pos="1744980" algn="l"/>
+                <a:tab pos="2326640" algn="l"/>
+                <a:tab pos="2908300" algn="l"/>
+                <a:tab pos="3489960" algn="l"/>
+                <a:tab pos="4071620" algn="l"/>
+                <a:tab pos="4653280" algn="l"/>
+                <a:tab pos="5234940" algn="l"/>
+                <a:tab pos="5816600" algn="l"/>
+                <a:tab pos="6398260" algn="l"/>
+                <a:tab pos="6979920" algn="l"/>
+                <a:tab pos="7561580" algn="l"/>
+                <a:tab pos="8143240" algn="l"/>
+                <a:tab pos="8724900" algn="l"/>
+                <a:tab pos="9306560" algn="l"/>
+              </a:tabLst>
+            </a:pPr>
+            <a:r>
+              <a:rPr lang="en-CA" sz="1100" dirty="0">
+                <a:latin typeface="Courier" pitchFamily="2" charset="0"/>
+                <a:ea typeface="Times New Roman" panose="02020603050405020304" pitchFamily="18" charset="0"/>
+                <a:cs typeface="Times New Roman" panose="02020603050405020304" pitchFamily="18" charset="0"/>
+              </a:rPr>
+              <a:t>                        Figure 2: Traffic Coloring</a:t>
+            </a:r>
+            <a:endParaRPr lang="en-CA" sz="1100" dirty="0">
+              <a:latin typeface="Courier" pitchFamily="2" charset="0"/>
+              <a:ea typeface="Calibri" panose="020F0502020204030204" pitchFamily="34" charset="0"/>
+              <a:cs typeface="Times New Roman" panose="02020603050405020304" pitchFamily="18" charset="0"/>
+            </a:endParaRPr>
+          </a:p>
+          <a:p>
+            <a:r>
+              <a:rPr lang="en-CA" sz="1100" dirty="0">
+                <a:latin typeface="Courier" pitchFamily="2" charset="0"/>
+                <a:ea typeface="Calibri" panose="020F0502020204030204" pitchFamily="34" charset="0"/>
+                <a:cs typeface="Times New Roman" panose="02020603050405020304" pitchFamily="18" charset="0"/>
+              </a:rPr>
+              <a:t> </a:t>
+            </a:r>
+            <a:endParaRPr lang="en-US" sz="1100" dirty="0">
+              <a:latin typeface="Courier" pitchFamily="2" charset="0"/>
+            </a:endParaRPr>
+          </a:p>
+        </p:txBody>
+      </p:sp>
+    </p:spTree>
+    <p:extLst>
+      <p:ext uri="{BB962C8B-B14F-4D97-AF65-F5344CB8AC3E}">
+        <p14:creationId xmlns:p14="http://schemas.microsoft.com/office/powerpoint/2010/main" val="1449485219"/>
+      </p:ext>
+    </p:extLst>
+  </p:cSld>
+  <p:clrMapOvr>
+    <a:masterClrMapping/>
+  </p:clrMapOvr>
+</p:sld>
+</file>
+
+<file path=ppt/slides/slide5.xml><?xml version="1.0" encoding="utf-8"?>
+<p:sld xmlns:a="http://schemas.openxmlformats.org/drawingml/2006/main" xmlns:r="http://schemas.openxmlformats.org/officeDocument/2006/relationships" xmlns:p="http://schemas.openxmlformats.org/presentationml/2006/main">
+  <p:cSld>
+    <p:spTree>
+      <p:nvGrpSpPr>
+        <p:cNvPr id="1" name=""/>
+        <p:cNvGrpSpPr/>
+        <p:nvPr/>
+      </p:nvGrpSpPr>
+      <p:grpSpPr>
+        <a:xfrm>
+          <a:off x="0" y="0"/>
+          <a:ext cx="0" cy="0"/>
+          <a:chOff x="0" y="0"/>
+          <a:chExt cx="0" cy="0"/>
+        </a:xfrm>
+      </p:grpSpPr>
+      <p:sp>
+        <p:nvSpPr>
+          <p:cNvPr id="3" name="Title 2"/>
+          <p:cNvSpPr>
+            <a:spLocks noGrp="1"/>
+          </p:cNvSpPr>
+          <p:nvPr>
+            <p:ph type="title"/>
+          </p:nvPr>
+        </p:nvSpPr>
+        <p:spPr>
+          <a:xfrm>
+            <a:off x="298712" y="0"/>
+            <a:ext cx="8505372" cy="706080"/>
+          </a:xfrm>
+        </p:spPr>
+        <p:txBody>
+          <a:bodyPr/>
+          <a:lstStyle/>
+          <a:p>
+            <a:pPr algn="l"/>
+            <a:r>
+              <a:rPr lang="en-US" sz="2800" dirty="0">
+                <a:solidFill>
+                  <a:srgbClr val="0070C0"/>
+                </a:solidFill>
+                <a:latin typeface="Calibri Light" panose="020F0302020204030204" pitchFamily="34" charset="0"/>
+                <a:cs typeface="Calibri Light" panose="020F0302020204030204" pitchFamily="34" charset="0"/>
+              </a:rPr>
+              <a:t>STAMP Test Packets with Direct Measurement TLV</a:t>
+            </a:r>
+          </a:p>
         </p:txBody>
       </p:sp>
       <p:sp>
         <p:nvSpPr>
-          <p:cNvPr id="20" name="Footer Placeholder 3">
-            <a:extLst>
-              <a:ext uri="{FF2B5EF4-FFF2-40B4-BE49-F238E27FC236}">
-                <a16:creationId xmlns:a16="http://schemas.microsoft.com/office/drawing/2014/main" id="{5CF2E694-5ECB-4743-9B69-8CA1B5B3D746}"/>
-              </a:ext>
-            </a:extLst>
-          </p:cNvPr>
-          <p:cNvSpPr txBox="1">
-            <a:spLocks/>
-          </p:cNvSpPr>
+          <p:cNvPr id="5" name="Rectangle 4"/>
+          <p:cNvSpPr/>
           <p:nvPr/>
         </p:nvSpPr>
-        <p:spPr bwMode="auto">
+        <p:spPr>
           <a:xfrm>
-            <a:off x="3581400" y="4789458"/>
-            <a:ext cx="1600200" cy="357188"/>
+            <a:off x="222352" y="659773"/>
+            <a:ext cx="4310743" cy="4131900"/>
           </a:xfrm>
           <a:prstGeom prst="rect">
             <a:avLst/>
           </a:prstGeom>
-          <a:noFill/>
-          <a:ln w="9525">
-            <a:noFill/>
-            <a:miter lim="800000"/>
-            <a:headEnd/>
-            <a:tailEnd/>
-          </a:ln>
+          <a:solidFill>
+            <a:schemeClr val="accent6">
+              <a:lumMod val="20000"/>
+              <a:lumOff val="80000"/>
+            </a:schemeClr>
+          </a:solidFill>
         </p:spPr>
         <p:txBody>
-          <a:bodyPr vert="horz" wrap="square" lIns="0" tIns="45710" rIns="0" bIns="45710" numCol="1" anchor="t" anchorCtr="0" compatLnSpc="1">
-            <a:prstTxWarp prst="textNoShape">
-              <a:avLst/>
-            </a:prstTxWarp>
-            <a:noAutofit/>
+          <a:bodyPr wrap="square">
+            <a:spAutoFit/>
           </a:bodyPr>
-          <a:lstStyle>
-            <a:lvl1pPr marL="174625" indent="-117475" algn="l" rtl="0" eaLnBrk="0" fontAlgn="base" hangingPunct="0">
-              <a:lnSpc>
-                <a:spcPct val="95000"/>
-              </a:lnSpc>
-              <a:spcBef>
-                <a:spcPts val="1110"/>
-              </a:spcBef>
+          <a:lstStyle/>
+          <a:p>
+            <a:pPr>
               <a:spcAft>
-                <a:spcPct val="0"/>
+                <a:spcPts val="0"/>
               </a:spcAft>
-              <a:buClr>
-                <a:schemeClr val="tx1"/>
-              </a:buClr>
-              <a:buSzPct val="60000"/>
-              <a:buFont typeface="Arial"/>
-              <a:buChar char="•"/>
-              <a:defRPr sz="2000" b="0" i="0" baseline="0">
+            </a:pPr>
+            <a:r>
+              <a:rPr lang="en-US" sz="750" dirty="0">
+                <a:latin typeface="Courier" pitchFamily="2" charset="0"/>
+                <a:ea typeface="Courier" charset="0"/>
+                <a:cs typeface="Courier" charset="0"/>
+              </a:rPr>
+              <a:t>       0                   1                   2                   3</a:t>
+            </a:r>
+          </a:p>
+          <a:p>
+            <a:pPr>
+              <a:spcAft>
+                <a:spcPts val="0"/>
+              </a:spcAft>
+            </a:pPr>
+            <a:r>
+              <a:rPr lang="en-US" sz="750" dirty="0">
+                <a:latin typeface="Courier" pitchFamily="2" charset="0"/>
+                <a:ea typeface="Courier" charset="0"/>
+                <a:cs typeface="Courier" charset="0"/>
+              </a:rPr>
+              <a:t>       0 1 2 3 4 5 6 7 8 9 0 1 2 3 4 5 6 7 8 9 0 1 2 3 4 5 6 7 8 9 0 1</a:t>
+            </a:r>
+          </a:p>
+          <a:p>
+            <a:pPr>
+              <a:spcAft>
+                <a:spcPts val="0"/>
+              </a:spcAft>
+            </a:pPr>
+            <a:r>
+              <a:rPr lang="en-US" sz="750" dirty="0">
+                <a:latin typeface="Courier" pitchFamily="2" charset="0"/>
+                <a:ea typeface="Courier" charset="0"/>
+                <a:cs typeface="Courier" charset="0"/>
+              </a:rPr>
+              <a:t>      +-+-+-+-+-+-+-+-+-+-+-+-+-+-+-+-+-+-+-+-+-+-+-+-+-+-+-+-+-+-+-+-+</a:t>
+            </a:r>
+          </a:p>
+          <a:p>
+            <a:pPr>
+              <a:spcAft>
+                <a:spcPts val="0"/>
+              </a:spcAft>
+            </a:pPr>
+            <a:r>
+              <a:rPr lang="en-US" sz="750" dirty="0">
+                <a:latin typeface="Courier" pitchFamily="2" charset="0"/>
+                <a:ea typeface="Courier" charset="0"/>
+                <a:cs typeface="Courier" charset="0"/>
+              </a:rPr>
+              <a:t>      |                        Sequence Number                        |</a:t>
+            </a:r>
+          </a:p>
+          <a:p>
+            <a:pPr>
+              <a:spcAft>
+                <a:spcPts val="0"/>
+              </a:spcAft>
+            </a:pPr>
+            <a:r>
+              <a:rPr lang="en-US" sz="750" dirty="0">
+                <a:latin typeface="Courier" pitchFamily="2" charset="0"/>
+                <a:ea typeface="Courier" charset="0"/>
+                <a:cs typeface="Courier" charset="0"/>
+              </a:rPr>
+              <a:t>      +-+-+-+-+-+-+-+-+-+-+-+-+-+-+-+-+-+-+-+-+-+-+-+-+-+-+-+-+-+-+-+-+</a:t>
+            </a:r>
+          </a:p>
+          <a:p>
+            <a:pPr>
+              <a:spcAft>
+                <a:spcPts val="0"/>
+              </a:spcAft>
+            </a:pPr>
+            <a:r>
+              <a:rPr lang="en-US" sz="750" dirty="0">
+                <a:latin typeface="Courier" pitchFamily="2" charset="0"/>
+                <a:ea typeface="Courier" charset="0"/>
+                <a:cs typeface="Courier" charset="0"/>
+              </a:rPr>
+              <a:t>      |                          Timestamp                            |</a:t>
+            </a:r>
+          </a:p>
+          <a:p>
+            <a:pPr>
+              <a:spcAft>
+                <a:spcPts val="0"/>
+              </a:spcAft>
+            </a:pPr>
+            <a:r>
+              <a:rPr lang="en-US" sz="750" dirty="0">
+                <a:latin typeface="Courier" pitchFamily="2" charset="0"/>
+                <a:ea typeface="Courier" charset="0"/>
+                <a:cs typeface="Courier" charset="0"/>
+              </a:rPr>
+              <a:t>      |                                                               |</a:t>
+            </a:r>
+          </a:p>
+          <a:p>
+            <a:pPr>
+              <a:spcAft>
+                <a:spcPts val="0"/>
+              </a:spcAft>
+            </a:pPr>
+            <a:r>
+              <a:rPr lang="en-US" sz="750" dirty="0">
+                <a:latin typeface="Courier" pitchFamily="2" charset="0"/>
+                <a:ea typeface="Courier" charset="0"/>
+                <a:cs typeface="Courier" charset="0"/>
+              </a:rPr>
+              <a:t>      +-+-+-+-+-+-+-+-+-+-+-+-+-+-+-+-+-+-+-+-+-+-+-+-+-+-+-+-+-+-+-+-+</a:t>
+            </a:r>
+          </a:p>
+          <a:p>
+            <a:pPr>
+              <a:spcAft>
+                <a:spcPts val="0"/>
+              </a:spcAft>
+            </a:pPr>
+            <a:r>
+              <a:rPr lang="en-US" sz="750" dirty="0">
+                <a:latin typeface="Courier" pitchFamily="2" charset="0"/>
+                <a:ea typeface="Courier" charset="0"/>
+                <a:cs typeface="Courier" charset="0"/>
+              </a:rPr>
+              <a:t>      |         Error Estimate        |           SSID                |</a:t>
+            </a:r>
+          </a:p>
+          <a:p>
+            <a:pPr>
+              <a:spcAft>
+                <a:spcPts val="0"/>
+              </a:spcAft>
+            </a:pPr>
+            <a:r>
+              <a:rPr lang="en-US" sz="750" dirty="0">
+                <a:latin typeface="Courier" pitchFamily="2" charset="0"/>
+                <a:ea typeface="Courier" charset="0"/>
+                <a:cs typeface="Courier" charset="0"/>
+              </a:rPr>
+              <a:t>      +-+-+-+-+-+-+-+-+-+-+-+-+-+-+-+-+-+-+-+-+-+-+-+-+-+-+-+-+-+-+-+-+</a:t>
+            </a:r>
+          </a:p>
+          <a:p>
+            <a:pPr>
+              <a:spcAft>
+                <a:spcPts val="0"/>
+              </a:spcAft>
+            </a:pPr>
+            <a:r>
+              <a:rPr lang="en-US" sz="750" dirty="0">
+                <a:latin typeface="Courier" pitchFamily="2" charset="0"/>
+                <a:ea typeface="Courier" charset="0"/>
+                <a:cs typeface="Courier" charset="0"/>
+              </a:rPr>
+              <a:t>      |                                                               |</a:t>
+            </a:r>
+          </a:p>
+          <a:p>
+            <a:pPr>
+              <a:spcAft>
+                <a:spcPts val="0"/>
+              </a:spcAft>
+            </a:pPr>
+            <a:r>
+              <a:rPr lang="en-US" sz="750" dirty="0">
+                <a:latin typeface="Courier" pitchFamily="2" charset="0"/>
+                <a:ea typeface="Courier" charset="0"/>
+                <a:cs typeface="Courier" charset="0"/>
+              </a:rPr>
+              <a:t>      |                                                               |</a:t>
+            </a:r>
+          </a:p>
+          <a:p>
+            <a:pPr>
+              <a:spcAft>
+                <a:spcPts val="0"/>
+              </a:spcAft>
+            </a:pPr>
+            <a:r>
+              <a:rPr lang="en-US" sz="750" dirty="0">
+                <a:latin typeface="Courier" pitchFamily="2" charset="0"/>
+                <a:ea typeface="Courier" charset="0"/>
+                <a:cs typeface="Courier" charset="0"/>
+              </a:rPr>
+              <a:t>      +                                                               +</a:t>
+            </a:r>
+          </a:p>
+          <a:p>
+            <a:pPr>
+              <a:spcAft>
+                <a:spcPts val="0"/>
+              </a:spcAft>
+            </a:pPr>
+            <a:r>
+              <a:rPr lang="en-US" sz="750" dirty="0">
+                <a:latin typeface="Courier" pitchFamily="2" charset="0"/>
+                <a:ea typeface="Courier" charset="0"/>
+                <a:cs typeface="Courier" charset="0"/>
+              </a:rPr>
+              <a:t>      |                         MBZ (28 octets)                       |</a:t>
+            </a:r>
+          </a:p>
+          <a:p>
+            <a:pPr>
+              <a:spcAft>
+                <a:spcPts val="0"/>
+              </a:spcAft>
+            </a:pPr>
+            <a:r>
+              <a:rPr lang="en-US" sz="750" dirty="0">
+                <a:latin typeface="Courier" pitchFamily="2" charset="0"/>
+                <a:ea typeface="Courier" charset="0"/>
+                <a:cs typeface="Courier" charset="0"/>
+              </a:rPr>
+              <a:t>      +                                                               +</a:t>
+            </a:r>
+          </a:p>
+          <a:p>
+            <a:pPr>
+              <a:spcAft>
+                <a:spcPts val="0"/>
+              </a:spcAft>
+            </a:pPr>
+            <a:r>
+              <a:rPr lang="en-US" sz="750" dirty="0">
+                <a:latin typeface="Courier" pitchFamily="2" charset="0"/>
+                <a:ea typeface="Courier" charset="0"/>
+                <a:cs typeface="Courier" charset="0"/>
+              </a:rPr>
+              <a:t>      |                                                               |</a:t>
+            </a:r>
+          </a:p>
+          <a:p>
+            <a:pPr>
+              <a:spcAft>
+                <a:spcPts val="0"/>
+              </a:spcAft>
+            </a:pPr>
+            <a:r>
+              <a:rPr lang="en-US" sz="750" dirty="0">
+                <a:latin typeface="Courier" pitchFamily="2" charset="0"/>
+                <a:ea typeface="Courier" charset="0"/>
+                <a:cs typeface="Courier" charset="0"/>
+              </a:rPr>
+              <a:t>      |                                                               |</a:t>
+            </a:r>
+          </a:p>
+          <a:p>
+            <a:pPr>
+              <a:spcAft>
+                <a:spcPts val="0"/>
+              </a:spcAft>
+            </a:pPr>
+            <a:r>
+              <a:rPr lang="en-US" sz="750" dirty="0">
+                <a:latin typeface="Courier" pitchFamily="2" charset="0"/>
+                <a:ea typeface="Courier" charset="0"/>
+                <a:cs typeface="Courier" charset="0"/>
+              </a:rPr>
+              <a:t>      +                                                               +</a:t>
+            </a:r>
+          </a:p>
+          <a:p>
+            <a:pPr>
+              <a:spcAft>
+                <a:spcPts val="0"/>
+              </a:spcAft>
+            </a:pPr>
+            <a:r>
+              <a:rPr lang="en-US" sz="750" dirty="0">
+                <a:latin typeface="Courier" pitchFamily="2" charset="0"/>
+                <a:ea typeface="Courier" charset="0"/>
+                <a:cs typeface="Courier" charset="0"/>
+              </a:rPr>
+              <a:t>      |                                                               |</a:t>
+            </a:r>
+          </a:p>
+          <a:p>
+            <a:pPr>
+              <a:spcAft>
+                <a:spcPts val="0"/>
+              </a:spcAft>
+            </a:pPr>
+            <a:r>
+              <a:rPr lang="en-US" sz="750" dirty="0">
+                <a:latin typeface="Courier" pitchFamily="2" charset="0"/>
+                <a:ea typeface="Courier" charset="0"/>
+                <a:cs typeface="Courier" charset="0"/>
+              </a:rPr>
+              <a:t>      +                                                               +</a:t>
+            </a:r>
+          </a:p>
+          <a:p>
+            <a:pPr>
+              <a:spcAft>
+                <a:spcPts val="0"/>
+              </a:spcAft>
+            </a:pPr>
+            <a:r>
+              <a:rPr lang="en-US" sz="750" dirty="0">
+                <a:latin typeface="Courier" pitchFamily="2" charset="0"/>
+                <a:ea typeface="Courier" charset="0"/>
+                <a:cs typeface="Courier" charset="0"/>
+              </a:rPr>
+              <a:t>      |                                                               |</a:t>
+            </a:r>
+          </a:p>
+          <a:p>
+            <a:pPr>
+              <a:spcAft>
+                <a:spcPts val="0"/>
+              </a:spcAft>
+            </a:pPr>
+            <a:r>
+              <a:rPr lang="en-US" sz="750" dirty="0">
+                <a:latin typeface="Courier" pitchFamily="2" charset="0"/>
+                <a:ea typeface="Courier" charset="0"/>
+                <a:cs typeface="Courier" charset="0"/>
+              </a:rPr>
+              <a:t>      +-+-+-+-+-+-+-+-+-+-+-+-+-+-+-+-+-+-+-+-+-+-+-+-+-+-+-+-+-+-+-+-+</a:t>
+            </a:r>
+          </a:p>
+          <a:p>
+            <a:pPr>
+              <a:spcAft>
+                <a:spcPts val="0"/>
+              </a:spcAft>
+            </a:pPr>
+            <a:r>
+              <a:rPr lang="en-US" sz="750" dirty="0">
+                <a:latin typeface="Courier" pitchFamily="2" charset="0"/>
+                <a:ea typeface="Courier" charset="0"/>
+                <a:cs typeface="Courier" charset="0"/>
+              </a:rPr>
+              <a:t>      </a:t>
+            </a:r>
+            <a:r>
+              <a:rPr lang="en-US" sz="750" b="1" dirty="0">
                 <a:solidFill>
-                  <a:schemeClr val="tx1"/>
+                  <a:srgbClr val="7030A0"/>
                 </a:solidFill>
-                <a:latin typeface="+mn-lt"/>
-                <a:ea typeface="Calibri" charset="0"/>
-                <a:cs typeface="CiscoSans ExtraLight"/>
-              </a:defRPr>
-            </a:lvl1pPr>
-            <a:lvl2pPr marL="288925" indent="-114300" algn="l" rtl="0" eaLnBrk="0" fontAlgn="base" hangingPunct="0">
-              <a:lnSpc>
-                <a:spcPct val="95000"/>
-              </a:lnSpc>
-              <a:spcBef>
-                <a:spcPts val="450"/>
-              </a:spcBef>
+                <a:latin typeface="Courier" pitchFamily="2" charset="0"/>
+                <a:ea typeface="Courier" charset="0"/>
+                <a:cs typeface="Courier" charset="0"/>
+              </a:rPr>
+              <a:t>~                                                               ~</a:t>
+            </a:r>
+          </a:p>
+          <a:p>
+            <a:pPr>
               <a:spcAft>
-                <a:spcPct val="0"/>
+                <a:spcPts val="0"/>
               </a:spcAft>
-              <a:buClr>
-                <a:schemeClr val="tx1"/>
-              </a:buClr>
-              <a:buSzPct val="60000"/>
-              <a:buFont typeface="Arial"/>
-              <a:buChar char="•"/>
-              <a:defRPr sz="1800" b="0" i="0">
+            </a:pPr>
+            <a:r>
+              <a:rPr lang="en-US" sz="750" b="1" dirty="0">
                 <a:solidFill>
-                  <a:schemeClr val="tx1"/>
+                  <a:srgbClr val="7030A0"/>
                 </a:solidFill>
-                <a:latin typeface="+mn-lt"/>
-                <a:ea typeface="Calibri" charset="0"/>
-                <a:cs typeface="CiscoSans ExtraLight"/>
-              </a:defRPr>
-            </a:lvl2pPr>
-            <a:lvl3pPr marL="403225" indent="-114300" algn="l" rtl="0" eaLnBrk="0" fontAlgn="base" hangingPunct="0">
-              <a:spcBef>
-                <a:spcPct val="20000"/>
-              </a:spcBef>
+                <a:latin typeface="Courier" pitchFamily="2" charset="0"/>
+                <a:ea typeface="Courier" charset="0"/>
+                <a:cs typeface="Courier" charset="0"/>
+              </a:rPr>
+              <a:t>      ~                                                               ~</a:t>
+            </a:r>
+          </a:p>
+          <a:p>
+            <a:pPr>
               <a:spcAft>
-                <a:spcPct val="0"/>
+                <a:spcPts val="0"/>
               </a:spcAft>
-              <a:buClr>
-                <a:schemeClr val="tx1"/>
-              </a:buClr>
-              <a:buSzPct val="60000"/>
-              <a:buFont typeface="Arial"/>
-              <a:buChar char="•"/>
-              <a:defRPr sz="1600" b="0" i="0">
+            </a:pPr>
+            <a:r>
+              <a:rPr lang="en-US" sz="750" b="1" dirty="0">
                 <a:solidFill>
-                  <a:schemeClr val="tx1"/>
+                  <a:srgbClr val="7030A0"/>
                 </a:solidFill>
-                <a:latin typeface="+mn-lt"/>
-                <a:ea typeface="Calibri" charset="0"/>
-                <a:cs typeface="CiscoSans ExtraLight"/>
-              </a:defRPr>
-            </a:lvl3pPr>
-            <a:lvl4pPr marL="517525" indent="-114300" algn="l" rtl="0" eaLnBrk="0" fontAlgn="base" hangingPunct="0">
-              <a:spcBef>
-                <a:spcPct val="20000"/>
-              </a:spcBef>
+                <a:latin typeface="Courier" pitchFamily="2" charset="0"/>
+                <a:ea typeface="Courier" charset="0"/>
+                <a:cs typeface="Courier" charset="0"/>
+              </a:rPr>
+              <a:t>      +-+-+-+-+-+-+-+-+-+-+-+-+-+-+-+-+-+-+-+-+-+-+-+-+-+-+-+-+-+-+-+-+</a:t>
+            </a:r>
+          </a:p>
+          <a:p>
+            <a:pPr>
               <a:spcAft>
-                <a:spcPct val="0"/>
+                <a:spcPts val="0"/>
               </a:spcAft>
-              <a:buClr>
-                <a:schemeClr val="tx1"/>
-              </a:buClr>
-              <a:buSzPct val="60000"/>
-              <a:buFont typeface="Arial"/>
-              <a:buChar char="•"/>
-              <a:defRPr sz="1400" b="0" i="0">
+            </a:pPr>
+            <a:r>
+              <a:rPr lang="en-CA" sz="750" b="1" dirty="0">
                 <a:solidFill>
-                  <a:schemeClr val="tx1"/>
+                  <a:srgbClr val="7030A0"/>
                 </a:solidFill>
-                <a:latin typeface="+mn-lt"/>
-                <a:ea typeface="Calibri" charset="0"/>
-                <a:cs typeface="CiscoSans ExtraLight"/>
-              </a:defRPr>
-            </a:lvl4pPr>
-            <a:lvl5pPr marL="631825" indent="-114300" algn="l" rtl="0" eaLnBrk="0" fontAlgn="base" hangingPunct="0">
-              <a:spcBef>
-                <a:spcPct val="20000"/>
-              </a:spcBef>
+                <a:latin typeface="Courier" pitchFamily="2" charset="0"/>
+              </a:rPr>
+              <a:t>      |STAMP TLV Flags|  Type         |     Length                    |</a:t>
+            </a:r>
+          </a:p>
+          <a:p>
+            <a:pPr>
               <a:spcAft>
-                <a:spcPct val="0"/>
+                <a:spcPts val="0"/>
               </a:spcAft>
-              <a:buClr>
-                <a:schemeClr val="tx1"/>
-              </a:buClr>
-              <a:buSzPct val="60000"/>
-              <a:buFont typeface="Arial"/>
-              <a:buChar char="•"/>
-              <a:defRPr sz="1200" b="0" i="0">
+            </a:pPr>
+            <a:r>
+              <a:rPr lang="en-US" sz="750" b="1" dirty="0">
                 <a:solidFill>
-                  <a:schemeClr val="tx1"/>
+                  <a:srgbClr val="7030A0"/>
                 </a:solidFill>
-                <a:latin typeface="+mn-lt"/>
-                <a:ea typeface="Calibri" charset="0"/>
-                <a:cs typeface="CiscoSans ExtraLight"/>
-              </a:defRPr>
-            </a:lvl5pPr>
-            <a:lvl6pPr marL="2514600" indent="-228600" algn="l" rtl="0" fontAlgn="base">
-              <a:spcBef>
-                <a:spcPct val="20000"/>
-              </a:spcBef>
+                <a:latin typeface="Courier" pitchFamily="2" charset="0"/>
+                <a:ea typeface="Courier" charset="0"/>
+                <a:cs typeface="Courier" charset="0"/>
+              </a:rPr>
+              <a:t>      +-+-+-+-+-+-+-+-+-+-+-+-+-+-+-+-+-+-+-+-+-+-+-+-+-+-+-+-+-+-+-+-+</a:t>
+            </a:r>
+          </a:p>
+          <a:p>
+            <a:pPr>
               <a:spcAft>
-                <a:spcPct val="0"/>
+                <a:spcPts val="0"/>
               </a:spcAft>
-              <a:buChar char="»"/>
-              <a:defRPr sz="2000">
+            </a:pPr>
+            <a:r>
+              <a:rPr lang="en-US" sz="750" b="1" dirty="0">
                 <a:solidFill>
-                  <a:schemeClr val="tx1"/>
+                  <a:srgbClr val="7030A0"/>
                 </a:solidFill>
-                <a:latin typeface="+mn-lt"/>
-                <a:ea typeface="+mn-ea"/>
-              </a:defRPr>
-            </a:lvl6pPr>
-            <a:lvl7pPr marL="2971800" indent="-228600" algn="l" rtl="0" fontAlgn="base">
-              <a:spcBef>
-                <a:spcPct val="20000"/>
-              </a:spcBef>
+                <a:latin typeface="Courier" pitchFamily="2" charset="0"/>
+                <a:ea typeface="Courier" charset="0"/>
+                <a:cs typeface="Courier" charset="0"/>
+              </a:rPr>
+              <a:t>      |             Session-Sender Tx counter  (</a:t>
+            </a:r>
+            <a:r>
+              <a:rPr lang="en-US" sz="750" b="1" dirty="0" err="1">
+                <a:solidFill>
+                  <a:srgbClr val="7030A0"/>
+                </a:solidFill>
+                <a:latin typeface="Courier" pitchFamily="2" charset="0"/>
+                <a:ea typeface="Courier" charset="0"/>
+                <a:cs typeface="Courier" charset="0"/>
+              </a:rPr>
+              <a:t>S_TxC</a:t>
+            </a:r>
+            <a:r>
+              <a:rPr lang="en-US" sz="750" b="1" dirty="0">
+                <a:solidFill>
+                  <a:srgbClr val="7030A0"/>
+                </a:solidFill>
+                <a:latin typeface="Courier" pitchFamily="2" charset="0"/>
+                <a:ea typeface="Courier" charset="0"/>
+                <a:cs typeface="Courier" charset="0"/>
+              </a:rPr>
+              <a:t>)                |</a:t>
+            </a:r>
+          </a:p>
+          <a:p>
+            <a:pPr>
               <a:spcAft>
-                <a:spcPct val="0"/>
+                <a:spcPts val="0"/>
               </a:spcAft>
-              <a:buChar char="»"/>
-              <a:defRPr sz="2000">
+            </a:pPr>
+            <a:r>
+              <a:rPr lang="en-US" sz="750" b="1" dirty="0">
                 <a:solidFill>
-                  <a:schemeClr val="tx1"/>
+                  <a:srgbClr val="7030A0"/>
                 </a:solidFill>
-                <a:latin typeface="+mn-lt"/>
-                <a:ea typeface="+mn-ea"/>
-              </a:defRPr>
-            </a:lvl7pPr>
-            <a:lvl8pPr marL="3429000" indent="-228600" algn="l" rtl="0" fontAlgn="base">
-              <a:spcBef>
-                <a:spcPct val="20000"/>
-              </a:spcBef>
+                <a:latin typeface="Courier" pitchFamily="2" charset="0"/>
+                <a:ea typeface="Courier" charset="0"/>
+                <a:cs typeface="Courier" charset="0"/>
+              </a:rPr>
+              <a:t>      +-+-+-+-+-+-+-+-+-+-+-+-+-+-+-+-+-+-+-+-+-+-+-+-+-+-+-+-+-+-+-+-+</a:t>
+            </a:r>
+          </a:p>
+          <a:p>
+            <a:pPr>
               <a:spcAft>
-                <a:spcPct val="0"/>
+                <a:spcPts val="0"/>
               </a:spcAft>
-              <a:buChar char="»"/>
-              <a:defRPr sz="2000">
+            </a:pPr>
+            <a:r>
+              <a:rPr lang="en-US" sz="750" b="1" dirty="0">
                 <a:solidFill>
-                  <a:schemeClr val="tx1"/>
+                  <a:srgbClr val="7030A0"/>
                 </a:solidFill>
-                <a:latin typeface="+mn-lt"/>
-                <a:ea typeface="+mn-ea"/>
-              </a:defRPr>
-            </a:lvl8pPr>
-            <a:lvl9pPr marL="3886200" indent="-228600" algn="l" rtl="0" fontAlgn="base">
-              <a:spcBef>
-                <a:spcPct val="20000"/>
-              </a:spcBef>
+                <a:latin typeface="Courier" pitchFamily="2" charset="0"/>
+                <a:ea typeface="Courier" charset="0"/>
+                <a:cs typeface="Courier" charset="0"/>
+              </a:rPr>
+              <a:t>      |             Session-Reflector Rx counter  (</a:t>
+            </a:r>
+            <a:r>
+              <a:rPr lang="en-US" sz="750" b="1" dirty="0" err="1">
+                <a:solidFill>
+                  <a:srgbClr val="7030A0"/>
+                </a:solidFill>
+                <a:latin typeface="Courier" pitchFamily="2" charset="0"/>
+                <a:ea typeface="Courier" charset="0"/>
+                <a:cs typeface="Courier" charset="0"/>
+              </a:rPr>
+              <a:t>R_RxC</a:t>
+            </a:r>
+            <a:r>
+              <a:rPr lang="en-US" sz="750" b="1" dirty="0">
+                <a:solidFill>
+                  <a:srgbClr val="7030A0"/>
+                </a:solidFill>
+                <a:latin typeface="Courier" pitchFamily="2" charset="0"/>
+                <a:ea typeface="Courier" charset="0"/>
+                <a:cs typeface="Courier" charset="0"/>
+              </a:rPr>
+              <a:t>)             |</a:t>
+            </a:r>
+          </a:p>
+          <a:p>
+            <a:pPr>
               <a:spcAft>
-                <a:spcPct val="0"/>
+                <a:spcPts val="0"/>
               </a:spcAft>
-              <a:buChar char="»"/>
-              <a:defRPr sz="2000">
+            </a:pPr>
+            <a:r>
+              <a:rPr lang="en-US" sz="750" b="1" dirty="0">
                 <a:solidFill>
-                  <a:schemeClr val="tx1"/>
+                  <a:srgbClr val="7030A0"/>
                 </a:solidFill>
-                <a:latin typeface="+mn-lt"/>
-                <a:ea typeface="+mn-ea"/>
-              </a:defRPr>
-            </a:lvl9pPr>
-          </a:lstStyle>
-          <a:p>
-            <a:pPr marL="57150" indent="0">
-              <a:buNone/>
-            </a:pPr>
-            <a:r>
-              <a:rPr lang="en-CA" sz="1400" kern="0" dirty="0">
-                <a:latin typeface="Calibri" panose="020F0502020204030204" pitchFamily="34" charset="0"/>
-                <a:cs typeface="Calibri" panose="020F0502020204030204" pitchFamily="34" charset="0"/>
-              </a:rPr>
-              <a:t>110</a:t>
-            </a:r>
-            <a:r>
-              <a:rPr lang="en-CA" sz="1400" kern="0" baseline="30000" dirty="0">
-                <a:latin typeface="Calibri" panose="020F0502020204030204" pitchFamily="34" charset="0"/>
-                <a:cs typeface="Calibri" panose="020F0502020204030204" pitchFamily="34" charset="0"/>
-              </a:rPr>
-              <a:t>th</a:t>
-            </a:r>
-            <a:r>
-              <a:rPr lang="en-CA" sz="1400" kern="0" dirty="0">
-                <a:latin typeface="Calibri" panose="020F0502020204030204" pitchFamily="34" charset="0"/>
-                <a:cs typeface="Calibri" panose="020F0502020204030204" pitchFamily="34" charset="0"/>
-              </a:rPr>
-              <a:t> IETF Online</a:t>
+                <a:latin typeface="Courier" pitchFamily="2" charset="0"/>
+                <a:ea typeface="Courier" charset="0"/>
+                <a:cs typeface="Courier" charset="0"/>
+              </a:rPr>
+              <a:t>      +-+-+-+-+-+-+-+-+-+-+-+-+-+-+-+-+-+-+-+-+-+-+-+-+-+-+-+-+-+-+-+-+</a:t>
+            </a:r>
+          </a:p>
+          <a:p>
+            <a:pPr>
+              <a:spcAft>
+                <a:spcPts val="0"/>
+              </a:spcAft>
+            </a:pPr>
+            <a:r>
+              <a:rPr lang="en-US" sz="750" b="1" dirty="0">
+                <a:solidFill>
+                  <a:srgbClr val="7030A0"/>
+                </a:solidFill>
+                <a:latin typeface="Courier" pitchFamily="2" charset="0"/>
+                <a:ea typeface="Courier" charset="0"/>
+                <a:cs typeface="Courier" charset="0"/>
+              </a:rPr>
+              <a:t>      |             Session-Reflector Tx counter  (</a:t>
+            </a:r>
+            <a:r>
+              <a:rPr lang="en-US" sz="750" b="1" dirty="0" err="1">
+                <a:solidFill>
+                  <a:srgbClr val="7030A0"/>
+                </a:solidFill>
+                <a:latin typeface="Courier" pitchFamily="2" charset="0"/>
+                <a:ea typeface="Courier" charset="0"/>
+                <a:cs typeface="Courier" charset="0"/>
+              </a:rPr>
+              <a:t>R_TxC</a:t>
+            </a:r>
+            <a:r>
+              <a:rPr lang="en-US" sz="750" b="1" dirty="0">
+                <a:solidFill>
+                  <a:srgbClr val="7030A0"/>
+                </a:solidFill>
+                <a:latin typeface="Courier" pitchFamily="2" charset="0"/>
+                <a:ea typeface="Courier" charset="0"/>
+                <a:cs typeface="Courier" charset="0"/>
+              </a:rPr>
+              <a:t>)             |</a:t>
+            </a:r>
+          </a:p>
+          <a:p>
+            <a:pPr>
+              <a:spcAft>
+                <a:spcPts val="0"/>
+              </a:spcAft>
+            </a:pPr>
+            <a:r>
+              <a:rPr lang="en-US" sz="750" b="1" dirty="0">
+                <a:solidFill>
+                  <a:srgbClr val="7030A0"/>
+                </a:solidFill>
+                <a:latin typeface="Courier" pitchFamily="2" charset="0"/>
+                <a:ea typeface="Courier" charset="0"/>
+                <a:cs typeface="Courier" charset="0"/>
+              </a:rPr>
+              <a:t>      +-+-+-+-+-+-+-+-+-+-+-+-+-+-+-+-+-+-+-+-+-+-+-+-+-+-+-+-+-+-+-+-+</a:t>
+            </a:r>
+          </a:p>
+          <a:p>
+            <a:pPr>
+              <a:spcAft>
+                <a:spcPts val="0"/>
+              </a:spcAft>
+            </a:pPr>
+            <a:endParaRPr lang="en-US" sz="750" dirty="0">
+              <a:solidFill>
+                <a:srgbClr val="0070C0"/>
+              </a:solidFill>
+              <a:latin typeface="Courier" pitchFamily="2" charset="0"/>
+              <a:ea typeface="Courier" charset="0"/>
+              <a:cs typeface="Courier" charset="0"/>
+            </a:endParaRPr>
+          </a:p>
+          <a:p>
+            <a:pPr>
+              <a:spcAft>
+                <a:spcPts val="0"/>
+              </a:spcAft>
+            </a:pPr>
+            <a:r>
+              <a:rPr lang="en-US" sz="750" dirty="0">
+                <a:latin typeface="Courier" pitchFamily="2" charset="0"/>
+                <a:ea typeface="Courier" charset="0"/>
+                <a:cs typeface="Courier" charset="0"/>
+              </a:rPr>
+              <a:t>	 Figure: Session-Sender Test Packet Format</a:t>
             </a:r>
           </a:p>
         </p:txBody>
       </p:sp>
       <p:sp>
         <p:nvSpPr>
-          <p:cNvPr id="21" name="Slide Number Placeholder 4">
+          <p:cNvPr id="14" name="Rectangle 13">
             <a:extLst>
               <a:ext uri="{FF2B5EF4-FFF2-40B4-BE49-F238E27FC236}">
-                <a16:creationId xmlns:a16="http://schemas.microsoft.com/office/drawing/2014/main" id="{6C6009CF-9E67-C84A-A806-26B46ABE1A2A}"/>
+                <a16:creationId xmlns:a16="http://schemas.microsoft.com/office/drawing/2014/main" id="{5F9D9D1B-92A3-C64D-87B1-9B0B9C9E3A13}"/>
+              </a:ext>
+            </a:extLst>
+          </p:cNvPr>
+          <p:cNvSpPr/>
+          <p:nvPr/>
+        </p:nvSpPr>
+        <p:spPr>
+          <a:xfrm>
+            <a:off x="4489552" y="659773"/>
+            <a:ext cx="4368799" cy="4131900"/>
+          </a:xfrm>
+          <a:prstGeom prst="rect">
+            <a:avLst/>
+          </a:prstGeom>
+          <a:solidFill>
+            <a:schemeClr val="accent6">
+              <a:lumMod val="20000"/>
+              <a:lumOff val="80000"/>
+            </a:schemeClr>
+          </a:solidFill>
+        </p:spPr>
+        <p:txBody>
+          <a:bodyPr wrap="square">
+            <a:spAutoFit/>
+          </a:bodyPr>
+          <a:lstStyle/>
+          <a:p>
+            <a:pPr>
+              <a:spcAft>
+                <a:spcPts val="0"/>
+              </a:spcAft>
+            </a:pPr>
+            <a:r>
+              <a:rPr lang="en-US" sz="750" dirty="0">
+                <a:latin typeface="Courier" pitchFamily="2" charset="0"/>
+                <a:ea typeface="Courier" charset="0"/>
+                <a:cs typeface="Courier" charset="0"/>
+              </a:rPr>
+              <a:t>     0                   1                   2                   3</a:t>
+            </a:r>
+          </a:p>
+          <a:p>
+            <a:pPr>
+              <a:spcAft>
+                <a:spcPts val="0"/>
+              </a:spcAft>
+            </a:pPr>
+            <a:r>
+              <a:rPr lang="en-US" sz="750" dirty="0">
+                <a:latin typeface="Courier" pitchFamily="2" charset="0"/>
+                <a:ea typeface="Courier" charset="0"/>
+                <a:cs typeface="Courier" charset="0"/>
+              </a:rPr>
+              <a:t>     0 1 2 3 4 5 6 7 8 9 0 1 2 3 4 5 6 7 8 9 0 1 2 3 4 5 6 7 8 9 0 1</a:t>
+            </a:r>
+          </a:p>
+          <a:p>
+            <a:pPr>
+              <a:spcAft>
+                <a:spcPts val="0"/>
+              </a:spcAft>
+            </a:pPr>
+            <a:r>
+              <a:rPr lang="en-US" sz="750" dirty="0">
+                <a:latin typeface="Courier" pitchFamily="2" charset="0"/>
+                <a:ea typeface="Courier" charset="0"/>
+                <a:cs typeface="Courier" charset="0"/>
+              </a:rPr>
+              <a:t>    +-+-+-+-+-+-+-+-+-+-+-+-+-+-+-+-+-+-+-+-+-+-+-+-+-+-+-+-+-+-+-+-+</a:t>
+            </a:r>
+          </a:p>
+          <a:p>
+            <a:pPr>
+              <a:spcAft>
+                <a:spcPts val="0"/>
+              </a:spcAft>
+            </a:pPr>
+            <a:r>
+              <a:rPr lang="en-US" sz="750" dirty="0">
+                <a:latin typeface="Courier" pitchFamily="2" charset="0"/>
+                <a:ea typeface="Courier" charset="0"/>
+                <a:cs typeface="Courier" charset="0"/>
+              </a:rPr>
+              <a:t>    |                        Sequence Number                        |</a:t>
+            </a:r>
+          </a:p>
+          <a:p>
+            <a:pPr>
+              <a:spcAft>
+                <a:spcPts val="0"/>
+              </a:spcAft>
+            </a:pPr>
+            <a:r>
+              <a:rPr lang="en-US" sz="750" dirty="0">
+                <a:latin typeface="Courier" pitchFamily="2" charset="0"/>
+                <a:ea typeface="Courier" charset="0"/>
+                <a:cs typeface="Courier" charset="0"/>
+              </a:rPr>
+              <a:t>    +-+-+-+-+-+-+-+-+-+-+-+-+-+-+-+-+-+-+-+-+-+-+-+-+-+-+-+-+-+-+-+-+</a:t>
+            </a:r>
+          </a:p>
+          <a:p>
+            <a:pPr>
+              <a:spcAft>
+                <a:spcPts val="0"/>
+              </a:spcAft>
+            </a:pPr>
+            <a:r>
+              <a:rPr lang="en-US" sz="750" dirty="0">
+                <a:latin typeface="Courier" pitchFamily="2" charset="0"/>
+                <a:ea typeface="Courier" charset="0"/>
+                <a:cs typeface="Courier" charset="0"/>
+              </a:rPr>
+              <a:t>    |                          Timestamp                            |</a:t>
+            </a:r>
+          </a:p>
+          <a:p>
+            <a:pPr>
+              <a:spcAft>
+                <a:spcPts val="0"/>
+              </a:spcAft>
+            </a:pPr>
+            <a:r>
+              <a:rPr lang="en-US" sz="750" dirty="0">
+                <a:latin typeface="Courier" pitchFamily="2" charset="0"/>
+                <a:ea typeface="Courier" charset="0"/>
+                <a:cs typeface="Courier" charset="0"/>
+              </a:rPr>
+              <a:t>    |                                                               |</a:t>
+            </a:r>
+          </a:p>
+          <a:p>
+            <a:pPr>
+              <a:spcAft>
+                <a:spcPts val="0"/>
+              </a:spcAft>
+            </a:pPr>
+            <a:r>
+              <a:rPr lang="en-US" sz="750" dirty="0">
+                <a:latin typeface="Courier" pitchFamily="2" charset="0"/>
+                <a:ea typeface="Courier" charset="0"/>
+                <a:cs typeface="Courier" charset="0"/>
+              </a:rPr>
+              <a:t>    +-+-+-+-+-+-+-+-+-+-+-+-+-+-+-+-+-+-+-+-+-+-+-+-+-+-+-+-+-+-+-+-+</a:t>
+            </a:r>
+          </a:p>
+          <a:p>
+            <a:pPr>
+              <a:spcAft>
+                <a:spcPts val="0"/>
+              </a:spcAft>
+            </a:pPr>
+            <a:r>
+              <a:rPr lang="en-US" sz="750" dirty="0">
+                <a:latin typeface="Courier" pitchFamily="2" charset="0"/>
+                <a:ea typeface="Courier" charset="0"/>
+                <a:cs typeface="Courier" charset="0"/>
+              </a:rPr>
+              <a:t>    |         Error Estimate        |           SSID                |</a:t>
+            </a:r>
+          </a:p>
+          <a:p>
+            <a:pPr>
+              <a:spcAft>
+                <a:spcPts val="0"/>
+              </a:spcAft>
+            </a:pPr>
+            <a:r>
+              <a:rPr lang="en-US" sz="750" dirty="0">
+                <a:latin typeface="Courier" pitchFamily="2" charset="0"/>
+                <a:ea typeface="Courier" charset="0"/>
+                <a:cs typeface="Courier" charset="0"/>
+              </a:rPr>
+              <a:t>    +-+-+-+-+-+-+-+-+-+-+-+-+-+-+-+-+-+-+-+-+-+-+-+-+-+-+-+-+-+-+-+-+</a:t>
+            </a:r>
+          </a:p>
+          <a:p>
+            <a:pPr>
+              <a:spcAft>
+                <a:spcPts val="0"/>
+              </a:spcAft>
+            </a:pPr>
+            <a:r>
+              <a:rPr lang="en-US" sz="750" dirty="0">
+                <a:latin typeface="Courier" pitchFamily="2" charset="0"/>
+                <a:ea typeface="Courier" charset="0"/>
+                <a:cs typeface="Courier" charset="0"/>
+              </a:rPr>
+              <a:t>    |                          Receive Timestamp                    |</a:t>
+            </a:r>
+          </a:p>
+          <a:p>
+            <a:pPr>
+              <a:spcAft>
+                <a:spcPts val="0"/>
+              </a:spcAft>
+            </a:pPr>
+            <a:r>
+              <a:rPr lang="en-US" sz="750" dirty="0">
+                <a:latin typeface="Courier" pitchFamily="2" charset="0"/>
+                <a:ea typeface="Courier" charset="0"/>
+                <a:cs typeface="Courier" charset="0"/>
+              </a:rPr>
+              <a:t>    |                                                               |</a:t>
+            </a:r>
+          </a:p>
+          <a:p>
+            <a:pPr>
+              <a:spcAft>
+                <a:spcPts val="0"/>
+              </a:spcAft>
+            </a:pPr>
+            <a:r>
+              <a:rPr lang="en-US" sz="750" dirty="0">
+                <a:latin typeface="Courier" pitchFamily="2" charset="0"/>
+                <a:ea typeface="Courier" charset="0"/>
+                <a:cs typeface="Courier" charset="0"/>
+              </a:rPr>
+              <a:t>    +-+-+-+-+-+-+-+-+-+-+-+-+-+-+-+-+-+-+-+-+-+-+-+-+-+-+-+-+-+-+-+-+</a:t>
+            </a:r>
+          </a:p>
+          <a:p>
+            <a:pPr>
+              <a:spcAft>
+                <a:spcPts val="0"/>
+              </a:spcAft>
+            </a:pPr>
+            <a:r>
+              <a:rPr lang="en-US" sz="750" dirty="0">
+                <a:latin typeface="Courier" pitchFamily="2" charset="0"/>
+                <a:ea typeface="Courier" charset="0"/>
+                <a:cs typeface="Courier" charset="0"/>
+              </a:rPr>
+              <a:t>    |                 Session-Sender Sequence Number                |</a:t>
+            </a:r>
+          </a:p>
+          <a:p>
+            <a:pPr>
+              <a:spcAft>
+                <a:spcPts val="0"/>
+              </a:spcAft>
+            </a:pPr>
+            <a:r>
+              <a:rPr lang="en-US" sz="750" dirty="0">
+                <a:latin typeface="Courier" pitchFamily="2" charset="0"/>
+                <a:ea typeface="Courier" charset="0"/>
+                <a:cs typeface="Courier" charset="0"/>
+              </a:rPr>
+              <a:t>    +-+-+-+-+-+-+-+-+-+-+-+-+-+-+-+-+-+-+-+-+-+-+-+-+-+-+-+-+-+-+-+-+</a:t>
+            </a:r>
+          </a:p>
+          <a:p>
+            <a:pPr>
+              <a:spcAft>
+                <a:spcPts val="0"/>
+              </a:spcAft>
+            </a:pPr>
+            <a:r>
+              <a:rPr lang="en-US" sz="750" dirty="0">
+                <a:latin typeface="Courier" pitchFamily="2" charset="0"/>
+                <a:ea typeface="Courier" charset="0"/>
+                <a:cs typeface="Courier" charset="0"/>
+              </a:rPr>
+              <a:t>    |                  Session-Sender Timestamp                     |</a:t>
+            </a:r>
+          </a:p>
+          <a:p>
+            <a:pPr>
+              <a:spcAft>
+                <a:spcPts val="0"/>
+              </a:spcAft>
+            </a:pPr>
+            <a:r>
+              <a:rPr lang="en-US" sz="750" dirty="0">
+                <a:latin typeface="Courier" pitchFamily="2" charset="0"/>
+                <a:ea typeface="Courier" charset="0"/>
+                <a:cs typeface="Courier" charset="0"/>
+              </a:rPr>
+              <a:t>    |                                                               |</a:t>
+            </a:r>
+          </a:p>
+          <a:p>
+            <a:pPr>
+              <a:spcAft>
+                <a:spcPts val="0"/>
+              </a:spcAft>
+            </a:pPr>
+            <a:r>
+              <a:rPr lang="en-US" sz="750" dirty="0">
+                <a:latin typeface="Courier" pitchFamily="2" charset="0"/>
+                <a:ea typeface="Courier" charset="0"/>
+                <a:cs typeface="Courier" charset="0"/>
+              </a:rPr>
+              <a:t>    +-+-+-+-+-+-+-+-+-+-+-+-+-+-+-+-+-+-+-+-+-+-+-+-+-+-+-+-+-+-+-+-+</a:t>
+            </a:r>
+          </a:p>
+          <a:p>
+            <a:pPr>
+              <a:spcAft>
+                <a:spcPts val="0"/>
+              </a:spcAft>
+            </a:pPr>
+            <a:r>
+              <a:rPr lang="en-US" sz="750" dirty="0">
+                <a:latin typeface="Courier" pitchFamily="2" charset="0"/>
+                <a:ea typeface="Courier" charset="0"/>
+                <a:cs typeface="Courier" charset="0"/>
+              </a:rPr>
+              <a:t>    | Session-Sender Error Estimate |           MBZ                 |</a:t>
+            </a:r>
+          </a:p>
+          <a:p>
+            <a:pPr>
+              <a:spcAft>
+                <a:spcPts val="0"/>
+              </a:spcAft>
+            </a:pPr>
+            <a:r>
+              <a:rPr lang="en-US" sz="750" dirty="0">
+                <a:latin typeface="Courier" pitchFamily="2" charset="0"/>
+                <a:ea typeface="Courier" charset="0"/>
+                <a:cs typeface="Courier" charset="0"/>
+              </a:rPr>
+              <a:t>    +-+-+-+-+-+-+-+-+-+-+-+-+-+-+-+-+-+-+-+-+-+-+-+-+-+-+-+-+-+-+-+-+</a:t>
+            </a:r>
+          </a:p>
+          <a:p>
+            <a:pPr>
+              <a:spcAft>
+                <a:spcPts val="0"/>
+              </a:spcAft>
+            </a:pPr>
+            <a:r>
+              <a:rPr lang="en-US" sz="750" dirty="0">
+                <a:latin typeface="Courier" pitchFamily="2" charset="0"/>
+                <a:ea typeface="Courier" charset="0"/>
+                <a:cs typeface="Courier" charset="0"/>
+              </a:rPr>
+              <a:t>    |</a:t>
+            </a:r>
+            <a:r>
+              <a:rPr lang="en-US" sz="750" dirty="0" err="1">
+                <a:latin typeface="Courier" pitchFamily="2" charset="0"/>
+                <a:ea typeface="Courier" charset="0"/>
+                <a:cs typeface="Courier" charset="0"/>
+              </a:rPr>
+              <a:t>Ses</a:t>
+            </a:r>
+            <a:r>
+              <a:rPr lang="en-US" sz="750" dirty="0">
+                <a:latin typeface="Courier" pitchFamily="2" charset="0"/>
+                <a:ea typeface="Courier" charset="0"/>
+                <a:cs typeface="Courier" charset="0"/>
+              </a:rPr>
+              <a:t>-Sender TTL |                  MBZ2                         |</a:t>
+            </a:r>
+          </a:p>
+          <a:p>
+            <a:pPr>
+              <a:spcAft>
+                <a:spcPts val="0"/>
+              </a:spcAft>
+            </a:pPr>
+            <a:r>
+              <a:rPr lang="en-US" sz="750" dirty="0">
+                <a:latin typeface="Courier" pitchFamily="2" charset="0"/>
+                <a:ea typeface="Courier" charset="0"/>
+                <a:cs typeface="Courier" charset="0"/>
+              </a:rPr>
+              <a:t>    +-+-+-+-+-+-+-+-+-+-+-+-+-+-+-+-+-+-+-+-+-+-+-+-+-+-+-+-+-+-+-+-+</a:t>
+            </a:r>
+          </a:p>
+          <a:p>
+            <a:pPr>
+              <a:spcAft>
+                <a:spcPts val="0"/>
+              </a:spcAft>
+            </a:pPr>
+            <a:r>
+              <a:rPr lang="en-US" sz="750" dirty="0">
+                <a:solidFill>
+                  <a:srgbClr val="7030A0"/>
+                </a:solidFill>
+                <a:latin typeface="Courier" pitchFamily="2" charset="0"/>
+                <a:ea typeface="Courier" charset="0"/>
+                <a:cs typeface="Courier" charset="0"/>
+              </a:rPr>
+              <a:t>    </a:t>
+            </a:r>
+            <a:r>
+              <a:rPr lang="en-US" sz="750" b="1" dirty="0">
+                <a:solidFill>
+                  <a:srgbClr val="7030A0"/>
+                </a:solidFill>
+                <a:latin typeface="Courier" pitchFamily="2" charset="0"/>
+                <a:ea typeface="Courier" charset="0"/>
+                <a:cs typeface="Courier" charset="0"/>
+              </a:rPr>
+              <a:t>~                                                               ~</a:t>
+            </a:r>
+          </a:p>
+          <a:p>
+            <a:pPr>
+              <a:spcAft>
+                <a:spcPts val="0"/>
+              </a:spcAft>
+            </a:pPr>
+            <a:r>
+              <a:rPr lang="en-US" sz="750" b="1" dirty="0">
+                <a:solidFill>
+                  <a:srgbClr val="7030A0"/>
+                </a:solidFill>
+                <a:latin typeface="Courier" pitchFamily="2" charset="0"/>
+                <a:ea typeface="Courier" charset="0"/>
+                <a:cs typeface="Courier" charset="0"/>
+              </a:rPr>
+              <a:t>    ~                                                               ~</a:t>
+            </a:r>
+          </a:p>
+          <a:p>
+            <a:pPr>
+              <a:spcAft>
+                <a:spcPts val="0"/>
+              </a:spcAft>
+            </a:pPr>
+            <a:r>
+              <a:rPr lang="en-US" sz="750" b="1" dirty="0">
+                <a:solidFill>
+                  <a:srgbClr val="7030A0"/>
+                </a:solidFill>
+                <a:latin typeface="Courier" pitchFamily="2" charset="0"/>
+                <a:ea typeface="Courier" charset="0"/>
+                <a:cs typeface="Courier" charset="0"/>
+              </a:rPr>
+              <a:t>    +-+-+-+-+-+-+-+-+-+-+-+-+-+-+-+-+-+-+-+-+-+-+-+-+-+-+-+-+-+-+-+-+</a:t>
+            </a:r>
+          </a:p>
+          <a:p>
+            <a:pPr>
+              <a:spcAft>
+                <a:spcPts val="0"/>
+              </a:spcAft>
+            </a:pPr>
+            <a:r>
+              <a:rPr lang="en-CA" sz="750" b="1" dirty="0">
+                <a:solidFill>
+                  <a:srgbClr val="7030A0"/>
+                </a:solidFill>
+                <a:latin typeface="Courier" pitchFamily="2" charset="0"/>
+              </a:rPr>
+              <a:t>    |STAMP TLV Flags|  Type         |     Length                    |</a:t>
+            </a:r>
+          </a:p>
+          <a:p>
+            <a:pPr>
+              <a:spcAft>
+                <a:spcPts val="0"/>
+              </a:spcAft>
+            </a:pPr>
+            <a:r>
+              <a:rPr lang="en-US" sz="750" b="1" dirty="0">
+                <a:solidFill>
+                  <a:srgbClr val="7030A0"/>
+                </a:solidFill>
+                <a:latin typeface="Courier" pitchFamily="2" charset="0"/>
+                <a:ea typeface="Courier" charset="0"/>
+                <a:cs typeface="Courier" charset="0"/>
+              </a:rPr>
+              <a:t>    +-+-+-+-+-+-+-+-+-+-+-+-+-+-+-+-+-+-+-+-+-+-+-+-+-+-+-+-+-+-+-+-+</a:t>
+            </a:r>
+          </a:p>
+          <a:p>
+            <a:pPr>
+              <a:spcAft>
+                <a:spcPts val="0"/>
+              </a:spcAft>
+            </a:pPr>
+            <a:r>
+              <a:rPr lang="en-US" sz="750" b="1" dirty="0">
+                <a:solidFill>
+                  <a:srgbClr val="7030A0"/>
+                </a:solidFill>
+                <a:latin typeface="Courier" pitchFamily="2" charset="0"/>
+                <a:ea typeface="Courier" charset="0"/>
+                <a:cs typeface="Courier" charset="0"/>
+              </a:rPr>
+              <a:t>    |             Session-Sender Tx counter  (</a:t>
+            </a:r>
+            <a:r>
+              <a:rPr lang="en-US" sz="750" b="1" dirty="0" err="1">
+                <a:solidFill>
+                  <a:srgbClr val="7030A0"/>
+                </a:solidFill>
+                <a:latin typeface="Courier" pitchFamily="2" charset="0"/>
+                <a:ea typeface="Courier" charset="0"/>
+                <a:cs typeface="Courier" charset="0"/>
+              </a:rPr>
+              <a:t>S_TxC</a:t>
+            </a:r>
+            <a:r>
+              <a:rPr lang="en-US" sz="750" b="1" dirty="0">
+                <a:solidFill>
+                  <a:srgbClr val="7030A0"/>
+                </a:solidFill>
+                <a:latin typeface="Courier" pitchFamily="2" charset="0"/>
+                <a:ea typeface="Courier" charset="0"/>
+                <a:cs typeface="Courier" charset="0"/>
+              </a:rPr>
+              <a:t>)                |</a:t>
+            </a:r>
+          </a:p>
+          <a:p>
+            <a:pPr>
+              <a:spcAft>
+                <a:spcPts val="0"/>
+              </a:spcAft>
+            </a:pPr>
+            <a:r>
+              <a:rPr lang="en-US" sz="750" b="1" dirty="0">
+                <a:solidFill>
+                  <a:srgbClr val="7030A0"/>
+                </a:solidFill>
+                <a:latin typeface="Courier" pitchFamily="2" charset="0"/>
+                <a:ea typeface="Courier" charset="0"/>
+                <a:cs typeface="Courier" charset="0"/>
+              </a:rPr>
+              <a:t>    +-+-+-+-+-+-+-+-+-+-+-+-+-+-+-+-+-+-+-+-+-+-+-+-+-+-+-+-+-+-+-+-+</a:t>
+            </a:r>
+          </a:p>
+          <a:p>
+            <a:pPr>
+              <a:spcAft>
+                <a:spcPts val="0"/>
+              </a:spcAft>
+            </a:pPr>
+            <a:r>
+              <a:rPr lang="en-US" sz="750" b="1" dirty="0">
+                <a:solidFill>
+                  <a:srgbClr val="7030A0"/>
+                </a:solidFill>
+                <a:latin typeface="Courier" pitchFamily="2" charset="0"/>
+                <a:ea typeface="Courier" charset="0"/>
+                <a:cs typeface="Courier" charset="0"/>
+              </a:rPr>
+              <a:t>    |             Session-Reflector Rx counter  (</a:t>
+            </a:r>
+            <a:r>
+              <a:rPr lang="en-US" sz="750" b="1" dirty="0" err="1">
+                <a:solidFill>
+                  <a:srgbClr val="7030A0"/>
+                </a:solidFill>
+                <a:latin typeface="Courier" pitchFamily="2" charset="0"/>
+                <a:ea typeface="Courier" charset="0"/>
+                <a:cs typeface="Courier" charset="0"/>
+              </a:rPr>
+              <a:t>R_RxC</a:t>
+            </a:r>
+            <a:r>
+              <a:rPr lang="en-US" sz="750" b="1" dirty="0">
+                <a:solidFill>
+                  <a:srgbClr val="7030A0"/>
+                </a:solidFill>
+                <a:latin typeface="Courier" pitchFamily="2" charset="0"/>
+                <a:ea typeface="Courier" charset="0"/>
+                <a:cs typeface="Courier" charset="0"/>
+              </a:rPr>
+              <a:t>)             |</a:t>
+            </a:r>
+          </a:p>
+          <a:p>
+            <a:pPr>
+              <a:spcAft>
+                <a:spcPts val="0"/>
+              </a:spcAft>
+            </a:pPr>
+            <a:r>
+              <a:rPr lang="en-US" sz="750" b="1" dirty="0">
+                <a:solidFill>
+                  <a:srgbClr val="7030A0"/>
+                </a:solidFill>
+                <a:latin typeface="Courier" pitchFamily="2" charset="0"/>
+                <a:ea typeface="Courier" charset="0"/>
+                <a:cs typeface="Courier" charset="0"/>
+              </a:rPr>
+              <a:t>    +-+-+-+-+-+-+-+-+-+-+-+-+-+-+-+-+-+-+-+-+-+-+-+-+-+-+-+-+-+-+-+-+</a:t>
+            </a:r>
+          </a:p>
+          <a:p>
+            <a:pPr>
+              <a:spcAft>
+                <a:spcPts val="0"/>
+              </a:spcAft>
+            </a:pPr>
+            <a:r>
+              <a:rPr lang="en-US" sz="750" b="1" dirty="0">
+                <a:solidFill>
+                  <a:srgbClr val="7030A0"/>
+                </a:solidFill>
+                <a:latin typeface="Courier" pitchFamily="2" charset="0"/>
+                <a:ea typeface="Courier" charset="0"/>
+                <a:cs typeface="Courier" charset="0"/>
+              </a:rPr>
+              <a:t>    |             Session-Reflector Tx counter  (</a:t>
+            </a:r>
+            <a:r>
+              <a:rPr lang="en-US" sz="750" b="1" dirty="0" err="1">
+                <a:solidFill>
+                  <a:srgbClr val="7030A0"/>
+                </a:solidFill>
+                <a:latin typeface="Courier" pitchFamily="2" charset="0"/>
+                <a:ea typeface="Courier" charset="0"/>
+                <a:cs typeface="Courier" charset="0"/>
+              </a:rPr>
+              <a:t>R_TxC</a:t>
+            </a:r>
+            <a:r>
+              <a:rPr lang="en-US" sz="750" b="1" dirty="0">
+                <a:solidFill>
+                  <a:srgbClr val="7030A0"/>
+                </a:solidFill>
+                <a:latin typeface="Courier" pitchFamily="2" charset="0"/>
+                <a:ea typeface="Courier" charset="0"/>
+                <a:cs typeface="Courier" charset="0"/>
+              </a:rPr>
+              <a:t>)             |</a:t>
+            </a:r>
+          </a:p>
+          <a:p>
+            <a:pPr>
+              <a:spcAft>
+                <a:spcPts val="0"/>
+              </a:spcAft>
+            </a:pPr>
+            <a:r>
+              <a:rPr lang="en-US" sz="750" b="1" dirty="0">
+                <a:solidFill>
+                  <a:srgbClr val="7030A0"/>
+                </a:solidFill>
+                <a:latin typeface="Courier" pitchFamily="2" charset="0"/>
+                <a:ea typeface="Courier" charset="0"/>
+                <a:cs typeface="Courier" charset="0"/>
+              </a:rPr>
+              <a:t>    +-+-+-+-+-+-+-+-+-+-+-+-+-+-+-+-+-+-+-+-+-+-+-+-+-+-+-+-+-+-+-+-+</a:t>
+            </a:r>
+          </a:p>
+          <a:p>
+            <a:pPr>
+              <a:spcAft>
+                <a:spcPts val="0"/>
+              </a:spcAft>
+            </a:pPr>
+            <a:endParaRPr lang="en-US" sz="750" dirty="0">
+              <a:latin typeface="Courier" pitchFamily="2" charset="0"/>
+              <a:ea typeface="Courier" charset="0"/>
+              <a:cs typeface="Courier" charset="0"/>
+            </a:endParaRPr>
+          </a:p>
+          <a:p>
+            <a:pPr>
+              <a:spcAft>
+                <a:spcPts val="0"/>
+              </a:spcAft>
+            </a:pPr>
+            <a:r>
+              <a:rPr lang="en-US" sz="750" dirty="0">
+                <a:latin typeface="Courier" pitchFamily="2" charset="0"/>
+                <a:ea typeface="Courier" charset="0"/>
+                <a:cs typeface="Courier" charset="0"/>
+              </a:rPr>
+              <a:t>	Figure: Session-Reflector Test Packet Format</a:t>
+            </a:r>
+          </a:p>
+        </p:txBody>
+      </p:sp>
+      <p:sp>
+        <p:nvSpPr>
+          <p:cNvPr id="6" name="Footer Placeholder 3">
+            <a:extLst>
+              <a:ext uri="{FF2B5EF4-FFF2-40B4-BE49-F238E27FC236}">
+                <a16:creationId xmlns:a16="http://schemas.microsoft.com/office/drawing/2014/main" id="{DAAC01B7-F9FF-A94D-AC6F-E2071AD95C28}"/>
               </a:ext>
             </a:extLst>
           </p:cNvPr>
@@ -9906,8 +8049,8 @@
         </p:nvSpPr>
         <p:spPr>
           <a:xfrm>
-            <a:off x="6746647" y="4735920"/>
-            <a:ext cx="2133600" cy="357188"/>
+            <a:off x="3841105" y="4844952"/>
+            <a:ext cx="1638300" cy="298548"/>
           </a:xfrm>
           <a:prstGeom prst="rect">
             <a:avLst/>
@@ -10041,10 +8184,176 @@
             </a:lvl9pPr>
           </a:lstStyle>
           <a:p>
+            <a:r>
+              <a:rPr lang="en-CA" sz="1200" dirty="0"/>
+              <a:t>110</a:t>
+            </a:r>
+            <a:r>
+              <a:rPr lang="en-CA" sz="1200" baseline="30000" dirty="0"/>
+              <a:t>th</a:t>
+            </a:r>
+            <a:r>
+              <a:rPr lang="en-CA" sz="1200" dirty="0"/>
+              <a:t> IETF Online</a:t>
+            </a:r>
+          </a:p>
+        </p:txBody>
+      </p:sp>
+      <p:sp>
+        <p:nvSpPr>
+          <p:cNvPr id="7" name="Slide Number Placeholder 2">
+            <a:extLst>
+              <a:ext uri="{FF2B5EF4-FFF2-40B4-BE49-F238E27FC236}">
+                <a16:creationId xmlns:a16="http://schemas.microsoft.com/office/drawing/2014/main" id="{8D46899F-25E7-8042-9E81-459B5F041477}"/>
+              </a:ext>
+            </a:extLst>
+          </p:cNvPr>
+          <p:cNvSpPr txBox="1">
+            <a:spLocks/>
+          </p:cNvSpPr>
+          <p:nvPr/>
+        </p:nvSpPr>
+        <p:spPr>
+          <a:xfrm>
+            <a:off x="7543800" y="4745366"/>
+            <a:ext cx="1143000" cy="357188"/>
+          </a:xfrm>
+          <a:prstGeom prst="rect">
+            <a:avLst/>
+          </a:prstGeom>
+        </p:spPr>
+        <p:txBody>
+          <a:bodyPr/>
+          <a:lstStyle>
+            <a:defPPr>
+              <a:defRPr lang="zh-CN"/>
+            </a:defPPr>
+            <a:lvl1pPr algn="l" rtl="0" fontAlgn="base">
+              <a:spcBef>
+                <a:spcPct val="0"/>
+              </a:spcBef>
+              <a:spcAft>
+                <a:spcPct val="0"/>
+              </a:spcAft>
+              <a:defRPr kern="1200">
+                <a:solidFill>
+                  <a:schemeClr val="tx1"/>
+                </a:solidFill>
+                <a:latin typeface="Arial" charset="0"/>
+                <a:ea typeface="宋体" pitchFamily="2" charset="-122"/>
+                <a:cs typeface="+mn-cs"/>
+              </a:defRPr>
+            </a:lvl1pPr>
+            <a:lvl2pPr marL="457200" algn="l" rtl="0" fontAlgn="base">
+              <a:spcBef>
+                <a:spcPct val="0"/>
+              </a:spcBef>
+              <a:spcAft>
+                <a:spcPct val="0"/>
+              </a:spcAft>
+              <a:defRPr kern="1200">
+                <a:solidFill>
+                  <a:schemeClr val="tx1"/>
+                </a:solidFill>
+                <a:latin typeface="Arial" charset="0"/>
+                <a:ea typeface="宋体" pitchFamily="2" charset="-122"/>
+                <a:cs typeface="+mn-cs"/>
+              </a:defRPr>
+            </a:lvl2pPr>
+            <a:lvl3pPr marL="914400" algn="l" rtl="0" fontAlgn="base">
+              <a:spcBef>
+                <a:spcPct val="0"/>
+              </a:spcBef>
+              <a:spcAft>
+                <a:spcPct val="0"/>
+              </a:spcAft>
+              <a:defRPr kern="1200">
+                <a:solidFill>
+                  <a:schemeClr val="tx1"/>
+                </a:solidFill>
+                <a:latin typeface="Arial" charset="0"/>
+                <a:ea typeface="宋体" pitchFamily="2" charset="-122"/>
+                <a:cs typeface="+mn-cs"/>
+              </a:defRPr>
+            </a:lvl3pPr>
+            <a:lvl4pPr marL="1371600" algn="l" rtl="0" fontAlgn="base">
+              <a:spcBef>
+                <a:spcPct val="0"/>
+              </a:spcBef>
+              <a:spcAft>
+                <a:spcPct val="0"/>
+              </a:spcAft>
+              <a:defRPr kern="1200">
+                <a:solidFill>
+                  <a:schemeClr val="tx1"/>
+                </a:solidFill>
+                <a:latin typeface="Arial" charset="0"/>
+                <a:ea typeface="宋体" pitchFamily="2" charset="-122"/>
+                <a:cs typeface="+mn-cs"/>
+              </a:defRPr>
+            </a:lvl4pPr>
+            <a:lvl5pPr marL="1828800" algn="l" rtl="0" fontAlgn="base">
+              <a:spcBef>
+                <a:spcPct val="0"/>
+              </a:spcBef>
+              <a:spcAft>
+                <a:spcPct val="0"/>
+              </a:spcAft>
+              <a:defRPr kern="1200">
+                <a:solidFill>
+                  <a:schemeClr val="tx1"/>
+                </a:solidFill>
+                <a:latin typeface="Arial" charset="0"/>
+                <a:ea typeface="宋体" pitchFamily="2" charset="-122"/>
+                <a:cs typeface="+mn-cs"/>
+              </a:defRPr>
+            </a:lvl5pPr>
+            <a:lvl6pPr marL="2286000" algn="l" defTabSz="914400" rtl="0" eaLnBrk="1" latinLnBrk="0" hangingPunct="1">
+              <a:defRPr kern="1200">
+                <a:solidFill>
+                  <a:schemeClr val="tx1"/>
+                </a:solidFill>
+                <a:latin typeface="Arial" charset="0"/>
+                <a:ea typeface="宋体" pitchFamily="2" charset="-122"/>
+                <a:cs typeface="+mn-cs"/>
+              </a:defRPr>
+            </a:lvl6pPr>
+            <a:lvl7pPr marL="2743200" algn="l" defTabSz="914400" rtl="0" eaLnBrk="1" latinLnBrk="0" hangingPunct="1">
+              <a:defRPr kern="1200">
+                <a:solidFill>
+                  <a:schemeClr val="tx1"/>
+                </a:solidFill>
+                <a:latin typeface="Arial" charset="0"/>
+                <a:ea typeface="宋体" pitchFamily="2" charset="-122"/>
+                <a:cs typeface="+mn-cs"/>
+              </a:defRPr>
+            </a:lvl7pPr>
+            <a:lvl8pPr marL="3200400" algn="l" defTabSz="914400" rtl="0" eaLnBrk="1" latinLnBrk="0" hangingPunct="1">
+              <a:defRPr kern="1200">
+                <a:solidFill>
+                  <a:schemeClr val="tx1"/>
+                </a:solidFill>
+                <a:latin typeface="Arial" charset="0"/>
+                <a:ea typeface="宋体" pitchFamily="2" charset="-122"/>
+                <a:cs typeface="+mn-cs"/>
+              </a:defRPr>
+            </a:lvl8pPr>
+            <a:lvl9pPr marL="3657600" algn="l" defTabSz="914400" rtl="0" eaLnBrk="1" latinLnBrk="0" hangingPunct="1">
+              <a:defRPr kern="1200">
+                <a:solidFill>
+                  <a:schemeClr val="tx1"/>
+                </a:solidFill>
+                <a:latin typeface="Arial" charset="0"/>
+                <a:ea typeface="宋体" pitchFamily="2" charset="-122"/>
+                <a:cs typeface="+mn-cs"/>
+              </a:defRPr>
+            </a:lvl9pPr>
+          </a:lstStyle>
+          <a:p>
             <a:pPr algn="r">
               <a:defRPr/>
             </a:pPr>
-            <a:fld id="{BD6E0F59-1DD8-40FC-9C92-B6295CBA6CCA}" type="slidenum">
+            <a:fld id="{D5EE1D1A-EEC2-4D53-94A7-85D62C853479}" type="slidenum">
               <a:rPr lang="en-US" altLang="zh-CN" sz="1400" smtClean="0">
                 <a:latin typeface="Calibri" panose="020F0502020204030204" pitchFamily="34" charset="0"/>
                 <a:cs typeface="Calibri" panose="020F0502020204030204" pitchFamily="34" charset="0"/>
@@ -10052,7 +8361,7 @@
               <a:pPr algn="r">
                 <a:defRPr/>
               </a:pPr>
-              <a:t>12</a:t>
+              <a:t>5</a:t>
             </a:fld>
             <a:endParaRPr lang="en-US" altLang="zh-CN" sz="1400" dirty="0">
               <a:latin typeface="Calibri" panose="020F0502020204030204" pitchFamily="34" charset="0"/>
@@ -10061,1753 +8370,66 @@
           </a:p>
         </p:txBody>
       </p:sp>
+      <p:cxnSp>
+        <p:nvCxnSpPr>
+          <p:cNvPr id="4" name="Straight Connector 3">
+            <a:extLst>
+              <a:ext uri="{FF2B5EF4-FFF2-40B4-BE49-F238E27FC236}">
+                <a16:creationId xmlns:a16="http://schemas.microsoft.com/office/drawing/2014/main" id="{0B9B10AD-8D48-D148-91E8-65E3279D89CE}"/>
+              </a:ext>
+            </a:extLst>
+          </p:cNvPr>
+          <p:cNvCxnSpPr>
+            <a:cxnSpLocks/>
+          </p:cNvCxnSpPr>
+          <p:nvPr/>
+        </p:nvCxnSpPr>
+        <p:spPr>
+          <a:xfrm>
+            <a:off x="4572000" y="659773"/>
+            <a:ext cx="0" cy="4111227"/>
+          </a:xfrm>
+          <a:prstGeom prst="line">
+            <a:avLst/>
+          </a:prstGeom>
+          <a:ln>
+            <a:solidFill>
+              <a:schemeClr val="tx2"/>
+            </a:solidFill>
+          </a:ln>
+        </p:spPr>
+        <p:style>
+          <a:lnRef idx="1">
+            <a:schemeClr val="accent1"/>
+          </a:lnRef>
+          <a:fillRef idx="0">
+            <a:schemeClr val="accent1"/>
+          </a:fillRef>
+          <a:effectRef idx="0">
+            <a:schemeClr val="accent1"/>
+          </a:effectRef>
+          <a:fontRef idx="minor">
+            <a:schemeClr val="tx1"/>
+          </a:fontRef>
+        </p:style>
+      </p:cxnSp>
     </p:spTree>
     <p:extLst>
       <p:ext uri="{BB962C8B-B14F-4D97-AF65-F5344CB8AC3E}">
-        <p14:creationId xmlns:p14="http://schemas.microsoft.com/office/powerpoint/2010/main" val="2293674098"/>
+        <p14:creationId xmlns:p14="http://schemas.microsoft.com/office/powerpoint/2010/main" val="929308615"/>
       </p:ext>
     </p:extLst>
   </p:cSld>
   <p:clrMapOvr>
     <a:masterClrMapping/>
   </p:clrMapOvr>
-  <p:transition spd="slow">
-    <p:push dir="u"/>
+  <p:transition spd="med">
+    <p:fade/>
   </p:transition>
 </p:sld>
 </file>
 
-<file path=ppt/slides/slide13.xml><?xml version="1.0" encoding="utf-8"?>
-<p:sld xmlns:a="http://schemas.openxmlformats.org/drawingml/2006/main" xmlns:r="http://schemas.openxmlformats.org/officeDocument/2006/relationships" xmlns:p="http://schemas.openxmlformats.org/presentationml/2006/main">
-  <p:cSld>
-    <p:spTree>
-      <p:nvGrpSpPr>
-        <p:cNvPr id="1" name=""/>
-        <p:cNvGrpSpPr/>
-        <p:nvPr/>
-      </p:nvGrpSpPr>
-      <p:grpSpPr>
-        <a:xfrm>
-          <a:off x="0" y="0"/>
-          <a:ext cx="0" cy="0"/>
-          <a:chOff x="0" y="0"/>
-          <a:chExt cx="0" cy="0"/>
-        </a:xfrm>
-      </p:grpSpPr>
-      <p:sp>
-        <p:nvSpPr>
-          <p:cNvPr id="2" name="Title 1">
-            <a:extLst>
-              <a:ext uri="{FF2B5EF4-FFF2-40B4-BE49-F238E27FC236}">
-                <a16:creationId xmlns:a16="http://schemas.microsoft.com/office/drawing/2014/main" id="{A21563F4-5702-5D48-9E19-E7BA65B8CF0F}"/>
-              </a:ext>
-            </a:extLst>
-          </p:cNvPr>
-          <p:cNvSpPr>
-            <a:spLocks noGrp="1"/>
-          </p:cNvSpPr>
-          <p:nvPr>
-            <p:ph type="title"/>
-          </p:nvPr>
-        </p:nvSpPr>
-        <p:spPr>
-          <a:xfrm>
-            <a:off x="0" y="0"/>
-            <a:ext cx="9144000" cy="640557"/>
-          </a:xfrm>
-        </p:spPr>
-        <p:txBody>
-          <a:bodyPr/>
-          <a:lstStyle/>
-          <a:p>
-            <a:r>
-              <a:rPr lang="en-US" sz="2400" dirty="0">
-                <a:solidFill>
-                  <a:srgbClr val="0070C0"/>
-                </a:solidFill>
-                <a:latin typeface="Calibri Light" panose="020F0302020204030204" pitchFamily="34" charset="0"/>
-                <a:cs typeface="Calibri Light" panose="020F0302020204030204" pitchFamily="34" charset="0"/>
-              </a:rPr>
-              <a:t>Direct Measurement TLV vs. Direct Loss Measurement Probe Packet</a:t>
-            </a:r>
-            <a:endParaRPr lang="en-US" sz="2400" dirty="0"/>
-          </a:p>
-        </p:txBody>
-      </p:sp>
-      <p:graphicFrame>
-        <p:nvGraphicFramePr>
-          <p:cNvPr id="6" name="Table 6">
-            <a:extLst>
-              <a:ext uri="{FF2B5EF4-FFF2-40B4-BE49-F238E27FC236}">
-                <a16:creationId xmlns:a16="http://schemas.microsoft.com/office/drawing/2014/main" id="{39DD6037-B2F8-2846-A8F8-3526946C0D4D}"/>
-              </a:ext>
-            </a:extLst>
-          </p:cNvPr>
-          <p:cNvGraphicFramePr>
-            <a:graphicFrameLocks noGrp="1"/>
-          </p:cNvGraphicFramePr>
-          <p:nvPr>
-            <p:ph idx="1"/>
-            <p:extLst>
-              <p:ext uri="{D42A27DB-BD31-4B8C-83A1-F6EECF244321}">
-                <p14:modId xmlns:p14="http://schemas.microsoft.com/office/powerpoint/2010/main" val="1951812525"/>
-              </p:ext>
-            </p:extLst>
-          </p:nvPr>
-        </p:nvGraphicFramePr>
-        <p:xfrm>
-          <a:off x="304800" y="895350"/>
-          <a:ext cx="8534400" cy="1342072"/>
-        </p:xfrm>
-        <a:graphic>
-          <a:graphicData uri="http://schemas.openxmlformats.org/drawingml/2006/table">
-            <a:tbl>
-              <a:tblPr firstRow="1" bandRow="1">
-                <a:tableStyleId>{912C8C85-51F0-491E-9774-3900AFEF0FD7}</a:tableStyleId>
-              </a:tblPr>
-              <a:tblGrid>
-                <a:gridCol w="3124200">
-                  <a:extLst>
-                    <a:ext uri="{9D8B030D-6E8A-4147-A177-3AD203B41FA5}">
-                      <a16:colId xmlns:a16="http://schemas.microsoft.com/office/drawing/2014/main" val="704179991"/>
-                    </a:ext>
-                  </a:extLst>
-                </a:gridCol>
-                <a:gridCol w="2590800">
-                  <a:extLst>
-                    <a:ext uri="{9D8B030D-6E8A-4147-A177-3AD203B41FA5}">
-                      <a16:colId xmlns:a16="http://schemas.microsoft.com/office/drawing/2014/main" val="2450600246"/>
-                    </a:ext>
-                  </a:extLst>
-                </a:gridCol>
-                <a:gridCol w="2819400">
-                  <a:extLst>
-                    <a:ext uri="{9D8B030D-6E8A-4147-A177-3AD203B41FA5}">
-                      <a16:colId xmlns:a16="http://schemas.microsoft.com/office/drawing/2014/main" val="3735205648"/>
-                    </a:ext>
-                  </a:extLst>
-                </a:gridCol>
-              </a:tblGrid>
-              <a:tr h="412945">
-                <a:tc>
-                  <a:txBody>
-                    <a:bodyPr/>
-                    <a:lstStyle/>
-                    <a:p>
-                      <a:r>
-                        <a:rPr lang="en-US" sz="1200" dirty="0"/>
-                        <a:t>Attribute</a:t>
-                      </a:r>
-                    </a:p>
-                  </a:txBody>
-                  <a:tcPr anchor="ctr"/>
-                </a:tc>
-                <a:tc>
-                  <a:txBody>
-                    <a:bodyPr/>
-                    <a:lstStyle/>
-                    <a:p>
-                      <a:r>
-                        <a:rPr lang="en-US" sz="1200" dirty="0"/>
-                        <a:t>Direct Measurement TLV</a:t>
-                      </a:r>
-                    </a:p>
-                  </a:txBody>
-                  <a:tcPr anchor="ctr"/>
-                </a:tc>
-                <a:tc>
-                  <a:txBody>
-                    <a:bodyPr/>
-                    <a:lstStyle/>
-                    <a:p>
-                      <a:r>
-                        <a:rPr lang="en-US" sz="1200" dirty="0"/>
-                        <a:t>Direct Loss Measurement Probe Packet</a:t>
-                      </a:r>
-                    </a:p>
-                  </a:txBody>
-                  <a:tcPr anchor="ctr"/>
-                </a:tc>
-                <a:extLst>
-                  <a:ext uri="{0D108BD9-81ED-4DB2-BD59-A6C34878D82A}">
-                    <a16:rowId xmlns:a16="http://schemas.microsoft.com/office/drawing/2014/main" val="986713076"/>
-                  </a:ext>
-                </a:extLst>
-              </a:tr>
-              <a:tr h="929127">
-                <a:tc>
-                  <a:txBody>
-                    <a:bodyPr/>
-                    <a:lstStyle/>
-                    <a:p>
-                      <a:r>
-                        <a:rPr lang="en-US" sz="1200" dirty="0">
-                          <a:solidFill>
-                            <a:srgbClr val="0070C0"/>
-                          </a:solidFill>
-                        </a:rPr>
-                        <a:t>Minimum bytes to load in write-able memory in hardware (not accounting multiple TLVs)</a:t>
-                      </a:r>
-                    </a:p>
-                  </a:txBody>
-                  <a:tcPr anchor="ctr"/>
-                </a:tc>
-                <a:tc>
-                  <a:txBody>
-                    <a:bodyPr/>
-                    <a:lstStyle/>
-                    <a:p>
-                      <a:r>
-                        <a:rPr lang="en-US" sz="1200" dirty="0">
-                          <a:solidFill>
-                            <a:srgbClr val="0070C0"/>
-                          </a:solidFill>
-                        </a:rPr>
-                        <a:t>114</a:t>
-                      </a:r>
-                    </a:p>
-                    <a:p>
-                      <a:pPr marL="0" marR="0" lvl="0" indent="0" algn="l" defTabSz="914400" rtl="0" eaLnBrk="1" fontAlgn="auto" latinLnBrk="0" hangingPunct="1">
-                        <a:lnSpc>
-                          <a:spcPct val="100000"/>
-                        </a:lnSpc>
-                        <a:spcBef>
-                          <a:spcPts val="0"/>
-                        </a:spcBef>
-                        <a:spcAft>
-                          <a:spcPts val="0"/>
-                        </a:spcAft>
-                        <a:buClrTx/>
-                        <a:buSzTx/>
-                        <a:buFontTx/>
-                        <a:buNone/>
-                        <a:tabLst/>
-                        <a:defRPr/>
-                      </a:pPr>
-                      <a:r>
-                        <a:rPr lang="en-US" sz="1200" dirty="0">
-                          <a:solidFill>
-                            <a:srgbClr val="0070C0"/>
-                          </a:solidFill>
-                        </a:rPr>
-                        <a:t>(Eth 18, IPv6 40, UDP 8, STAMP 44, TLV Type 4, Total = 114 Byte)</a:t>
-                      </a:r>
-                    </a:p>
-                  </a:txBody>
-                  <a:tcPr anchor="ctr"/>
-                </a:tc>
-                <a:tc>
-                  <a:txBody>
-                    <a:bodyPr/>
-                    <a:lstStyle/>
-                    <a:p>
-                      <a:r>
-                        <a:rPr lang="en-US" sz="1200" dirty="0">
-                          <a:solidFill>
-                            <a:srgbClr val="0070C0"/>
-                          </a:solidFill>
-                        </a:rPr>
-                        <a:t>70</a:t>
-                      </a:r>
-                    </a:p>
-                    <a:p>
-                      <a:r>
-                        <a:rPr lang="en-US" sz="1200" dirty="0">
-                          <a:solidFill>
-                            <a:srgbClr val="0070C0"/>
-                          </a:solidFill>
-                        </a:rPr>
-                        <a:t>(Eth 18, IPv6 40, UDP 8, Seq 4, Total = 70 Byte)</a:t>
-                      </a:r>
-                    </a:p>
-                  </a:txBody>
-                  <a:tcPr anchor="ctr"/>
-                </a:tc>
-                <a:extLst>
-                  <a:ext uri="{0D108BD9-81ED-4DB2-BD59-A6C34878D82A}">
-                    <a16:rowId xmlns:a16="http://schemas.microsoft.com/office/drawing/2014/main" val="1548510990"/>
-                  </a:ext>
-                </a:extLst>
-              </a:tr>
-            </a:tbl>
-          </a:graphicData>
-        </a:graphic>
-      </p:graphicFrame>
-      <p:sp>
-        <p:nvSpPr>
-          <p:cNvPr id="4" name="Footer Placeholder 3">
-            <a:extLst>
-              <a:ext uri="{FF2B5EF4-FFF2-40B4-BE49-F238E27FC236}">
-                <a16:creationId xmlns:a16="http://schemas.microsoft.com/office/drawing/2014/main" id="{E9FFCCBF-2B89-5749-BBD7-F4AA1FD7FFD0}"/>
-              </a:ext>
-            </a:extLst>
-          </p:cNvPr>
-          <p:cNvSpPr>
-            <a:spLocks noGrp="1"/>
-          </p:cNvSpPr>
-          <p:nvPr>
-            <p:ph type="ftr" sz="quarter" idx="11"/>
-          </p:nvPr>
-        </p:nvSpPr>
-        <p:spPr/>
-        <p:txBody>
-          <a:bodyPr/>
-          <a:lstStyle/>
-          <a:p>
-            <a:pPr>
-              <a:defRPr/>
-            </a:pPr>
-            <a:r>
-              <a:rPr lang="en-US" altLang="zh-CN"/>
-              <a:t>110</a:t>
-            </a:r>
-            <a:r>
-              <a:rPr lang="en-US" altLang="zh-CN" baseline="30000"/>
-              <a:t>th</a:t>
-            </a:r>
-            <a:r>
-              <a:rPr lang="en-US" altLang="zh-CN"/>
-              <a:t> IETF Online</a:t>
-            </a:r>
-            <a:endParaRPr lang="en-US" altLang="zh-CN" dirty="0"/>
-          </a:p>
-        </p:txBody>
-      </p:sp>
-      <p:sp>
-        <p:nvSpPr>
-          <p:cNvPr id="5" name="Slide Number Placeholder 4">
-            <a:extLst>
-              <a:ext uri="{FF2B5EF4-FFF2-40B4-BE49-F238E27FC236}">
-                <a16:creationId xmlns:a16="http://schemas.microsoft.com/office/drawing/2014/main" id="{8556A2D4-72D0-D141-A7FF-96D0B0563AC1}"/>
-              </a:ext>
-            </a:extLst>
-          </p:cNvPr>
-          <p:cNvSpPr>
-            <a:spLocks noGrp="1"/>
-          </p:cNvSpPr>
-          <p:nvPr>
-            <p:ph type="sldNum" sz="quarter" idx="12"/>
-          </p:nvPr>
-        </p:nvSpPr>
-        <p:spPr/>
-        <p:txBody>
-          <a:bodyPr/>
-          <a:lstStyle/>
-          <a:p>
-            <a:pPr>
-              <a:defRPr/>
-            </a:pPr>
-            <a:fld id="{BD6E0F59-1DD8-40FC-9C92-B6295CBA6CCA}" type="slidenum">
-              <a:rPr lang="en-US" altLang="zh-CN" smtClean="0"/>
-              <a:pPr>
-                <a:defRPr/>
-              </a:pPr>
-              <a:t>13</a:t>
-            </a:fld>
-            <a:endParaRPr lang="en-US" altLang="zh-CN"/>
-          </a:p>
-        </p:txBody>
-      </p:sp>
-    </p:spTree>
-    <p:extLst>
-      <p:ext uri="{BB962C8B-B14F-4D97-AF65-F5344CB8AC3E}">
-        <p14:creationId xmlns:p14="http://schemas.microsoft.com/office/powerpoint/2010/main" val="2187723922"/>
-      </p:ext>
-    </p:extLst>
-  </p:cSld>
-  <p:clrMapOvr>
-    <a:masterClrMapping/>
-  </p:clrMapOvr>
-</p:sld>
-</file>
-
-<file path=ppt/slides/slide14.xml><?xml version="1.0" encoding="utf-8"?>
-<p:sld xmlns:a="http://schemas.openxmlformats.org/drawingml/2006/main" xmlns:r="http://schemas.openxmlformats.org/officeDocument/2006/relationships" xmlns:p="http://schemas.openxmlformats.org/presentationml/2006/main">
-  <p:cSld>
-    <p:spTree>
-      <p:nvGrpSpPr>
-        <p:cNvPr id="1" name=""/>
-        <p:cNvGrpSpPr/>
-        <p:nvPr/>
-      </p:nvGrpSpPr>
-      <p:grpSpPr>
-        <a:xfrm>
-          <a:off x="0" y="0"/>
-          <a:ext cx="0" cy="0"/>
-          <a:chOff x="0" y="0"/>
-          <a:chExt cx="0" cy="0"/>
-        </a:xfrm>
-      </p:grpSpPr>
-      <p:sp>
-        <p:nvSpPr>
-          <p:cNvPr id="4" name="Footer Placeholder 3"/>
-          <p:cNvSpPr>
-            <a:spLocks noGrp="1"/>
-          </p:cNvSpPr>
-          <p:nvPr>
-            <p:ph type="ftr" sz="quarter" idx="11"/>
-          </p:nvPr>
-        </p:nvSpPr>
-        <p:spPr>
-          <a:xfrm>
-            <a:off x="3048000" y="4786312"/>
-            <a:ext cx="2895600" cy="357188"/>
-          </a:xfrm>
-        </p:spPr>
-        <p:txBody>
-          <a:bodyPr/>
-          <a:lstStyle/>
-          <a:p>
-            <a:r>
-              <a:rPr lang="en-CA" dirty="0"/>
-              <a:t>110</a:t>
-            </a:r>
-            <a:r>
-              <a:rPr lang="en-CA" baseline="30000" dirty="0"/>
-              <a:t>th</a:t>
-            </a:r>
-            <a:r>
-              <a:rPr lang="en-CA" dirty="0"/>
-              <a:t> IETF Online</a:t>
-            </a:r>
-          </a:p>
-        </p:txBody>
-      </p:sp>
-      <p:sp>
-        <p:nvSpPr>
-          <p:cNvPr id="5" name="Rectangle 2"/>
-          <p:cNvSpPr txBox="1">
-            <a:spLocks noChangeArrowheads="1"/>
-          </p:cNvSpPr>
-          <p:nvPr/>
-        </p:nvSpPr>
-        <p:spPr bwMode="auto">
-          <a:xfrm>
-            <a:off x="685800" y="1657350"/>
-            <a:ext cx="7772400" cy="1102519"/>
-          </a:xfrm>
-          <a:prstGeom prst="rect">
-            <a:avLst/>
-          </a:prstGeom>
-          <a:noFill/>
-          <a:ln w="9525">
-            <a:noFill/>
-            <a:miter lim="800000"/>
-            <a:headEnd/>
-            <a:tailEnd/>
-          </a:ln>
-          <a:effectLst/>
-        </p:spPr>
-        <p:txBody>
-          <a:bodyPr vert="horz" wrap="square" lIns="91440" tIns="45720" rIns="91440" bIns="45720" numCol="1" anchor="ctr" anchorCtr="0" compatLnSpc="1">
-            <a:prstTxWarp prst="textNoShape">
-              <a:avLst/>
-            </a:prstTxWarp>
-          </a:bodyPr>
-          <a:lstStyle>
-            <a:lvl1pPr algn="ctr" rtl="0" eaLnBrk="0" fontAlgn="base" hangingPunct="0">
-              <a:spcBef>
-                <a:spcPct val="0"/>
-              </a:spcBef>
-              <a:spcAft>
-                <a:spcPct val="0"/>
-              </a:spcAft>
-              <a:defRPr sz="4400">
-                <a:solidFill>
-                  <a:schemeClr val="tx2"/>
-                </a:solidFill>
-                <a:latin typeface="+mj-lt"/>
-                <a:ea typeface="+mj-ea"/>
-                <a:cs typeface="+mj-cs"/>
-              </a:defRPr>
-            </a:lvl1pPr>
-            <a:lvl2pPr algn="ctr" rtl="0" eaLnBrk="0" fontAlgn="base" hangingPunct="0">
-              <a:spcBef>
-                <a:spcPct val="0"/>
-              </a:spcBef>
-              <a:spcAft>
-                <a:spcPct val="0"/>
-              </a:spcAft>
-              <a:defRPr sz="4400">
-                <a:solidFill>
-                  <a:schemeClr val="tx2"/>
-                </a:solidFill>
-                <a:latin typeface="Arial" charset="0"/>
-                <a:ea typeface="宋体" pitchFamily="2" charset="-122"/>
-              </a:defRPr>
-            </a:lvl2pPr>
-            <a:lvl3pPr algn="ctr" rtl="0" eaLnBrk="0" fontAlgn="base" hangingPunct="0">
-              <a:spcBef>
-                <a:spcPct val="0"/>
-              </a:spcBef>
-              <a:spcAft>
-                <a:spcPct val="0"/>
-              </a:spcAft>
-              <a:defRPr sz="4400">
-                <a:solidFill>
-                  <a:schemeClr val="tx2"/>
-                </a:solidFill>
-                <a:latin typeface="Arial" charset="0"/>
-                <a:ea typeface="宋体" pitchFamily="2" charset="-122"/>
-              </a:defRPr>
-            </a:lvl3pPr>
-            <a:lvl4pPr algn="ctr" rtl="0" eaLnBrk="0" fontAlgn="base" hangingPunct="0">
-              <a:spcBef>
-                <a:spcPct val="0"/>
-              </a:spcBef>
-              <a:spcAft>
-                <a:spcPct val="0"/>
-              </a:spcAft>
-              <a:defRPr sz="4400">
-                <a:solidFill>
-                  <a:schemeClr val="tx2"/>
-                </a:solidFill>
-                <a:latin typeface="Arial" charset="0"/>
-                <a:ea typeface="宋体" pitchFamily="2" charset="-122"/>
-              </a:defRPr>
-            </a:lvl4pPr>
-            <a:lvl5pPr algn="ctr" rtl="0" eaLnBrk="0" fontAlgn="base" hangingPunct="0">
-              <a:spcBef>
-                <a:spcPct val="0"/>
-              </a:spcBef>
-              <a:spcAft>
-                <a:spcPct val="0"/>
-              </a:spcAft>
-              <a:defRPr sz="4400">
-                <a:solidFill>
-                  <a:schemeClr val="tx2"/>
-                </a:solidFill>
-                <a:latin typeface="Arial" charset="0"/>
-                <a:ea typeface="宋体" pitchFamily="2" charset="-122"/>
-              </a:defRPr>
-            </a:lvl5pPr>
-            <a:lvl6pPr marL="457200" algn="ctr" rtl="0" fontAlgn="base">
-              <a:spcBef>
-                <a:spcPct val="0"/>
-              </a:spcBef>
-              <a:spcAft>
-                <a:spcPct val="0"/>
-              </a:spcAft>
-              <a:defRPr sz="4400">
-                <a:solidFill>
-                  <a:schemeClr val="tx2"/>
-                </a:solidFill>
-                <a:latin typeface="Arial" charset="0"/>
-                <a:ea typeface="宋体" pitchFamily="2" charset="-122"/>
-              </a:defRPr>
-            </a:lvl6pPr>
-            <a:lvl7pPr marL="914400" algn="ctr" rtl="0" fontAlgn="base">
-              <a:spcBef>
-                <a:spcPct val="0"/>
-              </a:spcBef>
-              <a:spcAft>
-                <a:spcPct val="0"/>
-              </a:spcAft>
-              <a:defRPr sz="4400">
-                <a:solidFill>
-                  <a:schemeClr val="tx2"/>
-                </a:solidFill>
-                <a:latin typeface="Arial" charset="0"/>
-                <a:ea typeface="宋体" pitchFamily="2" charset="-122"/>
-              </a:defRPr>
-            </a:lvl7pPr>
-            <a:lvl8pPr marL="1371600" algn="ctr" rtl="0" fontAlgn="base">
-              <a:spcBef>
-                <a:spcPct val="0"/>
-              </a:spcBef>
-              <a:spcAft>
-                <a:spcPct val="0"/>
-              </a:spcAft>
-              <a:defRPr sz="4400">
-                <a:solidFill>
-                  <a:schemeClr val="tx2"/>
-                </a:solidFill>
-                <a:latin typeface="Arial" charset="0"/>
-                <a:ea typeface="宋体" pitchFamily="2" charset="-122"/>
-              </a:defRPr>
-            </a:lvl8pPr>
-            <a:lvl9pPr marL="1828800" algn="ctr" rtl="0" fontAlgn="base">
-              <a:spcBef>
-                <a:spcPct val="0"/>
-              </a:spcBef>
-              <a:spcAft>
-                <a:spcPct val="0"/>
-              </a:spcAft>
-              <a:defRPr sz="4400">
-                <a:solidFill>
-                  <a:schemeClr val="tx2"/>
-                </a:solidFill>
-                <a:latin typeface="Arial" charset="0"/>
-                <a:ea typeface="宋体" pitchFamily="2" charset="-122"/>
-              </a:defRPr>
-            </a:lvl9pPr>
-          </a:lstStyle>
-          <a:p>
-            <a:pPr eaLnBrk="1" hangingPunct="1">
-              <a:defRPr/>
-            </a:pPr>
-            <a:r>
-              <a:rPr lang="en-US" altLang="zh-CN" sz="4000" kern="0" dirty="0">
-                <a:effectLst>
-                  <a:outerShdw blurRad="38100" dist="38100" dir="2700000" algn="tl">
-                    <a:srgbClr val="C0C0C0"/>
-                  </a:outerShdw>
-                </a:effectLst>
-                <a:latin typeface="Calibri" charset="0"/>
-                <a:ea typeface="Calibri" charset="0"/>
-                <a:cs typeface="Calibri" charset="0"/>
-              </a:rPr>
-              <a:t>Thank you</a:t>
-            </a:r>
-          </a:p>
-        </p:txBody>
-      </p:sp>
-      <p:sp>
-        <p:nvSpPr>
-          <p:cNvPr id="2" name="Slide Number Placeholder 1"/>
-          <p:cNvSpPr>
-            <a:spLocks noGrp="1"/>
-          </p:cNvSpPr>
-          <p:nvPr>
-            <p:ph type="sldNum" sz="quarter" idx="12"/>
-          </p:nvPr>
-        </p:nvSpPr>
-        <p:spPr/>
-        <p:txBody>
-          <a:bodyPr/>
-          <a:lstStyle/>
-          <a:p>
-            <a:pPr>
-              <a:defRPr/>
-            </a:pPr>
-            <a:fld id="{BD6E0F59-1DD8-40FC-9C92-B6295CBA6CCA}" type="slidenum">
-              <a:rPr lang="en-US" altLang="zh-CN" smtClean="0"/>
-              <a:pPr>
-                <a:defRPr/>
-              </a:pPr>
-              <a:t>14</a:t>
-            </a:fld>
-            <a:endParaRPr lang="en-US" altLang="zh-CN" dirty="0"/>
-          </a:p>
-        </p:txBody>
-      </p:sp>
-    </p:spTree>
-    <p:extLst>
-      <p:ext uri="{BB962C8B-B14F-4D97-AF65-F5344CB8AC3E}">
-        <p14:creationId xmlns:p14="http://schemas.microsoft.com/office/powerpoint/2010/main" val="2727850156"/>
-      </p:ext>
-    </p:extLst>
-  </p:cSld>
-  <p:clrMapOvr>
-    <a:masterClrMapping/>
-  </p:clrMapOvr>
-</p:sld>
-</file>
-
-<file path=ppt/slides/slide2.xml><?xml version="1.0" encoding="utf-8"?>
-<p:sld xmlns:a="http://schemas.openxmlformats.org/drawingml/2006/main" xmlns:r="http://schemas.openxmlformats.org/officeDocument/2006/relationships" xmlns:p="http://schemas.openxmlformats.org/presentationml/2006/main">
-  <p:cSld>
-    <p:spTree>
-      <p:nvGrpSpPr>
-        <p:cNvPr id="1" name=""/>
-        <p:cNvGrpSpPr/>
-        <p:nvPr/>
-      </p:nvGrpSpPr>
-      <p:grpSpPr>
-        <a:xfrm>
-          <a:off x="0" y="0"/>
-          <a:ext cx="0" cy="0"/>
-          <a:chOff x="0" y="0"/>
-          <a:chExt cx="0" cy="0"/>
-        </a:xfrm>
-      </p:grpSpPr>
-      <p:sp>
-        <p:nvSpPr>
-          <p:cNvPr id="2" name="Title 1"/>
-          <p:cNvSpPr>
-            <a:spLocks noGrp="1"/>
-          </p:cNvSpPr>
-          <p:nvPr>
-            <p:ph type="title"/>
-          </p:nvPr>
-        </p:nvSpPr>
-        <p:spPr>
-          <a:xfrm>
-            <a:off x="457200" y="98823"/>
-            <a:ext cx="8229600" cy="857250"/>
-          </a:xfrm>
-        </p:spPr>
-        <p:txBody>
-          <a:bodyPr/>
-          <a:lstStyle/>
-          <a:p>
-            <a:r>
-              <a:rPr lang="en-US" sz="3600" dirty="0">
-                <a:solidFill>
-                  <a:srgbClr val="0070C0"/>
-                </a:solidFill>
-                <a:latin typeface="Calibri Light" panose="020F0302020204030204" pitchFamily="34" charset="0"/>
-                <a:cs typeface="Calibri Light" panose="020F0302020204030204" pitchFamily="34" charset="0"/>
-              </a:rPr>
-              <a:t>Agenda</a:t>
-            </a:r>
-          </a:p>
-        </p:txBody>
-      </p:sp>
-      <p:sp>
-        <p:nvSpPr>
-          <p:cNvPr id="3" name="Content Placeholder 2"/>
-          <p:cNvSpPr>
-            <a:spLocks noGrp="1"/>
-          </p:cNvSpPr>
-          <p:nvPr>
-            <p:ph idx="1"/>
-          </p:nvPr>
-        </p:nvSpPr>
-        <p:spPr>
-          <a:xfrm>
-            <a:off x="573741" y="1157288"/>
-            <a:ext cx="8113059" cy="3124200"/>
-          </a:xfrm>
-        </p:spPr>
-        <p:txBody>
-          <a:bodyPr/>
-          <a:lstStyle/>
-          <a:p>
-            <a:r>
-              <a:rPr lang="en-US" sz="2400" dirty="0"/>
-              <a:t>Requirements and Scope</a:t>
-            </a:r>
-          </a:p>
-          <a:p>
-            <a:r>
-              <a:rPr lang="en-US" sz="2400" dirty="0"/>
-              <a:t>Summary</a:t>
-            </a:r>
-          </a:p>
-          <a:p>
-            <a:r>
-              <a:rPr lang="en-US" sz="2400" dirty="0"/>
-              <a:t>Next Steps</a:t>
-            </a:r>
-          </a:p>
-        </p:txBody>
-      </p:sp>
-      <p:sp>
-        <p:nvSpPr>
-          <p:cNvPr id="4" name="Footer Placeholder 3"/>
-          <p:cNvSpPr>
-            <a:spLocks noGrp="1"/>
-          </p:cNvSpPr>
-          <p:nvPr>
-            <p:ph type="ftr" sz="quarter" idx="11"/>
-          </p:nvPr>
-        </p:nvSpPr>
-        <p:spPr>
-          <a:xfrm>
-            <a:off x="3124200" y="4786312"/>
-            <a:ext cx="2895600" cy="357188"/>
-          </a:xfrm>
-        </p:spPr>
-        <p:txBody>
-          <a:bodyPr/>
-          <a:lstStyle/>
-          <a:p>
-            <a:r>
-              <a:rPr lang="en-CA" dirty="0"/>
-              <a:t>110</a:t>
-            </a:r>
-            <a:r>
-              <a:rPr lang="en-CA" baseline="30000" dirty="0"/>
-              <a:t>th</a:t>
-            </a:r>
-            <a:r>
-              <a:rPr lang="en-CA" dirty="0"/>
-              <a:t> IETF Online</a:t>
-            </a:r>
-          </a:p>
-        </p:txBody>
-      </p:sp>
-      <p:sp>
-        <p:nvSpPr>
-          <p:cNvPr id="5" name="Slide Number Placeholder 4"/>
-          <p:cNvSpPr>
-            <a:spLocks noGrp="1"/>
-          </p:cNvSpPr>
-          <p:nvPr>
-            <p:ph type="sldNum" sz="quarter" idx="12"/>
-          </p:nvPr>
-        </p:nvSpPr>
-        <p:spPr/>
-        <p:txBody>
-          <a:bodyPr/>
-          <a:lstStyle/>
-          <a:p>
-            <a:pPr>
-              <a:defRPr/>
-            </a:pPr>
-            <a:fld id="{BD6E0F59-1DD8-40FC-9C92-B6295CBA6CCA}" type="slidenum">
-              <a:rPr lang="en-US" altLang="zh-CN" smtClean="0"/>
-              <a:pPr>
-                <a:defRPr/>
-              </a:pPr>
-              <a:t>2</a:t>
-            </a:fld>
-            <a:endParaRPr lang="en-US" altLang="zh-CN"/>
-          </a:p>
-        </p:txBody>
-      </p:sp>
-    </p:spTree>
-    <p:extLst>
-      <p:ext uri="{BB962C8B-B14F-4D97-AF65-F5344CB8AC3E}">
-        <p14:creationId xmlns:p14="http://schemas.microsoft.com/office/powerpoint/2010/main" val="3204099515"/>
-      </p:ext>
-    </p:extLst>
-  </p:cSld>
-  <p:clrMapOvr>
-    <a:masterClrMapping/>
-  </p:clrMapOvr>
-</p:sld>
-</file>
-
-<file path=ppt/slides/slide3.xml><?xml version="1.0" encoding="utf-8"?>
-<p:sld xmlns:a="http://schemas.openxmlformats.org/drawingml/2006/main" xmlns:r="http://schemas.openxmlformats.org/officeDocument/2006/relationships" xmlns:p="http://schemas.openxmlformats.org/presentationml/2006/main">
-  <p:cSld>
-    <p:spTree>
-      <p:nvGrpSpPr>
-        <p:cNvPr id="1" name=""/>
-        <p:cNvGrpSpPr/>
-        <p:nvPr/>
-      </p:nvGrpSpPr>
-      <p:grpSpPr>
-        <a:xfrm>
-          <a:off x="0" y="0"/>
-          <a:ext cx="0" cy="0"/>
-          <a:chOff x="0" y="0"/>
-          <a:chExt cx="0" cy="0"/>
-        </a:xfrm>
-      </p:grpSpPr>
-      <p:sp>
-        <p:nvSpPr>
-          <p:cNvPr id="2" name="Title 1"/>
-          <p:cNvSpPr>
-            <a:spLocks noGrp="1"/>
-          </p:cNvSpPr>
-          <p:nvPr>
-            <p:ph type="title"/>
-          </p:nvPr>
-        </p:nvSpPr>
-        <p:spPr>
-          <a:xfrm>
-            <a:off x="457200" y="102393"/>
-            <a:ext cx="8229600" cy="857250"/>
-          </a:xfrm>
-        </p:spPr>
-        <p:txBody>
-          <a:bodyPr/>
-          <a:lstStyle/>
-          <a:p>
-            <a:r>
-              <a:rPr lang="en-US" sz="3600" dirty="0">
-                <a:solidFill>
-                  <a:srgbClr val="0070C0"/>
-                </a:solidFill>
-                <a:latin typeface="Calibri Light" panose="020F0302020204030204" pitchFamily="34" charset="0"/>
-                <a:cs typeface="Calibri Light" panose="020F0302020204030204" pitchFamily="34" charset="0"/>
-              </a:rPr>
-              <a:t>Requirements and Scope</a:t>
-            </a:r>
-          </a:p>
-        </p:txBody>
-      </p:sp>
-      <p:sp>
-        <p:nvSpPr>
-          <p:cNvPr id="3" name="Content Placeholder 2"/>
-          <p:cNvSpPr>
-            <a:spLocks noGrp="1"/>
-          </p:cNvSpPr>
-          <p:nvPr>
-            <p:ph idx="1"/>
-          </p:nvPr>
-        </p:nvSpPr>
-        <p:spPr>
-          <a:xfrm>
-            <a:off x="685800" y="1123950"/>
-            <a:ext cx="7772400" cy="3428999"/>
-          </a:xfrm>
-        </p:spPr>
-        <p:txBody>
-          <a:bodyPr/>
-          <a:lstStyle/>
-          <a:p>
-            <a:pPr marL="0" indent="0">
-              <a:buNone/>
-            </a:pPr>
-            <a:r>
-              <a:rPr lang="en-US" sz="1600" dirty="0"/>
-              <a:t>Requirements:</a:t>
-            </a:r>
-          </a:p>
-          <a:p>
-            <a:pPr lvl="1">
-              <a:buFont typeface="Wingdings" charset="2"/>
-              <a:buChar char="§"/>
-            </a:pPr>
-            <a:r>
-              <a:rPr lang="en-US" sz="1600" dirty="0"/>
-              <a:t>Direct Loss Measurement (DLM) for accurate data packet loss</a:t>
-            </a:r>
-          </a:p>
-          <a:p>
-            <a:pPr lvl="1">
-              <a:buFont typeface="Wingdings" charset="2"/>
-              <a:buChar char="§"/>
-            </a:pPr>
-            <a:r>
-              <a:rPr lang="en-US" sz="1600" dirty="0"/>
-              <a:t>Support Alternate-Marking Method (AMM) [RFC 8321]</a:t>
-            </a:r>
-          </a:p>
-          <a:p>
-            <a:pPr lvl="1">
-              <a:buFont typeface="Wingdings" charset="2"/>
-              <a:buChar char="§"/>
-            </a:pPr>
-            <a:r>
-              <a:rPr lang="en-US" sz="1600" dirty="0"/>
-              <a:t>High scale for number of sessions and faster packet loss detection interval</a:t>
-            </a:r>
-          </a:p>
-          <a:p>
-            <a:pPr lvl="2">
-              <a:buFont typeface="Wingdings" charset="2"/>
-              <a:buChar char="§"/>
-            </a:pPr>
-            <a:r>
-              <a:rPr lang="en-US" sz="1600" dirty="0"/>
-              <a:t>Support hardware implementation</a:t>
-            </a:r>
-          </a:p>
-          <a:p>
-            <a:pPr marL="0" indent="0">
-              <a:buNone/>
-            </a:pPr>
-            <a:r>
-              <a:rPr lang="en-US" sz="1600" dirty="0"/>
-              <a:t>Goals: </a:t>
-            </a:r>
-          </a:p>
-          <a:p>
-            <a:pPr lvl="1">
-              <a:buFont typeface="Wingdings" charset="2"/>
-              <a:buChar char="§"/>
-            </a:pPr>
-            <a:r>
-              <a:rPr lang="en-US" sz="1600" dirty="0"/>
-              <a:t>Avoid provisioning and maintaining sessions on Session-Reflector</a:t>
-            </a:r>
-          </a:p>
-          <a:p>
-            <a:pPr lvl="1">
-              <a:buFont typeface="Wingdings" charset="2"/>
-              <a:buChar char="§"/>
-            </a:pPr>
-            <a:r>
-              <a:rPr lang="en-US" sz="1600" dirty="0"/>
-              <a:t>Avoid control protocol for signaling dynamic parameters</a:t>
-            </a:r>
-          </a:p>
-          <a:p>
-            <a:pPr marL="0" lvl="1" indent="0">
-              <a:buNone/>
-            </a:pPr>
-            <a:r>
-              <a:rPr lang="en-US" sz="1600" dirty="0"/>
-              <a:t>Scope:</a:t>
-            </a:r>
-          </a:p>
-          <a:p>
-            <a:pPr lvl="1">
-              <a:buFont typeface="Wingdings" pitchFamily="2" charset="2"/>
-              <a:buChar char="§"/>
-            </a:pPr>
-            <a:r>
-              <a:rPr lang="en-US" sz="1600" dirty="0"/>
-              <a:t>Follow STAMP [</a:t>
-            </a:r>
-            <a:r>
-              <a:rPr lang="en-CA" sz="1600" dirty="0"/>
-              <a:t>RFC 8762</a:t>
-            </a:r>
-            <a:r>
-              <a:rPr lang="en-US" sz="1600" dirty="0"/>
-              <a:t>] approach</a:t>
-            </a:r>
-          </a:p>
-        </p:txBody>
-      </p:sp>
-      <p:sp>
-        <p:nvSpPr>
-          <p:cNvPr id="4" name="Footer Placeholder 3"/>
-          <p:cNvSpPr>
-            <a:spLocks noGrp="1"/>
-          </p:cNvSpPr>
-          <p:nvPr>
-            <p:ph type="ftr" sz="quarter" idx="11"/>
-          </p:nvPr>
-        </p:nvSpPr>
-        <p:spPr>
-          <a:xfrm>
-            <a:off x="3124200" y="4786312"/>
-            <a:ext cx="2895600" cy="357188"/>
-          </a:xfrm>
-        </p:spPr>
-        <p:txBody>
-          <a:bodyPr/>
-          <a:lstStyle/>
-          <a:p>
-            <a:r>
-              <a:rPr lang="en-CA" dirty="0"/>
-              <a:t>110</a:t>
-            </a:r>
-            <a:r>
-              <a:rPr lang="en-CA" baseline="30000" dirty="0"/>
-              <a:t>th</a:t>
-            </a:r>
-            <a:r>
-              <a:rPr lang="en-CA" dirty="0"/>
-              <a:t> IETF Online</a:t>
-            </a:r>
-          </a:p>
-        </p:txBody>
-      </p:sp>
-      <p:sp>
-        <p:nvSpPr>
-          <p:cNvPr id="5" name="Slide Number Placeholder 4"/>
-          <p:cNvSpPr>
-            <a:spLocks noGrp="1"/>
-          </p:cNvSpPr>
-          <p:nvPr>
-            <p:ph type="sldNum" sz="quarter" idx="12"/>
-          </p:nvPr>
-        </p:nvSpPr>
-        <p:spPr/>
-        <p:txBody>
-          <a:bodyPr/>
-          <a:lstStyle/>
-          <a:p>
-            <a:pPr>
-              <a:defRPr/>
-            </a:pPr>
-            <a:fld id="{BD6E0F59-1DD8-40FC-9C92-B6295CBA6CCA}" type="slidenum">
-              <a:rPr lang="en-US" altLang="zh-CN" smtClean="0"/>
-              <a:pPr>
-                <a:defRPr/>
-              </a:pPr>
-              <a:t>3</a:t>
-            </a:fld>
-            <a:endParaRPr lang="en-US" altLang="zh-CN" dirty="0"/>
-          </a:p>
-        </p:txBody>
-      </p:sp>
-    </p:spTree>
-    <p:extLst>
-      <p:ext uri="{BB962C8B-B14F-4D97-AF65-F5344CB8AC3E}">
-        <p14:creationId xmlns:p14="http://schemas.microsoft.com/office/powerpoint/2010/main" val="1576110362"/>
-      </p:ext>
-    </p:extLst>
-  </p:cSld>
-  <p:clrMapOvr>
-    <a:masterClrMapping/>
-  </p:clrMapOvr>
-</p:sld>
-</file>
-
-<file path=ppt/slides/slide4.xml><?xml version="1.0" encoding="utf-8"?>
-<p:sld xmlns:a="http://schemas.openxmlformats.org/drawingml/2006/main" xmlns:r="http://schemas.openxmlformats.org/officeDocument/2006/relationships" xmlns:p="http://schemas.openxmlformats.org/presentationml/2006/main">
-  <p:cSld>
-    <p:spTree>
-      <p:nvGrpSpPr>
-        <p:cNvPr id="1" name=""/>
-        <p:cNvGrpSpPr/>
-        <p:nvPr/>
-      </p:nvGrpSpPr>
-      <p:grpSpPr>
-        <a:xfrm>
-          <a:off x="0" y="0"/>
-          <a:ext cx="0" cy="0"/>
-          <a:chOff x="0" y="0"/>
-          <a:chExt cx="0" cy="0"/>
-        </a:xfrm>
-      </p:grpSpPr>
-      <p:sp>
-        <p:nvSpPr>
-          <p:cNvPr id="2" name="Title 1"/>
-          <p:cNvSpPr>
-            <a:spLocks noGrp="1"/>
-          </p:cNvSpPr>
-          <p:nvPr>
-            <p:ph type="title"/>
-          </p:nvPr>
-        </p:nvSpPr>
-        <p:spPr>
-          <a:xfrm>
-            <a:off x="457200" y="0"/>
-            <a:ext cx="8229600" cy="857250"/>
-          </a:xfrm>
-        </p:spPr>
-        <p:txBody>
-          <a:bodyPr/>
-          <a:lstStyle/>
-          <a:p>
-            <a:r>
-              <a:rPr lang="en-US" sz="3200" dirty="0">
-                <a:solidFill>
-                  <a:srgbClr val="0070C0"/>
-                </a:solidFill>
-                <a:latin typeface="Calibri Light" panose="020F0302020204030204" pitchFamily="34" charset="0"/>
-                <a:cs typeface="Calibri Light" panose="020F0302020204030204" pitchFamily="34" charset="0"/>
-              </a:rPr>
-              <a:t>Alternate Marking Method for Packet Loss</a:t>
-            </a:r>
-          </a:p>
-        </p:txBody>
-      </p:sp>
-      <p:sp>
-        <p:nvSpPr>
-          <p:cNvPr id="3" name="Content Placeholder 2"/>
-          <p:cNvSpPr>
-            <a:spLocks noGrp="1"/>
-          </p:cNvSpPr>
-          <p:nvPr>
-            <p:ph idx="1"/>
-          </p:nvPr>
-        </p:nvSpPr>
-        <p:spPr>
-          <a:xfrm>
-            <a:off x="571500" y="857250"/>
-            <a:ext cx="8001000" cy="914400"/>
-          </a:xfrm>
-        </p:spPr>
-        <p:txBody>
-          <a:bodyPr/>
-          <a:lstStyle/>
-          <a:p>
-            <a:r>
-              <a:rPr lang="en-US" sz="1600" dirty="0">
-                <a:latin typeface="Calibri" charset="0"/>
-                <a:ea typeface="Calibri" charset="0"/>
-                <a:cs typeface="Calibri" charset="0"/>
-              </a:rPr>
-              <a:t>RFC 8321 - </a:t>
-            </a:r>
-            <a:r>
-              <a:rPr lang="en-CA" sz="1600" dirty="0"/>
-              <a:t>Alternate-Marking Method for Passive and Hybrid Performance Monitoring</a:t>
-            </a:r>
-          </a:p>
-          <a:p>
-            <a:r>
-              <a:rPr lang="en-CA" sz="1600" dirty="0"/>
-              <a:t>RFC 8957 - Synonymous Flow Label Framework</a:t>
-            </a:r>
-          </a:p>
-          <a:p>
-            <a:endParaRPr lang="en-CA" sz="1600" dirty="0"/>
-          </a:p>
-          <a:p>
-            <a:pPr marL="0" lvl="0" indent="0">
-              <a:buNone/>
-            </a:pPr>
-            <a:endParaRPr lang="en-US" sz="1600" dirty="0">
-              <a:latin typeface="Calibri" charset="0"/>
-              <a:ea typeface="Calibri" charset="0"/>
-              <a:cs typeface="Calibri" charset="0"/>
-            </a:endParaRPr>
-          </a:p>
-          <a:p>
-            <a:pPr lvl="0"/>
-            <a:endParaRPr lang="en-US" sz="1600" dirty="0">
-              <a:latin typeface="Calibri" charset="0"/>
-              <a:ea typeface="Calibri" charset="0"/>
-              <a:cs typeface="Calibri" charset="0"/>
-            </a:endParaRPr>
-          </a:p>
-          <a:p>
-            <a:pPr lvl="0"/>
-            <a:endParaRPr lang="en-US" sz="1600" dirty="0">
-              <a:latin typeface="Calibri" charset="0"/>
-              <a:ea typeface="Calibri" charset="0"/>
-              <a:cs typeface="Calibri" charset="0"/>
-            </a:endParaRPr>
-          </a:p>
-          <a:p>
-            <a:pPr lvl="0"/>
-            <a:endParaRPr lang="en-US" sz="1600" dirty="0">
-              <a:latin typeface="Calibri" charset="0"/>
-              <a:ea typeface="Calibri" charset="0"/>
-              <a:cs typeface="Calibri" charset="0"/>
-            </a:endParaRPr>
-          </a:p>
-          <a:p>
-            <a:endParaRPr lang="en-US" sz="1600" dirty="0">
-              <a:latin typeface="Calibri" charset="0"/>
-              <a:ea typeface="Calibri" charset="0"/>
-              <a:cs typeface="Calibri" charset="0"/>
-            </a:endParaRPr>
-          </a:p>
-        </p:txBody>
-      </p:sp>
-      <p:sp>
-        <p:nvSpPr>
-          <p:cNvPr id="4" name="Footer Placeholder 3"/>
-          <p:cNvSpPr>
-            <a:spLocks noGrp="1"/>
-          </p:cNvSpPr>
-          <p:nvPr>
-            <p:ph type="ftr" sz="quarter" idx="11"/>
-          </p:nvPr>
-        </p:nvSpPr>
-        <p:spPr>
-          <a:xfrm>
-            <a:off x="3048000" y="4786312"/>
-            <a:ext cx="2895600" cy="357188"/>
-          </a:xfrm>
-        </p:spPr>
-        <p:txBody>
-          <a:bodyPr/>
-          <a:lstStyle/>
-          <a:p>
-            <a:r>
-              <a:rPr lang="en-CA" dirty="0"/>
-              <a:t>110</a:t>
-            </a:r>
-            <a:r>
-              <a:rPr lang="en-CA" baseline="30000" dirty="0"/>
-              <a:t>th</a:t>
-            </a:r>
-            <a:r>
-              <a:rPr lang="en-CA" dirty="0"/>
-              <a:t> IETF Online</a:t>
-            </a:r>
-          </a:p>
-        </p:txBody>
-      </p:sp>
-      <p:sp>
-        <p:nvSpPr>
-          <p:cNvPr id="5" name="Slide Number Placeholder 4"/>
-          <p:cNvSpPr>
-            <a:spLocks noGrp="1"/>
-          </p:cNvSpPr>
-          <p:nvPr>
-            <p:ph type="sldNum" sz="quarter" idx="12"/>
-          </p:nvPr>
-        </p:nvSpPr>
-        <p:spPr/>
-        <p:txBody>
-          <a:bodyPr/>
-          <a:lstStyle/>
-          <a:p>
-            <a:pPr>
-              <a:defRPr/>
-            </a:pPr>
-            <a:fld id="{BD6E0F59-1DD8-40FC-9C92-B6295CBA6CCA}" type="slidenum">
-              <a:rPr lang="en-US" altLang="zh-CN" smtClean="0"/>
-              <a:pPr>
-                <a:defRPr/>
-              </a:pPr>
-              <a:t>4</a:t>
-            </a:fld>
-            <a:endParaRPr lang="en-US" altLang="zh-CN" dirty="0"/>
-          </a:p>
-        </p:txBody>
-      </p:sp>
-      <p:sp>
-        <p:nvSpPr>
-          <p:cNvPr id="6" name="Rectangle 5">
-            <a:extLst>
-              <a:ext uri="{FF2B5EF4-FFF2-40B4-BE49-F238E27FC236}">
-                <a16:creationId xmlns:a16="http://schemas.microsoft.com/office/drawing/2014/main" id="{D930FC9E-C00E-754D-BBDD-1B3199E94060}"/>
-              </a:ext>
-            </a:extLst>
-          </p:cNvPr>
-          <p:cNvSpPr/>
-          <p:nvPr/>
-        </p:nvSpPr>
-        <p:spPr>
-          <a:xfrm>
-            <a:off x="1447800" y="1962150"/>
-            <a:ext cx="5829300" cy="2092881"/>
-          </a:xfrm>
-          <a:prstGeom prst="rect">
-            <a:avLst/>
-          </a:prstGeom>
-          <a:solidFill>
-            <a:schemeClr val="accent6">
-              <a:lumMod val="20000"/>
-              <a:lumOff val="80000"/>
-            </a:schemeClr>
-          </a:solidFill>
-          <a:ln>
-            <a:solidFill>
-              <a:schemeClr val="accent1"/>
-            </a:solidFill>
-          </a:ln>
-        </p:spPr>
-        <p:txBody>
-          <a:bodyPr wrap="square">
-            <a:spAutoFit/>
-          </a:bodyPr>
-          <a:lstStyle/>
-          <a:p>
-            <a:pPr>
-              <a:tabLst>
-                <a:tab pos="581660" algn="l"/>
-                <a:tab pos="1163320" algn="l"/>
-                <a:tab pos="1744980" algn="l"/>
-                <a:tab pos="2326640" algn="l"/>
-                <a:tab pos="2908300" algn="l"/>
-                <a:tab pos="3489960" algn="l"/>
-                <a:tab pos="4071620" algn="l"/>
-                <a:tab pos="4653280" algn="l"/>
-                <a:tab pos="5234940" algn="l"/>
-                <a:tab pos="5816600" algn="l"/>
-                <a:tab pos="6398260" algn="l"/>
-                <a:tab pos="6979920" algn="l"/>
-                <a:tab pos="7561580" algn="l"/>
-                <a:tab pos="8143240" algn="l"/>
-                <a:tab pos="8724900" algn="l"/>
-                <a:tab pos="9306560" algn="l"/>
-              </a:tabLst>
-            </a:pPr>
-            <a:r>
-              <a:rPr lang="en-CA" sz="1000" dirty="0">
-                <a:latin typeface="Courier" pitchFamily="2" charset="0"/>
-                <a:ea typeface="Times New Roman" panose="02020603050405020304" pitchFamily="18" charset="0"/>
-                <a:cs typeface="Times New Roman" panose="02020603050405020304" pitchFamily="18" charset="0"/>
-              </a:rPr>
-              <a:t>   A: packet with A coloring</a:t>
-            </a:r>
-            <a:endParaRPr lang="en-CA" sz="1000" dirty="0">
-              <a:latin typeface="Courier" pitchFamily="2" charset="0"/>
-              <a:ea typeface="Calibri" panose="020F0502020204030204" pitchFamily="34" charset="0"/>
-              <a:cs typeface="Times New Roman" panose="02020603050405020304" pitchFamily="18" charset="0"/>
-            </a:endParaRPr>
-          </a:p>
-          <a:p>
-            <a:pPr>
-              <a:tabLst>
-                <a:tab pos="581660" algn="l"/>
-                <a:tab pos="1163320" algn="l"/>
-                <a:tab pos="1744980" algn="l"/>
-                <a:tab pos="2326640" algn="l"/>
-                <a:tab pos="2908300" algn="l"/>
-                <a:tab pos="3489960" algn="l"/>
-                <a:tab pos="4071620" algn="l"/>
-                <a:tab pos="4653280" algn="l"/>
-                <a:tab pos="5234940" algn="l"/>
-                <a:tab pos="5816600" algn="l"/>
-                <a:tab pos="6398260" algn="l"/>
-                <a:tab pos="6979920" algn="l"/>
-                <a:tab pos="7561580" algn="l"/>
-                <a:tab pos="8143240" algn="l"/>
-                <a:tab pos="8724900" algn="l"/>
-                <a:tab pos="9306560" algn="l"/>
-              </a:tabLst>
-            </a:pPr>
-            <a:r>
-              <a:rPr lang="en-CA" sz="1000" dirty="0">
-                <a:latin typeface="Courier" pitchFamily="2" charset="0"/>
-                <a:ea typeface="Times New Roman" panose="02020603050405020304" pitchFamily="18" charset="0"/>
-                <a:cs typeface="Times New Roman" panose="02020603050405020304" pitchFamily="18" charset="0"/>
-              </a:rPr>
-              <a:t>   B: packet with B coloring</a:t>
-            </a:r>
-            <a:endParaRPr lang="en-CA" sz="1000" dirty="0">
-              <a:latin typeface="Courier" pitchFamily="2" charset="0"/>
-              <a:ea typeface="Calibri" panose="020F0502020204030204" pitchFamily="34" charset="0"/>
-              <a:cs typeface="Times New Roman" panose="02020603050405020304" pitchFamily="18" charset="0"/>
-            </a:endParaRPr>
-          </a:p>
-          <a:p>
-            <a:pPr>
-              <a:tabLst>
-                <a:tab pos="581660" algn="l"/>
-                <a:tab pos="1163320" algn="l"/>
-                <a:tab pos="1744980" algn="l"/>
-                <a:tab pos="2326640" algn="l"/>
-                <a:tab pos="2908300" algn="l"/>
-                <a:tab pos="3489960" algn="l"/>
-                <a:tab pos="4071620" algn="l"/>
-                <a:tab pos="4653280" algn="l"/>
-                <a:tab pos="5234940" algn="l"/>
-                <a:tab pos="5816600" algn="l"/>
-                <a:tab pos="6398260" algn="l"/>
-                <a:tab pos="6979920" algn="l"/>
-                <a:tab pos="7561580" algn="l"/>
-                <a:tab pos="8143240" algn="l"/>
-                <a:tab pos="8724900" algn="l"/>
-                <a:tab pos="9306560" algn="l"/>
-              </a:tabLst>
-            </a:pPr>
-            <a:r>
-              <a:rPr lang="en-CA" sz="1000" dirty="0">
-                <a:latin typeface="Courier" pitchFamily="2" charset="0"/>
-                <a:ea typeface="Times New Roman" panose="02020603050405020304" pitchFamily="18" charset="0"/>
-                <a:cs typeface="Times New Roman" panose="02020603050405020304" pitchFamily="18" charset="0"/>
-              </a:rPr>
-              <a:t> </a:t>
-            </a:r>
-            <a:endParaRPr lang="en-CA" sz="1000" dirty="0">
-              <a:latin typeface="Courier" pitchFamily="2" charset="0"/>
-              <a:ea typeface="Calibri" panose="020F0502020204030204" pitchFamily="34" charset="0"/>
-              <a:cs typeface="Times New Roman" panose="02020603050405020304" pitchFamily="18" charset="0"/>
-            </a:endParaRPr>
-          </a:p>
-          <a:p>
-            <a:pPr>
-              <a:tabLst>
-                <a:tab pos="581660" algn="l"/>
-                <a:tab pos="1163320" algn="l"/>
-                <a:tab pos="1744980" algn="l"/>
-                <a:tab pos="2326640" algn="l"/>
-                <a:tab pos="2908300" algn="l"/>
-                <a:tab pos="3489960" algn="l"/>
-                <a:tab pos="4071620" algn="l"/>
-                <a:tab pos="4653280" algn="l"/>
-                <a:tab pos="5234940" algn="l"/>
-                <a:tab pos="5816600" algn="l"/>
-                <a:tab pos="6398260" algn="l"/>
-                <a:tab pos="6979920" algn="l"/>
-                <a:tab pos="7561580" algn="l"/>
-                <a:tab pos="8143240" algn="l"/>
-                <a:tab pos="8724900" algn="l"/>
-                <a:tab pos="9306560" algn="l"/>
-              </a:tabLst>
-            </a:pPr>
-            <a:r>
-              <a:rPr lang="en-CA" sz="1000" dirty="0">
-                <a:latin typeface="Courier" pitchFamily="2" charset="0"/>
-                <a:ea typeface="Times New Roman" panose="02020603050405020304" pitchFamily="18" charset="0"/>
-                <a:cs typeface="Times New Roman" panose="02020603050405020304" pitchFamily="18" charset="0"/>
-              </a:rPr>
-              <a:t>            |           |           |           |           |</a:t>
-            </a:r>
-            <a:endParaRPr lang="en-CA" sz="1000" dirty="0">
-              <a:latin typeface="Courier" pitchFamily="2" charset="0"/>
-              <a:ea typeface="Calibri" panose="020F0502020204030204" pitchFamily="34" charset="0"/>
-              <a:cs typeface="Times New Roman" panose="02020603050405020304" pitchFamily="18" charset="0"/>
-            </a:endParaRPr>
-          </a:p>
-          <a:p>
-            <a:pPr>
-              <a:tabLst>
-                <a:tab pos="581660" algn="l"/>
-                <a:tab pos="1163320" algn="l"/>
-                <a:tab pos="1744980" algn="l"/>
-                <a:tab pos="2326640" algn="l"/>
-                <a:tab pos="2908300" algn="l"/>
-                <a:tab pos="3489960" algn="l"/>
-                <a:tab pos="4071620" algn="l"/>
-                <a:tab pos="4653280" algn="l"/>
-                <a:tab pos="5234940" algn="l"/>
-                <a:tab pos="5816600" algn="l"/>
-                <a:tab pos="6398260" algn="l"/>
-                <a:tab pos="6979920" algn="l"/>
-                <a:tab pos="7561580" algn="l"/>
-                <a:tab pos="8143240" algn="l"/>
-                <a:tab pos="8724900" algn="l"/>
-                <a:tab pos="9306560" algn="l"/>
-              </a:tabLst>
-            </a:pPr>
-            <a:r>
-              <a:rPr lang="en-CA" sz="1000" dirty="0">
-                <a:latin typeface="Courier" pitchFamily="2" charset="0"/>
-                <a:ea typeface="Times New Roman" panose="02020603050405020304" pitchFamily="18" charset="0"/>
-                <a:cs typeface="Times New Roman" panose="02020603050405020304" pitchFamily="18" charset="0"/>
-              </a:rPr>
-              <a:t>            |           |    Traffic Flow       |           |</a:t>
-            </a:r>
-            <a:endParaRPr lang="en-CA" sz="1000" dirty="0">
-              <a:latin typeface="Courier" pitchFamily="2" charset="0"/>
-              <a:ea typeface="Calibri" panose="020F0502020204030204" pitchFamily="34" charset="0"/>
-              <a:cs typeface="Times New Roman" panose="02020603050405020304" pitchFamily="18" charset="0"/>
-            </a:endParaRPr>
-          </a:p>
-          <a:p>
-            <a:pPr>
-              <a:tabLst>
-                <a:tab pos="581660" algn="l"/>
-                <a:tab pos="1163320" algn="l"/>
-                <a:tab pos="1744980" algn="l"/>
-                <a:tab pos="2326640" algn="l"/>
-                <a:tab pos="2908300" algn="l"/>
-                <a:tab pos="3489960" algn="l"/>
-                <a:tab pos="4071620" algn="l"/>
-                <a:tab pos="4653280" algn="l"/>
-                <a:tab pos="5234940" algn="l"/>
-                <a:tab pos="5816600" algn="l"/>
-                <a:tab pos="6398260" algn="l"/>
-                <a:tab pos="6979920" algn="l"/>
-                <a:tab pos="7561580" algn="l"/>
-                <a:tab pos="8143240" algn="l"/>
-                <a:tab pos="8724900" algn="l"/>
-                <a:tab pos="9306560" algn="l"/>
-              </a:tabLst>
-            </a:pPr>
-            <a:r>
-              <a:rPr lang="en-CA" sz="1000" dirty="0">
-                <a:latin typeface="Courier" pitchFamily="2" charset="0"/>
-                <a:ea typeface="Times New Roman" panose="02020603050405020304" pitchFamily="18" charset="0"/>
-                <a:cs typeface="Times New Roman" panose="02020603050405020304" pitchFamily="18" charset="0"/>
-              </a:rPr>
-              <a:t>    -------------------------------------------------------------------&gt;</a:t>
-            </a:r>
-            <a:endParaRPr lang="en-CA" sz="1000" dirty="0">
-              <a:latin typeface="Courier" pitchFamily="2" charset="0"/>
-              <a:ea typeface="Calibri" panose="020F0502020204030204" pitchFamily="34" charset="0"/>
-              <a:cs typeface="Times New Roman" panose="02020603050405020304" pitchFamily="18" charset="0"/>
-            </a:endParaRPr>
-          </a:p>
-          <a:p>
-            <a:pPr>
-              <a:tabLst>
-                <a:tab pos="581660" algn="l"/>
-                <a:tab pos="1163320" algn="l"/>
-                <a:tab pos="1744980" algn="l"/>
-                <a:tab pos="2326640" algn="l"/>
-                <a:tab pos="2908300" algn="l"/>
-                <a:tab pos="3489960" algn="l"/>
-                <a:tab pos="4071620" algn="l"/>
-                <a:tab pos="4653280" algn="l"/>
-                <a:tab pos="5234940" algn="l"/>
-                <a:tab pos="5816600" algn="l"/>
-                <a:tab pos="6398260" algn="l"/>
-                <a:tab pos="6979920" algn="l"/>
-                <a:tab pos="7561580" algn="l"/>
-                <a:tab pos="8143240" algn="l"/>
-                <a:tab pos="8724900" algn="l"/>
-                <a:tab pos="9306560" algn="l"/>
-              </a:tabLst>
-            </a:pPr>
-            <a:r>
-              <a:rPr lang="en-CA" sz="1000" dirty="0">
-                <a:latin typeface="Courier" pitchFamily="2" charset="0"/>
-                <a:ea typeface="Times New Roman" panose="02020603050405020304" pitchFamily="18" charset="0"/>
-                <a:cs typeface="Times New Roman" panose="02020603050405020304" pitchFamily="18" charset="0"/>
-              </a:rPr>
-              <a:t>     BBBBBBB AAAAAAAAAAA BBBBBBBBBBB AAAAAAAAAAA BBBBBBBBBBB AAAAAAA</a:t>
-            </a:r>
-            <a:endParaRPr lang="en-CA" sz="1000" dirty="0">
-              <a:latin typeface="Courier" pitchFamily="2" charset="0"/>
-              <a:ea typeface="Calibri" panose="020F0502020204030204" pitchFamily="34" charset="0"/>
-              <a:cs typeface="Times New Roman" panose="02020603050405020304" pitchFamily="18" charset="0"/>
-            </a:endParaRPr>
-          </a:p>
-          <a:p>
-            <a:pPr>
-              <a:tabLst>
-                <a:tab pos="581660" algn="l"/>
-                <a:tab pos="1163320" algn="l"/>
-                <a:tab pos="1744980" algn="l"/>
-                <a:tab pos="2326640" algn="l"/>
-                <a:tab pos="2908300" algn="l"/>
-                <a:tab pos="3489960" algn="l"/>
-                <a:tab pos="4071620" algn="l"/>
-                <a:tab pos="4653280" algn="l"/>
-                <a:tab pos="5234940" algn="l"/>
-                <a:tab pos="5816600" algn="l"/>
-                <a:tab pos="6398260" algn="l"/>
-                <a:tab pos="6979920" algn="l"/>
-                <a:tab pos="7561580" algn="l"/>
-                <a:tab pos="8143240" algn="l"/>
-                <a:tab pos="8724900" algn="l"/>
-                <a:tab pos="9306560" algn="l"/>
-              </a:tabLst>
-            </a:pPr>
-            <a:r>
-              <a:rPr lang="en-CA" sz="1000" dirty="0">
-                <a:latin typeface="Courier" pitchFamily="2" charset="0"/>
-                <a:ea typeface="Times New Roman" panose="02020603050405020304" pitchFamily="18" charset="0"/>
-                <a:cs typeface="Times New Roman" panose="02020603050405020304" pitchFamily="18" charset="0"/>
-              </a:rPr>
-              <a:t>    -------------------------------------------------------------------&gt;</a:t>
-            </a:r>
-            <a:endParaRPr lang="en-CA" sz="1000" dirty="0">
-              <a:latin typeface="Courier" pitchFamily="2" charset="0"/>
-              <a:ea typeface="Calibri" panose="020F0502020204030204" pitchFamily="34" charset="0"/>
-              <a:cs typeface="Times New Roman" panose="02020603050405020304" pitchFamily="18" charset="0"/>
-            </a:endParaRPr>
-          </a:p>
-          <a:p>
-            <a:pPr>
-              <a:tabLst>
-                <a:tab pos="581660" algn="l"/>
-                <a:tab pos="1163320" algn="l"/>
-                <a:tab pos="1744980" algn="l"/>
-                <a:tab pos="2326640" algn="l"/>
-                <a:tab pos="2908300" algn="l"/>
-                <a:tab pos="3489960" algn="l"/>
-                <a:tab pos="4071620" algn="l"/>
-                <a:tab pos="4653280" algn="l"/>
-                <a:tab pos="5234940" algn="l"/>
-                <a:tab pos="5816600" algn="l"/>
-                <a:tab pos="6398260" algn="l"/>
-                <a:tab pos="6979920" algn="l"/>
-                <a:tab pos="7561580" algn="l"/>
-                <a:tab pos="8143240" algn="l"/>
-                <a:tab pos="8724900" algn="l"/>
-                <a:tab pos="9306560" algn="l"/>
-              </a:tabLst>
-            </a:pPr>
-            <a:r>
-              <a:rPr lang="en-CA" sz="1000" dirty="0">
-                <a:latin typeface="Courier" pitchFamily="2" charset="0"/>
-                <a:ea typeface="Times New Roman" panose="02020603050405020304" pitchFamily="18" charset="0"/>
-                <a:cs typeface="Times New Roman" panose="02020603050405020304" pitchFamily="18" charset="0"/>
-              </a:rPr>
-              <a:t>       ...  |  Block 5  |  Block 4  |  Block 3  |  Block 2  |  Block 1</a:t>
-            </a:r>
-            <a:endParaRPr lang="en-CA" sz="1000" dirty="0">
-              <a:latin typeface="Courier" pitchFamily="2" charset="0"/>
-              <a:ea typeface="Calibri" panose="020F0502020204030204" pitchFamily="34" charset="0"/>
-              <a:cs typeface="Times New Roman" panose="02020603050405020304" pitchFamily="18" charset="0"/>
-            </a:endParaRPr>
-          </a:p>
-          <a:p>
-            <a:pPr>
-              <a:tabLst>
-                <a:tab pos="581660" algn="l"/>
-                <a:tab pos="1163320" algn="l"/>
-                <a:tab pos="1744980" algn="l"/>
-                <a:tab pos="2326640" algn="l"/>
-                <a:tab pos="2908300" algn="l"/>
-                <a:tab pos="3489960" algn="l"/>
-                <a:tab pos="4071620" algn="l"/>
-                <a:tab pos="4653280" algn="l"/>
-                <a:tab pos="5234940" algn="l"/>
-                <a:tab pos="5816600" algn="l"/>
-                <a:tab pos="6398260" algn="l"/>
-                <a:tab pos="6979920" algn="l"/>
-                <a:tab pos="7561580" algn="l"/>
-                <a:tab pos="8143240" algn="l"/>
-                <a:tab pos="8724900" algn="l"/>
-                <a:tab pos="9306560" algn="l"/>
-              </a:tabLst>
-            </a:pPr>
-            <a:r>
-              <a:rPr lang="en-CA" sz="1000" dirty="0">
-                <a:latin typeface="Courier" pitchFamily="2" charset="0"/>
-                <a:ea typeface="Times New Roman" panose="02020603050405020304" pitchFamily="18" charset="0"/>
-                <a:cs typeface="Times New Roman" panose="02020603050405020304" pitchFamily="18" charset="0"/>
-              </a:rPr>
-              <a:t>            |           |           |           |           |</a:t>
-            </a:r>
-            <a:endParaRPr lang="en-CA" sz="1000" dirty="0">
-              <a:latin typeface="Courier" pitchFamily="2" charset="0"/>
-              <a:ea typeface="Calibri" panose="020F0502020204030204" pitchFamily="34" charset="0"/>
-              <a:cs typeface="Times New Roman" panose="02020603050405020304" pitchFamily="18" charset="0"/>
-            </a:endParaRPr>
-          </a:p>
-          <a:p>
-            <a:pPr>
-              <a:tabLst>
-                <a:tab pos="581660" algn="l"/>
-                <a:tab pos="1163320" algn="l"/>
-                <a:tab pos="1744980" algn="l"/>
-                <a:tab pos="2326640" algn="l"/>
-                <a:tab pos="2908300" algn="l"/>
-                <a:tab pos="3489960" algn="l"/>
-                <a:tab pos="4071620" algn="l"/>
-                <a:tab pos="4653280" algn="l"/>
-                <a:tab pos="5234940" algn="l"/>
-                <a:tab pos="5816600" algn="l"/>
-                <a:tab pos="6398260" algn="l"/>
-                <a:tab pos="6979920" algn="l"/>
-                <a:tab pos="7561580" algn="l"/>
-                <a:tab pos="8143240" algn="l"/>
-                <a:tab pos="8724900" algn="l"/>
-                <a:tab pos="9306560" algn="l"/>
-              </a:tabLst>
-            </a:pPr>
-            <a:r>
-              <a:rPr lang="en-CA" sz="1000" dirty="0">
-                <a:latin typeface="Courier" pitchFamily="2" charset="0"/>
-                <a:ea typeface="Times New Roman" panose="02020603050405020304" pitchFamily="18" charset="0"/>
-                <a:cs typeface="Times New Roman" panose="02020603050405020304" pitchFamily="18" charset="0"/>
-              </a:rPr>
-              <a:t> </a:t>
-            </a:r>
-            <a:endParaRPr lang="en-CA" sz="1000" dirty="0">
-              <a:latin typeface="Courier" pitchFamily="2" charset="0"/>
-              <a:ea typeface="Calibri" panose="020F0502020204030204" pitchFamily="34" charset="0"/>
-              <a:cs typeface="Times New Roman" panose="02020603050405020304" pitchFamily="18" charset="0"/>
-            </a:endParaRPr>
-          </a:p>
-          <a:p>
-            <a:pPr>
-              <a:tabLst>
-                <a:tab pos="581660" algn="l"/>
-                <a:tab pos="1163320" algn="l"/>
-                <a:tab pos="1744980" algn="l"/>
-                <a:tab pos="2326640" algn="l"/>
-                <a:tab pos="2908300" algn="l"/>
-                <a:tab pos="3489960" algn="l"/>
-                <a:tab pos="4071620" algn="l"/>
-                <a:tab pos="4653280" algn="l"/>
-                <a:tab pos="5234940" algn="l"/>
-                <a:tab pos="5816600" algn="l"/>
-                <a:tab pos="6398260" algn="l"/>
-                <a:tab pos="6979920" algn="l"/>
-                <a:tab pos="7561580" algn="l"/>
-                <a:tab pos="8143240" algn="l"/>
-                <a:tab pos="8724900" algn="l"/>
-                <a:tab pos="9306560" algn="l"/>
-              </a:tabLst>
-            </a:pPr>
-            <a:r>
-              <a:rPr lang="en-CA" sz="1000" dirty="0">
-                <a:latin typeface="Courier" pitchFamily="2" charset="0"/>
-                <a:ea typeface="Times New Roman" panose="02020603050405020304" pitchFamily="18" charset="0"/>
-                <a:cs typeface="Times New Roman" panose="02020603050405020304" pitchFamily="18" charset="0"/>
-              </a:rPr>
-              <a:t>                        Figure 2: Traffic Coloring</a:t>
-            </a:r>
-            <a:endParaRPr lang="en-CA" sz="1000" dirty="0">
-              <a:latin typeface="Courier" pitchFamily="2" charset="0"/>
-              <a:ea typeface="Calibri" panose="020F0502020204030204" pitchFamily="34" charset="0"/>
-              <a:cs typeface="Times New Roman" panose="02020603050405020304" pitchFamily="18" charset="0"/>
-            </a:endParaRPr>
-          </a:p>
-          <a:p>
-            <a:r>
-              <a:rPr lang="en-CA" sz="1000" dirty="0">
-                <a:latin typeface="Courier" pitchFamily="2" charset="0"/>
-                <a:ea typeface="Calibri" panose="020F0502020204030204" pitchFamily="34" charset="0"/>
-                <a:cs typeface="Times New Roman" panose="02020603050405020304" pitchFamily="18" charset="0"/>
-              </a:rPr>
-              <a:t> </a:t>
-            </a:r>
-            <a:endParaRPr lang="en-US" sz="1000" dirty="0">
-              <a:latin typeface="Courier" pitchFamily="2" charset="0"/>
-            </a:endParaRPr>
-          </a:p>
-        </p:txBody>
-      </p:sp>
-    </p:spTree>
-    <p:extLst>
-      <p:ext uri="{BB962C8B-B14F-4D97-AF65-F5344CB8AC3E}">
-        <p14:creationId xmlns:p14="http://schemas.microsoft.com/office/powerpoint/2010/main" val="1449485219"/>
-      </p:ext>
-    </p:extLst>
-  </p:cSld>
-  <p:clrMapOvr>
-    <a:masterClrMapping/>
-  </p:clrMapOvr>
-</p:sld>
-</file>
-
-<file path=ppt/slides/slide5.xml><?xml version="1.0" encoding="utf-8"?>
+<file path=ppt/slides/slide6.xml><?xml version="1.0" encoding="utf-8"?>
 <p:sld xmlns:a="http://schemas.openxmlformats.org/drawingml/2006/main" xmlns:r="http://schemas.openxmlformats.org/officeDocument/2006/relationships" xmlns:p="http://schemas.openxmlformats.org/presentationml/2006/main">
   <p:cSld>
     <p:spTree>
@@ -11903,8 +8525,8 @@
         </p:nvSpPr>
         <p:spPr bwMode="auto">
           <a:xfrm>
-            <a:off x="202924" y="1011341"/>
-            <a:ext cx="4496628" cy="3667403"/>
+            <a:off x="152211" y="946477"/>
+            <a:ext cx="4432852" cy="3774971"/>
           </a:xfrm>
           <a:prstGeom prst="rect">
             <a:avLst/>
@@ -12076,6 +8698,9 @@
           </a:lstStyle>
           <a:p>
             <a:pPr>
+              <a:lnSpc>
+                <a:spcPts val="1840"/>
+              </a:lnSpc>
               <a:spcBef>
                 <a:spcPts val="0"/>
               </a:spcBef>
@@ -12087,6 +8712,9 @@
           </a:p>
           <a:p>
             <a:pPr lvl="1">
+              <a:lnSpc>
+                <a:spcPts val="1840"/>
+              </a:lnSpc>
               <a:spcBef>
                 <a:spcPts val="0"/>
               </a:spcBef>
@@ -12098,6 +8726,9 @@
           </a:p>
           <a:p>
             <a:pPr lvl="2">
+              <a:lnSpc>
+                <a:spcPts val="1840"/>
+              </a:lnSpc>
               <a:spcBef>
                 <a:spcPts val="0"/>
               </a:spcBef>
@@ -12109,6 +8740,9 @@
           </a:p>
           <a:p>
             <a:pPr lvl="1">
+              <a:lnSpc>
+                <a:spcPts val="1840"/>
+              </a:lnSpc>
               <a:spcBef>
                 <a:spcPts val="0"/>
               </a:spcBef>
@@ -12120,6 +8754,9 @@
           </a:p>
           <a:p>
             <a:pPr lvl="1">
+              <a:lnSpc>
+                <a:spcPts val="1840"/>
+              </a:lnSpc>
               <a:spcBef>
                 <a:spcPts val="0"/>
               </a:spcBef>
@@ -12131,6 +8768,9 @@
           </a:p>
           <a:p>
             <a:pPr lvl="1">
+              <a:lnSpc>
+                <a:spcPts val="1840"/>
+              </a:lnSpc>
               <a:spcBef>
                 <a:spcPts val="0"/>
               </a:spcBef>
@@ -12142,6 +8782,9 @@
           </a:p>
           <a:p>
             <a:pPr>
+              <a:lnSpc>
+                <a:spcPts val="1840"/>
+              </a:lnSpc>
               <a:spcBef>
                 <a:spcPts val="0"/>
               </a:spcBef>
@@ -12153,6 +8796,9 @@
           </a:p>
           <a:p>
             <a:pPr>
+              <a:lnSpc>
+                <a:spcPts val="1840"/>
+              </a:lnSpc>
               <a:spcBef>
                 <a:spcPts val="0"/>
               </a:spcBef>
@@ -12164,6 +8810,9 @@
           </a:p>
           <a:p>
             <a:pPr>
+              <a:lnSpc>
+                <a:spcPts val="1840"/>
+              </a:lnSpc>
               <a:spcBef>
                 <a:spcPts val="0"/>
               </a:spcBef>
@@ -12175,6 +8824,9 @@
           </a:p>
           <a:p>
             <a:pPr lvl="1">
+              <a:lnSpc>
+                <a:spcPts val="1840"/>
+              </a:lnSpc>
               <a:spcBef>
                 <a:spcPts val="0"/>
               </a:spcBef>
@@ -12186,6 +8838,9 @@
           </a:p>
           <a:p>
             <a:pPr lvl="1">
+              <a:lnSpc>
+                <a:spcPts val="1840"/>
+              </a:lnSpc>
               <a:spcBef>
                 <a:spcPts val="0"/>
               </a:spcBef>
@@ -12197,6 +8852,9 @@
           </a:p>
           <a:p>
             <a:pPr lvl="1">
+              <a:lnSpc>
+                <a:spcPts val="1840"/>
+              </a:lnSpc>
               <a:spcBef>
                 <a:spcPts val="0"/>
               </a:spcBef>
@@ -12236,7 +8894,7 @@
               <a:pPr>
                 <a:defRPr/>
               </a:pPr>
-              <a:t>5</a:t>
+              <a:t>6</a:t>
             </a:fld>
             <a:endParaRPr lang="en-US" altLang="zh-CN" dirty="0"/>
           </a:p>
@@ -12258,7 +8916,7 @@
         </p:nvSpPr>
         <p:spPr bwMode="auto">
           <a:xfrm>
-            <a:off x="4699552" y="200595"/>
+            <a:off x="4699552" y="262150"/>
             <a:ext cx="4241524" cy="4478149"/>
           </a:xfrm>
           <a:prstGeom prst="rect">
@@ -14648,7 +11306,7 @@
 </p:sld>
 </file>
 
-<file path=ppt/slides/slide6.xml><?xml version="1.0" encoding="utf-8"?>
+<file path=ppt/slides/slide7.xml><?xml version="1.0" encoding="utf-8"?>
 <p:sld xmlns:a="http://schemas.openxmlformats.org/drawingml/2006/main" xmlns:r="http://schemas.openxmlformats.org/officeDocument/2006/relationships" xmlns:p="http://schemas.openxmlformats.org/presentationml/2006/main">
   <p:cSld>
     <p:spTree>
@@ -14721,14 +11379,14 @@
             <p:ph idx="1"/>
             <p:extLst>
               <p:ext uri="{D42A27DB-BD31-4B8C-83A1-F6EECF244321}">
-                <p14:modId xmlns:p14="http://schemas.microsoft.com/office/powerpoint/2010/main" val="696865254"/>
+                <p14:modId xmlns:p14="http://schemas.microsoft.com/office/powerpoint/2010/main" val="884656637"/>
               </p:ext>
             </p:extLst>
           </p:nvPr>
         </p:nvGraphicFramePr>
         <p:xfrm>
           <a:off x="304800" y="696278"/>
-          <a:ext cx="8534401" cy="3733793"/>
+          <a:ext cx="8534401" cy="3779513"/>
         </p:xfrm>
         <a:graphic>
           <a:graphicData uri="http://schemas.openxmlformats.org/drawingml/2006/table">
@@ -14737,28 +11395,28 @@
                 <a:tableStyleId>{912C8C85-51F0-491E-9774-3900AFEF0FD7}</a:tableStyleId>
               </a:tblPr>
               <a:tblGrid>
-                <a:gridCol w="3521186">
+                <a:gridCol w="3810000">
                   <a:extLst>
                     <a:ext uri="{9D8B030D-6E8A-4147-A177-3AD203B41FA5}">
                       <a16:colId xmlns:a16="http://schemas.microsoft.com/office/drawing/2014/main" val="704179991"/>
                     </a:ext>
                   </a:extLst>
                 </a:gridCol>
-                <a:gridCol w="1508014">
+                <a:gridCol w="1371600">
                   <a:extLst>
                     <a:ext uri="{9D8B030D-6E8A-4147-A177-3AD203B41FA5}">
                       <a16:colId xmlns:a16="http://schemas.microsoft.com/office/drawing/2014/main" val="2450600246"/>
                     </a:ext>
                   </a:extLst>
                 </a:gridCol>
-                <a:gridCol w="1655086">
+                <a:gridCol w="1447800">
                   <a:extLst>
                     <a:ext uri="{9D8B030D-6E8A-4147-A177-3AD203B41FA5}">
                       <a16:colId xmlns:a16="http://schemas.microsoft.com/office/drawing/2014/main" val="3245075201"/>
                     </a:ext>
                   </a:extLst>
                 </a:gridCol>
-                <a:gridCol w="1850115">
+                <a:gridCol w="1905001">
                   <a:extLst>
                     <a:ext uri="{9D8B030D-6E8A-4147-A177-3AD203B41FA5}">
                       <a16:colId xmlns:a16="http://schemas.microsoft.com/office/drawing/2014/main" val="3735205648"/>
@@ -14773,7 +11431,7 @@
                     <a:lstStyle/>
                     <a:p>
                       <a:r>
-                        <a:rPr lang="en-US" sz="1100" dirty="0"/>
+                        <a:rPr lang="en-US" sz="1200" dirty="0"/>
                         <a:t>Attributes</a:t>
                       </a:r>
                     </a:p>
@@ -14786,7 +11444,7 @@
                     <a:lstStyle/>
                     <a:p>
                       <a:r>
-                        <a:rPr lang="en-US" sz="1100" dirty="0"/>
+                        <a:rPr lang="en-US" sz="1200" dirty="0"/>
                         <a:t>Direct Measurement TLV</a:t>
                       </a:r>
                     </a:p>
@@ -14799,7 +11457,7 @@
                     <a:lstStyle/>
                     <a:p>
                       <a:r>
-                        <a:rPr lang="en-US" sz="1100" i="1" dirty="0"/>
+                        <a:rPr lang="en-US" sz="1200" i="1" dirty="0"/>
                         <a:t>Define New Direct Measurement TLV?</a:t>
                       </a:r>
                     </a:p>
@@ -14812,7 +11470,7 @@
                     <a:lstStyle/>
                     <a:p>
                       <a:r>
-                        <a:rPr lang="en-US" sz="1100" dirty="0"/>
+                        <a:rPr lang="en-US" sz="1200" dirty="0"/>
                         <a:t>Direct Loss Measurement Probe Packet</a:t>
                       </a:r>
                     </a:p>
@@ -14832,13 +11490,13 @@
                     <a:lstStyle/>
                     <a:p>
                       <a:r>
-                        <a:rPr lang="en-US" sz="1100" dirty="0"/>
+                        <a:rPr lang="en-US" sz="1200" dirty="0"/>
                         <a:t>Need to write timestamp </a:t>
                       </a:r>
                     </a:p>
                     <a:p>
                       <a:r>
-                        <a:rPr lang="en-US" sz="1100" dirty="0"/>
+                        <a:rPr lang="en-US" sz="1200" dirty="0"/>
                         <a:t>(clock sync needed for one-way delay)</a:t>
                       </a:r>
                     </a:p>
@@ -14851,7 +11509,7 @@
                     <a:lstStyle/>
                     <a:p>
                       <a:r>
-                        <a:rPr lang="en-US" sz="1100" dirty="0">
+                        <a:rPr lang="en-US" sz="1200" dirty="0">
                           <a:solidFill>
                             <a:srgbClr val="C00000"/>
                           </a:solidFill>
@@ -14868,7 +11526,7 @@
                     <a:lstStyle/>
                     <a:p>
                       <a:r>
-                        <a:rPr lang="en-US" sz="1100" i="1" dirty="0">
+                        <a:rPr lang="en-US" sz="1200" i="1" dirty="0">
                           <a:solidFill>
                             <a:srgbClr val="C00000"/>
                           </a:solidFill>
@@ -14885,7 +11543,7 @@
                     <a:lstStyle/>
                     <a:p>
                       <a:r>
-                        <a:rPr lang="en-US" sz="1100" dirty="0">
+                        <a:rPr lang="en-US" sz="1200" dirty="0">
                           <a:solidFill>
                             <a:srgbClr val="00B050"/>
                           </a:solidFill>
@@ -14909,8 +11567,8 @@
                     <a:lstStyle/>
                     <a:p>
                       <a:r>
-                        <a:rPr lang="en-US" sz="1100" dirty="0"/>
-                        <a:t>Counter at fixed location in the probe packet for hardware counter-stamping</a:t>
+                        <a:rPr lang="en-US" sz="1200" dirty="0"/>
+                        <a:t>Counter at fixed location in the probe packet for hardware counter writing</a:t>
                       </a:r>
                     </a:p>
                   </a:txBody>
@@ -14922,7 +11580,7 @@
                     <a:lstStyle/>
                     <a:p>
                       <a:r>
-                        <a:rPr lang="en-US" sz="1100" dirty="0">
+                        <a:rPr lang="en-US" sz="1200" dirty="0">
                           <a:solidFill>
                             <a:srgbClr val="C00000"/>
                           </a:solidFill>
@@ -14939,7 +11597,7 @@
                     <a:lstStyle/>
                     <a:p>
                       <a:r>
-                        <a:rPr lang="en-US" sz="1100" i="1" dirty="0">
+                        <a:rPr lang="en-US" sz="1200" i="1" dirty="0">
                           <a:solidFill>
                             <a:srgbClr val="C00000"/>
                           </a:solidFill>
@@ -14956,7 +11614,7 @@
                     <a:lstStyle/>
                     <a:p>
                       <a:r>
-                        <a:rPr lang="en-US" sz="1100" dirty="0">
+                        <a:rPr lang="en-US" sz="1200" dirty="0">
                           <a:solidFill>
                             <a:srgbClr val="00B050"/>
                           </a:solidFill>
@@ -14980,7 +11638,7 @@
                     <a:lstStyle/>
                     <a:p>
                       <a:r>
-                        <a:rPr lang="en-US" sz="1100" dirty="0"/>
+                        <a:rPr lang="en-US" sz="1200" dirty="0"/>
                         <a:t>Reply probe packets with counter at fixed location for hardware counter-stamping</a:t>
                       </a:r>
                     </a:p>
@@ -14993,7 +11651,7 @@
                     <a:lstStyle/>
                     <a:p>
                       <a:r>
-                        <a:rPr lang="en-US" sz="1100" dirty="0">
+                        <a:rPr lang="en-US" sz="1200" dirty="0">
                           <a:solidFill>
                             <a:srgbClr val="C00000"/>
                           </a:solidFill>
@@ -15010,7 +11668,7 @@
                     <a:lstStyle/>
                     <a:p>
                       <a:r>
-                        <a:rPr lang="en-US" sz="1100" i="1" dirty="0">
+                        <a:rPr lang="en-US" sz="1200" i="1" dirty="0">
                           <a:solidFill>
                             <a:srgbClr val="C00000"/>
                           </a:solidFill>
@@ -15027,7 +11685,7 @@
                     <a:lstStyle/>
                     <a:p>
                       <a:r>
-                        <a:rPr lang="en-US" sz="1100" dirty="0">
+                        <a:rPr lang="en-US" sz="1200" dirty="0">
                           <a:solidFill>
                             <a:srgbClr val="00B050"/>
                           </a:solidFill>
@@ -15051,7 +11709,7 @@
                     <a:lstStyle/>
                     <a:p>
                       <a:r>
-                        <a:rPr lang="en-US" sz="1100" dirty="0"/>
+                        <a:rPr lang="en-US" sz="1200" dirty="0"/>
                         <a:t>Need to scan for DM TLV in each received probe packet on Session-Reflector in hardware  (there can be multiple TLVs)</a:t>
                       </a:r>
                     </a:p>
@@ -15064,7 +11722,7 @@
                     <a:lstStyle/>
                     <a:p>
                       <a:r>
-                        <a:rPr lang="en-US" sz="1100" dirty="0">
+                        <a:rPr lang="en-US" sz="1200" dirty="0">
                           <a:solidFill>
                             <a:srgbClr val="C00000"/>
                           </a:solidFill>
@@ -15081,7 +11739,7 @@
                     <a:lstStyle/>
                     <a:p>
                       <a:r>
-                        <a:rPr lang="en-US" sz="1100" i="1" dirty="0">
+                        <a:rPr lang="en-US" sz="1200" i="1" dirty="0">
                           <a:solidFill>
                             <a:srgbClr val="C00000"/>
                           </a:solidFill>
@@ -15098,7 +11756,7 @@
                     <a:lstStyle/>
                     <a:p>
                       <a:r>
-                        <a:rPr lang="en-US" sz="1100" dirty="0">
+                        <a:rPr lang="en-US" sz="1200" dirty="0">
                           <a:solidFill>
                             <a:srgbClr val="00B050"/>
                           </a:solidFill>
@@ -15122,7 +11780,7 @@
                     <a:lstStyle/>
                     <a:p>
                       <a:r>
-                        <a:rPr lang="en-US" sz="1100" dirty="0"/>
+                        <a:rPr lang="en-US" sz="1200" dirty="0"/>
                         <a:t>32-bit and 64-bit Byte counters</a:t>
                       </a:r>
                     </a:p>
@@ -15135,7 +11793,7 @@
                     <a:lstStyle/>
                     <a:p>
                       <a:r>
-                        <a:rPr lang="en-US" sz="1100" dirty="0">
+                        <a:rPr lang="en-US" sz="1200" dirty="0">
                           <a:solidFill>
                             <a:srgbClr val="C00000"/>
                           </a:solidFill>
@@ -15152,7 +11810,7 @@
                     <a:lstStyle/>
                     <a:p>
                       <a:r>
-                        <a:rPr lang="en-US" sz="1100" i="1" dirty="0">
+                        <a:rPr lang="en-US" sz="1200" i="1" dirty="0">
                           <a:solidFill>
                             <a:srgbClr val="00B050"/>
                           </a:solidFill>
@@ -15169,7 +11827,7 @@
                     <a:lstStyle/>
                     <a:p>
                       <a:r>
-                        <a:rPr lang="en-US" sz="1100" dirty="0">
+                        <a:rPr lang="en-US" sz="1200" dirty="0">
                           <a:solidFill>
                             <a:srgbClr val="00B050"/>
                           </a:solidFill>
@@ -15193,7 +11851,7 @@
                     <a:lstStyle/>
                     <a:p>
                       <a:r>
-                        <a:rPr lang="en-US" sz="1100" dirty="0"/>
+                        <a:rPr lang="en-US" sz="1200" dirty="0"/>
                         <a:t>64-bit packet counters</a:t>
                       </a:r>
                     </a:p>
@@ -15206,7 +11864,7 @@
                     <a:lstStyle/>
                     <a:p>
                       <a:r>
-                        <a:rPr lang="en-US" sz="1100" dirty="0">
+                        <a:rPr lang="en-US" sz="1200" dirty="0">
                           <a:solidFill>
                             <a:srgbClr val="C00000"/>
                           </a:solidFill>
@@ -15223,7 +11881,7 @@
                     <a:lstStyle/>
                     <a:p>
                       <a:r>
-                        <a:rPr lang="en-US" sz="1100" i="1" dirty="0">
+                        <a:rPr lang="en-US" sz="1200" i="1" dirty="0">
                           <a:solidFill>
                             <a:srgbClr val="00B050"/>
                           </a:solidFill>
@@ -15240,7 +11898,7 @@
                     <a:lstStyle/>
                     <a:p>
                       <a:r>
-                        <a:rPr lang="en-US" sz="1100" dirty="0">
+                        <a:rPr lang="en-US" sz="1200" dirty="0">
                           <a:solidFill>
                             <a:srgbClr val="00B050"/>
                           </a:solidFill>
@@ -15264,7 +11922,7 @@
                     <a:lstStyle/>
                     <a:p>
                       <a:r>
-                        <a:rPr lang="en-US" sz="1100" dirty="0"/>
+                        <a:rPr lang="en-US" sz="1200" dirty="0"/>
                         <a:t>Alternate-marking method packet loss - using block number for counters (out-of-order data packet support)</a:t>
                       </a:r>
                     </a:p>
@@ -15277,7 +11935,7 @@
                     <a:lstStyle/>
                     <a:p>
                       <a:r>
-                        <a:rPr lang="en-US" sz="1100" dirty="0">
+                        <a:rPr lang="en-US" sz="1200" dirty="0">
                           <a:solidFill>
                             <a:srgbClr val="C00000"/>
                           </a:solidFill>
@@ -15294,7 +11952,7 @@
                     <a:lstStyle/>
                     <a:p>
                       <a:r>
-                        <a:rPr lang="en-US" sz="1100" i="1" dirty="0">
+                        <a:rPr lang="en-US" sz="1200" i="1" dirty="0">
                           <a:solidFill>
                             <a:srgbClr val="00B050"/>
                           </a:solidFill>
@@ -15311,7 +11969,7 @@
                     <a:lstStyle/>
                     <a:p>
                       <a:r>
-                        <a:rPr lang="en-US" sz="1100" dirty="0">
+                        <a:rPr lang="en-US" sz="1200" dirty="0">
                           <a:solidFill>
                             <a:srgbClr val="00B050"/>
                           </a:solidFill>
@@ -15335,7 +11993,7 @@
                     <a:lstStyle/>
                     <a:p>
                       <a:r>
-                        <a:rPr lang="en-US" sz="1100" dirty="0"/>
+                        <a:rPr lang="en-US" sz="1200" dirty="0"/>
                         <a:t>Per Traffic Class Counters</a:t>
                       </a:r>
                     </a:p>
@@ -15348,7 +12006,7 @@
                     <a:lstStyle/>
                     <a:p>
                       <a:r>
-                        <a:rPr lang="en-US" sz="1100" dirty="0">
+                        <a:rPr lang="en-US" sz="1200" dirty="0">
                           <a:solidFill>
                             <a:srgbClr val="C00000"/>
                           </a:solidFill>
@@ -15365,7 +12023,7 @@
                     <a:lstStyle/>
                     <a:p>
                       <a:r>
-                        <a:rPr lang="en-US" sz="1100" i="1" dirty="0">
+                        <a:rPr lang="en-US" sz="1200" i="1" dirty="0">
                           <a:solidFill>
                             <a:srgbClr val="00B050"/>
                           </a:solidFill>
@@ -15382,7 +12040,7 @@
                     <a:lstStyle/>
                     <a:p>
                       <a:r>
-                        <a:rPr lang="en-US" sz="1100" dirty="0">
+                        <a:rPr lang="en-US" sz="1200" dirty="0">
                           <a:solidFill>
                             <a:srgbClr val="00B050"/>
                           </a:solidFill>
@@ -15476,7 +12134,7 @@
               <a:pPr>
                 <a:defRPr/>
               </a:pPr>
-              <a:t>6</a:t>
+              <a:t>7</a:t>
             </a:fld>
             <a:endParaRPr lang="en-US" altLang="zh-CN"/>
           </a:p>
@@ -15495,7 +12153,7 @@
 </p:sld>
 </file>
 
-<file path=ppt/slides/slide7.xml><?xml version="1.0" encoding="utf-8"?>
+<file path=ppt/slides/slide8.xml><?xml version="1.0" encoding="utf-8"?>
 <p:sld xmlns:a="http://schemas.openxmlformats.org/drawingml/2006/main" xmlns:r="http://schemas.openxmlformats.org/officeDocument/2006/relationships" xmlns:p="http://schemas.openxmlformats.org/presentationml/2006/main">
   <p:cSld>
     <p:spTree>
@@ -15569,8 +12227,8 @@
         </p:nvSpPr>
         <p:spPr>
           <a:xfrm>
-            <a:off x="590006" y="3384982"/>
-            <a:ext cx="8077200" cy="1401330"/>
+            <a:off x="533400" y="3212680"/>
+            <a:ext cx="8153400" cy="1401330"/>
           </a:xfrm>
         </p:spPr>
         <p:txBody>
@@ -15586,27 +12244,27 @@
               </a:spcBef>
             </a:pPr>
             <a:r>
-              <a:rPr lang="en-CA" sz="1200" dirty="0"/>
+              <a:rPr lang="en-CA" sz="1400" dirty="0"/>
               <a:t>Using the Counters C1, C2, C3 and C4 as per reference topology, from the n</a:t>
             </a:r>
             <a:r>
-              <a:rPr lang="en-CA" sz="1200" baseline="30000" dirty="0"/>
+              <a:rPr lang="en-CA" sz="1400" baseline="30000" dirty="0"/>
               <a:t>th</a:t>
             </a:r>
             <a:r>
-              <a:rPr lang="en-CA" sz="1200" dirty="0"/>
+              <a:rPr lang="en-CA" sz="1400" dirty="0"/>
               <a:t> and (n-1)</a:t>
             </a:r>
             <a:r>
-              <a:rPr lang="en-CA" sz="1200" baseline="30000" dirty="0" err="1"/>
+              <a:rPr lang="en-CA" sz="1400" baseline="30000" dirty="0" err="1"/>
               <a:t>th</a:t>
             </a:r>
             <a:r>
-              <a:rPr lang="en-CA" sz="1200" baseline="30000" dirty="0"/>
+              <a:rPr lang="en-CA" sz="1400" baseline="30000" dirty="0"/>
               <a:t> </a:t>
             </a:r>
             <a:r>
-              <a:rPr lang="en-CA" sz="1200" dirty="0"/>
+              <a:rPr lang="en-CA" sz="1400" dirty="0"/>
               <a:t>Direct Loss Measurement probe packets.</a:t>
             </a:r>
           </a:p>
@@ -15620,15 +12278,15 @@
               </a:spcBef>
             </a:pPr>
             <a:r>
-              <a:rPr lang="en-CA" sz="1200" dirty="0"/>
+              <a:rPr lang="en-CA" sz="1400" dirty="0"/>
               <a:t>Transmit Loss </a:t>
             </a:r>
             <a:r>
-              <a:rPr lang="en-CA" sz="1200" dirty="0" err="1"/>
+              <a:rPr lang="en-CA" sz="1400" dirty="0" err="1"/>
               <a:t>TxL</a:t>
             </a:r>
             <a:r>
-              <a:rPr lang="en-CA" sz="1200" dirty="0"/>
+              <a:rPr lang="en-CA" sz="1400" dirty="0"/>
               <a:t>[n-1, n] = (C1[n] - C1[n-1]) - (C2[n] - C2[n-1])</a:t>
             </a:r>
           </a:p>
@@ -15642,15 +12300,15 @@
               </a:spcBef>
             </a:pPr>
             <a:r>
-              <a:rPr lang="en-CA" sz="1200" dirty="0"/>
+              <a:rPr lang="en-CA" sz="1400" dirty="0"/>
               <a:t>Receive Loss </a:t>
             </a:r>
             <a:r>
-              <a:rPr lang="en-CA" sz="1200" dirty="0" err="1"/>
+              <a:rPr lang="en-CA" sz="1400" dirty="0" err="1"/>
               <a:t>RxL</a:t>
             </a:r>
             <a:r>
-              <a:rPr lang="en-CA" sz="1200" dirty="0"/>
+              <a:rPr lang="en-CA" sz="1400" dirty="0"/>
               <a:t>[n-1, n]   = (C3[n] - C3[n-1]) - (C4[n] - C4[n-1])</a:t>
             </a:r>
           </a:p>
@@ -15664,7 +12322,7 @@
               </a:spcBef>
             </a:pPr>
             <a:r>
-              <a:rPr lang="en-CA" sz="1200" dirty="0"/>
+              <a:rPr lang="en-CA" sz="1400" dirty="0"/>
               <a:t>When using Alternate-Marking Method, all Counters used for the loss calculation belongs to the same Block Number, as described in Section 3.1 of [RFC8321].</a:t>
             </a:r>
           </a:p>
@@ -15754,7 +12412,7 @@
               <a:pPr>
                 <a:defRPr/>
               </a:pPr>
-              <a:t>7</a:t>
+              <a:t>8</a:t>
             </a:fld>
             <a:endParaRPr lang="en-US" altLang="zh-CN"/>
           </a:p>
@@ -15945,7 +12603,7 @@
 </p:sld>
 </file>
 
-<file path=ppt/slides/slide8.xml><?xml version="1.0" encoding="utf-8"?>
+<file path=ppt/slides/slide9.xml><?xml version="1.0" encoding="utf-8"?>
 <p:sld xmlns:a="http://schemas.openxmlformats.org/drawingml/2006/main" xmlns:r="http://schemas.openxmlformats.org/officeDocument/2006/relationships" xmlns:p="http://schemas.openxmlformats.org/presentationml/2006/main">
   <p:cSld>
     <p:spTree>
@@ -16104,7 +12762,7 @@
               <a:pPr>
                 <a:defRPr/>
               </a:pPr>
-              <a:t>8</a:t>
+              <a:t>9</a:t>
             </a:fld>
             <a:endParaRPr lang="en-US" altLang="zh-CN" dirty="0"/>
           </a:p>
@@ -16114,289 +12772,6 @@
     <p:extLst>
       <p:ext uri="{BB962C8B-B14F-4D97-AF65-F5344CB8AC3E}">
         <p14:creationId xmlns:p14="http://schemas.microsoft.com/office/powerpoint/2010/main" val="256002898"/>
-      </p:ext>
-    </p:extLst>
-  </p:cSld>
-  <p:clrMapOvr>
-    <a:masterClrMapping/>
-  </p:clrMapOvr>
-</p:sld>
-</file>
-
-<file path=ppt/slides/slide9.xml><?xml version="1.0" encoding="utf-8"?>
-<p:sld xmlns:a="http://schemas.openxmlformats.org/drawingml/2006/main" xmlns:r="http://schemas.openxmlformats.org/officeDocument/2006/relationships" xmlns:p="http://schemas.openxmlformats.org/presentationml/2006/main">
-  <p:cSld>
-    <p:spTree>
-      <p:nvGrpSpPr>
-        <p:cNvPr id="1" name=""/>
-        <p:cNvGrpSpPr/>
-        <p:nvPr/>
-      </p:nvGrpSpPr>
-      <p:grpSpPr>
-        <a:xfrm>
-          <a:off x="0" y="0"/>
-          <a:ext cx="0" cy="0"/>
-          <a:chOff x="0" y="0"/>
-          <a:chExt cx="0" cy="0"/>
-        </a:xfrm>
-      </p:grpSpPr>
-      <p:sp>
-        <p:nvSpPr>
-          <p:cNvPr id="4" name="Footer Placeholder 3"/>
-          <p:cNvSpPr>
-            <a:spLocks noGrp="1"/>
-          </p:cNvSpPr>
-          <p:nvPr>
-            <p:ph type="ftr" sz="quarter" idx="11"/>
-          </p:nvPr>
-        </p:nvSpPr>
-        <p:spPr>
-          <a:xfrm>
-            <a:off x="3048000" y="4786312"/>
-            <a:ext cx="2895600" cy="357188"/>
-          </a:xfrm>
-        </p:spPr>
-        <p:txBody>
-          <a:bodyPr/>
-          <a:lstStyle/>
-          <a:p>
-            <a:r>
-              <a:rPr lang="en-CA" dirty="0"/>
-              <a:t>110</a:t>
-            </a:r>
-            <a:r>
-              <a:rPr lang="en-CA" baseline="30000" dirty="0"/>
-              <a:t>th</a:t>
-            </a:r>
-            <a:r>
-              <a:rPr lang="en-CA" dirty="0"/>
-              <a:t> IETF Online</a:t>
-            </a:r>
-          </a:p>
-        </p:txBody>
-      </p:sp>
-      <p:sp>
-        <p:nvSpPr>
-          <p:cNvPr id="5" name="Rectangle 2"/>
-          <p:cNvSpPr txBox="1">
-            <a:spLocks noChangeArrowheads="1"/>
-          </p:cNvSpPr>
-          <p:nvPr/>
-        </p:nvSpPr>
-        <p:spPr bwMode="auto">
-          <a:xfrm>
-            <a:off x="685800" y="1657350"/>
-            <a:ext cx="7772400" cy="1102519"/>
-          </a:xfrm>
-          <a:prstGeom prst="rect">
-            <a:avLst/>
-          </a:prstGeom>
-          <a:noFill/>
-          <a:ln w="9525">
-            <a:noFill/>
-            <a:miter lim="800000"/>
-            <a:headEnd/>
-            <a:tailEnd/>
-          </a:ln>
-          <a:effectLst/>
-        </p:spPr>
-        <p:txBody>
-          <a:bodyPr vert="horz" wrap="square" lIns="91440" tIns="45720" rIns="91440" bIns="45720" numCol="1" anchor="ctr" anchorCtr="0" compatLnSpc="1">
-            <a:prstTxWarp prst="textNoShape">
-              <a:avLst/>
-            </a:prstTxWarp>
-          </a:bodyPr>
-          <a:lstStyle>
-            <a:lvl1pPr algn="ctr" rtl="0" eaLnBrk="0" fontAlgn="base" hangingPunct="0">
-              <a:spcBef>
-                <a:spcPct val="0"/>
-              </a:spcBef>
-              <a:spcAft>
-                <a:spcPct val="0"/>
-              </a:spcAft>
-              <a:defRPr sz="4400">
-                <a:solidFill>
-                  <a:schemeClr val="tx2"/>
-                </a:solidFill>
-                <a:latin typeface="+mj-lt"/>
-                <a:ea typeface="+mj-ea"/>
-                <a:cs typeface="+mj-cs"/>
-              </a:defRPr>
-            </a:lvl1pPr>
-            <a:lvl2pPr algn="ctr" rtl="0" eaLnBrk="0" fontAlgn="base" hangingPunct="0">
-              <a:spcBef>
-                <a:spcPct val="0"/>
-              </a:spcBef>
-              <a:spcAft>
-                <a:spcPct val="0"/>
-              </a:spcAft>
-              <a:defRPr sz="4400">
-                <a:solidFill>
-                  <a:schemeClr val="tx2"/>
-                </a:solidFill>
-                <a:latin typeface="Arial" charset="0"/>
-                <a:ea typeface="宋体" pitchFamily="2" charset="-122"/>
-              </a:defRPr>
-            </a:lvl2pPr>
-            <a:lvl3pPr algn="ctr" rtl="0" eaLnBrk="0" fontAlgn="base" hangingPunct="0">
-              <a:spcBef>
-                <a:spcPct val="0"/>
-              </a:spcBef>
-              <a:spcAft>
-                <a:spcPct val="0"/>
-              </a:spcAft>
-              <a:defRPr sz="4400">
-                <a:solidFill>
-                  <a:schemeClr val="tx2"/>
-                </a:solidFill>
-                <a:latin typeface="Arial" charset="0"/>
-                <a:ea typeface="宋体" pitchFamily="2" charset="-122"/>
-              </a:defRPr>
-            </a:lvl3pPr>
-            <a:lvl4pPr algn="ctr" rtl="0" eaLnBrk="0" fontAlgn="base" hangingPunct="0">
-              <a:spcBef>
-                <a:spcPct val="0"/>
-              </a:spcBef>
-              <a:spcAft>
-                <a:spcPct val="0"/>
-              </a:spcAft>
-              <a:defRPr sz="4400">
-                <a:solidFill>
-                  <a:schemeClr val="tx2"/>
-                </a:solidFill>
-                <a:latin typeface="Arial" charset="0"/>
-                <a:ea typeface="宋体" pitchFamily="2" charset="-122"/>
-              </a:defRPr>
-            </a:lvl4pPr>
-            <a:lvl5pPr algn="ctr" rtl="0" eaLnBrk="0" fontAlgn="base" hangingPunct="0">
-              <a:spcBef>
-                <a:spcPct val="0"/>
-              </a:spcBef>
-              <a:spcAft>
-                <a:spcPct val="0"/>
-              </a:spcAft>
-              <a:defRPr sz="4400">
-                <a:solidFill>
-                  <a:schemeClr val="tx2"/>
-                </a:solidFill>
-                <a:latin typeface="Arial" charset="0"/>
-                <a:ea typeface="宋体" pitchFamily="2" charset="-122"/>
-              </a:defRPr>
-            </a:lvl5pPr>
-            <a:lvl6pPr marL="457200" algn="ctr" rtl="0" fontAlgn="base">
-              <a:spcBef>
-                <a:spcPct val="0"/>
-              </a:spcBef>
-              <a:spcAft>
-                <a:spcPct val="0"/>
-              </a:spcAft>
-              <a:defRPr sz="4400">
-                <a:solidFill>
-                  <a:schemeClr val="tx2"/>
-                </a:solidFill>
-                <a:latin typeface="Arial" charset="0"/>
-                <a:ea typeface="宋体" pitchFamily="2" charset="-122"/>
-              </a:defRPr>
-            </a:lvl6pPr>
-            <a:lvl7pPr marL="914400" algn="ctr" rtl="0" fontAlgn="base">
-              <a:spcBef>
-                <a:spcPct val="0"/>
-              </a:spcBef>
-              <a:spcAft>
-                <a:spcPct val="0"/>
-              </a:spcAft>
-              <a:defRPr sz="4400">
-                <a:solidFill>
-                  <a:schemeClr val="tx2"/>
-                </a:solidFill>
-                <a:latin typeface="Arial" charset="0"/>
-                <a:ea typeface="宋体" pitchFamily="2" charset="-122"/>
-              </a:defRPr>
-            </a:lvl7pPr>
-            <a:lvl8pPr marL="1371600" algn="ctr" rtl="0" fontAlgn="base">
-              <a:spcBef>
-                <a:spcPct val="0"/>
-              </a:spcBef>
-              <a:spcAft>
-                <a:spcPct val="0"/>
-              </a:spcAft>
-              <a:defRPr sz="4400">
-                <a:solidFill>
-                  <a:schemeClr val="tx2"/>
-                </a:solidFill>
-                <a:latin typeface="Arial" charset="0"/>
-                <a:ea typeface="宋体" pitchFamily="2" charset="-122"/>
-              </a:defRPr>
-            </a:lvl8pPr>
-            <a:lvl9pPr marL="1828800" algn="ctr" rtl="0" fontAlgn="base">
-              <a:spcBef>
-                <a:spcPct val="0"/>
-              </a:spcBef>
-              <a:spcAft>
-                <a:spcPct val="0"/>
-              </a:spcAft>
-              <a:defRPr sz="4400">
-                <a:solidFill>
-                  <a:schemeClr val="tx2"/>
-                </a:solidFill>
-                <a:latin typeface="Arial" charset="0"/>
-                <a:ea typeface="宋体" pitchFamily="2" charset="-122"/>
-              </a:defRPr>
-            </a:lvl9pPr>
-          </a:lstStyle>
-          <a:p>
-            <a:pPr eaLnBrk="1" hangingPunct="1">
-              <a:defRPr/>
-            </a:pPr>
-            <a:r>
-              <a:rPr lang="en-US" altLang="zh-CN" sz="4000" kern="0" dirty="0">
-                <a:effectLst>
-                  <a:outerShdw blurRad="38100" dist="38100" dir="2700000" algn="tl">
-                    <a:srgbClr val="C0C0C0"/>
-                  </a:outerShdw>
-                </a:effectLst>
-                <a:latin typeface="Calibri" charset="0"/>
-                <a:ea typeface="Calibri" charset="0"/>
-                <a:cs typeface="Calibri" charset="0"/>
-              </a:rPr>
-              <a:t>Thank you</a:t>
-            </a:r>
-          </a:p>
-        </p:txBody>
-      </p:sp>
-      <p:sp>
-        <p:nvSpPr>
-          <p:cNvPr id="2" name="Slide Number Placeholder 1"/>
-          <p:cNvSpPr>
-            <a:spLocks noGrp="1"/>
-          </p:cNvSpPr>
-          <p:nvPr>
-            <p:ph type="sldNum" sz="quarter" idx="12"/>
-          </p:nvPr>
-        </p:nvSpPr>
-        <p:spPr/>
-        <p:txBody>
-          <a:bodyPr/>
-          <a:lstStyle/>
-          <a:p>
-            <a:pPr>
-              <a:defRPr/>
-            </a:pPr>
-            <a:fld id="{BD6E0F59-1DD8-40FC-9C92-B6295CBA6CCA}" type="slidenum">
-              <a:rPr lang="en-US" altLang="zh-CN" smtClean="0"/>
-              <a:pPr>
-                <a:defRPr/>
-              </a:pPr>
-              <a:t>9</a:t>
-            </a:fld>
-            <a:endParaRPr lang="en-US" altLang="zh-CN" dirty="0"/>
-          </a:p>
-        </p:txBody>
-      </p:sp>
-    </p:spTree>
-    <p:extLst>
-      <p:ext uri="{BB962C8B-B14F-4D97-AF65-F5344CB8AC3E}">
-        <p14:creationId xmlns:p14="http://schemas.microsoft.com/office/powerpoint/2010/main" val="1091639292"/>
       </p:ext>
     </p:extLst>
   </p:cSld>

--- a/draft-gandhi-ippm-simple-direct-loss-00.pptx
+++ b/draft-gandhi-ippm-simple-direct-loss-00.pptx
@@ -2196,7 +2196,7 @@
               </a14:hiddenLine>
             </a:ext>
             <a:ext uri="{FAA26D3D-D897-4be2-8F04-BA451C77F1D7}">
-              <ma14:placeholderFlag xmlns:ma14="http://schemas.microsoft.com/office/mac/drawingml/2011/main" xmlns="" val="1"/>
+              <ma14:placeholderFlag xmlns="" xmlns:ma14="http://schemas.microsoft.com/office/mac/drawingml/2011/main" val="1"/>
             </a:ext>
           </a:extLst>
         </p:spPr>
@@ -6690,7 +6690,7 @@
                 <a:latin typeface="Calibri Light" panose="020F0302020204030204" pitchFamily="34" charset="0"/>
                 <a:cs typeface="Calibri Light" panose="020F0302020204030204" pitchFamily="34" charset="0"/>
               </a:rPr>
-              <a:t>STAMP Test Packets with Direct Measurement TLV</a:t>
+              <a:t>1. STAMP Test Packets with Direct Measurement TLV</a:t>
             </a:r>
           </a:p>
         </p:txBody>
@@ -8475,7 +8475,7 @@
                 <a:latin typeface="Calibri Light" panose="020F0302020204030204" pitchFamily="34" charset="0"/>
                 <a:cs typeface="Calibri Light" panose="020F0302020204030204" pitchFamily="34" charset="0"/>
               </a:rPr>
-              <a:t>Direct Loss Measurement Probe Packet for Data Packet Loss Detection</a:t>
+              <a:t>2. Direct Loss Measurement Probe Packet for Data Packet Loss Detection</a:t>
             </a:r>
           </a:p>
         </p:txBody>
@@ -11379,14 +11379,14 @@
             <p:ph idx="1"/>
             <p:extLst>
               <p:ext uri="{D42A27DB-BD31-4B8C-83A1-F6EECF244321}">
-                <p14:modId xmlns:p14="http://schemas.microsoft.com/office/powerpoint/2010/main" val="884656637"/>
+                <p14:modId xmlns:p14="http://schemas.microsoft.com/office/powerpoint/2010/main" val="4017181251"/>
               </p:ext>
             </p:extLst>
           </p:nvPr>
         </p:nvGraphicFramePr>
         <p:xfrm>
           <a:off x="304800" y="696278"/>
-          <a:ext cx="8534401" cy="3779513"/>
+          <a:ext cx="8686800" cy="3779513"/>
         </p:xfrm>
         <a:graphic>
           <a:graphicData uri="http://schemas.openxmlformats.org/drawingml/2006/table">
@@ -11416,7 +11416,7 @@
                     </a:ext>
                   </a:extLst>
                 </a:gridCol>
-                <a:gridCol w="1905001">
+                <a:gridCol w="2057400">
                   <a:extLst>
                     <a:ext uri="{9D8B030D-6E8A-4147-A177-3AD203B41FA5}">
                       <a16:colId xmlns:a16="http://schemas.microsoft.com/office/drawing/2014/main" val="3735205648"/>
@@ -11445,7 +11445,7 @@
                     <a:p>
                       <a:r>
                         <a:rPr lang="en-US" sz="1200" dirty="0"/>
-                        <a:t>Direct Measurement TLV</a:t>
+                        <a:t>1. Direct Measurement TLV</a:t>
                       </a:r>
                     </a:p>
                   </a:txBody>
@@ -11471,7 +11471,7 @@
                     <a:p>
                       <a:r>
                         <a:rPr lang="en-US" sz="1200" dirty="0"/>
-                        <a:t>Direct Loss Measurement Probe Packet</a:t>
+                        <a:t>2. Direct Loss Measurement Probe Packet</a:t>
                       </a:r>
                     </a:p>
                   </a:txBody>

--- a/draft-gandhi-ippm-simple-direct-loss-00.pptx
+++ b/draft-gandhi-ippm-simple-direct-loss-00.pptx
@@ -253,7 +253,7 @@
           <a:p>
             <a:fld id="{E8FA3DB5-7722-3F4F-947D-12B203669AD7}" type="datetimeFigureOut">
               <a:rPr lang="en-US" smtClean="0"/>
-              <a:t>2/23/21</a:t>
+              <a:t>2/24/21</a:t>
             </a:fld>
             <a:endParaRPr lang="en-US"/>
           </a:p>
@@ -2196,7 +2196,7 @@
               </a14:hiddenLine>
             </a:ext>
             <a:ext uri="{FAA26D3D-D897-4be2-8F04-BA451C77F1D7}">
-              <ma14:placeholderFlag xmlns="" xmlns:ma14="http://schemas.microsoft.com/office/mac/drawingml/2011/main" val="1"/>
+              <ma14:placeholderFlag xmlns:ma14="http://schemas.microsoft.com/office/mac/drawingml/2011/main" xmlns="" val="1"/>
             </a:ext>
           </a:extLst>
         </p:spPr>
@@ -6690,7 +6690,7 @@
                 <a:latin typeface="Calibri Light" panose="020F0302020204030204" pitchFamily="34" charset="0"/>
                 <a:cs typeface="Calibri Light" panose="020F0302020204030204" pitchFamily="34" charset="0"/>
               </a:rPr>
-              <a:t>1. STAMP Test Packets with Direct Measurement TLV</a:t>
+              <a:t>Case 1. STAMP Test Packets with Direct Measurement TLV</a:t>
             </a:r>
           </a:p>
         </p:txBody>
@@ -7348,7 +7348,7 @@
                 <a:ea typeface="Courier" charset="0"/>
                 <a:cs typeface="Courier" charset="0"/>
               </a:rPr>
-              <a:t>	 Figure: Session-Sender Test Packet Format</a:t>
+              <a:t>              Figure: STAMP Session-Sender Test Packet Format</a:t>
             </a:r>
           </a:p>
         </p:txBody>
@@ -8010,11 +8010,14 @@
                 <a:spcPts val="0"/>
               </a:spcAft>
             </a:pPr>
-            <a:endParaRPr lang="en-US" sz="750" dirty="0">
-              <a:latin typeface="Courier" pitchFamily="2" charset="0"/>
-              <a:ea typeface="Courier" charset="0"/>
-              <a:cs typeface="Courier" charset="0"/>
-            </a:endParaRPr>
+            <a:r>
+              <a:rPr lang="en-US" sz="750" dirty="0">
+                <a:latin typeface="Courier" pitchFamily="2" charset="0"/>
+                <a:ea typeface="Courier" charset="0"/>
+                <a:cs typeface="Courier" charset="0"/>
+              </a:rPr>
+              <a:t> </a:t>
+            </a:r>
           </a:p>
           <a:p>
             <a:pPr>
@@ -8028,7 +8031,7 @@
                 <a:ea typeface="Courier" charset="0"/>
                 <a:cs typeface="Courier" charset="0"/>
               </a:rPr>
-              <a:t>	Figure: Session-Reflector Test Packet Format</a:t>
+              <a:t>            Figure: STAMP Session-Reflector Test Packet Format</a:t>
             </a:r>
           </a:p>
         </p:txBody>
@@ -8475,7 +8478,7 @@
                 <a:latin typeface="Calibri Light" panose="020F0302020204030204" pitchFamily="34" charset="0"/>
                 <a:cs typeface="Calibri Light" panose="020F0302020204030204" pitchFamily="34" charset="0"/>
               </a:rPr>
-              <a:t>2. Direct Loss Measurement Probe Packet for Data Packet Loss Detection</a:t>
+              <a:t>Case 2. Direct Loss Measurement Probe Packet for Data Packet Loss Detection</a:t>
             </a:r>
           </a:p>
         </p:txBody>
@@ -8805,7 +8808,7 @@
             </a:pPr>
             <a:r>
               <a:rPr lang="en-US" sz="1200" kern="0" dirty="0"/>
-              <a:t>Sequence Number allows to monitor DLM session status</a:t>
+              <a:t>Sequence Number allows to monitor DLM session status, out of order probe packets and probe packet drops</a:t>
             </a:r>
           </a:p>
           <a:p>
@@ -11379,14 +11382,14 @@
             <p:ph idx="1"/>
             <p:extLst>
               <p:ext uri="{D42A27DB-BD31-4B8C-83A1-F6EECF244321}">
-                <p14:modId xmlns:p14="http://schemas.microsoft.com/office/powerpoint/2010/main" val="4017181251"/>
+                <p14:modId xmlns:p14="http://schemas.microsoft.com/office/powerpoint/2010/main" val="3565336634"/>
               </p:ext>
             </p:extLst>
           </p:nvPr>
         </p:nvGraphicFramePr>
         <p:xfrm>
-          <a:off x="304800" y="696278"/>
-          <a:ext cx="8686800" cy="3779513"/>
+          <a:off x="228600" y="696278"/>
+          <a:ext cx="8686800" cy="3733793"/>
         </p:xfrm>
         <a:graphic>
           <a:graphicData uri="http://schemas.openxmlformats.org/drawingml/2006/table">
@@ -11431,7 +11434,7 @@
                     <a:lstStyle/>
                     <a:p>
                       <a:r>
-                        <a:rPr lang="en-US" sz="1200" dirty="0"/>
+                        <a:rPr lang="en-US" sz="1100" dirty="0"/>
                         <a:t>Attributes</a:t>
                       </a:r>
                     </a:p>
@@ -11444,8 +11447,8 @@
                     <a:lstStyle/>
                     <a:p>
                       <a:r>
-                        <a:rPr lang="en-US" sz="1200" dirty="0"/>
-                        <a:t>1. Direct Measurement TLV</a:t>
+                        <a:rPr lang="en-US" sz="1100" dirty="0"/>
+                        <a:t>Case 1. STAMP Direct Measurement TLV</a:t>
                       </a:r>
                     </a:p>
                   </a:txBody>
@@ -11457,8 +11460,8 @@
                     <a:lstStyle/>
                     <a:p>
                       <a:r>
-                        <a:rPr lang="en-US" sz="1200" i="1" dirty="0"/>
-                        <a:t>Define New Direct Measurement TLV?</a:t>
+                        <a:rPr lang="en-US" sz="1100" i="1" dirty="0"/>
+                        <a:t>Case 1a. Define New STAMP Direct Measurement TLV?</a:t>
                       </a:r>
                     </a:p>
                   </a:txBody>
@@ -11470,8 +11473,8 @@
                     <a:lstStyle/>
                     <a:p>
                       <a:r>
-                        <a:rPr lang="en-US" sz="1200" dirty="0"/>
-                        <a:t>2. Direct Loss Measurement Probe Packet</a:t>
+                        <a:rPr lang="en-US" sz="1100" dirty="0"/>
+                        <a:t>Case 2. Direct Loss Measurement Probe Packet</a:t>
                       </a:r>
                     </a:p>
                   </a:txBody>
@@ -11490,13 +11493,13 @@
                     <a:lstStyle/>
                     <a:p>
                       <a:r>
-                        <a:rPr lang="en-US" sz="1200" dirty="0"/>
+                        <a:rPr lang="en-US" sz="1100" dirty="0"/>
                         <a:t>Need to write timestamp </a:t>
                       </a:r>
                     </a:p>
                     <a:p>
                       <a:r>
-                        <a:rPr lang="en-US" sz="1200" dirty="0"/>
+                        <a:rPr lang="en-US" sz="1100" dirty="0"/>
                         <a:t>(clock sync needed for one-way delay)</a:t>
                       </a:r>
                     </a:p>
@@ -11509,7 +11512,7 @@
                     <a:lstStyle/>
                     <a:p>
                       <a:r>
-                        <a:rPr lang="en-US" sz="1200" dirty="0">
+                        <a:rPr lang="en-US" sz="1100" dirty="0">
                           <a:solidFill>
                             <a:srgbClr val="C00000"/>
                           </a:solidFill>
@@ -11526,7 +11529,7 @@
                     <a:lstStyle/>
                     <a:p>
                       <a:r>
-                        <a:rPr lang="en-US" sz="1200" i="1" dirty="0">
+                        <a:rPr lang="en-US" sz="1100" i="1" dirty="0">
                           <a:solidFill>
                             <a:srgbClr val="C00000"/>
                           </a:solidFill>
@@ -11543,7 +11546,7 @@
                     <a:lstStyle/>
                     <a:p>
                       <a:r>
-                        <a:rPr lang="en-US" sz="1200" dirty="0">
+                        <a:rPr lang="en-US" sz="1100" dirty="0">
                           <a:solidFill>
                             <a:srgbClr val="00B050"/>
                           </a:solidFill>
@@ -11567,8 +11570,8 @@
                     <a:lstStyle/>
                     <a:p>
                       <a:r>
-                        <a:rPr lang="en-US" sz="1200" dirty="0"/>
-                        <a:t>Counter at fixed location in the probe packet for hardware counter writing</a:t>
+                        <a:rPr lang="en-US" sz="1100" dirty="0"/>
+                        <a:t>Counter at fixed location in the probe packet for hardware-based counter update</a:t>
                       </a:r>
                     </a:p>
                   </a:txBody>
@@ -11580,7 +11583,7 @@
                     <a:lstStyle/>
                     <a:p>
                       <a:r>
-                        <a:rPr lang="en-US" sz="1200" dirty="0">
+                        <a:rPr lang="en-US" sz="1100" dirty="0">
                           <a:solidFill>
                             <a:srgbClr val="C00000"/>
                           </a:solidFill>
@@ -11597,7 +11600,7 @@
                     <a:lstStyle/>
                     <a:p>
                       <a:r>
-                        <a:rPr lang="en-US" sz="1200" i="1" dirty="0">
+                        <a:rPr lang="en-US" sz="1100" i="1" dirty="0">
                           <a:solidFill>
                             <a:srgbClr val="C00000"/>
                           </a:solidFill>
@@ -11614,7 +11617,7 @@
                     <a:lstStyle/>
                     <a:p>
                       <a:r>
-                        <a:rPr lang="en-US" sz="1200" dirty="0">
+                        <a:rPr lang="en-US" sz="1100" dirty="0">
                           <a:solidFill>
                             <a:srgbClr val="00B050"/>
                           </a:solidFill>
@@ -11638,8 +11641,8 @@
                     <a:lstStyle/>
                     <a:p>
                       <a:r>
-                        <a:rPr lang="en-US" sz="1200" dirty="0"/>
-                        <a:t>Reply probe packets with counter at fixed location for hardware counter-stamping</a:t>
+                        <a:rPr lang="en-US" sz="1100" dirty="0"/>
+                        <a:t>Reply probe packets with counter at fixed location for hardware-based counter update</a:t>
                       </a:r>
                     </a:p>
                   </a:txBody>
@@ -11651,7 +11654,7 @@
                     <a:lstStyle/>
                     <a:p>
                       <a:r>
-                        <a:rPr lang="en-US" sz="1200" dirty="0">
+                        <a:rPr lang="en-US" sz="1100" dirty="0">
                           <a:solidFill>
                             <a:srgbClr val="C00000"/>
                           </a:solidFill>
@@ -11668,7 +11671,7 @@
                     <a:lstStyle/>
                     <a:p>
                       <a:r>
-                        <a:rPr lang="en-US" sz="1200" i="1" dirty="0">
+                        <a:rPr lang="en-US" sz="1100" i="1" dirty="0">
                           <a:solidFill>
                             <a:srgbClr val="C00000"/>
                           </a:solidFill>
@@ -11685,7 +11688,7 @@
                     <a:lstStyle/>
                     <a:p>
                       <a:r>
-                        <a:rPr lang="en-US" sz="1200" dirty="0">
+                        <a:rPr lang="en-US" sz="1100" dirty="0">
                           <a:solidFill>
                             <a:srgbClr val="00B050"/>
                           </a:solidFill>
@@ -11709,7 +11712,7 @@
                     <a:lstStyle/>
                     <a:p>
                       <a:r>
-                        <a:rPr lang="en-US" sz="1200" dirty="0"/>
+                        <a:rPr lang="en-US" sz="1100" dirty="0"/>
                         <a:t>Need to scan for DM TLV in each received probe packet on Session-Reflector in hardware  (there can be multiple TLVs)</a:t>
                       </a:r>
                     </a:p>
@@ -11722,7 +11725,7 @@
                     <a:lstStyle/>
                     <a:p>
                       <a:r>
-                        <a:rPr lang="en-US" sz="1200" dirty="0">
+                        <a:rPr lang="en-US" sz="1100" dirty="0">
                           <a:solidFill>
                             <a:srgbClr val="C00000"/>
                           </a:solidFill>
@@ -11739,7 +11742,7 @@
                     <a:lstStyle/>
                     <a:p>
                       <a:r>
-                        <a:rPr lang="en-US" sz="1200" i="1" dirty="0">
+                        <a:rPr lang="en-US" sz="1100" i="1" dirty="0">
                           <a:solidFill>
                             <a:srgbClr val="C00000"/>
                           </a:solidFill>
@@ -11756,7 +11759,7 @@
                     <a:lstStyle/>
                     <a:p>
                       <a:r>
-                        <a:rPr lang="en-US" sz="1200" dirty="0">
+                        <a:rPr lang="en-US" sz="1100" dirty="0">
                           <a:solidFill>
                             <a:srgbClr val="00B050"/>
                           </a:solidFill>
@@ -11780,7 +11783,7 @@
                     <a:lstStyle/>
                     <a:p>
                       <a:r>
-                        <a:rPr lang="en-US" sz="1200" dirty="0"/>
+                        <a:rPr lang="en-US" sz="1100" dirty="0"/>
                         <a:t>32-bit and 64-bit Byte counters</a:t>
                       </a:r>
                     </a:p>
@@ -11793,7 +11796,7 @@
                     <a:lstStyle/>
                     <a:p>
                       <a:r>
-                        <a:rPr lang="en-US" sz="1200" dirty="0">
+                        <a:rPr lang="en-US" sz="1100" dirty="0">
                           <a:solidFill>
                             <a:srgbClr val="C00000"/>
                           </a:solidFill>
@@ -11810,7 +11813,7 @@
                     <a:lstStyle/>
                     <a:p>
                       <a:r>
-                        <a:rPr lang="en-US" sz="1200" i="1" dirty="0">
+                        <a:rPr lang="en-US" sz="1100" i="1" dirty="0">
                           <a:solidFill>
                             <a:srgbClr val="00B050"/>
                           </a:solidFill>
@@ -11827,7 +11830,7 @@
                     <a:lstStyle/>
                     <a:p>
                       <a:r>
-                        <a:rPr lang="en-US" sz="1200" dirty="0">
+                        <a:rPr lang="en-US" sz="1100" dirty="0">
                           <a:solidFill>
                             <a:srgbClr val="00B050"/>
                           </a:solidFill>
@@ -11851,7 +11854,7 @@
                     <a:lstStyle/>
                     <a:p>
                       <a:r>
-                        <a:rPr lang="en-US" sz="1200" dirty="0"/>
+                        <a:rPr lang="en-US" sz="1100" dirty="0"/>
                         <a:t>64-bit packet counters</a:t>
                       </a:r>
                     </a:p>
@@ -11864,7 +11867,7 @@
                     <a:lstStyle/>
                     <a:p>
                       <a:r>
-                        <a:rPr lang="en-US" sz="1200" dirty="0">
+                        <a:rPr lang="en-US" sz="1100" dirty="0">
                           <a:solidFill>
                             <a:srgbClr val="C00000"/>
                           </a:solidFill>
@@ -11881,7 +11884,7 @@
                     <a:lstStyle/>
                     <a:p>
                       <a:r>
-                        <a:rPr lang="en-US" sz="1200" i="1" dirty="0">
+                        <a:rPr lang="en-US" sz="1100" i="1" dirty="0">
                           <a:solidFill>
                             <a:srgbClr val="00B050"/>
                           </a:solidFill>
@@ -11898,7 +11901,7 @@
                     <a:lstStyle/>
                     <a:p>
                       <a:r>
-                        <a:rPr lang="en-US" sz="1200" dirty="0">
+                        <a:rPr lang="en-US" sz="1100" dirty="0">
                           <a:solidFill>
                             <a:srgbClr val="00B050"/>
                           </a:solidFill>
@@ -11922,7 +11925,7 @@
                     <a:lstStyle/>
                     <a:p>
                       <a:r>
-                        <a:rPr lang="en-US" sz="1200" dirty="0"/>
+                        <a:rPr lang="en-US" sz="1100" dirty="0"/>
                         <a:t>Alternate-marking method packet loss - using block number for counters (out-of-order data packet support)</a:t>
                       </a:r>
                     </a:p>
@@ -11935,7 +11938,7 @@
                     <a:lstStyle/>
                     <a:p>
                       <a:r>
-                        <a:rPr lang="en-US" sz="1200" dirty="0">
+                        <a:rPr lang="en-US" sz="1100" dirty="0">
                           <a:solidFill>
                             <a:srgbClr val="C00000"/>
                           </a:solidFill>
@@ -11952,7 +11955,7 @@
                     <a:lstStyle/>
                     <a:p>
                       <a:r>
-                        <a:rPr lang="en-US" sz="1200" i="1" dirty="0">
+                        <a:rPr lang="en-US" sz="1100" i="1" dirty="0">
                           <a:solidFill>
                             <a:srgbClr val="00B050"/>
                           </a:solidFill>
@@ -11969,7 +11972,7 @@
                     <a:lstStyle/>
                     <a:p>
                       <a:r>
-                        <a:rPr lang="en-US" sz="1200" dirty="0">
+                        <a:rPr lang="en-US" sz="1100" dirty="0">
                           <a:solidFill>
                             <a:srgbClr val="00B050"/>
                           </a:solidFill>
@@ -11993,7 +11996,7 @@
                     <a:lstStyle/>
                     <a:p>
                       <a:r>
-                        <a:rPr lang="en-US" sz="1200" dirty="0"/>
+                        <a:rPr lang="en-US" sz="1100" dirty="0"/>
                         <a:t>Per Traffic Class Counters</a:t>
                       </a:r>
                     </a:p>
@@ -12006,7 +12009,7 @@
                     <a:lstStyle/>
                     <a:p>
                       <a:r>
-                        <a:rPr lang="en-US" sz="1200" dirty="0">
+                        <a:rPr lang="en-US" sz="1100" dirty="0">
                           <a:solidFill>
                             <a:srgbClr val="C00000"/>
                           </a:solidFill>
@@ -12023,7 +12026,7 @@
                     <a:lstStyle/>
                     <a:p>
                       <a:r>
-                        <a:rPr lang="en-US" sz="1200" i="1" dirty="0">
+                        <a:rPr lang="en-US" sz="1100" i="1" dirty="0">
                           <a:solidFill>
                             <a:srgbClr val="00B050"/>
                           </a:solidFill>
@@ -12040,7 +12043,7 @@
                     <a:lstStyle/>
                     <a:p>
                       <a:r>
-                        <a:rPr lang="en-US" sz="1200" dirty="0">
+                        <a:rPr lang="en-US" sz="1100" dirty="0">
                           <a:solidFill>
                             <a:srgbClr val="00B050"/>
                           </a:solidFill>

--- a/draft-gandhi-ippm-simple-direct-loss-00.pptx
+++ b/draft-gandhi-ippm-simple-direct-loss-00.pptx
@@ -253,7 +253,7 @@
           <a:p>
             <a:fld id="{E8FA3DB5-7722-3F4F-947D-12B203669AD7}" type="datetimeFigureOut">
               <a:rPr lang="en-US" smtClean="0"/>
-              <a:t>2/24/21</a:t>
+              <a:t>2/28/21</a:t>
             </a:fld>
             <a:endParaRPr lang="en-US"/>
           </a:p>
@@ -2196,7 +2196,7 @@
               </a14:hiddenLine>
             </a:ext>
             <a:ext uri="{FAA26D3D-D897-4be2-8F04-BA451C77F1D7}">
-              <ma14:placeholderFlag xmlns:ma14="http://schemas.microsoft.com/office/mac/drawingml/2011/main" xmlns="" val="1"/>
+              <ma14:placeholderFlag xmlns="" xmlns:ma14="http://schemas.microsoft.com/office/mac/drawingml/2011/main" val="1"/>
             </a:ext>
           </a:extLst>
         </p:spPr>
@@ -5841,7 +5841,7 @@
             </a:pPr>
             <a:r>
               <a:rPr lang="en-US" sz="1600" dirty="0"/>
-              <a:t>Avoid provisioning and maintaining sessions on Session-Reflector</a:t>
+              <a:t>Avoid provisioning and maintaining each test session on Session-Reflector</a:t>
             </a:r>
           </a:p>
           <a:p>
@@ -11382,7 +11382,7 @@
             <p:ph idx="1"/>
             <p:extLst>
               <p:ext uri="{D42A27DB-BD31-4B8C-83A1-F6EECF244321}">
-                <p14:modId xmlns:p14="http://schemas.microsoft.com/office/powerpoint/2010/main" val="3565336634"/>
+                <p14:modId xmlns:p14="http://schemas.microsoft.com/office/powerpoint/2010/main" val="2841110170"/>
               </p:ext>
             </p:extLst>
           </p:nvPr>
@@ -11461,7 +11461,7 @@
                     <a:p>
                       <a:r>
                         <a:rPr lang="en-US" sz="1100" i="1" dirty="0"/>
-                        <a:t>Case 1a. Define New STAMP Direct Measurement TLV?</a:t>
+                        <a:t>Case 1a. Define New STAMP Direct Measurement TLV2?</a:t>
                       </a:r>
                     </a:p>
                   </a:txBody>
@@ -12699,6 +12699,10 @@
             </a:endParaRPr>
           </a:p>
           <a:p>
+            <a:r>
+              <a:rPr lang="en-US" sz="2400" i="1" dirty="0"/>
+              <a:t>Define New STAMP Direct Measurement TLV2?</a:t>
+            </a:r>
             <a:endParaRPr lang="en-US" sz="2400" dirty="0">
               <a:latin typeface="Calibri" charset="0"/>
               <a:ea typeface="Calibri" charset="0"/>

--- a/draft-gandhi-ippm-simple-direct-loss-00.pptx
+++ b/draft-gandhi-ippm-simple-direct-loss-00.pptx
@@ -253,7 +253,7 @@
           <a:p>
             <a:fld id="{E8FA3DB5-7722-3F4F-947D-12B203669AD7}" type="datetimeFigureOut">
               <a:rPr lang="en-US" smtClean="0"/>
-              <a:t>2/28/21</a:t>
+              <a:t>3/2/21</a:t>
             </a:fld>
             <a:endParaRPr lang="en-US"/>
           </a:p>
@@ -2196,7 +2196,7 @@
               </a14:hiddenLine>
             </a:ext>
             <a:ext uri="{FAA26D3D-D897-4be2-8F04-BA451C77F1D7}">
-              <ma14:placeholderFlag xmlns="" xmlns:ma14="http://schemas.microsoft.com/office/mac/drawingml/2011/main" val="1"/>
+              <ma14:placeholderFlag xmlns:ma14="http://schemas.microsoft.com/office/mac/drawingml/2011/main" xmlns="" val="1"/>
             </a:ext>
           </a:extLst>
         </p:spPr>
@@ -12231,7 +12231,7 @@
         <p:spPr>
           <a:xfrm>
             <a:off x="533400" y="3212680"/>
-            <a:ext cx="8153400" cy="1401330"/>
+            <a:ext cx="8153400" cy="1573632"/>
           </a:xfrm>
         </p:spPr>
         <p:txBody>
@@ -12240,7 +12240,7 @@
           <a:p>
             <a:pPr>
               <a:lnSpc>
-                <a:spcPts val="1640"/>
+                <a:spcPts val="1740"/>
               </a:lnSpc>
               <a:spcBef>
                 <a:spcPts val="300"/>
@@ -12274,7 +12274,7 @@
           <a:p>
             <a:pPr lvl="1">
               <a:lnSpc>
-                <a:spcPts val="1640"/>
+                <a:spcPts val="1740"/>
               </a:lnSpc>
               <a:spcBef>
                 <a:spcPts val="300"/>
@@ -12296,7 +12296,7 @@
           <a:p>
             <a:pPr lvl="1">
               <a:lnSpc>
-                <a:spcPts val="1640"/>
+                <a:spcPts val="1740"/>
               </a:lnSpc>
               <a:spcBef>
                 <a:spcPts val="300"/>
@@ -12318,7 +12318,7 @@
           <a:p>
             <a:pPr>
               <a:lnSpc>
-                <a:spcPts val="1640"/>
+                <a:spcPts val="1740"/>
               </a:lnSpc>
               <a:spcBef>
                 <a:spcPts val="300"/>
@@ -12332,7 +12332,7 @@
           <a:p>
             <a:pPr>
               <a:lnSpc>
-                <a:spcPts val="1640"/>
+                <a:spcPts val="1740"/>
               </a:lnSpc>
               <a:spcBef>
                 <a:spcPts val="300"/>
